--- a/01-aks-and-k8s-101/slides/Introduction to AKS.pptx
+++ b/01-aks-and-k8s-101/slides/Introduction to AKS.pptx
@@ -104,6 +104,11 @@
       </a:defRPr>
     </a:lvl9pPr>
   </p:defaultTextStyle>
+  <p:extLst>
+    <p:ext uri="{EFAFB233-063F-42B5-8137-9DF3F51BA10A}">
+      <p15:sldGuideLst xmlns:p15="http://schemas.microsoft.com/office/powerpoint/2012/main"/>
+    </p:ext>
+  </p:extLst>
 </p:presentation>
 </file>
 
@@ -254,7 +259,7 @@
           <a:p>
             <a:fld id="{CE88D40F-0E01-46E3-A0A3-09B1E418DDBF}" type="datetimeFigureOut">
               <a:rPr lang="en-US" smtClean="0"/>
-              <a:t>1/24/2021</a:t>
+              <a:t>1/26/2021</a:t>
             </a:fld>
             <a:endParaRPr lang="en-US"/>
           </a:p>
@@ -452,7 +457,7 @@
           <a:p>
             <a:fld id="{CE88D40F-0E01-46E3-A0A3-09B1E418DDBF}" type="datetimeFigureOut">
               <a:rPr lang="en-US" smtClean="0"/>
-              <a:t>1/24/2021</a:t>
+              <a:t>1/26/2021</a:t>
             </a:fld>
             <a:endParaRPr lang="en-US"/>
           </a:p>
@@ -660,7 +665,7 @@
           <a:p>
             <a:fld id="{CE88D40F-0E01-46E3-A0A3-09B1E418DDBF}" type="datetimeFigureOut">
               <a:rPr lang="en-US" smtClean="0"/>
-              <a:t>1/24/2021</a:t>
+              <a:t>1/26/2021</a:t>
             </a:fld>
             <a:endParaRPr lang="en-US"/>
           </a:p>
@@ -858,7 +863,7 @@
           <a:p>
             <a:fld id="{CE88D40F-0E01-46E3-A0A3-09B1E418DDBF}" type="datetimeFigureOut">
               <a:rPr lang="en-US" smtClean="0"/>
-              <a:t>1/24/2021</a:t>
+              <a:t>1/26/2021</a:t>
             </a:fld>
             <a:endParaRPr lang="en-US"/>
           </a:p>
@@ -1133,7 +1138,7 @@
           <a:p>
             <a:fld id="{CE88D40F-0E01-46E3-A0A3-09B1E418DDBF}" type="datetimeFigureOut">
               <a:rPr lang="en-US" smtClean="0"/>
-              <a:t>1/24/2021</a:t>
+              <a:t>1/26/2021</a:t>
             </a:fld>
             <a:endParaRPr lang="en-US"/>
           </a:p>
@@ -1398,7 +1403,7 @@
           <a:p>
             <a:fld id="{CE88D40F-0E01-46E3-A0A3-09B1E418DDBF}" type="datetimeFigureOut">
               <a:rPr lang="en-US" smtClean="0"/>
-              <a:t>1/24/2021</a:t>
+              <a:t>1/26/2021</a:t>
             </a:fld>
             <a:endParaRPr lang="en-US"/>
           </a:p>
@@ -1810,7 +1815,7 @@
           <a:p>
             <a:fld id="{CE88D40F-0E01-46E3-A0A3-09B1E418DDBF}" type="datetimeFigureOut">
               <a:rPr lang="en-US" smtClean="0"/>
-              <a:t>1/24/2021</a:t>
+              <a:t>1/26/2021</a:t>
             </a:fld>
             <a:endParaRPr lang="en-US"/>
           </a:p>
@@ -1951,7 +1956,7 @@
           <a:p>
             <a:fld id="{CE88D40F-0E01-46E3-A0A3-09B1E418DDBF}" type="datetimeFigureOut">
               <a:rPr lang="en-US" smtClean="0"/>
-              <a:t>1/24/2021</a:t>
+              <a:t>1/26/2021</a:t>
             </a:fld>
             <a:endParaRPr lang="en-US"/>
           </a:p>
@@ -2064,7 +2069,7 @@
           <a:p>
             <a:fld id="{CE88D40F-0E01-46E3-A0A3-09B1E418DDBF}" type="datetimeFigureOut">
               <a:rPr lang="en-US" smtClean="0"/>
-              <a:t>1/24/2021</a:t>
+              <a:t>1/26/2021</a:t>
             </a:fld>
             <a:endParaRPr lang="en-US"/>
           </a:p>
@@ -2375,7 +2380,7 @@
           <a:p>
             <a:fld id="{CE88D40F-0E01-46E3-A0A3-09B1E418DDBF}" type="datetimeFigureOut">
               <a:rPr lang="en-US" smtClean="0"/>
-              <a:t>1/24/2021</a:t>
+              <a:t>1/26/2021</a:t>
             </a:fld>
             <a:endParaRPr lang="en-US"/>
           </a:p>
@@ -2663,7 +2668,7 @@
           <a:p>
             <a:fld id="{CE88D40F-0E01-46E3-A0A3-09B1E418DDBF}" type="datetimeFigureOut">
               <a:rPr lang="en-US" smtClean="0"/>
-              <a:t>1/24/2021</a:t>
+              <a:t>1/26/2021</a:t>
             </a:fld>
             <a:endParaRPr lang="en-US"/>
           </a:p>
@@ -2904,7 +2909,7 @@
           <a:p>
             <a:fld id="{CE88D40F-0E01-46E3-A0A3-09B1E418DDBF}" type="datetimeFigureOut">
               <a:rPr lang="en-US" smtClean="0"/>
-              <a:t>1/24/2021</a:t>
+              <a:t>1/26/2021</a:t>
             </a:fld>
             <a:endParaRPr lang="en-US"/>
           </a:p>
@@ -4397,6 +4402,132 @@
           </a:prstGeom>
         </p:spPr>
       </p:pic>
+      <p:pic>
+        <p:nvPicPr>
+          <p:cNvPr id="9" name="Google Shape;56;p13">
+            <a:extLst>
+              <a:ext uri="{FF2B5EF4-FFF2-40B4-BE49-F238E27FC236}">
+                <a16:creationId xmlns:a16="http://schemas.microsoft.com/office/drawing/2014/main" id="{8B86C196-2125-4822-ACAC-63C2EC26B20A}"/>
+              </a:ext>
+            </a:extLst>
+          </p:cNvPr>
+          <p:cNvPicPr preferRelativeResize="0"/>
+          <p:nvPr/>
+        </p:nvPicPr>
+        <p:blipFill>
+          <a:blip r:embed="rId4">
+            <a:alphaModFix/>
+          </a:blip>
+          <a:stretch>
+            <a:fillRect/>
+          </a:stretch>
+        </p:blipFill>
+        <p:spPr>
+          <a:xfrm>
+            <a:off x="10989179" y="5736492"/>
+            <a:ext cx="1202821" cy="1121508"/>
+          </a:xfrm>
+          <a:prstGeom prst="rect">
+            <a:avLst/>
+          </a:prstGeom>
+          <a:noFill/>
+          <a:ln>
+            <a:noFill/>
+          </a:ln>
+        </p:spPr>
+      </p:pic>
+      <p:sp>
+        <p:nvSpPr>
+          <p:cNvPr id="10" name="Google Shape;55;p13">
+            <a:extLst>
+              <a:ext uri="{FF2B5EF4-FFF2-40B4-BE49-F238E27FC236}">
+                <a16:creationId xmlns:a16="http://schemas.microsoft.com/office/drawing/2014/main" id="{F6E61504-9462-4F2B-BF6D-31CBE01EBD3B}"/>
+              </a:ext>
+            </a:extLst>
+          </p:cNvPr>
+          <p:cNvSpPr txBox="1">
+            <a:spLocks noGrp="1"/>
+          </p:cNvSpPr>
+          <p:nvPr>
+            <p:ph type="subTitle" idx="1"/>
+          </p:nvPr>
+        </p:nvSpPr>
+        <p:spPr>
+          <a:xfrm>
+            <a:off x="5064967" y="5792301"/>
+            <a:ext cx="5924212" cy="1039684"/>
+          </a:xfrm>
+          <a:prstGeom prst="rect">
+            <a:avLst/>
+          </a:prstGeom>
+        </p:spPr>
+        <p:txBody>
+          <a:bodyPr spcFirstLastPara="1" wrap="square" lIns="91425" tIns="91425" rIns="91425" bIns="91425" anchor="t" anchorCtr="0">
+            <a:noAutofit/>
+          </a:bodyPr>
+          <a:lstStyle/>
+          <a:p>
+            <a:pPr marL="0" lvl="0" indent="0" algn="ctr" rtl="0">
+              <a:spcBef>
+                <a:spcPts val="0"/>
+              </a:spcBef>
+              <a:spcAft>
+                <a:spcPts val="0"/>
+              </a:spcAft>
+              <a:buNone/>
+            </a:pPr>
+            <a:r>
+              <a:rPr lang="en" sz="2000" dirty="0">
+                <a:latin typeface="Comic Sans MS" panose="030F0702030302020204" pitchFamily="66" charset="0"/>
+              </a:rPr>
+              <a:t>Infrastructure as Code User Group Oslo</a:t>
+            </a:r>
+            <a:endParaRPr sz="2000" dirty="0">
+              <a:latin typeface="Comic Sans MS" panose="030F0702030302020204" pitchFamily="66" charset="0"/>
+            </a:endParaRPr>
+          </a:p>
+          <a:p>
+            <a:pPr marL="0" lvl="0" indent="0" algn="ctr" rtl="0">
+              <a:spcBef>
+                <a:spcPts val="0"/>
+              </a:spcBef>
+              <a:spcAft>
+                <a:spcPts val="0"/>
+              </a:spcAft>
+              <a:buNone/>
+            </a:pPr>
+            <a:r>
+              <a:rPr lang="en" sz="2000" dirty="0">
+                <a:latin typeface="Comic Sans MS" panose="030F0702030302020204" pitchFamily="66" charset="0"/>
+              </a:rPr>
+              <a:t>09.02.2021</a:t>
+            </a:r>
+            <a:endParaRPr sz="2000" dirty="0">
+              <a:latin typeface="Comic Sans MS" panose="030F0702030302020204" pitchFamily="66" charset="0"/>
+            </a:endParaRPr>
+          </a:p>
+          <a:p>
+            <a:pPr marL="0" lvl="0" indent="0" algn="ctr" rtl="0">
+              <a:spcBef>
+                <a:spcPts val="0"/>
+              </a:spcBef>
+              <a:spcAft>
+                <a:spcPts val="0"/>
+              </a:spcAft>
+              <a:buNone/>
+            </a:pPr>
+            <a:r>
+              <a:rPr lang="en" sz="2000" dirty="0">
+                <a:latin typeface="Comic Sans MS" panose="030F0702030302020204" pitchFamily="66" charset="0"/>
+              </a:rPr>
+              <a:t>Evgeny Borzenin</a:t>
+            </a:r>
+            <a:endParaRPr sz="2000" dirty="0">
+              <a:latin typeface="Comic Sans MS" panose="030F0702030302020204" pitchFamily="66" charset="0"/>
+            </a:endParaRPr>
+          </a:p>
+        </p:txBody>
+      </p:sp>
     </p:spTree>
     <p:extLst>
       <p:ext uri="{BB962C8B-B14F-4D97-AF65-F5344CB8AC3E}">

--- a/01-aks-and-k8s-101/slides/Introduction to AKS.pptx
+++ b/01-aks-and-k8s-101/slides/Introduction to AKS.pptx
@@ -4,8 +4,15 @@
   <p:sldMasterIdLst>
     <p:sldMasterId id="2147483648" r:id="rId1"/>
   </p:sldMasterIdLst>
+  <p:notesMasterIdLst>
+    <p:notesMasterId r:id="rId7"/>
+  </p:notesMasterIdLst>
   <p:sldIdLst>
     <p:sldId id="256" r:id="rId2"/>
+    <p:sldId id="257" r:id="rId3"/>
+    <p:sldId id="258" r:id="rId4"/>
+    <p:sldId id="260" r:id="rId5"/>
+    <p:sldId id="259" r:id="rId6"/>
   </p:sldIdLst>
   <p:sldSz cx="12192000" cy="6858000"/>
   <p:notesSz cx="6858000" cy="9144000"/>
@@ -112,6 +119,781 @@
 </p:presentation>
 </file>
 
+<file path=ppt/notesMasters/notesMaster1.xml><?xml version="1.0" encoding="utf-8"?>
+<p:notesMaster xmlns:a="http://schemas.openxmlformats.org/drawingml/2006/main" xmlns:r="http://schemas.openxmlformats.org/officeDocument/2006/relationships" xmlns:p="http://schemas.openxmlformats.org/presentationml/2006/main">
+  <p:cSld>
+    <p:bg>
+      <p:bgRef idx="1001">
+        <a:schemeClr val="bg1"/>
+      </p:bgRef>
+    </p:bg>
+    <p:spTree>
+      <p:nvGrpSpPr>
+        <p:cNvPr id="1" name=""/>
+        <p:cNvGrpSpPr/>
+        <p:nvPr/>
+      </p:nvGrpSpPr>
+      <p:grpSpPr>
+        <a:xfrm>
+          <a:off x="0" y="0"/>
+          <a:ext cx="0" cy="0"/>
+          <a:chOff x="0" y="0"/>
+          <a:chExt cx="0" cy="0"/>
+        </a:xfrm>
+      </p:grpSpPr>
+      <p:sp>
+        <p:nvSpPr>
+          <p:cNvPr id="2" name="Header Placeholder 1"/>
+          <p:cNvSpPr>
+            <a:spLocks noGrp="1"/>
+          </p:cNvSpPr>
+          <p:nvPr>
+            <p:ph type="hdr" sz="quarter"/>
+          </p:nvPr>
+        </p:nvSpPr>
+        <p:spPr>
+          <a:xfrm>
+            <a:off x="0" y="0"/>
+            <a:ext cx="2971800" cy="458788"/>
+          </a:xfrm>
+          <a:prstGeom prst="rect">
+            <a:avLst/>
+          </a:prstGeom>
+        </p:spPr>
+        <p:txBody>
+          <a:bodyPr vert="horz" lIns="91440" tIns="45720" rIns="91440" bIns="45720" rtlCol="0"/>
+          <a:lstStyle>
+            <a:lvl1pPr algn="l">
+              <a:defRPr sz="1200"/>
+            </a:lvl1pPr>
+          </a:lstStyle>
+          <a:p>
+            <a:endParaRPr lang="en-US"/>
+          </a:p>
+        </p:txBody>
+      </p:sp>
+      <p:sp>
+        <p:nvSpPr>
+          <p:cNvPr id="3" name="Date Placeholder 2"/>
+          <p:cNvSpPr>
+            <a:spLocks noGrp="1"/>
+          </p:cNvSpPr>
+          <p:nvPr>
+            <p:ph type="dt" idx="1"/>
+          </p:nvPr>
+        </p:nvSpPr>
+        <p:spPr>
+          <a:xfrm>
+            <a:off x="3884613" y="0"/>
+            <a:ext cx="2971800" cy="458788"/>
+          </a:xfrm>
+          <a:prstGeom prst="rect">
+            <a:avLst/>
+          </a:prstGeom>
+        </p:spPr>
+        <p:txBody>
+          <a:bodyPr vert="horz" lIns="91440" tIns="45720" rIns="91440" bIns="45720" rtlCol="0"/>
+          <a:lstStyle>
+            <a:lvl1pPr algn="r">
+              <a:defRPr sz="1200"/>
+            </a:lvl1pPr>
+          </a:lstStyle>
+          <a:p>
+            <a:fld id="{11837477-D453-41A7-B038-AF1F6C7EED11}" type="datetimeFigureOut">
+              <a:rPr lang="en-US" smtClean="0"/>
+              <a:t>2/8/2021</a:t>
+            </a:fld>
+            <a:endParaRPr lang="en-US"/>
+          </a:p>
+        </p:txBody>
+      </p:sp>
+      <p:sp>
+        <p:nvSpPr>
+          <p:cNvPr id="4" name="Slide Image Placeholder 3"/>
+          <p:cNvSpPr>
+            <a:spLocks noGrp="1" noRot="1" noChangeAspect="1"/>
+          </p:cNvSpPr>
+          <p:nvPr>
+            <p:ph type="sldImg" idx="2"/>
+          </p:nvPr>
+        </p:nvSpPr>
+        <p:spPr>
+          <a:xfrm>
+            <a:off x="685800" y="1143000"/>
+            <a:ext cx="5486400" cy="3086100"/>
+          </a:xfrm>
+          <a:prstGeom prst="rect">
+            <a:avLst/>
+          </a:prstGeom>
+          <a:noFill/>
+          <a:ln w="12700">
+            <a:solidFill>
+              <a:prstClr val="black"/>
+            </a:solidFill>
+          </a:ln>
+        </p:spPr>
+        <p:txBody>
+          <a:bodyPr vert="horz" lIns="91440" tIns="45720" rIns="91440" bIns="45720" rtlCol="0" anchor="ctr"/>
+          <a:lstStyle/>
+          <a:p>
+            <a:endParaRPr lang="en-US"/>
+          </a:p>
+        </p:txBody>
+      </p:sp>
+      <p:sp>
+        <p:nvSpPr>
+          <p:cNvPr id="5" name="Notes Placeholder 4"/>
+          <p:cNvSpPr>
+            <a:spLocks noGrp="1"/>
+          </p:cNvSpPr>
+          <p:nvPr>
+            <p:ph type="body" sz="quarter" idx="3"/>
+          </p:nvPr>
+        </p:nvSpPr>
+        <p:spPr>
+          <a:xfrm>
+            <a:off x="685800" y="4400550"/>
+            <a:ext cx="5486400" cy="3600450"/>
+          </a:xfrm>
+          <a:prstGeom prst="rect">
+            <a:avLst/>
+          </a:prstGeom>
+        </p:spPr>
+        <p:txBody>
+          <a:bodyPr vert="horz" lIns="91440" tIns="45720" rIns="91440" bIns="45720" rtlCol="0"/>
+          <a:lstStyle/>
+          <a:p>
+            <a:pPr lvl="0"/>
+            <a:r>
+              <a:rPr lang="en-US"/>
+              <a:t>Click to edit Master text styles</a:t>
+            </a:r>
+          </a:p>
+          <a:p>
+            <a:pPr lvl="1"/>
+            <a:r>
+              <a:rPr lang="en-US"/>
+              <a:t>Second level</a:t>
+            </a:r>
+          </a:p>
+          <a:p>
+            <a:pPr lvl="2"/>
+            <a:r>
+              <a:rPr lang="en-US"/>
+              <a:t>Third level</a:t>
+            </a:r>
+          </a:p>
+          <a:p>
+            <a:pPr lvl="3"/>
+            <a:r>
+              <a:rPr lang="en-US"/>
+              <a:t>Fourth level</a:t>
+            </a:r>
+          </a:p>
+          <a:p>
+            <a:pPr lvl="4"/>
+            <a:r>
+              <a:rPr lang="en-US"/>
+              <a:t>Fifth level</a:t>
+            </a:r>
+          </a:p>
+        </p:txBody>
+      </p:sp>
+      <p:sp>
+        <p:nvSpPr>
+          <p:cNvPr id="6" name="Footer Placeholder 5"/>
+          <p:cNvSpPr>
+            <a:spLocks noGrp="1"/>
+          </p:cNvSpPr>
+          <p:nvPr>
+            <p:ph type="ftr" sz="quarter" idx="4"/>
+          </p:nvPr>
+        </p:nvSpPr>
+        <p:spPr>
+          <a:xfrm>
+            <a:off x="0" y="8685213"/>
+            <a:ext cx="2971800" cy="458787"/>
+          </a:xfrm>
+          <a:prstGeom prst="rect">
+            <a:avLst/>
+          </a:prstGeom>
+        </p:spPr>
+        <p:txBody>
+          <a:bodyPr vert="horz" lIns="91440" tIns="45720" rIns="91440" bIns="45720" rtlCol="0" anchor="b"/>
+          <a:lstStyle>
+            <a:lvl1pPr algn="l">
+              <a:defRPr sz="1200"/>
+            </a:lvl1pPr>
+          </a:lstStyle>
+          <a:p>
+            <a:endParaRPr lang="en-US"/>
+          </a:p>
+        </p:txBody>
+      </p:sp>
+      <p:sp>
+        <p:nvSpPr>
+          <p:cNvPr id="7" name="Slide Number Placeholder 6"/>
+          <p:cNvSpPr>
+            <a:spLocks noGrp="1"/>
+          </p:cNvSpPr>
+          <p:nvPr>
+            <p:ph type="sldNum" sz="quarter" idx="5"/>
+          </p:nvPr>
+        </p:nvSpPr>
+        <p:spPr>
+          <a:xfrm>
+            <a:off x="3884613" y="8685213"/>
+            <a:ext cx="2971800" cy="458787"/>
+          </a:xfrm>
+          <a:prstGeom prst="rect">
+            <a:avLst/>
+          </a:prstGeom>
+        </p:spPr>
+        <p:txBody>
+          <a:bodyPr vert="horz" lIns="91440" tIns="45720" rIns="91440" bIns="45720" rtlCol="0" anchor="b"/>
+          <a:lstStyle>
+            <a:lvl1pPr algn="r">
+              <a:defRPr sz="1200"/>
+            </a:lvl1pPr>
+          </a:lstStyle>
+          <a:p>
+            <a:fld id="{00A560F4-8102-4EC4-BB24-179BCBD2EB8E}" type="slidenum">
+              <a:rPr lang="en-US" smtClean="0"/>
+              <a:t>‹#›</a:t>
+            </a:fld>
+            <a:endParaRPr lang="en-US"/>
+          </a:p>
+        </p:txBody>
+      </p:sp>
+    </p:spTree>
+    <p:extLst>
+      <p:ext uri="{BB962C8B-B14F-4D97-AF65-F5344CB8AC3E}">
+        <p14:creationId xmlns:p14="http://schemas.microsoft.com/office/powerpoint/2010/main" val="3001037570"/>
+      </p:ext>
+    </p:extLst>
+  </p:cSld>
+  <p:clrMap bg1="lt1" tx1="dk1" bg2="lt2" tx2="dk2" accent1="accent1" accent2="accent2" accent3="accent3" accent4="accent4" accent5="accent5" accent6="accent6" hlink="hlink" folHlink="folHlink"/>
+  <p:notesStyle>
+    <a:lvl1pPr marL="0" algn="l" defTabSz="914400" rtl="0" eaLnBrk="1" latinLnBrk="0" hangingPunct="1">
+      <a:defRPr sz="1200" kern="1200">
+        <a:solidFill>
+          <a:schemeClr val="tx1"/>
+        </a:solidFill>
+        <a:latin typeface="+mn-lt"/>
+        <a:ea typeface="+mn-ea"/>
+        <a:cs typeface="+mn-cs"/>
+      </a:defRPr>
+    </a:lvl1pPr>
+    <a:lvl2pPr marL="457200" algn="l" defTabSz="914400" rtl="0" eaLnBrk="1" latinLnBrk="0" hangingPunct="1">
+      <a:defRPr sz="1200" kern="1200">
+        <a:solidFill>
+          <a:schemeClr val="tx1"/>
+        </a:solidFill>
+        <a:latin typeface="+mn-lt"/>
+        <a:ea typeface="+mn-ea"/>
+        <a:cs typeface="+mn-cs"/>
+      </a:defRPr>
+    </a:lvl2pPr>
+    <a:lvl3pPr marL="914400" algn="l" defTabSz="914400" rtl="0" eaLnBrk="1" latinLnBrk="0" hangingPunct="1">
+      <a:defRPr sz="1200" kern="1200">
+        <a:solidFill>
+          <a:schemeClr val="tx1"/>
+        </a:solidFill>
+        <a:latin typeface="+mn-lt"/>
+        <a:ea typeface="+mn-ea"/>
+        <a:cs typeface="+mn-cs"/>
+      </a:defRPr>
+    </a:lvl3pPr>
+    <a:lvl4pPr marL="1371600" algn="l" defTabSz="914400" rtl="0" eaLnBrk="1" latinLnBrk="0" hangingPunct="1">
+      <a:defRPr sz="1200" kern="1200">
+        <a:solidFill>
+          <a:schemeClr val="tx1"/>
+        </a:solidFill>
+        <a:latin typeface="+mn-lt"/>
+        <a:ea typeface="+mn-ea"/>
+        <a:cs typeface="+mn-cs"/>
+      </a:defRPr>
+    </a:lvl4pPr>
+    <a:lvl5pPr marL="1828800" algn="l" defTabSz="914400" rtl="0" eaLnBrk="1" latinLnBrk="0" hangingPunct="1">
+      <a:defRPr sz="1200" kern="1200">
+        <a:solidFill>
+          <a:schemeClr val="tx1"/>
+        </a:solidFill>
+        <a:latin typeface="+mn-lt"/>
+        <a:ea typeface="+mn-ea"/>
+        <a:cs typeface="+mn-cs"/>
+      </a:defRPr>
+    </a:lvl5pPr>
+    <a:lvl6pPr marL="2286000" algn="l" defTabSz="914400" rtl="0" eaLnBrk="1" latinLnBrk="0" hangingPunct="1">
+      <a:defRPr sz="1200" kern="1200">
+        <a:solidFill>
+          <a:schemeClr val="tx1"/>
+        </a:solidFill>
+        <a:latin typeface="+mn-lt"/>
+        <a:ea typeface="+mn-ea"/>
+        <a:cs typeface="+mn-cs"/>
+      </a:defRPr>
+    </a:lvl6pPr>
+    <a:lvl7pPr marL="2743200" algn="l" defTabSz="914400" rtl="0" eaLnBrk="1" latinLnBrk="0" hangingPunct="1">
+      <a:defRPr sz="1200" kern="1200">
+        <a:solidFill>
+          <a:schemeClr val="tx1"/>
+        </a:solidFill>
+        <a:latin typeface="+mn-lt"/>
+        <a:ea typeface="+mn-ea"/>
+        <a:cs typeface="+mn-cs"/>
+      </a:defRPr>
+    </a:lvl7pPr>
+    <a:lvl8pPr marL="3200400" algn="l" defTabSz="914400" rtl="0" eaLnBrk="1" latinLnBrk="0" hangingPunct="1">
+      <a:defRPr sz="1200" kern="1200">
+        <a:solidFill>
+          <a:schemeClr val="tx1"/>
+        </a:solidFill>
+        <a:latin typeface="+mn-lt"/>
+        <a:ea typeface="+mn-ea"/>
+        <a:cs typeface="+mn-cs"/>
+      </a:defRPr>
+    </a:lvl8pPr>
+    <a:lvl9pPr marL="3657600" algn="l" defTabSz="914400" rtl="0" eaLnBrk="1" latinLnBrk="0" hangingPunct="1">
+      <a:defRPr sz="1200" kern="1200">
+        <a:solidFill>
+          <a:schemeClr val="tx1"/>
+        </a:solidFill>
+        <a:latin typeface="+mn-lt"/>
+        <a:ea typeface="+mn-ea"/>
+        <a:cs typeface="+mn-cs"/>
+      </a:defRPr>
+    </a:lvl9pPr>
+  </p:notesStyle>
+</p:notesMaster>
+</file>
+
+<file path=ppt/notesSlides/notesSlide1.xml><?xml version="1.0" encoding="utf-8"?>
+<p:notes xmlns:a="http://schemas.openxmlformats.org/drawingml/2006/main" xmlns:r="http://schemas.openxmlformats.org/officeDocument/2006/relationships" xmlns:p="http://schemas.openxmlformats.org/presentationml/2006/main" showMasterSp="0" showMasterPhAnim="0">
+  <p:cSld>
+    <p:spTree>
+      <p:nvGrpSpPr>
+        <p:cNvPr id="1" name="Shape 57"/>
+        <p:cNvGrpSpPr/>
+        <p:nvPr/>
+      </p:nvGrpSpPr>
+      <p:grpSpPr>
+        <a:xfrm>
+          <a:off x="0" y="0"/>
+          <a:ext cx="0" cy="0"/>
+          <a:chOff x="0" y="0"/>
+          <a:chExt cx="0" cy="0"/>
+        </a:xfrm>
+      </p:grpSpPr>
+      <p:sp>
+        <p:nvSpPr>
+          <p:cNvPr id="58" name="Google Shape;58;g7df43cfd70_0_78:notes"/>
+          <p:cNvSpPr>
+            <a:spLocks noGrp="1" noRot="1" noChangeAspect="1"/>
+          </p:cNvSpPr>
+          <p:nvPr>
+            <p:ph type="sldImg" idx="2"/>
+          </p:nvPr>
+        </p:nvSpPr>
+        <p:spPr>
+          <a:xfrm>
+            <a:off x="381000" y="685800"/>
+            <a:ext cx="6096000" cy="3429000"/>
+          </a:xfrm>
+          <a:custGeom>
+            <a:avLst/>
+            <a:gdLst/>
+            <a:ahLst/>
+            <a:cxnLst/>
+            <a:rect l="l" t="t" r="r" b="b"/>
+            <a:pathLst>
+              <a:path w="120000" h="120000" extrusionOk="0">
+                <a:moveTo>
+                  <a:pt x="0" y="0"/>
+                </a:moveTo>
+                <a:lnTo>
+                  <a:pt x="120000" y="0"/>
+                </a:lnTo>
+                <a:lnTo>
+                  <a:pt x="120000" y="120000"/>
+                </a:lnTo>
+                <a:lnTo>
+                  <a:pt x="0" y="120000"/>
+                </a:lnTo>
+                <a:close/>
+              </a:path>
+            </a:pathLst>
+          </a:custGeom>
+        </p:spPr>
+      </p:sp>
+      <p:sp>
+        <p:nvSpPr>
+          <p:cNvPr id="59" name="Google Shape;59;g7df43cfd70_0_78:notes"/>
+          <p:cNvSpPr txBox="1">
+            <a:spLocks noGrp="1"/>
+          </p:cNvSpPr>
+          <p:nvPr>
+            <p:ph type="body" idx="1"/>
+          </p:nvPr>
+        </p:nvSpPr>
+        <p:spPr>
+          <a:xfrm>
+            <a:off x="685800" y="4343400"/>
+            <a:ext cx="5486400" cy="4114800"/>
+          </a:xfrm>
+          <a:prstGeom prst="rect">
+            <a:avLst/>
+          </a:prstGeom>
+        </p:spPr>
+        <p:txBody>
+          <a:bodyPr spcFirstLastPara="1" wrap="square" lIns="91425" tIns="91425" rIns="91425" bIns="91425" anchor="t" anchorCtr="0">
+            <a:noAutofit/>
+          </a:bodyPr>
+          <a:lstStyle/>
+          <a:p>
+            <a:pPr marL="0" lvl="0" indent="0" algn="l" rtl="0">
+              <a:spcBef>
+                <a:spcPts val="0"/>
+              </a:spcBef>
+              <a:spcAft>
+                <a:spcPts val="0"/>
+              </a:spcAft>
+              <a:buNone/>
+            </a:pPr>
+            <a:endParaRPr/>
+          </a:p>
+        </p:txBody>
+      </p:sp>
+    </p:spTree>
+  </p:cSld>
+  <p:clrMapOvr>
+    <a:masterClrMapping/>
+  </p:clrMapOvr>
+</p:notes>
+</file>
+
+<file path=ppt/notesSlides/notesSlide2.xml><?xml version="1.0" encoding="utf-8"?>
+<p:notes xmlns:a="http://schemas.openxmlformats.org/drawingml/2006/main" xmlns:r="http://schemas.openxmlformats.org/officeDocument/2006/relationships" xmlns:p="http://schemas.openxmlformats.org/presentationml/2006/main" showMasterSp="0" showMasterPhAnim="0">
+  <p:cSld>
+    <p:spTree>
+      <p:nvGrpSpPr>
+        <p:cNvPr id="1" name="Shape 64"/>
+        <p:cNvGrpSpPr/>
+        <p:nvPr/>
+      </p:nvGrpSpPr>
+      <p:grpSpPr>
+        <a:xfrm>
+          <a:off x="0" y="0"/>
+          <a:ext cx="0" cy="0"/>
+          <a:chOff x="0" y="0"/>
+          <a:chExt cx="0" cy="0"/>
+        </a:xfrm>
+      </p:grpSpPr>
+      <p:sp>
+        <p:nvSpPr>
+          <p:cNvPr id="65" name="Google Shape;65;g7fd950372b_1_3:notes"/>
+          <p:cNvSpPr>
+            <a:spLocks noGrp="1" noRot="1" noChangeAspect="1"/>
+          </p:cNvSpPr>
+          <p:nvPr>
+            <p:ph type="sldImg" idx="2"/>
+          </p:nvPr>
+        </p:nvSpPr>
+        <p:spPr>
+          <a:xfrm>
+            <a:off x="381000" y="685800"/>
+            <a:ext cx="6096000" cy="3429000"/>
+          </a:xfrm>
+          <a:custGeom>
+            <a:avLst/>
+            <a:gdLst/>
+            <a:ahLst/>
+            <a:cxnLst/>
+            <a:rect l="l" t="t" r="r" b="b"/>
+            <a:pathLst>
+              <a:path w="120000" h="120000" extrusionOk="0">
+                <a:moveTo>
+                  <a:pt x="0" y="0"/>
+                </a:moveTo>
+                <a:lnTo>
+                  <a:pt x="120000" y="0"/>
+                </a:lnTo>
+                <a:lnTo>
+                  <a:pt x="120000" y="120000"/>
+                </a:lnTo>
+                <a:lnTo>
+                  <a:pt x="0" y="120000"/>
+                </a:lnTo>
+                <a:close/>
+              </a:path>
+            </a:pathLst>
+          </a:custGeom>
+        </p:spPr>
+      </p:sp>
+      <p:sp>
+        <p:nvSpPr>
+          <p:cNvPr id="66" name="Google Shape;66;g7fd950372b_1_3:notes"/>
+          <p:cNvSpPr txBox="1">
+            <a:spLocks noGrp="1"/>
+          </p:cNvSpPr>
+          <p:nvPr>
+            <p:ph type="body" idx="1"/>
+          </p:nvPr>
+        </p:nvSpPr>
+        <p:spPr>
+          <a:xfrm>
+            <a:off x="685800" y="4343400"/>
+            <a:ext cx="5486400" cy="4114800"/>
+          </a:xfrm>
+          <a:prstGeom prst="rect">
+            <a:avLst/>
+          </a:prstGeom>
+        </p:spPr>
+        <p:txBody>
+          <a:bodyPr spcFirstLastPara="1" wrap="square" lIns="91425" tIns="91425" rIns="91425" bIns="91425" anchor="t" anchorCtr="0">
+            <a:noAutofit/>
+          </a:bodyPr>
+          <a:lstStyle/>
+          <a:p>
+            <a:pPr marL="0" lvl="0" indent="0" algn="l" rtl="0">
+              <a:spcBef>
+                <a:spcPts val="0"/>
+              </a:spcBef>
+              <a:spcAft>
+                <a:spcPts val="0"/>
+              </a:spcAft>
+              <a:buNone/>
+            </a:pPr>
+            <a:endParaRPr/>
+          </a:p>
+        </p:txBody>
+      </p:sp>
+    </p:spTree>
+  </p:cSld>
+  <p:clrMapOvr>
+    <a:masterClrMapping/>
+  </p:clrMapOvr>
+</p:notes>
+</file>
+
+<file path=ppt/notesSlides/notesSlide3.xml><?xml version="1.0" encoding="utf-8"?>
+<p:notes xmlns:a="http://schemas.openxmlformats.org/drawingml/2006/main" xmlns:r="http://schemas.openxmlformats.org/officeDocument/2006/relationships" xmlns:p="http://schemas.openxmlformats.org/presentationml/2006/main" showMasterSp="0" showMasterPhAnim="0">
+  <p:cSld>
+    <p:spTree>
+      <p:nvGrpSpPr>
+        <p:cNvPr id="1" name="Shape 64"/>
+        <p:cNvGrpSpPr/>
+        <p:nvPr/>
+      </p:nvGrpSpPr>
+      <p:grpSpPr>
+        <a:xfrm>
+          <a:off x="0" y="0"/>
+          <a:ext cx="0" cy="0"/>
+          <a:chOff x="0" y="0"/>
+          <a:chExt cx="0" cy="0"/>
+        </a:xfrm>
+      </p:grpSpPr>
+      <p:sp>
+        <p:nvSpPr>
+          <p:cNvPr id="65" name="Google Shape;65;g7fd950372b_1_3:notes"/>
+          <p:cNvSpPr>
+            <a:spLocks noGrp="1" noRot="1" noChangeAspect="1"/>
+          </p:cNvSpPr>
+          <p:nvPr>
+            <p:ph type="sldImg" idx="2"/>
+          </p:nvPr>
+        </p:nvSpPr>
+        <p:spPr>
+          <a:xfrm>
+            <a:off x="381000" y="685800"/>
+            <a:ext cx="6096000" cy="3429000"/>
+          </a:xfrm>
+          <a:custGeom>
+            <a:avLst/>
+            <a:gdLst/>
+            <a:ahLst/>
+            <a:cxnLst/>
+            <a:rect l="l" t="t" r="r" b="b"/>
+            <a:pathLst>
+              <a:path w="120000" h="120000" extrusionOk="0">
+                <a:moveTo>
+                  <a:pt x="0" y="0"/>
+                </a:moveTo>
+                <a:lnTo>
+                  <a:pt x="120000" y="0"/>
+                </a:lnTo>
+                <a:lnTo>
+                  <a:pt x="120000" y="120000"/>
+                </a:lnTo>
+                <a:lnTo>
+                  <a:pt x="0" y="120000"/>
+                </a:lnTo>
+                <a:close/>
+              </a:path>
+            </a:pathLst>
+          </a:custGeom>
+        </p:spPr>
+      </p:sp>
+      <p:sp>
+        <p:nvSpPr>
+          <p:cNvPr id="66" name="Google Shape;66;g7fd950372b_1_3:notes"/>
+          <p:cNvSpPr txBox="1">
+            <a:spLocks noGrp="1"/>
+          </p:cNvSpPr>
+          <p:nvPr>
+            <p:ph type="body" idx="1"/>
+          </p:nvPr>
+        </p:nvSpPr>
+        <p:spPr>
+          <a:xfrm>
+            <a:off x="685800" y="4343400"/>
+            <a:ext cx="5486400" cy="4114800"/>
+          </a:xfrm>
+          <a:prstGeom prst="rect">
+            <a:avLst/>
+          </a:prstGeom>
+        </p:spPr>
+        <p:txBody>
+          <a:bodyPr spcFirstLastPara="1" wrap="square" lIns="91425" tIns="91425" rIns="91425" bIns="91425" anchor="t" anchorCtr="0">
+            <a:noAutofit/>
+          </a:bodyPr>
+          <a:lstStyle/>
+          <a:p>
+            <a:pPr marL="0" lvl="0" indent="0" algn="l" rtl="0">
+              <a:spcBef>
+                <a:spcPts val="0"/>
+              </a:spcBef>
+              <a:spcAft>
+                <a:spcPts val="0"/>
+              </a:spcAft>
+              <a:buNone/>
+            </a:pPr>
+            <a:endParaRPr/>
+          </a:p>
+        </p:txBody>
+      </p:sp>
+    </p:spTree>
+    <p:extLst>
+      <p:ext uri="{BB962C8B-B14F-4D97-AF65-F5344CB8AC3E}">
+        <p14:creationId xmlns:p14="http://schemas.microsoft.com/office/powerpoint/2010/main" val="172796591"/>
+      </p:ext>
+    </p:extLst>
+  </p:cSld>
+  <p:clrMapOvr>
+    <a:masterClrMapping/>
+  </p:clrMapOvr>
+</p:notes>
+</file>
+
+<file path=ppt/notesSlides/notesSlide4.xml><?xml version="1.0" encoding="utf-8"?>
+<p:notes xmlns:a="http://schemas.openxmlformats.org/drawingml/2006/main" xmlns:r="http://schemas.openxmlformats.org/officeDocument/2006/relationships" xmlns:p="http://schemas.openxmlformats.org/presentationml/2006/main" showMasterSp="0" showMasterPhAnim="0">
+  <p:cSld>
+    <p:spTree>
+      <p:nvGrpSpPr>
+        <p:cNvPr id="1" name="Shape 64"/>
+        <p:cNvGrpSpPr/>
+        <p:nvPr/>
+      </p:nvGrpSpPr>
+      <p:grpSpPr>
+        <a:xfrm>
+          <a:off x="0" y="0"/>
+          <a:ext cx="0" cy="0"/>
+          <a:chOff x="0" y="0"/>
+          <a:chExt cx="0" cy="0"/>
+        </a:xfrm>
+      </p:grpSpPr>
+      <p:sp>
+        <p:nvSpPr>
+          <p:cNvPr id="65" name="Google Shape;65;g7fd950372b_1_3:notes"/>
+          <p:cNvSpPr>
+            <a:spLocks noGrp="1" noRot="1" noChangeAspect="1"/>
+          </p:cNvSpPr>
+          <p:nvPr>
+            <p:ph type="sldImg" idx="2"/>
+          </p:nvPr>
+        </p:nvSpPr>
+        <p:spPr>
+          <a:xfrm>
+            <a:off x="381000" y="685800"/>
+            <a:ext cx="6096000" cy="3429000"/>
+          </a:xfrm>
+          <a:custGeom>
+            <a:avLst/>
+            <a:gdLst/>
+            <a:ahLst/>
+            <a:cxnLst/>
+            <a:rect l="l" t="t" r="r" b="b"/>
+            <a:pathLst>
+              <a:path w="120000" h="120000" extrusionOk="0">
+                <a:moveTo>
+                  <a:pt x="0" y="0"/>
+                </a:moveTo>
+                <a:lnTo>
+                  <a:pt x="120000" y="0"/>
+                </a:lnTo>
+                <a:lnTo>
+                  <a:pt x="120000" y="120000"/>
+                </a:lnTo>
+                <a:lnTo>
+                  <a:pt x="0" y="120000"/>
+                </a:lnTo>
+                <a:close/>
+              </a:path>
+            </a:pathLst>
+          </a:custGeom>
+        </p:spPr>
+      </p:sp>
+      <p:sp>
+        <p:nvSpPr>
+          <p:cNvPr id="66" name="Google Shape;66;g7fd950372b_1_3:notes"/>
+          <p:cNvSpPr txBox="1">
+            <a:spLocks noGrp="1"/>
+          </p:cNvSpPr>
+          <p:nvPr>
+            <p:ph type="body" idx="1"/>
+          </p:nvPr>
+        </p:nvSpPr>
+        <p:spPr>
+          <a:xfrm>
+            <a:off x="685800" y="4343400"/>
+            <a:ext cx="5486400" cy="4114800"/>
+          </a:xfrm>
+          <a:prstGeom prst="rect">
+            <a:avLst/>
+          </a:prstGeom>
+        </p:spPr>
+        <p:txBody>
+          <a:bodyPr spcFirstLastPara="1" wrap="square" lIns="91425" tIns="91425" rIns="91425" bIns="91425" anchor="t" anchorCtr="0">
+            <a:noAutofit/>
+          </a:bodyPr>
+          <a:lstStyle/>
+          <a:p>
+            <a:pPr marL="0" lvl="0" indent="0" algn="l" rtl="0">
+              <a:spcBef>
+                <a:spcPts val="0"/>
+              </a:spcBef>
+              <a:spcAft>
+                <a:spcPts val="0"/>
+              </a:spcAft>
+              <a:buNone/>
+            </a:pPr>
+            <a:endParaRPr/>
+          </a:p>
+        </p:txBody>
+      </p:sp>
+    </p:spTree>
+    <p:extLst>
+      <p:ext uri="{BB962C8B-B14F-4D97-AF65-F5344CB8AC3E}">
+        <p14:creationId xmlns:p14="http://schemas.microsoft.com/office/powerpoint/2010/main" val="2849217478"/>
+      </p:ext>
+    </p:extLst>
+  </p:cSld>
+  <p:clrMapOvr>
+    <a:masterClrMapping/>
+  </p:clrMapOvr>
+</p:notes>
+</file>
+
 <file path=ppt/slideLayouts/slideLayout1.xml><?xml version="1.0" encoding="utf-8"?>
 <p:sldLayout xmlns:a="http://schemas.openxmlformats.org/drawingml/2006/main" xmlns:r="http://schemas.openxmlformats.org/officeDocument/2006/relationships" xmlns:p="http://schemas.openxmlformats.org/presentationml/2006/main" type="title" preserve="1">
   <p:cSld name="Title Slide">
@@ -259,7 +1041,7 @@
           <a:p>
             <a:fld id="{CE88D40F-0E01-46E3-A0A3-09B1E418DDBF}" type="datetimeFigureOut">
               <a:rPr lang="en-US" smtClean="0"/>
-              <a:t>1/26/2021</a:t>
+              <a:t>2/8/2021</a:t>
             </a:fld>
             <a:endParaRPr lang="en-US"/>
           </a:p>
@@ -457,7 +1239,7 @@
           <a:p>
             <a:fld id="{CE88D40F-0E01-46E3-A0A3-09B1E418DDBF}" type="datetimeFigureOut">
               <a:rPr lang="en-US" smtClean="0"/>
-              <a:t>1/26/2021</a:t>
+              <a:t>2/8/2021</a:t>
             </a:fld>
             <a:endParaRPr lang="en-US"/>
           </a:p>
@@ -665,7 +1447,7 @@
           <a:p>
             <a:fld id="{CE88D40F-0E01-46E3-A0A3-09B1E418DDBF}" type="datetimeFigureOut">
               <a:rPr lang="en-US" smtClean="0"/>
-              <a:t>1/26/2021</a:t>
+              <a:t>2/8/2021</a:t>
             </a:fld>
             <a:endParaRPr lang="en-US"/>
           </a:p>
@@ -729,6 +1511,365 @@
     <p:extLst>
       <p:ext uri="{BB962C8B-B14F-4D97-AF65-F5344CB8AC3E}">
         <p14:creationId xmlns:p14="http://schemas.microsoft.com/office/powerpoint/2010/main" val="4269625266"/>
+      </p:ext>
+    </p:extLst>
+  </p:cSld>
+  <p:clrMapOvr>
+    <a:masterClrMapping/>
+  </p:clrMapOvr>
+</p:sldLayout>
+</file>
+
+<file path=ppt/slideLayouts/slideLayout12.xml><?xml version="1.0" encoding="utf-8"?>
+<p:sldLayout xmlns:a="http://schemas.openxmlformats.org/drawingml/2006/main" xmlns:r="http://schemas.openxmlformats.org/officeDocument/2006/relationships" xmlns:p="http://schemas.openxmlformats.org/presentationml/2006/main" matchingName="Title and body" type="tx">
+  <p:cSld name="Title and body">
+    <p:spTree>
+      <p:nvGrpSpPr>
+        <p:cNvPr id="1" name="Shape 16"/>
+        <p:cNvGrpSpPr/>
+        <p:nvPr/>
+      </p:nvGrpSpPr>
+      <p:grpSpPr>
+        <a:xfrm>
+          <a:off x="0" y="0"/>
+          <a:ext cx="0" cy="0"/>
+          <a:chOff x="0" y="0"/>
+          <a:chExt cx="0" cy="0"/>
+        </a:xfrm>
+      </p:grpSpPr>
+      <p:sp>
+        <p:nvSpPr>
+          <p:cNvPr id="17" name="Google Shape;17;p4"/>
+          <p:cNvSpPr txBox="1">
+            <a:spLocks noGrp="1"/>
+          </p:cNvSpPr>
+          <p:nvPr>
+            <p:ph type="title"/>
+          </p:nvPr>
+        </p:nvSpPr>
+        <p:spPr>
+          <a:xfrm>
+            <a:off x="415600" y="593367"/>
+            <a:ext cx="11360800" cy="763600"/>
+          </a:xfrm>
+          <a:prstGeom prst="rect">
+            <a:avLst/>
+          </a:prstGeom>
+        </p:spPr>
+        <p:txBody>
+          <a:bodyPr spcFirstLastPara="1" wrap="square" lIns="91425" tIns="91425" rIns="91425" bIns="91425" anchor="t" anchorCtr="0">
+            <a:noAutofit/>
+          </a:bodyPr>
+          <a:lstStyle>
+            <a:lvl1pPr lvl="0">
+              <a:spcBef>
+                <a:spcPts val="0"/>
+              </a:spcBef>
+              <a:spcAft>
+                <a:spcPts val="0"/>
+              </a:spcAft>
+              <a:buSzPts val="2800"/>
+              <a:buNone/>
+              <a:defRPr/>
+            </a:lvl1pPr>
+            <a:lvl2pPr lvl="1">
+              <a:spcBef>
+                <a:spcPts val="0"/>
+              </a:spcBef>
+              <a:spcAft>
+                <a:spcPts val="0"/>
+              </a:spcAft>
+              <a:buSzPts val="2800"/>
+              <a:buNone/>
+              <a:defRPr/>
+            </a:lvl2pPr>
+            <a:lvl3pPr lvl="2">
+              <a:spcBef>
+                <a:spcPts val="0"/>
+              </a:spcBef>
+              <a:spcAft>
+                <a:spcPts val="0"/>
+              </a:spcAft>
+              <a:buSzPts val="2800"/>
+              <a:buNone/>
+              <a:defRPr/>
+            </a:lvl3pPr>
+            <a:lvl4pPr lvl="3">
+              <a:spcBef>
+                <a:spcPts val="0"/>
+              </a:spcBef>
+              <a:spcAft>
+                <a:spcPts val="0"/>
+              </a:spcAft>
+              <a:buSzPts val="2800"/>
+              <a:buNone/>
+              <a:defRPr/>
+            </a:lvl4pPr>
+            <a:lvl5pPr lvl="4">
+              <a:spcBef>
+                <a:spcPts val="0"/>
+              </a:spcBef>
+              <a:spcAft>
+                <a:spcPts val="0"/>
+              </a:spcAft>
+              <a:buSzPts val="2800"/>
+              <a:buNone/>
+              <a:defRPr/>
+            </a:lvl5pPr>
+            <a:lvl6pPr lvl="5">
+              <a:spcBef>
+                <a:spcPts val="0"/>
+              </a:spcBef>
+              <a:spcAft>
+                <a:spcPts val="0"/>
+              </a:spcAft>
+              <a:buSzPts val="2800"/>
+              <a:buNone/>
+              <a:defRPr/>
+            </a:lvl6pPr>
+            <a:lvl7pPr lvl="6">
+              <a:spcBef>
+                <a:spcPts val="0"/>
+              </a:spcBef>
+              <a:spcAft>
+                <a:spcPts val="0"/>
+              </a:spcAft>
+              <a:buSzPts val="2800"/>
+              <a:buNone/>
+              <a:defRPr/>
+            </a:lvl7pPr>
+            <a:lvl8pPr lvl="7">
+              <a:spcBef>
+                <a:spcPts val="0"/>
+              </a:spcBef>
+              <a:spcAft>
+                <a:spcPts val="0"/>
+              </a:spcAft>
+              <a:buSzPts val="2800"/>
+              <a:buNone/>
+              <a:defRPr/>
+            </a:lvl8pPr>
+            <a:lvl9pPr lvl="8">
+              <a:spcBef>
+                <a:spcPts val="0"/>
+              </a:spcBef>
+              <a:spcAft>
+                <a:spcPts val="0"/>
+              </a:spcAft>
+              <a:buSzPts val="2800"/>
+              <a:buNone/>
+              <a:defRPr/>
+            </a:lvl9pPr>
+          </a:lstStyle>
+          <a:p>
+            <a:endParaRPr/>
+          </a:p>
+        </p:txBody>
+      </p:sp>
+      <p:sp>
+        <p:nvSpPr>
+          <p:cNvPr id="18" name="Google Shape;18;p4"/>
+          <p:cNvSpPr txBox="1">
+            <a:spLocks noGrp="1"/>
+          </p:cNvSpPr>
+          <p:nvPr>
+            <p:ph type="body" idx="1"/>
+          </p:nvPr>
+        </p:nvSpPr>
+        <p:spPr>
+          <a:xfrm>
+            <a:off x="415600" y="1536633"/>
+            <a:ext cx="11360800" cy="4555200"/>
+          </a:xfrm>
+          <a:prstGeom prst="rect">
+            <a:avLst/>
+          </a:prstGeom>
+        </p:spPr>
+        <p:txBody>
+          <a:bodyPr spcFirstLastPara="1" wrap="square" lIns="91425" tIns="91425" rIns="91425" bIns="91425" anchor="t" anchorCtr="0">
+            <a:noAutofit/>
+          </a:bodyPr>
+          <a:lstStyle>
+            <a:lvl1pPr marL="609585" lvl="0" indent="-457189">
+              <a:spcBef>
+                <a:spcPts val="0"/>
+              </a:spcBef>
+              <a:spcAft>
+                <a:spcPts val="0"/>
+              </a:spcAft>
+              <a:buSzPts val="1800"/>
+              <a:buChar char="●"/>
+              <a:defRPr/>
+            </a:lvl1pPr>
+            <a:lvl2pPr marL="1219170" lvl="1" indent="-423323">
+              <a:spcBef>
+                <a:spcPts val="2133"/>
+              </a:spcBef>
+              <a:spcAft>
+                <a:spcPts val="0"/>
+              </a:spcAft>
+              <a:buSzPts val="1400"/>
+              <a:buChar char="○"/>
+              <a:defRPr/>
+            </a:lvl2pPr>
+            <a:lvl3pPr marL="1828754" lvl="2" indent="-423323">
+              <a:spcBef>
+                <a:spcPts val="2133"/>
+              </a:spcBef>
+              <a:spcAft>
+                <a:spcPts val="0"/>
+              </a:spcAft>
+              <a:buSzPts val="1400"/>
+              <a:buChar char="■"/>
+              <a:defRPr/>
+            </a:lvl3pPr>
+            <a:lvl4pPr marL="2438339" lvl="3" indent="-423323">
+              <a:spcBef>
+                <a:spcPts val="2133"/>
+              </a:spcBef>
+              <a:spcAft>
+                <a:spcPts val="0"/>
+              </a:spcAft>
+              <a:buSzPts val="1400"/>
+              <a:buChar char="●"/>
+              <a:defRPr/>
+            </a:lvl4pPr>
+            <a:lvl5pPr marL="3047924" lvl="4" indent="-423323">
+              <a:spcBef>
+                <a:spcPts val="2133"/>
+              </a:spcBef>
+              <a:spcAft>
+                <a:spcPts val="0"/>
+              </a:spcAft>
+              <a:buSzPts val="1400"/>
+              <a:buChar char="○"/>
+              <a:defRPr/>
+            </a:lvl5pPr>
+            <a:lvl6pPr marL="3657509" lvl="5" indent="-423323">
+              <a:spcBef>
+                <a:spcPts val="2133"/>
+              </a:spcBef>
+              <a:spcAft>
+                <a:spcPts val="0"/>
+              </a:spcAft>
+              <a:buSzPts val="1400"/>
+              <a:buChar char="■"/>
+              <a:defRPr/>
+            </a:lvl6pPr>
+            <a:lvl7pPr marL="4267093" lvl="6" indent="-423323">
+              <a:spcBef>
+                <a:spcPts val="2133"/>
+              </a:spcBef>
+              <a:spcAft>
+                <a:spcPts val="0"/>
+              </a:spcAft>
+              <a:buSzPts val="1400"/>
+              <a:buChar char="●"/>
+              <a:defRPr/>
+            </a:lvl7pPr>
+            <a:lvl8pPr marL="4876678" lvl="7" indent="-423323">
+              <a:spcBef>
+                <a:spcPts val="2133"/>
+              </a:spcBef>
+              <a:spcAft>
+                <a:spcPts val="0"/>
+              </a:spcAft>
+              <a:buSzPts val="1400"/>
+              <a:buChar char="○"/>
+              <a:defRPr/>
+            </a:lvl8pPr>
+            <a:lvl9pPr marL="5486263" lvl="8" indent="-423323">
+              <a:spcBef>
+                <a:spcPts val="2133"/>
+              </a:spcBef>
+              <a:spcAft>
+                <a:spcPts val="2133"/>
+              </a:spcAft>
+              <a:buSzPts val="1400"/>
+              <a:buChar char="■"/>
+              <a:defRPr/>
+            </a:lvl9pPr>
+          </a:lstStyle>
+          <a:p>
+            <a:endParaRPr/>
+          </a:p>
+        </p:txBody>
+      </p:sp>
+      <p:sp>
+        <p:nvSpPr>
+          <p:cNvPr id="19" name="Google Shape;19;p4"/>
+          <p:cNvSpPr txBox="1">
+            <a:spLocks noGrp="1"/>
+          </p:cNvSpPr>
+          <p:nvPr>
+            <p:ph type="sldNum" idx="12"/>
+          </p:nvPr>
+        </p:nvSpPr>
+        <p:spPr>
+          <a:xfrm>
+            <a:off x="11296611" y="6217623"/>
+            <a:ext cx="731600" cy="524800"/>
+          </a:xfrm>
+          <a:prstGeom prst="rect">
+            <a:avLst/>
+          </a:prstGeom>
+        </p:spPr>
+        <p:txBody>
+          <a:bodyPr spcFirstLastPara="1" wrap="square" lIns="91425" tIns="91425" rIns="91425" bIns="91425" anchor="ctr" anchorCtr="0">
+            <a:noAutofit/>
+          </a:bodyPr>
+          <a:lstStyle>
+            <a:lvl1pPr lvl="0">
+              <a:buNone/>
+              <a:defRPr/>
+            </a:lvl1pPr>
+            <a:lvl2pPr lvl="1">
+              <a:buNone/>
+              <a:defRPr/>
+            </a:lvl2pPr>
+            <a:lvl3pPr lvl="2">
+              <a:buNone/>
+              <a:defRPr/>
+            </a:lvl3pPr>
+            <a:lvl4pPr lvl="3">
+              <a:buNone/>
+              <a:defRPr/>
+            </a:lvl4pPr>
+            <a:lvl5pPr lvl="4">
+              <a:buNone/>
+              <a:defRPr/>
+            </a:lvl5pPr>
+            <a:lvl6pPr lvl="5">
+              <a:buNone/>
+              <a:defRPr/>
+            </a:lvl6pPr>
+            <a:lvl7pPr lvl="6">
+              <a:buNone/>
+              <a:defRPr/>
+            </a:lvl7pPr>
+            <a:lvl8pPr lvl="7">
+              <a:buNone/>
+              <a:defRPr/>
+            </a:lvl8pPr>
+            <a:lvl9pPr lvl="8">
+              <a:buNone/>
+              <a:defRPr/>
+            </a:lvl9pPr>
+          </a:lstStyle>
+          <a:p>
+            <a:fld id="{00000000-1234-1234-1234-123412341234}" type="slidenum">
+              <a:rPr lang="en" smtClean="0"/>
+              <a:pPr/>
+              <a:t>‹#›</a:t>
+            </a:fld>
+            <a:endParaRPr lang="en"/>
+          </a:p>
+        </p:txBody>
+      </p:sp>
+    </p:spTree>
+    <p:extLst>
+      <p:ext uri="{BB962C8B-B14F-4D97-AF65-F5344CB8AC3E}">
+        <p14:creationId xmlns:p14="http://schemas.microsoft.com/office/powerpoint/2010/main" val="1842684907"/>
       </p:ext>
     </p:extLst>
   </p:cSld>
@@ -863,7 +2004,7 @@
           <a:p>
             <a:fld id="{CE88D40F-0E01-46E3-A0A3-09B1E418DDBF}" type="datetimeFigureOut">
               <a:rPr lang="en-US" smtClean="0"/>
-              <a:t>1/26/2021</a:t>
+              <a:t>2/8/2021</a:t>
             </a:fld>
             <a:endParaRPr lang="en-US"/>
           </a:p>
@@ -1138,7 +2279,7 @@
           <a:p>
             <a:fld id="{CE88D40F-0E01-46E3-A0A3-09B1E418DDBF}" type="datetimeFigureOut">
               <a:rPr lang="en-US" smtClean="0"/>
-              <a:t>1/26/2021</a:t>
+              <a:t>2/8/2021</a:t>
             </a:fld>
             <a:endParaRPr lang="en-US"/>
           </a:p>
@@ -1403,7 +2544,7 @@
           <a:p>
             <a:fld id="{CE88D40F-0E01-46E3-A0A3-09B1E418DDBF}" type="datetimeFigureOut">
               <a:rPr lang="en-US" smtClean="0"/>
-              <a:t>1/26/2021</a:t>
+              <a:t>2/8/2021</a:t>
             </a:fld>
             <a:endParaRPr lang="en-US"/>
           </a:p>
@@ -1815,7 +2956,7 @@
           <a:p>
             <a:fld id="{CE88D40F-0E01-46E3-A0A3-09B1E418DDBF}" type="datetimeFigureOut">
               <a:rPr lang="en-US" smtClean="0"/>
-              <a:t>1/26/2021</a:t>
+              <a:t>2/8/2021</a:t>
             </a:fld>
             <a:endParaRPr lang="en-US"/>
           </a:p>
@@ -1956,7 +3097,7 @@
           <a:p>
             <a:fld id="{CE88D40F-0E01-46E3-A0A3-09B1E418DDBF}" type="datetimeFigureOut">
               <a:rPr lang="en-US" smtClean="0"/>
-              <a:t>1/26/2021</a:t>
+              <a:t>2/8/2021</a:t>
             </a:fld>
             <a:endParaRPr lang="en-US"/>
           </a:p>
@@ -2069,7 +3210,7 @@
           <a:p>
             <a:fld id="{CE88D40F-0E01-46E3-A0A3-09B1E418DDBF}" type="datetimeFigureOut">
               <a:rPr lang="en-US" smtClean="0"/>
-              <a:t>1/26/2021</a:t>
+              <a:t>2/8/2021</a:t>
             </a:fld>
             <a:endParaRPr lang="en-US"/>
           </a:p>
@@ -2380,7 +3521,7 @@
           <a:p>
             <a:fld id="{CE88D40F-0E01-46E3-A0A3-09B1E418DDBF}" type="datetimeFigureOut">
               <a:rPr lang="en-US" smtClean="0"/>
-              <a:t>1/26/2021</a:t>
+              <a:t>2/8/2021</a:t>
             </a:fld>
             <a:endParaRPr lang="en-US"/>
           </a:p>
@@ -2668,7 +3809,7 @@
           <a:p>
             <a:fld id="{CE88D40F-0E01-46E3-A0A3-09B1E418DDBF}" type="datetimeFigureOut">
               <a:rPr lang="en-US" smtClean="0"/>
-              <a:t>1/26/2021</a:t>
+              <a:t>2/8/2021</a:t>
             </a:fld>
             <a:endParaRPr lang="en-US"/>
           </a:p>
@@ -2909,7 +4050,7 @@
           <a:p>
             <a:fld id="{CE88D40F-0E01-46E3-A0A3-09B1E418DDBF}" type="datetimeFigureOut">
               <a:rPr lang="en-US" smtClean="0"/>
-              <a:t>1/26/2021</a:t>
+              <a:t>2/8/2021</a:t>
             </a:fld>
             <a:endParaRPr lang="en-US"/>
           </a:p>
@@ -3025,6 +4166,7 @@
     <p:sldLayoutId id="2147483657" r:id="rId9"/>
     <p:sldLayoutId id="2147483658" r:id="rId10"/>
     <p:sldLayoutId id="2147483659" r:id="rId11"/>
+    <p:sldLayoutId id="2147483660" r:id="rId12"/>
   </p:sldLayoutIdLst>
   <p:txStyles>
     <p:titleStyle>
@@ -4541,6 +5683,882 @@
 </p:sld>
 </file>
 
+<file path=ppt/slides/slide2.xml><?xml version="1.0" encoding="utf-8"?>
+<p:sld xmlns:a="http://schemas.openxmlformats.org/drawingml/2006/main" xmlns:r="http://schemas.openxmlformats.org/officeDocument/2006/relationships" xmlns:p="http://schemas.openxmlformats.org/presentationml/2006/main">
+  <p:cSld>
+    <p:spTree>
+      <p:nvGrpSpPr>
+        <p:cNvPr id="1" name="Shape 60"/>
+        <p:cNvGrpSpPr/>
+        <p:nvPr/>
+      </p:nvGrpSpPr>
+      <p:grpSpPr>
+        <a:xfrm>
+          <a:off x="0" y="0"/>
+          <a:ext cx="0" cy="0"/>
+          <a:chOff x="0" y="0"/>
+          <a:chExt cx="0" cy="0"/>
+        </a:xfrm>
+      </p:grpSpPr>
+      <p:sp>
+        <p:nvSpPr>
+          <p:cNvPr id="61" name="Google Shape;61;p14"/>
+          <p:cNvSpPr txBox="1">
+            <a:spLocks noGrp="1"/>
+          </p:cNvSpPr>
+          <p:nvPr>
+            <p:ph type="title"/>
+          </p:nvPr>
+        </p:nvSpPr>
+        <p:spPr>
+          <a:xfrm>
+            <a:off x="415600" y="593367"/>
+            <a:ext cx="11360800" cy="763600"/>
+          </a:xfrm>
+          <a:prstGeom prst="rect">
+            <a:avLst/>
+          </a:prstGeom>
+        </p:spPr>
+        <p:txBody>
+          <a:bodyPr spcFirstLastPara="1" vert="horz" wrap="square" lIns="121900" tIns="121900" rIns="121900" bIns="121900" rtlCol="0" anchor="t" anchorCtr="0">
+            <a:noAutofit/>
+          </a:bodyPr>
+          <a:lstStyle/>
+          <a:p>
+            <a:r>
+              <a:rPr lang="en"/>
+              <a:t>Agenda</a:t>
+            </a:r>
+            <a:endParaRPr/>
+          </a:p>
+        </p:txBody>
+      </p:sp>
+      <p:sp>
+        <p:nvSpPr>
+          <p:cNvPr id="62" name="Google Shape;62;p14"/>
+          <p:cNvSpPr txBox="1">
+            <a:spLocks noGrp="1"/>
+          </p:cNvSpPr>
+          <p:nvPr>
+            <p:ph type="body" idx="1"/>
+          </p:nvPr>
+        </p:nvSpPr>
+        <p:spPr>
+          <a:xfrm>
+            <a:off x="415600" y="1536633"/>
+            <a:ext cx="11360800" cy="4555200"/>
+          </a:xfrm>
+          <a:prstGeom prst="rect">
+            <a:avLst/>
+          </a:prstGeom>
+        </p:spPr>
+        <p:txBody>
+          <a:bodyPr spcFirstLastPara="1" vert="horz" wrap="square" lIns="121900" tIns="121900" rIns="121900" bIns="121900" rtlCol="0" anchor="t" anchorCtr="0">
+            <a:noAutofit/>
+          </a:bodyPr>
+          <a:lstStyle/>
+          <a:p>
+            <a:pPr marL="0" indent="0">
+              <a:buNone/>
+            </a:pPr>
+            <a:r>
+              <a:rPr lang="en" dirty="0"/>
+              <a:t>17:05 – </a:t>
+            </a:r>
+            <a:r>
+              <a:rPr lang="nb-NO" dirty="0"/>
+              <a:t>start</a:t>
+            </a:r>
+          </a:p>
+          <a:p>
+            <a:pPr marL="0" indent="0">
+              <a:buNone/>
+            </a:pPr>
+            <a:endParaRPr lang="nb-NO" dirty="0"/>
+          </a:p>
+          <a:p>
+            <a:pPr marL="380990" indent="-380990"/>
+            <a:r>
+              <a:rPr lang="nb-NO" dirty="0"/>
+              <a:t>W</a:t>
+            </a:r>
+            <a:r>
+              <a:rPr lang="en" dirty="0"/>
+              <a:t>elcome </a:t>
+            </a:r>
+            <a:endParaRPr lang="ru-RU" dirty="0"/>
+          </a:p>
+          <a:p>
+            <a:pPr marL="380990" indent="-380990"/>
+            <a:endParaRPr lang="ru-RU" dirty="0"/>
+          </a:p>
+          <a:p>
+            <a:pPr marL="380990" indent="-380990"/>
+            <a:r>
+              <a:rPr lang="en" dirty="0"/>
+              <a:t>Microsoft Azure Badges</a:t>
+            </a:r>
+            <a:endParaRPr lang="ru-RU" dirty="0"/>
+          </a:p>
+          <a:p>
+            <a:pPr marL="380990" indent="-380990"/>
+            <a:endParaRPr lang="ru-RU" dirty="0"/>
+          </a:p>
+          <a:p>
+            <a:pPr marL="380990" indent="-380990"/>
+            <a:r>
+              <a:rPr lang="nb-NO" dirty="0"/>
+              <a:t>Practical info </a:t>
+            </a:r>
+            <a:endParaRPr lang="en" dirty="0"/>
+          </a:p>
+          <a:p>
+            <a:pPr marL="380990" indent="-380990">
+              <a:spcBef>
+                <a:spcPts val="2133"/>
+              </a:spcBef>
+            </a:pPr>
+            <a:r>
+              <a:rPr lang="nb-NO" dirty="0"/>
+              <a:t>Start workshop</a:t>
+            </a:r>
+            <a:endParaRPr dirty="0"/>
+          </a:p>
+          <a:p>
+            <a:pPr marL="0" indent="0">
+              <a:spcBef>
+                <a:spcPts val="2133"/>
+              </a:spcBef>
+              <a:buClr>
+                <a:schemeClr val="dk1"/>
+              </a:buClr>
+              <a:buSzPts val="1100"/>
+              <a:buNone/>
+            </a:pPr>
+            <a:endParaRPr dirty="0"/>
+          </a:p>
+          <a:p>
+            <a:pPr marL="0" indent="0">
+              <a:spcBef>
+                <a:spcPts val="2133"/>
+              </a:spcBef>
+              <a:spcAft>
+                <a:spcPts val="2133"/>
+              </a:spcAft>
+              <a:buNone/>
+            </a:pPr>
+            <a:endParaRPr dirty="0"/>
+          </a:p>
+        </p:txBody>
+      </p:sp>
+      <p:pic>
+        <p:nvPicPr>
+          <p:cNvPr id="5" name="Google Shape;56;p13">
+            <a:extLst>
+              <a:ext uri="{FF2B5EF4-FFF2-40B4-BE49-F238E27FC236}">
+                <a16:creationId xmlns:a16="http://schemas.microsoft.com/office/drawing/2014/main" id="{FD9994DA-0D1F-4794-A5D8-1EB266677D25}"/>
+              </a:ext>
+            </a:extLst>
+          </p:cNvPr>
+          <p:cNvPicPr preferRelativeResize="0"/>
+          <p:nvPr/>
+        </p:nvPicPr>
+        <p:blipFill>
+          <a:blip r:embed="rId3">
+            <a:alphaModFix/>
+          </a:blip>
+          <a:stretch>
+            <a:fillRect/>
+          </a:stretch>
+        </p:blipFill>
+        <p:spPr>
+          <a:xfrm>
+            <a:off x="10989179" y="5736492"/>
+            <a:ext cx="1202821" cy="1121508"/>
+          </a:xfrm>
+          <a:prstGeom prst="rect">
+            <a:avLst/>
+          </a:prstGeom>
+          <a:noFill/>
+          <a:ln>
+            <a:noFill/>
+          </a:ln>
+        </p:spPr>
+      </p:pic>
+    </p:spTree>
+  </p:cSld>
+  <p:clrMapOvr>
+    <a:masterClrMapping/>
+  </p:clrMapOvr>
+</p:sld>
+</file>
+
+<file path=ppt/slides/slide3.xml><?xml version="1.0" encoding="utf-8"?>
+<p:sld xmlns:a="http://schemas.openxmlformats.org/drawingml/2006/main" xmlns:r="http://schemas.openxmlformats.org/officeDocument/2006/relationships" xmlns:p="http://schemas.openxmlformats.org/presentationml/2006/main">
+  <p:cSld>
+    <p:spTree>
+      <p:nvGrpSpPr>
+        <p:cNvPr id="1" name="Shape 67"/>
+        <p:cNvGrpSpPr/>
+        <p:nvPr/>
+      </p:nvGrpSpPr>
+      <p:grpSpPr>
+        <a:xfrm>
+          <a:off x="0" y="0"/>
+          <a:ext cx="0" cy="0"/>
+          <a:chOff x="0" y="0"/>
+          <a:chExt cx="0" cy="0"/>
+        </a:xfrm>
+      </p:grpSpPr>
+      <p:sp>
+        <p:nvSpPr>
+          <p:cNvPr id="68" name="Google Shape;68;p15"/>
+          <p:cNvSpPr txBox="1">
+            <a:spLocks noGrp="1"/>
+          </p:cNvSpPr>
+          <p:nvPr>
+            <p:ph type="title"/>
+          </p:nvPr>
+        </p:nvSpPr>
+        <p:spPr>
+          <a:xfrm>
+            <a:off x="415600" y="593367"/>
+            <a:ext cx="11360800" cy="763600"/>
+          </a:xfrm>
+          <a:prstGeom prst="rect">
+            <a:avLst/>
+          </a:prstGeom>
+        </p:spPr>
+        <p:txBody>
+          <a:bodyPr spcFirstLastPara="1" vert="horz" wrap="square" lIns="121900" tIns="121900" rIns="121900" bIns="121900" rtlCol="0" anchor="t" anchorCtr="0">
+            <a:noAutofit/>
+          </a:bodyPr>
+          <a:lstStyle/>
+          <a:p>
+            <a:r>
+              <a:rPr lang="nb-NO" dirty="0"/>
+              <a:t>Practical information</a:t>
+            </a:r>
+            <a:endParaRPr dirty="0"/>
+          </a:p>
+        </p:txBody>
+      </p:sp>
+      <p:sp>
+        <p:nvSpPr>
+          <p:cNvPr id="69" name="Google Shape;69;p15"/>
+          <p:cNvSpPr txBox="1">
+            <a:spLocks noGrp="1"/>
+          </p:cNvSpPr>
+          <p:nvPr>
+            <p:ph type="body" idx="1"/>
+          </p:nvPr>
+        </p:nvSpPr>
+        <p:spPr>
+          <a:xfrm>
+            <a:off x="415600" y="1536633"/>
+            <a:ext cx="11360800" cy="4555200"/>
+          </a:xfrm>
+          <a:prstGeom prst="rect">
+            <a:avLst/>
+          </a:prstGeom>
+        </p:spPr>
+        <p:txBody>
+          <a:bodyPr spcFirstLastPara="1" vert="horz" wrap="square" lIns="121900" tIns="121900" rIns="121900" bIns="121900" rtlCol="0" anchor="t" anchorCtr="0">
+            <a:noAutofit/>
+          </a:bodyPr>
+          <a:lstStyle/>
+          <a:p>
+            <a:pPr marL="380990" indent="-380990">
+              <a:spcAft>
+                <a:spcPts val="2133"/>
+              </a:spcAft>
+            </a:pPr>
+            <a:r>
+              <a:rPr lang="en-US" dirty="0"/>
+              <a:t>I don’t have moderator</a:t>
+            </a:r>
+            <a:endParaRPr lang="en-US" dirty="0">
+              <a:sym typeface="Wingdings" panose="05000000000000000000" pitchFamily="2" charset="2"/>
+            </a:endParaRPr>
+          </a:p>
+          <a:p>
+            <a:pPr marL="380990" indent="-380990">
+              <a:spcAft>
+                <a:spcPts val="2133"/>
+              </a:spcAft>
+            </a:pPr>
+            <a:r>
+              <a:rPr lang="en-US" dirty="0">
+                <a:sym typeface="Wingdings" panose="05000000000000000000" pitchFamily="2" charset="2"/>
+              </a:rPr>
+              <a:t>Let’s help each other, the one who finished </a:t>
+            </a:r>
+            <a:r>
+              <a:rPr lang="en-US" dirty="0" err="1">
+                <a:sym typeface="Wingdings" panose="05000000000000000000" pitchFamily="2" charset="2"/>
+              </a:rPr>
+              <a:t>ealier</a:t>
+            </a:r>
+            <a:r>
+              <a:rPr lang="en-US" dirty="0">
+                <a:sym typeface="Wingdings" panose="05000000000000000000" pitchFamily="2" charset="2"/>
+              </a:rPr>
+              <a:t> can help others</a:t>
+            </a:r>
+            <a:endParaRPr lang="en-US" dirty="0"/>
+          </a:p>
+          <a:p>
+            <a:pPr marL="380990" indent="-380990">
+              <a:spcAft>
+                <a:spcPts val="2133"/>
+              </a:spcAft>
+            </a:pPr>
+            <a:r>
+              <a:rPr lang="en-US" dirty="0"/>
+              <a:t>Labs are available after the event</a:t>
+            </a:r>
+          </a:p>
+          <a:p>
+            <a:pPr marL="380990" indent="-380990">
+              <a:spcAft>
+                <a:spcPts val="2133"/>
+              </a:spcAft>
+            </a:pPr>
+            <a:endParaRPr lang="en-US" dirty="0"/>
+          </a:p>
+          <a:p>
+            <a:pPr marL="380990" indent="-380990">
+              <a:spcAft>
+                <a:spcPts val="2133"/>
+              </a:spcAft>
+            </a:pPr>
+            <a:endParaRPr lang="en-US" dirty="0"/>
+          </a:p>
+        </p:txBody>
+      </p:sp>
+      <p:pic>
+        <p:nvPicPr>
+          <p:cNvPr id="5" name="Google Shape;56;p13">
+            <a:extLst>
+              <a:ext uri="{FF2B5EF4-FFF2-40B4-BE49-F238E27FC236}">
+                <a16:creationId xmlns:a16="http://schemas.microsoft.com/office/drawing/2014/main" id="{EF827ABA-BEE0-4CCD-A3C3-21D4EF756FDB}"/>
+              </a:ext>
+            </a:extLst>
+          </p:cNvPr>
+          <p:cNvPicPr preferRelativeResize="0"/>
+          <p:nvPr/>
+        </p:nvPicPr>
+        <p:blipFill>
+          <a:blip r:embed="rId3">
+            <a:alphaModFix/>
+          </a:blip>
+          <a:stretch>
+            <a:fillRect/>
+          </a:stretch>
+        </p:blipFill>
+        <p:spPr>
+          <a:xfrm>
+            <a:off x="10989179" y="5736492"/>
+            <a:ext cx="1202821" cy="1121508"/>
+          </a:xfrm>
+          <a:prstGeom prst="rect">
+            <a:avLst/>
+          </a:prstGeom>
+          <a:noFill/>
+          <a:ln>
+            <a:noFill/>
+          </a:ln>
+        </p:spPr>
+      </p:pic>
+    </p:spTree>
+  </p:cSld>
+  <p:clrMapOvr>
+    <a:masterClrMapping/>
+  </p:clrMapOvr>
+</p:sld>
+</file>
+
+<file path=ppt/slides/slide4.xml><?xml version="1.0" encoding="utf-8"?>
+<p:sld xmlns:a="http://schemas.openxmlformats.org/drawingml/2006/main" xmlns:r="http://schemas.openxmlformats.org/officeDocument/2006/relationships" xmlns:p="http://schemas.openxmlformats.org/presentationml/2006/main">
+  <p:cSld>
+    <p:spTree>
+      <p:nvGrpSpPr>
+        <p:cNvPr id="1" name="Shape 67"/>
+        <p:cNvGrpSpPr/>
+        <p:nvPr/>
+      </p:nvGrpSpPr>
+      <p:grpSpPr>
+        <a:xfrm>
+          <a:off x="0" y="0"/>
+          <a:ext cx="0" cy="0"/>
+          <a:chOff x="0" y="0"/>
+          <a:chExt cx="0" cy="0"/>
+        </a:xfrm>
+      </p:grpSpPr>
+      <p:sp>
+        <p:nvSpPr>
+          <p:cNvPr id="68" name="Google Shape;68;p15"/>
+          <p:cNvSpPr txBox="1">
+            <a:spLocks noGrp="1"/>
+          </p:cNvSpPr>
+          <p:nvPr>
+            <p:ph type="title"/>
+          </p:nvPr>
+        </p:nvSpPr>
+        <p:spPr>
+          <a:xfrm>
+            <a:off x="415600" y="593367"/>
+            <a:ext cx="11360800" cy="763600"/>
+          </a:xfrm>
+          <a:prstGeom prst="rect">
+            <a:avLst/>
+          </a:prstGeom>
+        </p:spPr>
+        <p:txBody>
+          <a:bodyPr spcFirstLastPara="1" vert="horz" wrap="square" lIns="121900" tIns="121900" rIns="121900" bIns="121900" rtlCol="0" anchor="t" anchorCtr="0">
+            <a:noAutofit/>
+          </a:bodyPr>
+          <a:lstStyle/>
+          <a:p>
+            <a:r>
+              <a:rPr lang="nb-NO" dirty="0"/>
+              <a:t>Microsoft Teams 101</a:t>
+            </a:r>
+            <a:endParaRPr dirty="0"/>
+          </a:p>
+        </p:txBody>
+      </p:sp>
+      <p:sp>
+        <p:nvSpPr>
+          <p:cNvPr id="69" name="Google Shape;69;p15"/>
+          <p:cNvSpPr txBox="1">
+            <a:spLocks noGrp="1"/>
+          </p:cNvSpPr>
+          <p:nvPr>
+            <p:ph type="body" idx="1"/>
+          </p:nvPr>
+        </p:nvSpPr>
+        <p:spPr>
+          <a:xfrm>
+            <a:off x="415600" y="1536633"/>
+            <a:ext cx="11360800" cy="4555200"/>
+          </a:xfrm>
+          <a:prstGeom prst="rect">
+            <a:avLst/>
+          </a:prstGeom>
+        </p:spPr>
+        <p:txBody>
+          <a:bodyPr spcFirstLastPara="1" vert="horz" wrap="square" lIns="121900" tIns="121900" rIns="121900" bIns="121900" rtlCol="0" anchor="t" anchorCtr="0">
+            <a:noAutofit/>
+          </a:bodyPr>
+          <a:lstStyle/>
+          <a:p>
+            <a:pPr marL="380990" indent="-380990">
+              <a:spcAft>
+                <a:spcPts val="2133"/>
+              </a:spcAft>
+            </a:pPr>
+            <a:r>
+              <a:rPr lang="en-US" dirty="0"/>
+              <a:t>Mute your mic (but don’t forget to unmute when you speak)</a:t>
+            </a:r>
+          </a:p>
+          <a:p>
+            <a:pPr marL="380990" indent="-380990">
+              <a:spcAft>
+                <a:spcPts val="2133"/>
+              </a:spcAft>
+            </a:pPr>
+            <a:r>
+              <a:rPr lang="en-US" dirty="0"/>
+              <a:t>Feel free to use Video</a:t>
+            </a:r>
+          </a:p>
+          <a:p>
+            <a:pPr marL="380990" indent="-380990">
+              <a:spcAft>
+                <a:spcPts val="2133"/>
+              </a:spcAft>
+            </a:pPr>
+            <a:r>
+              <a:rPr lang="en-US" dirty="0"/>
+              <a:t>«Rise your hand» if you need some attention</a:t>
+            </a:r>
+          </a:p>
+          <a:p>
+            <a:pPr marL="380990" indent="-380990">
+              <a:spcAft>
+                <a:spcPts val="2133"/>
+              </a:spcAft>
+            </a:pPr>
+            <a:r>
+              <a:rPr lang="en-US" dirty="0"/>
+              <a:t>Conversation</a:t>
+            </a:r>
+          </a:p>
+          <a:p>
+            <a:pPr marL="380990" indent="-380990">
+              <a:spcAft>
+                <a:spcPts val="2133"/>
+              </a:spcAft>
+            </a:pPr>
+            <a:r>
+              <a:rPr lang="en-US" dirty="0"/>
+              <a:t>If you want to have private discussion, find </a:t>
+            </a:r>
+            <a:r>
+              <a:rPr lang="en-US" dirty="0">
+                <a:hlinkClick r:id="rId3"/>
+              </a:rPr>
+              <a:t>evgeny@enso.no</a:t>
+            </a:r>
+            <a:r>
+              <a:rPr lang="en-US" dirty="0"/>
+              <a:t> and start chat with me </a:t>
+            </a:r>
+          </a:p>
+          <a:p>
+            <a:pPr marL="380990" indent="-380990">
+              <a:spcAft>
+                <a:spcPts val="2133"/>
+              </a:spcAft>
+            </a:pPr>
+            <a:r>
+              <a:rPr lang="en-US" dirty="0"/>
+              <a:t>Share screen </a:t>
+            </a:r>
+          </a:p>
+        </p:txBody>
+      </p:sp>
+      <p:pic>
+        <p:nvPicPr>
+          <p:cNvPr id="2" name="Picture 1">
+            <a:extLst>
+              <a:ext uri="{FF2B5EF4-FFF2-40B4-BE49-F238E27FC236}">
+                <a16:creationId xmlns:a16="http://schemas.microsoft.com/office/drawing/2014/main" id="{93FDAD15-0133-42CB-B22E-5EA0CBAB687B}"/>
+              </a:ext>
+            </a:extLst>
+          </p:cNvPr>
+          <p:cNvPicPr>
+            <a:picLocks noChangeAspect="1"/>
+          </p:cNvPicPr>
+          <p:nvPr/>
+        </p:nvPicPr>
+        <p:blipFill>
+          <a:blip r:embed="rId4"/>
+          <a:stretch>
+            <a:fillRect/>
+          </a:stretch>
+        </p:blipFill>
+        <p:spPr>
+          <a:xfrm>
+            <a:off x="3008666" y="3813843"/>
+            <a:ext cx="3637396" cy="819045"/>
+          </a:xfrm>
+          <a:prstGeom prst="rect">
+            <a:avLst/>
+          </a:prstGeom>
+        </p:spPr>
+      </p:pic>
+      <p:pic>
+        <p:nvPicPr>
+          <p:cNvPr id="3" name="Picture 2">
+            <a:extLst>
+              <a:ext uri="{FF2B5EF4-FFF2-40B4-BE49-F238E27FC236}">
+                <a16:creationId xmlns:a16="http://schemas.microsoft.com/office/drawing/2014/main" id="{8C84819E-A625-40F0-BCDC-E2DFEF111510}"/>
+              </a:ext>
+            </a:extLst>
+          </p:cNvPr>
+          <p:cNvPicPr>
+            <a:picLocks noChangeAspect="1"/>
+          </p:cNvPicPr>
+          <p:nvPr/>
+        </p:nvPicPr>
+        <p:blipFill>
+          <a:blip r:embed="rId5"/>
+          <a:stretch>
+            <a:fillRect/>
+          </a:stretch>
+        </p:blipFill>
+        <p:spPr>
+          <a:xfrm>
+            <a:off x="3103628" y="5772385"/>
+            <a:ext cx="3447472" cy="702531"/>
+          </a:xfrm>
+          <a:prstGeom prst="rect">
+            <a:avLst/>
+          </a:prstGeom>
+        </p:spPr>
+      </p:pic>
+      <p:pic>
+        <p:nvPicPr>
+          <p:cNvPr id="7" name="Google Shape;56;p13">
+            <a:extLst>
+              <a:ext uri="{FF2B5EF4-FFF2-40B4-BE49-F238E27FC236}">
+                <a16:creationId xmlns:a16="http://schemas.microsoft.com/office/drawing/2014/main" id="{C7C3329F-2340-4248-9990-99A2AC41C156}"/>
+              </a:ext>
+            </a:extLst>
+          </p:cNvPr>
+          <p:cNvPicPr preferRelativeResize="0"/>
+          <p:nvPr/>
+        </p:nvPicPr>
+        <p:blipFill>
+          <a:blip r:embed="rId6">
+            <a:alphaModFix/>
+          </a:blip>
+          <a:stretch>
+            <a:fillRect/>
+          </a:stretch>
+        </p:blipFill>
+        <p:spPr>
+          <a:xfrm>
+            <a:off x="10989179" y="5736492"/>
+            <a:ext cx="1202821" cy="1121508"/>
+          </a:xfrm>
+          <a:prstGeom prst="rect">
+            <a:avLst/>
+          </a:prstGeom>
+          <a:noFill/>
+          <a:ln>
+            <a:noFill/>
+          </a:ln>
+        </p:spPr>
+      </p:pic>
+      <p:pic>
+        <p:nvPicPr>
+          <p:cNvPr id="5" name="Picture 4">
+            <a:extLst>
+              <a:ext uri="{FF2B5EF4-FFF2-40B4-BE49-F238E27FC236}">
+                <a16:creationId xmlns:a16="http://schemas.microsoft.com/office/drawing/2014/main" id="{0811F3FE-AAEC-40BB-BF0A-BE959E311625}"/>
+              </a:ext>
+            </a:extLst>
+          </p:cNvPr>
+          <p:cNvPicPr>
+            <a:picLocks noChangeAspect="1"/>
+          </p:cNvPicPr>
+          <p:nvPr/>
+        </p:nvPicPr>
+        <p:blipFill>
+          <a:blip r:embed="rId7"/>
+          <a:stretch>
+            <a:fillRect/>
+          </a:stretch>
+        </p:blipFill>
+        <p:spPr>
+          <a:xfrm>
+            <a:off x="7513293" y="3044156"/>
+            <a:ext cx="4320914" cy="769687"/>
+          </a:xfrm>
+          <a:prstGeom prst="rect">
+            <a:avLst/>
+          </a:prstGeom>
+        </p:spPr>
+      </p:pic>
+    </p:spTree>
+    <p:extLst>
+      <p:ext uri="{BB962C8B-B14F-4D97-AF65-F5344CB8AC3E}">
+        <p14:creationId xmlns:p14="http://schemas.microsoft.com/office/powerpoint/2010/main" val="3861844443"/>
+      </p:ext>
+    </p:extLst>
+  </p:cSld>
+  <p:clrMapOvr>
+    <a:masterClrMapping/>
+  </p:clrMapOvr>
+</p:sld>
+</file>
+
+<file path=ppt/slides/slide5.xml><?xml version="1.0" encoding="utf-8"?>
+<p:sld xmlns:a="http://schemas.openxmlformats.org/drawingml/2006/main" xmlns:r="http://schemas.openxmlformats.org/officeDocument/2006/relationships" xmlns:p="http://schemas.openxmlformats.org/presentationml/2006/main">
+  <p:cSld>
+    <p:spTree>
+      <p:nvGrpSpPr>
+        <p:cNvPr id="1" name="Shape 67"/>
+        <p:cNvGrpSpPr/>
+        <p:nvPr/>
+      </p:nvGrpSpPr>
+      <p:grpSpPr>
+        <a:xfrm>
+          <a:off x="0" y="0"/>
+          <a:ext cx="0" cy="0"/>
+          <a:chOff x="0" y="0"/>
+          <a:chExt cx="0" cy="0"/>
+        </a:xfrm>
+      </p:grpSpPr>
+      <p:sp>
+        <p:nvSpPr>
+          <p:cNvPr id="68" name="Google Shape;68;p15"/>
+          <p:cNvSpPr txBox="1">
+            <a:spLocks noGrp="1"/>
+          </p:cNvSpPr>
+          <p:nvPr>
+            <p:ph type="title"/>
+          </p:nvPr>
+        </p:nvSpPr>
+        <p:spPr>
+          <a:xfrm>
+            <a:off x="415600" y="593367"/>
+            <a:ext cx="11360800" cy="763600"/>
+          </a:xfrm>
+          <a:prstGeom prst="rect">
+            <a:avLst/>
+          </a:prstGeom>
+        </p:spPr>
+        <p:txBody>
+          <a:bodyPr spcFirstLastPara="1" vert="horz" wrap="square" lIns="121900" tIns="121900" rIns="121900" bIns="121900" rtlCol="0" anchor="t" anchorCtr="0">
+            <a:noAutofit/>
+          </a:bodyPr>
+          <a:lstStyle/>
+          <a:p>
+            <a:r>
+              <a:rPr lang="nb-NO" dirty="0"/>
+              <a:t>Practical information</a:t>
+            </a:r>
+            <a:endParaRPr dirty="0"/>
+          </a:p>
+        </p:txBody>
+      </p:sp>
+      <p:sp>
+        <p:nvSpPr>
+          <p:cNvPr id="69" name="Google Shape;69;p15"/>
+          <p:cNvSpPr txBox="1">
+            <a:spLocks noGrp="1"/>
+          </p:cNvSpPr>
+          <p:nvPr>
+            <p:ph type="body" idx="1"/>
+          </p:nvPr>
+        </p:nvSpPr>
+        <p:spPr>
+          <a:xfrm>
+            <a:off x="415600" y="1536633"/>
+            <a:ext cx="11360800" cy="4555200"/>
+          </a:xfrm>
+          <a:prstGeom prst="rect">
+            <a:avLst/>
+          </a:prstGeom>
+        </p:spPr>
+        <p:txBody>
+          <a:bodyPr spcFirstLastPara="1" vert="horz" wrap="square" lIns="121900" tIns="121900" rIns="121900" bIns="121900" rtlCol="0" anchor="t" anchorCtr="0">
+            <a:noAutofit/>
+          </a:bodyPr>
+          <a:lstStyle/>
+          <a:p>
+            <a:pPr marL="380990" indent="-380990">
+              <a:spcAft>
+                <a:spcPts val="2133"/>
+              </a:spcAft>
+            </a:pPr>
+            <a:r>
+              <a:rPr lang="en-US" dirty="0"/>
+              <a:t>Each lab is time-boxed</a:t>
+            </a:r>
+          </a:p>
+          <a:p>
+            <a:pPr marL="380990" indent="-380990">
+              <a:spcAft>
+                <a:spcPts val="2133"/>
+              </a:spcAft>
+            </a:pPr>
+            <a:r>
+              <a:rPr lang="en-US" dirty="0"/>
+              <a:t>When you completed a lab, please post to the Conversation channel </a:t>
+            </a:r>
+          </a:p>
+          <a:p>
+            <a:pPr marL="0" indent="0">
+              <a:spcAft>
+                <a:spcPts val="2133"/>
+              </a:spcAft>
+              <a:buNone/>
+            </a:pPr>
+            <a:r>
+              <a:rPr lang="en-US" dirty="0"/>
+              <a:t>	lab-01 (lab-02, lab-03 </a:t>
+            </a:r>
+            <a:r>
+              <a:rPr lang="en-US" dirty="0" err="1"/>
+              <a:t>etc</a:t>
+            </a:r>
+            <a:r>
+              <a:rPr lang="en-US" dirty="0"/>
+              <a:t>…)</a:t>
+            </a:r>
+          </a:p>
+          <a:p>
+            <a:pPr marL="380990" indent="-380990">
+              <a:spcAft>
+                <a:spcPts val="2133"/>
+              </a:spcAft>
+            </a:pPr>
+            <a:r>
+              <a:rPr lang="en-US" dirty="0"/>
+              <a:t>Labs will be available after the event</a:t>
+            </a:r>
+          </a:p>
+          <a:p>
+            <a:pPr marL="380990" indent="-380990">
+              <a:spcAft>
+                <a:spcPts val="2133"/>
+              </a:spcAft>
+            </a:pPr>
+            <a:r>
+              <a:rPr lang="en-US" dirty="0"/>
+              <a:t>Feel free to contribute to the labs content. Fix gramma, typos</a:t>
+            </a:r>
+            <a:r>
+              <a:rPr lang="en-US"/>
+              <a:t>, wrong commands </a:t>
+            </a:r>
+            <a:endParaRPr lang="en-US" dirty="0"/>
+          </a:p>
+        </p:txBody>
+      </p:sp>
+      <p:pic>
+        <p:nvPicPr>
+          <p:cNvPr id="5" name="Google Shape;56;p13">
+            <a:extLst>
+              <a:ext uri="{FF2B5EF4-FFF2-40B4-BE49-F238E27FC236}">
+                <a16:creationId xmlns:a16="http://schemas.microsoft.com/office/drawing/2014/main" id="{81B3B5C5-01A2-434D-A011-DC806F05B875}"/>
+              </a:ext>
+            </a:extLst>
+          </p:cNvPr>
+          <p:cNvPicPr preferRelativeResize="0"/>
+          <p:nvPr/>
+        </p:nvPicPr>
+        <p:blipFill>
+          <a:blip r:embed="rId3">
+            <a:alphaModFix/>
+          </a:blip>
+          <a:stretch>
+            <a:fillRect/>
+          </a:stretch>
+        </p:blipFill>
+        <p:spPr>
+          <a:xfrm>
+            <a:off x="10989179" y="5736492"/>
+            <a:ext cx="1202821" cy="1121508"/>
+          </a:xfrm>
+          <a:prstGeom prst="rect">
+            <a:avLst/>
+          </a:prstGeom>
+          <a:noFill/>
+          <a:ln>
+            <a:noFill/>
+          </a:ln>
+        </p:spPr>
+      </p:pic>
+    </p:spTree>
+    <p:extLst>
+      <p:ext uri="{BB962C8B-B14F-4D97-AF65-F5344CB8AC3E}">
+        <p14:creationId xmlns:p14="http://schemas.microsoft.com/office/powerpoint/2010/main" val="1022140202"/>
+      </p:ext>
+    </p:extLst>
+  </p:cSld>
+  <p:clrMapOvr>
+    <a:masterClrMapping/>
+  </p:clrMapOvr>
+</p:sld>
+</file>
+
 <file path=ppt/theme/theme1.xml><?xml version="1.0" encoding="utf-8"?>
 <a:theme xmlns:a="http://schemas.openxmlformats.org/drawingml/2006/main" name="Office Theme">
   <a:themeElements>
@@ -4834,4 +6852,299 @@
     </a:ext>
   </a:extLst>
 </a:theme>
+</file>
+
+<file path=ppt/theme/theme2.xml><?xml version="1.0" encoding="utf-8"?>
+<a:theme xmlns:a="http://schemas.openxmlformats.org/drawingml/2006/main" name="Office Theme">
+  <a:themeElements>
+    <a:clrScheme name="Office">
+      <a:dk1>
+        <a:sysClr val="windowText" lastClr="000000"/>
+      </a:dk1>
+      <a:lt1>
+        <a:sysClr val="window" lastClr="FFFFFF"/>
+      </a:lt1>
+      <a:dk2>
+        <a:srgbClr val="44546A"/>
+      </a:dk2>
+      <a:lt2>
+        <a:srgbClr val="E7E6E6"/>
+      </a:lt2>
+      <a:accent1>
+        <a:srgbClr val="4472C4"/>
+      </a:accent1>
+      <a:accent2>
+        <a:srgbClr val="ED7D31"/>
+      </a:accent2>
+      <a:accent3>
+        <a:srgbClr val="A5A5A5"/>
+      </a:accent3>
+      <a:accent4>
+        <a:srgbClr val="FFC000"/>
+      </a:accent4>
+      <a:accent5>
+        <a:srgbClr val="5B9BD5"/>
+      </a:accent5>
+      <a:accent6>
+        <a:srgbClr val="70AD47"/>
+      </a:accent6>
+      <a:hlink>
+        <a:srgbClr val="0563C1"/>
+      </a:hlink>
+      <a:folHlink>
+        <a:srgbClr val="954F72"/>
+      </a:folHlink>
+    </a:clrScheme>
+    <a:fontScheme name="Office">
+      <a:majorFont>
+        <a:latin typeface="Calibri Light" panose="020F0302020204030204"/>
+        <a:ea typeface=""/>
+        <a:cs typeface=""/>
+        <a:font script="Jpan" typeface="游ゴシック Light"/>
+        <a:font script="Hang" typeface="맑은 고딕"/>
+        <a:font script="Hans" typeface="等线 Light"/>
+        <a:font script="Hant" typeface="新細明體"/>
+        <a:font script="Arab" typeface="Times New Roman"/>
+        <a:font script="Hebr" typeface="Times New Roman"/>
+        <a:font script="Thai" typeface="Angsana New"/>
+        <a:font script="Ethi" typeface="Nyala"/>
+        <a:font script="Beng" typeface="Vrinda"/>
+        <a:font script="Gujr" typeface="Shruti"/>
+        <a:font script="Khmr" typeface="MoolBoran"/>
+        <a:font script="Knda" typeface="Tunga"/>
+        <a:font script="Guru" typeface="Raavi"/>
+        <a:font script="Cans" typeface="Euphemia"/>
+        <a:font script="Cher" typeface="Plantagenet Cherokee"/>
+        <a:font script="Yiii" typeface="Microsoft Yi Baiti"/>
+        <a:font script="Tibt" typeface="Microsoft Himalaya"/>
+        <a:font script="Thaa" typeface="MV Boli"/>
+        <a:font script="Deva" typeface="Mangal"/>
+        <a:font script="Telu" typeface="Gautami"/>
+        <a:font script="Taml" typeface="Latha"/>
+        <a:font script="Syrc" typeface="Estrangelo Edessa"/>
+        <a:font script="Orya" typeface="Kalinga"/>
+        <a:font script="Mlym" typeface="Kartika"/>
+        <a:font script="Laoo" typeface="DokChampa"/>
+        <a:font script="Sinh" typeface="Iskoola Pota"/>
+        <a:font script="Mong" typeface="Mongolian Baiti"/>
+        <a:font script="Viet" typeface="Times New Roman"/>
+        <a:font script="Uigh" typeface="Microsoft Uighur"/>
+        <a:font script="Geor" typeface="Sylfaen"/>
+        <a:font script="Armn" typeface="Arial"/>
+        <a:font script="Bugi" typeface="Leelawadee UI"/>
+        <a:font script="Bopo" typeface="Microsoft JhengHei"/>
+        <a:font script="Java" typeface="Javanese Text"/>
+        <a:font script="Lisu" typeface="Segoe UI"/>
+        <a:font script="Mymr" typeface="Myanmar Text"/>
+        <a:font script="Nkoo" typeface="Ebrima"/>
+        <a:font script="Olck" typeface="Nirmala UI"/>
+        <a:font script="Osma" typeface="Ebrima"/>
+        <a:font script="Phag" typeface="Phagspa"/>
+        <a:font script="Syrn" typeface="Estrangelo Edessa"/>
+        <a:font script="Syrj" typeface="Estrangelo Edessa"/>
+        <a:font script="Syre" typeface="Estrangelo Edessa"/>
+        <a:font script="Sora" typeface="Nirmala UI"/>
+        <a:font script="Tale" typeface="Microsoft Tai Le"/>
+        <a:font script="Talu" typeface="Microsoft New Tai Lue"/>
+        <a:font script="Tfng" typeface="Ebrima"/>
+      </a:majorFont>
+      <a:minorFont>
+        <a:latin typeface="Calibri" panose="020F0502020204030204"/>
+        <a:ea typeface=""/>
+        <a:cs typeface=""/>
+        <a:font script="Jpan" typeface="游ゴシック"/>
+        <a:font script="Hang" typeface="맑은 고딕"/>
+        <a:font script="Hans" typeface="等线"/>
+        <a:font script="Hant" typeface="新細明體"/>
+        <a:font script="Arab" typeface="Arial"/>
+        <a:font script="Hebr" typeface="Arial"/>
+        <a:font script="Thai" typeface="Cordia New"/>
+        <a:font script="Ethi" typeface="Nyala"/>
+        <a:font script="Beng" typeface="Vrinda"/>
+        <a:font script="Gujr" typeface="Shruti"/>
+        <a:font script="Khmr" typeface="DaunPenh"/>
+        <a:font script="Knda" typeface="Tunga"/>
+        <a:font script="Guru" typeface="Raavi"/>
+        <a:font script="Cans" typeface="Euphemia"/>
+        <a:font script="Cher" typeface="Plantagenet Cherokee"/>
+        <a:font script="Yiii" typeface="Microsoft Yi Baiti"/>
+        <a:font script="Tibt" typeface="Microsoft Himalaya"/>
+        <a:font script="Thaa" typeface="MV Boli"/>
+        <a:font script="Deva" typeface="Mangal"/>
+        <a:font script="Telu" typeface="Gautami"/>
+        <a:font script="Taml" typeface="Latha"/>
+        <a:font script="Syrc" typeface="Estrangelo Edessa"/>
+        <a:font script="Orya" typeface="Kalinga"/>
+        <a:font script="Mlym" typeface="Kartika"/>
+        <a:font script="Laoo" typeface="DokChampa"/>
+        <a:font script="Sinh" typeface="Iskoola Pota"/>
+        <a:font script="Mong" typeface="Mongolian Baiti"/>
+        <a:font script="Viet" typeface="Arial"/>
+        <a:font script="Uigh" typeface="Microsoft Uighur"/>
+        <a:font script="Geor" typeface="Sylfaen"/>
+        <a:font script="Armn" typeface="Arial"/>
+        <a:font script="Bugi" typeface="Leelawadee UI"/>
+        <a:font script="Bopo" typeface="Microsoft JhengHei"/>
+        <a:font script="Java" typeface="Javanese Text"/>
+        <a:font script="Lisu" typeface="Segoe UI"/>
+        <a:font script="Mymr" typeface="Myanmar Text"/>
+        <a:font script="Nkoo" typeface="Ebrima"/>
+        <a:font script="Olck" typeface="Nirmala UI"/>
+        <a:font script="Osma" typeface="Ebrima"/>
+        <a:font script="Phag" typeface="Phagspa"/>
+        <a:font script="Syrn" typeface="Estrangelo Edessa"/>
+        <a:font script="Syrj" typeface="Estrangelo Edessa"/>
+        <a:font script="Syre" typeface="Estrangelo Edessa"/>
+        <a:font script="Sora" typeface="Nirmala UI"/>
+        <a:font script="Tale" typeface="Microsoft Tai Le"/>
+        <a:font script="Talu" typeface="Microsoft New Tai Lue"/>
+        <a:font script="Tfng" typeface="Ebrima"/>
+      </a:minorFont>
+    </a:fontScheme>
+    <a:fmtScheme name="Office">
+      <a:fillStyleLst>
+        <a:solidFill>
+          <a:schemeClr val="phClr"/>
+        </a:solidFill>
+        <a:gradFill rotWithShape="1">
+          <a:gsLst>
+            <a:gs pos="0">
+              <a:schemeClr val="phClr">
+                <a:lumMod val="110000"/>
+                <a:satMod val="105000"/>
+                <a:tint val="67000"/>
+              </a:schemeClr>
+            </a:gs>
+            <a:gs pos="50000">
+              <a:schemeClr val="phClr">
+                <a:lumMod val="105000"/>
+                <a:satMod val="103000"/>
+                <a:tint val="73000"/>
+              </a:schemeClr>
+            </a:gs>
+            <a:gs pos="100000">
+              <a:schemeClr val="phClr">
+                <a:lumMod val="105000"/>
+                <a:satMod val="109000"/>
+                <a:tint val="81000"/>
+              </a:schemeClr>
+            </a:gs>
+          </a:gsLst>
+          <a:lin ang="5400000" scaled="0"/>
+        </a:gradFill>
+        <a:gradFill rotWithShape="1">
+          <a:gsLst>
+            <a:gs pos="0">
+              <a:schemeClr val="phClr">
+                <a:satMod val="103000"/>
+                <a:lumMod val="102000"/>
+                <a:tint val="94000"/>
+              </a:schemeClr>
+            </a:gs>
+            <a:gs pos="50000">
+              <a:schemeClr val="phClr">
+                <a:satMod val="110000"/>
+                <a:lumMod val="100000"/>
+                <a:shade val="100000"/>
+              </a:schemeClr>
+            </a:gs>
+            <a:gs pos="100000">
+              <a:schemeClr val="phClr">
+                <a:lumMod val="99000"/>
+                <a:satMod val="120000"/>
+                <a:shade val="78000"/>
+              </a:schemeClr>
+            </a:gs>
+          </a:gsLst>
+          <a:lin ang="5400000" scaled="0"/>
+        </a:gradFill>
+      </a:fillStyleLst>
+      <a:lnStyleLst>
+        <a:ln w="6350" cap="flat" cmpd="sng" algn="ctr">
+          <a:solidFill>
+            <a:schemeClr val="phClr"/>
+          </a:solidFill>
+          <a:prstDash val="solid"/>
+          <a:miter lim="800000"/>
+        </a:ln>
+        <a:ln w="12700" cap="flat" cmpd="sng" algn="ctr">
+          <a:solidFill>
+            <a:schemeClr val="phClr"/>
+          </a:solidFill>
+          <a:prstDash val="solid"/>
+          <a:miter lim="800000"/>
+        </a:ln>
+        <a:ln w="19050" cap="flat" cmpd="sng" algn="ctr">
+          <a:solidFill>
+            <a:schemeClr val="phClr"/>
+          </a:solidFill>
+          <a:prstDash val="solid"/>
+          <a:miter lim="800000"/>
+        </a:ln>
+      </a:lnStyleLst>
+      <a:effectStyleLst>
+        <a:effectStyle>
+          <a:effectLst/>
+        </a:effectStyle>
+        <a:effectStyle>
+          <a:effectLst/>
+        </a:effectStyle>
+        <a:effectStyle>
+          <a:effectLst>
+            <a:outerShdw blurRad="57150" dist="19050" dir="5400000" algn="ctr" rotWithShape="0">
+              <a:srgbClr val="000000">
+                <a:alpha val="63000"/>
+              </a:srgbClr>
+            </a:outerShdw>
+          </a:effectLst>
+        </a:effectStyle>
+      </a:effectStyleLst>
+      <a:bgFillStyleLst>
+        <a:solidFill>
+          <a:schemeClr val="phClr"/>
+        </a:solidFill>
+        <a:solidFill>
+          <a:schemeClr val="phClr">
+            <a:tint val="95000"/>
+            <a:satMod val="170000"/>
+          </a:schemeClr>
+        </a:solidFill>
+        <a:gradFill rotWithShape="1">
+          <a:gsLst>
+            <a:gs pos="0">
+              <a:schemeClr val="phClr">
+                <a:tint val="93000"/>
+                <a:satMod val="150000"/>
+                <a:shade val="98000"/>
+                <a:lumMod val="102000"/>
+              </a:schemeClr>
+            </a:gs>
+            <a:gs pos="50000">
+              <a:schemeClr val="phClr">
+                <a:tint val="98000"/>
+                <a:satMod val="130000"/>
+                <a:shade val="90000"/>
+                <a:lumMod val="103000"/>
+              </a:schemeClr>
+            </a:gs>
+            <a:gs pos="100000">
+              <a:schemeClr val="phClr">
+                <a:shade val="63000"/>
+                <a:satMod val="120000"/>
+              </a:schemeClr>
+            </a:gs>
+          </a:gsLst>
+          <a:lin ang="5400000" scaled="0"/>
+        </a:gradFill>
+      </a:bgFillStyleLst>
+    </a:fmtScheme>
+  </a:themeElements>
+  <a:objectDefaults/>
+  <a:extraClrSchemeLst/>
+  <a:extLst>
+    <a:ext uri="{05A4C25C-085E-4340-85A3-A5531E510DB2}">
+      <thm15:themeFamily xmlns:thm15="http://schemas.microsoft.com/office/thememl/2012/main" name="Office Theme" id="{62F939B6-93AF-4DB8-9C6B-D6C7DFDC589F}" vid="{4A3C46E8-61CC-4603-A589-7422A47A8E4A}"/>
+    </a:ext>
+  </a:extLst>
+</a:theme>
 </file>
--- a/01-aks-and-k8s-101/slides/Introduction to AKS.pptx
+++ b/01-aks-and-k8s-101/slides/Introduction to AKS.pptx
@@ -5,7 +5,7 @@
     <p:sldMasterId id="2147483648" r:id="rId1"/>
   </p:sldMasterIdLst>
   <p:notesMasterIdLst>
-    <p:notesMasterId r:id="rId7"/>
+    <p:notesMasterId r:id="rId20"/>
   </p:notesMasterIdLst>
   <p:sldIdLst>
     <p:sldId id="256" r:id="rId2"/>
@@ -13,6 +13,19 @@
     <p:sldId id="258" r:id="rId4"/>
     <p:sldId id="260" r:id="rId5"/>
     <p:sldId id="259" r:id="rId6"/>
+    <p:sldId id="261" r:id="rId7"/>
+    <p:sldId id="262" r:id="rId8"/>
+    <p:sldId id="263" r:id="rId9"/>
+    <p:sldId id="265" r:id="rId10"/>
+    <p:sldId id="264" r:id="rId11"/>
+    <p:sldId id="266" r:id="rId12"/>
+    <p:sldId id="267" r:id="rId13"/>
+    <p:sldId id="268" r:id="rId14"/>
+    <p:sldId id="269" r:id="rId15"/>
+    <p:sldId id="270" r:id="rId16"/>
+    <p:sldId id="271" r:id="rId17"/>
+    <p:sldId id="272" r:id="rId18"/>
+    <p:sldId id="273" r:id="rId19"/>
   </p:sldIdLst>
   <p:sldSz cx="12192000" cy="6858000"/>
   <p:notesSz cx="6858000" cy="9144000"/>
@@ -572,6 +585,174 @@
 </p:notes>
 </file>
 
+<file path=ppt/notesSlides/notesSlide10.xml><?xml version="1.0" encoding="utf-8"?>
+<p:notes xmlns:a="http://schemas.openxmlformats.org/drawingml/2006/main" xmlns:r="http://schemas.openxmlformats.org/officeDocument/2006/relationships" xmlns:p="http://schemas.openxmlformats.org/presentationml/2006/main">
+  <p:cSld>
+    <p:spTree>
+      <p:nvGrpSpPr>
+        <p:cNvPr id="1" name=""/>
+        <p:cNvGrpSpPr/>
+        <p:nvPr/>
+      </p:nvGrpSpPr>
+      <p:grpSpPr>
+        <a:xfrm>
+          <a:off x="0" y="0"/>
+          <a:ext cx="0" cy="0"/>
+          <a:chOff x="0" y="0"/>
+          <a:chExt cx="0" cy="0"/>
+        </a:xfrm>
+      </p:grpSpPr>
+      <p:sp>
+        <p:nvSpPr>
+          <p:cNvPr id="2" name="Slide Image Placeholder 1"/>
+          <p:cNvSpPr>
+            <a:spLocks noGrp="1" noRot="1" noChangeAspect="1"/>
+          </p:cNvSpPr>
+          <p:nvPr>
+            <p:ph type="sldImg"/>
+          </p:nvPr>
+        </p:nvSpPr>
+        <p:spPr/>
+      </p:sp>
+      <p:sp>
+        <p:nvSpPr>
+          <p:cNvPr id="3" name="Notes Placeholder 2"/>
+          <p:cNvSpPr>
+            <a:spLocks noGrp="1"/>
+          </p:cNvSpPr>
+          <p:nvPr>
+            <p:ph type="body" idx="1"/>
+          </p:nvPr>
+        </p:nvSpPr>
+        <p:spPr/>
+        <p:txBody>
+          <a:bodyPr/>
+          <a:lstStyle/>
+          <a:p>
+            <a:pPr algn="l"/>
+            <a:r>
+              <a:rPr lang="en-US" b="0" i="0" dirty="0">
+                <a:solidFill>
+                  <a:srgbClr val="171717"/>
+                </a:solidFill>
+                <a:effectLst/>
+                <a:latin typeface="Segoe UI" panose="020B0502040204020203" pitchFamily="34" charset="0"/>
+              </a:rPr>
+              <a:t>You can manually scale replicas (pods) and nodes to test how your application responds to a change in available resources and state. Manually scaling resources also lets you define a set amount of resources to use to maintain a fixed cost, such as the number of nodes. To manually scale, you define the replica or node count. </a:t>
+            </a:r>
+          </a:p>
+          <a:p>
+            <a:r>
+              <a:rPr lang="en-US" dirty="0"/>
+              <a:t>	</a:t>
+            </a:r>
+          </a:p>
+          <a:p>
+            <a:r>
+              <a:rPr lang="en-US" dirty="0"/>
+              <a:t>Kubernetes uses the horizontal pod </a:t>
+            </a:r>
+            <a:r>
+              <a:rPr lang="en-US" dirty="0" err="1"/>
+              <a:t>autoscaler</a:t>
+            </a:r>
+            <a:r>
+              <a:rPr lang="en-US" dirty="0"/>
+              <a:t> (HPA) to monitor the resource demand and automatically scale the number of replicas. When you configure the horizontal pod </a:t>
+            </a:r>
+            <a:r>
+              <a:rPr lang="en-US" dirty="0" err="1"/>
+              <a:t>autoscaler</a:t>
+            </a:r>
+            <a:r>
+              <a:rPr lang="en-US" dirty="0"/>
+              <a:t>, you define the minimum and maximum number of replicas that can run. You also define the metric to monitor and base any scaling decisions on.</a:t>
+            </a:r>
+            <a:endParaRPr lang="en-US" b="0" i="0" dirty="0">
+              <a:solidFill>
+                <a:srgbClr val="171717"/>
+              </a:solidFill>
+              <a:effectLst/>
+              <a:latin typeface="Segoe UI" panose="020B0502040204020203" pitchFamily="34" charset="0"/>
+            </a:endParaRPr>
+          </a:p>
+          <a:p>
+            <a:endParaRPr lang="en-US" b="0" i="0" dirty="0">
+              <a:solidFill>
+                <a:srgbClr val="171717"/>
+              </a:solidFill>
+              <a:effectLst/>
+              <a:latin typeface="Segoe UI" panose="020B0502040204020203" pitchFamily="34" charset="0"/>
+            </a:endParaRPr>
+          </a:p>
+          <a:p>
+            <a:r>
+              <a:rPr lang="en-US" dirty="0"/>
+              <a:t>To respond to changing pod demands, Kubernetes has a cluster </a:t>
+            </a:r>
+            <a:r>
+              <a:rPr lang="en-US" dirty="0" err="1"/>
+              <a:t>autoscaler</a:t>
+            </a:r>
+            <a:r>
+              <a:rPr lang="en-US" dirty="0"/>
+              <a:t>, that adjusts the number of nodes based on the requested compute resources in the node pool. Cluster </a:t>
+            </a:r>
+            <a:r>
+              <a:rPr lang="en-US" dirty="0" err="1"/>
+              <a:t>autoscaler</a:t>
+            </a:r>
+            <a:r>
+              <a:rPr lang="en-US" dirty="0"/>
+              <a:t> is typically used alongside the horizontal pod </a:t>
+            </a:r>
+            <a:r>
+              <a:rPr lang="en-US" dirty="0" err="1"/>
+              <a:t>autoscaler</a:t>
+            </a:r>
+            <a:r>
+              <a:rPr lang="en-US" dirty="0"/>
+              <a:t>.</a:t>
+            </a:r>
+          </a:p>
+        </p:txBody>
+      </p:sp>
+      <p:sp>
+        <p:nvSpPr>
+          <p:cNvPr id="4" name="Slide Number Placeholder 3"/>
+          <p:cNvSpPr>
+            <a:spLocks noGrp="1"/>
+          </p:cNvSpPr>
+          <p:nvPr>
+            <p:ph type="sldNum" sz="quarter" idx="5"/>
+          </p:nvPr>
+        </p:nvSpPr>
+        <p:spPr/>
+        <p:txBody>
+          <a:bodyPr/>
+          <a:lstStyle/>
+          <a:p>
+            <a:fld id="{00A560F4-8102-4EC4-BB24-179BCBD2EB8E}" type="slidenum">
+              <a:rPr lang="en-US" smtClean="0"/>
+              <a:t>18</a:t>
+            </a:fld>
+            <a:endParaRPr lang="en-US"/>
+          </a:p>
+        </p:txBody>
+      </p:sp>
+    </p:spTree>
+    <p:extLst>
+      <p:ext uri="{BB962C8B-B14F-4D97-AF65-F5344CB8AC3E}">
+        <p14:creationId xmlns:p14="http://schemas.microsoft.com/office/powerpoint/2010/main" val="3018763055"/>
+      </p:ext>
+    </p:extLst>
+  </p:cSld>
+  <p:clrMapOvr>
+    <a:masterClrMapping/>
+  </p:clrMapOvr>
+</p:notes>
+</file>
+
 <file path=ppt/notesSlides/notesSlide2.xml><?xml version="1.0" encoding="utf-8"?>
 <p:notes xmlns:a="http://schemas.openxmlformats.org/drawingml/2006/main" xmlns:r="http://schemas.openxmlformats.org/officeDocument/2006/relationships" xmlns:p="http://schemas.openxmlformats.org/presentationml/2006/main" showMasterSp="0" showMasterPhAnim="0">
   <p:cSld>
@@ -885,6 +1066,588 @@
     <p:extLst>
       <p:ext uri="{BB962C8B-B14F-4D97-AF65-F5344CB8AC3E}">
         <p14:creationId xmlns:p14="http://schemas.microsoft.com/office/powerpoint/2010/main" val="2849217478"/>
+      </p:ext>
+    </p:extLst>
+  </p:cSld>
+  <p:clrMapOvr>
+    <a:masterClrMapping/>
+  </p:clrMapOvr>
+</p:notes>
+</file>
+
+<file path=ppt/notesSlides/notesSlide5.xml><?xml version="1.0" encoding="utf-8"?>
+<p:notes xmlns:a="http://schemas.openxmlformats.org/drawingml/2006/main" xmlns:r="http://schemas.openxmlformats.org/officeDocument/2006/relationships" xmlns:p="http://schemas.openxmlformats.org/presentationml/2006/main" showMasterSp="0" showMasterPhAnim="0">
+  <p:cSld>
+    <p:spTree>
+      <p:nvGrpSpPr>
+        <p:cNvPr id="1" name="Shape 57"/>
+        <p:cNvGrpSpPr/>
+        <p:nvPr/>
+      </p:nvGrpSpPr>
+      <p:grpSpPr>
+        <a:xfrm>
+          <a:off x="0" y="0"/>
+          <a:ext cx="0" cy="0"/>
+          <a:chOff x="0" y="0"/>
+          <a:chExt cx="0" cy="0"/>
+        </a:xfrm>
+      </p:grpSpPr>
+      <p:sp>
+        <p:nvSpPr>
+          <p:cNvPr id="58" name="Google Shape;58;g7df43cfd70_0_78:notes"/>
+          <p:cNvSpPr>
+            <a:spLocks noGrp="1" noRot="1" noChangeAspect="1"/>
+          </p:cNvSpPr>
+          <p:nvPr>
+            <p:ph type="sldImg" idx="2"/>
+          </p:nvPr>
+        </p:nvSpPr>
+        <p:spPr>
+          <a:xfrm>
+            <a:off x="381000" y="685800"/>
+            <a:ext cx="6096000" cy="3429000"/>
+          </a:xfrm>
+          <a:custGeom>
+            <a:avLst/>
+            <a:gdLst/>
+            <a:ahLst/>
+            <a:cxnLst/>
+            <a:rect l="l" t="t" r="r" b="b"/>
+            <a:pathLst>
+              <a:path w="120000" h="120000" extrusionOk="0">
+                <a:moveTo>
+                  <a:pt x="0" y="0"/>
+                </a:moveTo>
+                <a:lnTo>
+                  <a:pt x="120000" y="0"/>
+                </a:lnTo>
+                <a:lnTo>
+                  <a:pt x="120000" y="120000"/>
+                </a:lnTo>
+                <a:lnTo>
+                  <a:pt x="0" y="120000"/>
+                </a:lnTo>
+                <a:close/>
+              </a:path>
+            </a:pathLst>
+          </a:custGeom>
+        </p:spPr>
+      </p:sp>
+      <p:sp>
+        <p:nvSpPr>
+          <p:cNvPr id="59" name="Google Shape;59;g7df43cfd70_0_78:notes"/>
+          <p:cNvSpPr txBox="1">
+            <a:spLocks noGrp="1"/>
+          </p:cNvSpPr>
+          <p:nvPr>
+            <p:ph type="body" idx="1"/>
+          </p:nvPr>
+        </p:nvSpPr>
+        <p:spPr>
+          <a:xfrm>
+            <a:off x="685800" y="4343400"/>
+            <a:ext cx="5486400" cy="4114800"/>
+          </a:xfrm>
+          <a:prstGeom prst="rect">
+            <a:avLst/>
+          </a:prstGeom>
+        </p:spPr>
+        <p:txBody>
+          <a:bodyPr spcFirstLastPara="1" wrap="square" lIns="91425" tIns="91425" rIns="91425" bIns="91425" anchor="t" anchorCtr="0">
+            <a:noAutofit/>
+          </a:bodyPr>
+          <a:lstStyle/>
+          <a:p>
+            <a:pPr marL="0" lvl="0" indent="0" algn="l" rtl="0">
+              <a:spcBef>
+                <a:spcPts val="0"/>
+              </a:spcBef>
+              <a:spcAft>
+                <a:spcPts val="0"/>
+              </a:spcAft>
+              <a:buNone/>
+            </a:pPr>
+            <a:endParaRPr/>
+          </a:p>
+        </p:txBody>
+      </p:sp>
+    </p:spTree>
+    <p:extLst>
+      <p:ext uri="{BB962C8B-B14F-4D97-AF65-F5344CB8AC3E}">
+        <p14:creationId xmlns:p14="http://schemas.microsoft.com/office/powerpoint/2010/main" val="3532218091"/>
+      </p:ext>
+    </p:extLst>
+  </p:cSld>
+  <p:clrMapOvr>
+    <a:masterClrMapping/>
+  </p:clrMapOvr>
+</p:notes>
+</file>
+
+<file path=ppt/notesSlides/notesSlide6.xml><?xml version="1.0" encoding="utf-8"?>
+<p:notes xmlns:a="http://schemas.openxmlformats.org/drawingml/2006/main" xmlns:r="http://schemas.openxmlformats.org/officeDocument/2006/relationships" xmlns:p="http://schemas.openxmlformats.org/presentationml/2006/main">
+  <p:cSld>
+    <p:spTree>
+      <p:nvGrpSpPr>
+        <p:cNvPr id="1" name=""/>
+        <p:cNvGrpSpPr/>
+        <p:nvPr/>
+      </p:nvGrpSpPr>
+      <p:grpSpPr>
+        <a:xfrm>
+          <a:off x="0" y="0"/>
+          <a:ext cx="0" cy="0"/>
+          <a:chOff x="0" y="0"/>
+          <a:chExt cx="0" cy="0"/>
+        </a:xfrm>
+      </p:grpSpPr>
+      <p:sp>
+        <p:nvSpPr>
+          <p:cNvPr id="2" name="Slide Image Placeholder 1"/>
+          <p:cNvSpPr>
+            <a:spLocks noGrp="1" noRot="1" noChangeAspect="1"/>
+          </p:cNvSpPr>
+          <p:nvPr>
+            <p:ph type="sldImg"/>
+          </p:nvPr>
+        </p:nvSpPr>
+        <p:spPr/>
+      </p:sp>
+      <p:sp>
+        <p:nvSpPr>
+          <p:cNvPr id="3" name="Notes Placeholder 2"/>
+          <p:cNvSpPr>
+            <a:spLocks noGrp="1"/>
+          </p:cNvSpPr>
+          <p:nvPr>
+            <p:ph type="body" idx="1"/>
+          </p:nvPr>
+        </p:nvSpPr>
+        <p:spPr/>
+        <p:txBody>
+          <a:bodyPr/>
+          <a:lstStyle/>
+          <a:p>
+            <a:r>
+              <a:rPr lang="en-US" dirty="0"/>
+              <a:t>Service discovery and load balancing </a:t>
+            </a:r>
+          </a:p>
+          <a:p>
+            <a:r>
+              <a:rPr lang="en-US" dirty="0"/>
+              <a:t>Kubernetes can expose a container using the DNS name or using their own IP address. If traffic to a container is high, Kubernetes is able to load balance and distribute the network traffic so that the deployment is stable.</a:t>
+            </a:r>
+          </a:p>
+          <a:p>
+            <a:endParaRPr lang="en-US" dirty="0"/>
+          </a:p>
+          <a:p>
+            <a:r>
+              <a:rPr lang="en-US" dirty="0"/>
+              <a:t>Self-healing </a:t>
+            </a:r>
+          </a:p>
+          <a:p>
+            <a:r>
+              <a:rPr lang="en-US" dirty="0"/>
+              <a:t>Kubernetes restarts containers that fail, replaces containers, kills containers that don't respond to your user-defined health check, and doesn't advertise them to clients until they are ready to serve.</a:t>
+            </a:r>
+          </a:p>
+          <a:p>
+            <a:endParaRPr lang="en-US" dirty="0"/>
+          </a:p>
+          <a:p>
+            <a:r>
+              <a:rPr lang="en-US" dirty="0"/>
+              <a:t>Secret and configuration management </a:t>
+            </a:r>
+          </a:p>
+          <a:p>
+            <a:r>
+              <a:rPr lang="en-US" dirty="0"/>
+              <a:t>Kubernetes lets you store and manage sensitive information, such as passwords, OAuth tokens, and SSH keys. You can deploy and update secrets and application configuration without rebuilding your container images, and without exposing secrets in your stack configuration.</a:t>
+            </a:r>
+          </a:p>
+        </p:txBody>
+      </p:sp>
+      <p:sp>
+        <p:nvSpPr>
+          <p:cNvPr id="4" name="Slide Number Placeholder 3"/>
+          <p:cNvSpPr>
+            <a:spLocks noGrp="1"/>
+          </p:cNvSpPr>
+          <p:nvPr>
+            <p:ph type="sldNum" sz="quarter" idx="5"/>
+          </p:nvPr>
+        </p:nvSpPr>
+        <p:spPr/>
+        <p:txBody>
+          <a:bodyPr/>
+          <a:lstStyle/>
+          <a:p>
+            <a:fld id="{00A560F4-8102-4EC4-BB24-179BCBD2EB8E}" type="slidenum">
+              <a:rPr lang="en-US" smtClean="0"/>
+              <a:t>10</a:t>
+            </a:fld>
+            <a:endParaRPr lang="en-US"/>
+          </a:p>
+        </p:txBody>
+      </p:sp>
+    </p:spTree>
+    <p:extLst>
+      <p:ext uri="{BB962C8B-B14F-4D97-AF65-F5344CB8AC3E}">
+        <p14:creationId xmlns:p14="http://schemas.microsoft.com/office/powerpoint/2010/main" val="592332367"/>
+      </p:ext>
+    </p:extLst>
+  </p:cSld>
+  <p:clrMapOvr>
+    <a:masterClrMapping/>
+  </p:clrMapOvr>
+</p:notes>
+</file>
+
+<file path=ppt/notesSlides/notesSlide7.xml><?xml version="1.0" encoding="utf-8"?>
+<p:notes xmlns:a="http://schemas.openxmlformats.org/drawingml/2006/main" xmlns:r="http://schemas.openxmlformats.org/officeDocument/2006/relationships" xmlns:p="http://schemas.openxmlformats.org/presentationml/2006/main">
+  <p:cSld>
+    <p:spTree>
+      <p:nvGrpSpPr>
+        <p:cNvPr id="1" name=""/>
+        <p:cNvGrpSpPr/>
+        <p:nvPr/>
+      </p:nvGrpSpPr>
+      <p:grpSpPr>
+        <a:xfrm>
+          <a:off x="0" y="0"/>
+          <a:ext cx="0" cy="0"/>
+          <a:chOff x="0" y="0"/>
+          <a:chExt cx="0" cy="0"/>
+        </a:xfrm>
+      </p:grpSpPr>
+      <p:sp>
+        <p:nvSpPr>
+          <p:cNvPr id="2" name="Slide Image Placeholder 1"/>
+          <p:cNvSpPr>
+            <a:spLocks noGrp="1" noRot="1" noChangeAspect="1"/>
+          </p:cNvSpPr>
+          <p:nvPr>
+            <p:ph type="sldImg"/>
+          </p:nvPr>
+        </p:nvSpPr>
+        <p:spPr/>
+      </p:sp>
+      <p:sp>
+        <p:nvSpPr>
+          <p:cNvPr id="3" name="Notes Placeholder 2"/>
+          <p:cNvSpPr>
+            <a:spLocks noGrp="1"/>
+          </p:cNvSpPr>
+          <p:nvPr>
+            <p:ph type="body" idx="1"/>
+          </p:nvPr>
+        </p:nvSpPr>
+        <p:spPr/>
+        <p:txBody>
+          <a:bodyPr/>
+          <a:lstStyle/>
+          <a:p>
+            <a:r>
+              <a:rPr lang="en-US" b="0" i="0" dirty="0">
+                <a:solidFill>
+                  <a:srgbClr val="171717"/>
+                </a:solidFill>
+                <a:effectLst/>
+                <a:latin typeface="Segoe UI" panose="020B0502040204020203" pitchFamily="34" charset="0"/>
+              </a:rPr>
+              <a:t>Azure Kubernetes Service (AKS) is a managed Kubernetes offering that simplifies container-based application deployment and management.</a:t>
+            </a:r>
+          </a:p>
+          <a:p>
+            <a:endParaRPr lang="en-US" b="0" i="0" dirty="0">
+              <a:solidFill>
+                <a:srgbClr val="171717"/>
+              </a:solidFill>
+              <a:effectLst/>
+              <a:latin typeface="Segoe UI" panose="020B0502040204020203" pitchFamily="34" charset="0"/>
+            </a:endParaRPr>
+          </a:p>
+          <a:p>
+            <a:r>
+              <a:rPr lang="en-US" b="0" i="0" dirty="0">
+                <a:solidFill>
+                  <a:srgbClr val="171717"/>
+                </a:solidFill>
+                <a:effectLst/>
+                <a:latin typeface="Segoe UI" panose="020B0502040204020203" pitchFamily="34" charset="0"/>
+              </a:rPr>
+              <a:t>Azure Kubernetes Service (AKS) provides a managed Kubernetes service that reduces the complexity for deployment and core management tasks, including coordinating upgrades. </a:t>
+            </a:r>
+          </a:p>
+        </p:txBody>
+      </p:sp>
+      <p:sp>
+        <p:nvSpPr>
+          <p:cNvPr id="4" name="Slide Number Placeholder 3"/>
+          <p:cNvSpPr>
+            <a:spLocks noGrp="1"/>
+          </p:cNvSpPr>
+          <p:nvPr>
+            <p:ph type="sldNum" sz="quarter" idx="5"/>
+          </p:nvPr>
+        </p:nvSpPr>
+        <p:spPr/>
+        <p:txBody>
+          <a:bodyPr/>
+          <a:lstStyle/>
+          <a:p>
+            <a:fld id="{00A560F4-8102-4EC4-BB24-179BCBD2EB8E}" type="slidenum">
+              <a:rPr lang="en-US" smtClean="0"/>
+              <a:t>14</a:t>
+            </a:fld>
+            <a:endParaRPr lang="en-US"/>
+          </a:p>
+        </p:txBody>
+      </p:sp>
+    </p:spTree>
+    <p:extLst>
+      <p:ext uri="{BB962C8B-B14F-4D97-AF65-F5344CB8AC3E}">
+        <p14:creationId xmlns:p14="http://schemas.microsoft.com/office/powerpoint/2010/main" val="4292304498"/>
+      </p:ext>
+    </p:extLst>
+  </p:cSld>
+  <p:clrMapOvr>
+    <a:masterClrMapping/>
+  </p:clrMapOvr>
+</p:notes>
+</file>
+
+<file path=ppt/notesSlides/notesSlide8.xml><?xml version="1.0" encoding="utf-8"?>
+<p:notes xmlns:a="http://schemas.openxmlformats.org/drawingml/2006/main" xmlns:r="http://schemas.openxmlformats.org/officeDocument/2006/relationships" xmlns:p="http://schemas.openxmlformats.org/presentationml/2006/main">
+  <p:cSld>
+    <p:spTree>
+      <p:nvGrpSpPr>
+        <p:cNvPr id="1" name=""/>
+        <p:cNvGrpSpPr/>
+        <p:nvPr/>
+      </p:nvGrpSpPr>
+      <p:grpSpPr>
+        <a:xfrm>
+          <a:off x="0" y="0"/>
+          <a:ext cx="0" cy="0"/>
+          <a:chOff x="0" y="0"/>
+          <a:chExt cx="0" cy="0"/>
+        </a:xfrm>
+      </p:grpSpPr>
+      <p:sp>
+        <p:nvSpPr>
+          <p:cNvPr id="2" name="Slide Image Placeholder 1"/>
+          <p:cNvSpPr>
+            <a:spLocks noGrp="1" noRot="1" noChangeAspect="1"/>
+          </p:cNvSpPr>
+          <p:nvPr>
+            <p:ph type="sldImg"/>
+          </p:nvPr>
+        </p:nvSpPr>
+        <p:spPr/>
+      </p:sp>
+      <p:sp>
+        <p:nvSpPr>
+          <p:cNvPr id="3" name="Notes Placeholder 2"/>
+          <p:cNvSpPr>
+            <a:spLocks noGrp="1"/>
+          </p:cNvSpPr>
+          <p:nvPr>
+            <p:ph type="body" idx="1"/>
+          </p:nvPr>
+        </p:nvSpPr>
+        <p:spPr/>
+        <p:txBody>
+          <a:bodyPr/>
+          <a:lstStyle/>
+          <a:p>
+            <a:pPr marL="0" marR="0" lvl="0" indent="0" algn="l" defTabSz="914400" rtl="0" eaLnBrk="1" fontAlgn="auto" latinLnBrk="0" hangingPunct="1">
+              <a:lnSpc>
+                <a:spcPct val="100000"/>
+              </a:lnSpc>
+              <a:spcBef>
+                <a:spcPts val="0"/>
+              </a:spcBef>
+              <a:spcAft>
+                <a:spcPts val="0"/>
+              </a:spcAft>
+              <a:buClrTx/>
+              <a:buSzTx/>
+              <a:buFontTx/>
+              <a:buNone/>
+              <a:tabLst/>
+              <a:defRPr/>
+            </a:pPr>
+            <a:r>
+              <a:rPr lang="en-US" b="0" i="0" dirty="0">
+                <a:solidFill>
+                  <a:srgbClr val="171717"/>
+                </a:solidFill>
+                <a:effectLst/>
+                <a:latin typeface="Segoe UI" panose="020B0502040204020203" pitchFamily="34" charset="0"/>
+              </a:rPr>
+              <a:t>The AKS control plane is managed by the Azure platform, and you only pay for the AKS nodes that run your applications. AKS is built on top of the open-source Azure Kubernetes Service Engine (</a:t>
+            </a:r>
+            <a:r>
+              <a:rPr lang="en-US" b="0" i="0" u="none" strike="noStrike" dirty="0" err="1">
+                <a:effectLst/>
+                <a:latin typeface="Segoe UI" panose="020B0502040204020203" pitchFamily="34" charset="0"/>
+                <a:hlinkClick r:id="rId3"/>
+              </a:rPr>
+              <a:t>aks</a:t>
+            </a:r>
+            <a:r>
+              <a:rPr lang="en-US" b="0" i="0" u="none" strike="noStrike" dirty="0">
+                <a:effectLst/>
+                <a:latin typeface="Segoe UI" panose="020B0502040204020203" pitchFamily="34" charset="0"/>
+                <a:hlinkClick r:id="rId3"/>
+              </a:rPr>
+              <a:t>-engine</a:t>
+            </a:r>
+            <a:r>
+              <a:rPr lang="en-US" b="0" i="0" dirty="0">
+                <a:solidFill>
+                  <a:srgbClr val="171717"/>
+                </a:solidFill>
+                <a:effectLst/>
+                <a:latin typeface="Segoe UI" panose="020B0502040204020203" pitchFamily="34" charset="0"/>
+              </a:rPr>
+              <a:t>).</a:t>
+            </a:r>
+            <a:endParaRPr lang="en-US" dirty="0"/>
+          </a:p>
+          <a:p>
+            <a:endParaRPr lang="en-US" dirty="0"/>
+          </a:p>
+          <a:p>
+            <a:r>
+              <a:rPr lang="en-US" dirty="0"/>
+              <a:t>When you create an AKS cluster, a control plane is automatically created and configured. This control plane is provided as a managed Azure resource abstracted from the user. There's no cost for the control plane, only the nodes that are part of the AKS cluster.</a:t>
+            </a:r>
+          </a:p>
+        </p:txBody>
+      </p:sp>
+      <p:sp>
+        <p:nvSpPr>
+          <p:cNvPr id="4" name="Slide Number Placeholder 3"/>
+          <p:cNvSpPr>
+            <a:spLocks noGrp="1"/>
+          </p:cNvSpPr>
+          <p:nvPr>
+            <p:ph type="sldNum" sz="quarter" idx="5"/>
+          </p:nvPr>
+        </p:nvSpPr>
+        <p:spPr/>
+        <p:txBody>
+          <a:bodyPr/>
+          <a:lstStyle/>
+          <a:p>
+            <a:fld id="{00A560F4-8102-4EC4-BB24-179BCBD2EB8E}" type="slidenum">
+              <a:rPr lang="en-US" smtClean="0"/>
+              <a:t>16</a:t>
+            </a:fld>
+            <a:endParaRPr lang="en-US"/>
+          </a:p>
+        </p:txBody>
+      </p:sp>
+    </p:spTree>
+    <p:extLst>
+      <p:ext uri="{BB962C8B-B14F-4D97-AF65-F5344CB8AC3E}">
+        <p14:creationId xmlns:p14="http://schemas.microsoft.com/office/powerpoint/2010/main" val="1062744395"/>
+      </p:ext>
+    </p:extLst>
+  </p:cSld>
+  <p:clrMapOvr>
+    <a:masterClrMapping/>
+  </p:clrMapOvr>
+</p:notes>
+</file>
+
+<file path=ppt/notesSlides/notesSlide9.xml><?xml version="1.0" encoding="utf-8"?>
+<p:notes xmlns:a="http://schemas.openxmlformats.org/drawingml/2006/main" xmlns:r="http://schemas.openxmlformats.org/officeDocument/2006/relationships" xmlns:p="http://schemas.openxmlformats.org/presentationml/2006/main">
+  <p:cSld>
+    <p:spTree>
+      <p:nvGrpSpPr>
+        <p:cNvPr id="1" name=""/>
+        <p:cNvGrpSpPr/>
+        <p:nvPr/>
+      </p:nvGrpSpPr>
+      <p:grpSpPr>
+        <a:xfrm>
+          <a:off x="0" y="0"/>
+          <a:ext cx="0" cy="0"/>
+          <a:chOff x="0" y="0"/>
+          <a:chExt cx="0" cy="0"/>
+        </a:xfrm>
+      </p:grpSpPr>
+      <p:sp>
+        <p:nvSpPr>
+          <p:cNvPr id="2" name="Slide Image Placeholder 1"/>
+          <p:cNvSpPr>
+            <a:spLocks noGrp="1" noRot="1" noChangeAspect="1"/>
+          </p:cNvSpPr>
+          <p:nvPr>
+            <p:ph type="sldImg"/>
+          </p:nvPr>
+        </p:nvSpPr>
+        <p:spPr/>
+      </p:sp>
+      <p:sp>
+        <p:nvSpPr>
+          <p:cNvPr id="3" name="Notes Placeholder 2"/>
+          <p:cNvSpPr>
+            <a:spLocks noGrp="1"/>
+          </p:cNvSpPr>
+          <p:nvPr>
+            <p:ph type="body" idx="1"/>
+          </p:nvPr>
+        </p:nvSpPr>
+        <p:spPr/>
+        <p:txBody>
+          <a:bodyPr/>
+          <a:lstStyle/>
+          <a:p>
+            <a:r>
+              <a:rPr lang="en-US" dirty="0"/>
+              <a:t>To run your applications and supporting services, you need a Kubernetes node. An AKS cluster has one or more nodes, which is an Azure virtual machine (VM) that runs the Kubernetes node components and container runtime.</a:t>
+            </a:r>
+          </a:p>
+          <a:p>
+            <a:endParaRPr lang="en-US" dirty="0"/>
+          </a:p>
+        </p:txBody>
+      </p:sp>
+      <p:sp>
+        <p:nvSpPr>
+          <p:cNvPr id="4" name="Slide Number Placeholder 3"/>
+          <p:cNvSpPr>
+            <a:spLocks noGrp="1"/>
+          </p:cNvSpPr>
+          <p:nvPr>
+            <p:ph type="sldNum" sz="quarter" idx="5"/>
+          </p:nvPr>
+        </p:nvSpPr>
+        <p:spPr/>
+        <p:txBody>
+          <a:bodyPr/>
+          <a:lstStyle/>
+          <a:p>
+            <a:fld id="{00A560F4-8102-4EC4-BB24-179BCBD2EB8E}" type="slidenum">
+              <a:rPr lang="en-US" smtClean="0"/>
+              <a:t>17</a:t>
+            </a:fld>
+            <a:endParaRPr lang="en-US"/>
+          </a:p>
+        </p:txBody>
+      </p:sp>
+    </p:spTree>
+    <p:extLst>
+      <p:ext uri="{BB962C8B-B14F-4D97-AF65-F5344CB8AC3E}">
+        <p14:creationId xmlns:p14="http://schemas.microsoft.com/office/powerpoint/2010/main" val="468916790"/>
       </p:ext>
     </p:extLst>
   </p:cSld>
@@ -5474,7 +6237,7 @@
               </a:spcAft>
             </a:pPr>
             <a:r>
-              <a:rPr lang="en-US" sz="5000">
+              <a:rPr lang="en-US" sz="5000" dirty="0">
                 <a:latin typeface="+mj-lt"/>
                 <a:ea typeface="+mj-ea"/>
                 <a:cs typeface="+mj-cs"/>
@@ -5674,6 +6437,2138 @@
     <p:extLst>
       <p:ext uri="{BB962C8B-B14F-4D97-AF65-F5344CB8AC3E}">
         <p14:creationId xmlns:p14="http://schemas.microsoft.com/office/powerpoint/2010/main" val="3729358009"/>
+      </p:ext>
+    </p:extLst>
+  </p:cSld>
+  <p:clrMapOvr>
+    <a:masterClrMapping/>
+  </p:clrMapOvr>
+</p:sld>
+</file>
+
+<file path=ppt/slides/slide10.xml><?xml version="1.0" encoding="utf-8"?>
+<p:sld xmlns:a="http://schemas.openxmlformats.org/drawingml/2006/main" xmlns:r="http://schemas.openxmlformats.org/officeDocument/2006/relationships" xmlns:p="http://schemas.openxmlformats.org/presentationml/2006/main">
+  <p:cSld>
+    <p:spTree>
+      <p:nvGrpSpPr>
+        <p:cNvPr id="1" name=""/>
+        <p:cNvGrpSpPr/>
+        <p:nvPr/>
+      </p:nvGrpSpPr>
+      <p:grpSpPr>
+        <a:xfrm>
+          <a:off x="0" y="0"/>
+          <a:ext cx="0" cy="0"/>
+          <a:chOff x="0" y="0"/>
+          <a:chExt cx="0" cy="0"/>
+        </a:xfrm>
+      </p:grpSpPr>
+      <p:sp>
+        <p:nvSpPr>
+          <p:cNvPr id="2" name="Title 1">
+            <a:extLst>
+              <a:ext uri="{FF2B5EF4-FFF2-40B4-BE49-F238E27FC236}">
+                <a16:creationId xmlns:a16="http://schemas.microsoft.com/office/drawing/2014/main" id="{AF708F16-5DBC-4B6A-8DFC-6213EECAA9C2}"/>
+              </a:ext>
+            </a:extLst>
+          </p:cNvPr>
+          <p:cNvSpPr>
+            <a:spLocks noGrp="1"/>
+          </p:cNvSpPr>
+          <p:nvPr>
+            <p:ph type="title"/>
+          </p:nvPr>
+        </p:nvSpPr>
+        <p:spPr/>
+        <p:txBody>
+          <a:bodyPr/>
+          <a:lstStyle/>
+          <a:p>
+            <a:r>
+              <a:rPr lang="en-US" b="0" i="0" dirty="0">
+                <a:solidFill>
+                  <a:srgbClr val="222222"/>
+                </a:solidFill>
+                <a:effectLst/>
+                <a:latin typeface="open sans" panose="020B0606030504020204" pitchFamily="34" charset="0"/>
+              </a:rPr>
+              <a:t>Why you need Kubernetes</a:t>
+            </a:r>
+            <a:br>
+              <a:rPr lang="en-US" b="0" i="0" dirty="0">
+                <a:solidFill>
+                  <a:srgbClr val="222222"/>
+                </a:solidFill>
+                <a:effectLst/>
+                <a:latin typeface="open sans" panose="020B0606030504020204" pitchFamily="34" charset="0"/>
+              </a:rPr>
+            </a:br>
+            <a:endParaRPr lang="en-US" dirty="0"/>
+          </a:p>
+        </p:txBody>
+      </p:sp>
+      <p:sp>
+        <p:nvSpPr>
+          <p:cNvPr id="3" name="Text Placeholder 2">
+            <a:extLst>
+              <a:ext uri="{FF2B5EF4-FFF2-40B4-BE49-F238E27FC236}">
+                <a16:creationId xmlns:a16="http://schemas.microsoft.com/office/drawing/2014/main" id="{EC7572EA-1EAB-40E7-BB72-53988D9C2321}"/>
+              </a:ext>
+            </a:extLst>
+          </p:cNvPr>
+          <p:cNvSpPr>
+            <a:spLocks noGrp="1"/>
+          </p:cNvSpPr>
+          <p:nvPr>
+            <p:ph type="body" idx="1"/>
+          </p:nvPr>
+        </p:nvSpPr>
+        <p:spPr/>
+        <p:txBody>
+          <a:bodyPr/>
+          <a:lstStyle/>
+          <a:p>
+            <a:endParaRPr lang="en-US" dirty="0"/>
+          </a:p>
+          <a:p>
+            <a:r>
+              <a:rPr lang="en-US" dirty="0"/>
+              <a:t>Service discovery and load balancing</a:t>
+            </a:r>
+          </a:p>
+          <a:p>
+            <a:endParaRPr lang="en-US" dirty="0"/>
+          </a:p>
+          <a:p>
+            <a:r>
+              <a:rPr lang="en-US" dirty="0"/>
+              <a:t>Automated rollouts and rollbacks</a:t>
+            </a:r>
+          </a:p>
+          <a:p>
+            <a:endParaRPr lang="en-US" dirty="0"/>
+          </a:p>
+          <a:p>
+            <a:r>
+              <a:rPr lang="en-US" dirty="0"/>
+              <a:t>Self-healing</a:t>
+            </a:r>
+          </a:p>
+          <a:p>
+            <a:endParaRPr lang="en-US" dirty="0"/>
+          </a:p>
+          <a:p>
+            <a:r>
+              <a:rPr lang="en-US" dirty="0"/>
+              <a:t>Secret and configuration management</a:t>
+            </a:r>
+          </a:p>
+        </p:txBody>
+      </p:sp>
+      <p:pic>
+        <p:nvPicPr>
+          <p:cNvPr id="4" name="Google Shape;56;p13">
+            <a:extLst>
+              <a:ext uri="{FF2B5EF4-FFF2-40B4-BE49-F238E27FC236}">
+                <a16:creationId xmlns:a16="http://schemas.microsoft.com/office/drawing/2014/main" id="{5DC2FED0-7C5F-460C-998D-2520FD324176}"/>
+              </a:ext>
+            </a:extLst>
+          </p:cNvPr>
+          <p:cNvPicPr preferRelativeResize="0"/>
+          <p:nvPr/>
+        </p:nvPicPr>
+        <p:blipFill>
+          <a:blip r:embed="rId3">
+            <a:alphaModFix/>
+          </a:blip>
+          <a:stretch>
+            <a:fillRect/>
+          </a:stretch>
+        </p:blipFill>
+        <p:spPr>
+          <a:xfrm>
+            <a:off x="10989179" y="5736492"/>
+            <a:ext cx="1202821" cy="1121508"/>
+          </a:xfrm>
+          <a:prstGeom prst="rect">
+            <a:avLst/>
+          </a:prstGeom>
+          <a:noFill/>
+          <a:ln>
+            <a:noFill/>
+          </a:ln>
+        </p:spPr>
+      </p:pic>
+      <p:pic>
+        <p:nvPicPr>
+          <p:cNvPr id="5" name="Picture 4">
+            <a:extLst>
+              <a:ext uri="{FF2B5EF4-FFF2-40B4-BE49-F238E27FC236}">
+                <a16:creationId xmlns:a16="http://schemas.microsoft.com/office/drawing/2014/main" id="{86A17813-B73F-471E-ABB2-08A18EC70133}"/>
+              </a:ext>
+            </a:extLst>
+          </p:cNvPr>
+          <p:cNvPicPr>
+            <a:picLocks noChangeAspect="1"/>
+          </p:cNvPicPr>
+          <p:nvPr/>
+        </p:nvPicPr>
+        <p:blipFill>
+          <a:blip r:embed="rId4"/>
+          <a:stretch>
+            <a:fillRect/>
+          </a:stretch>
+        </p:blipFill>
+        <p:spPr>
+          <a:xfrm>
+            <a:off x="10935891" y="593367"/>
+            <a:ext cx="840509" cy="775369"/>
+          </a:xfrm>
+          <a:prstGeom prst="rect">
+            <a:avLst/>
+          </a:prstGeom>
+        </p:spPr>
+      </p:pic>
+    </p:spTree>
+    <p:extLst>
+      <p:ext uri="{BB962C8B-B14F-4D97-AF65-F5344CB8AC3E}">
+        <p14:creationId xmlns:p14="http://schemas.microsoft.com/office/powerpoint/2010/main" val="2200732297"/>
+      </p:ext>
+    </p:extLst>
+  </p:cSld>
+  <p:clrMapOvr>
+    <a:masterClrMapping/>
+  </p:clrMapOvr>
+</p:sld>
+</file>
+
+<file path=ppt/slides/slide11.xml><?xml version="1.0" encoding="utf-8"?>
+<p:sld xmlns:a="http://schemas.openxmlformats.org/drawingml/2006/main" xmlns:r="http://schemas.openxmlformats.org/officeDocument/2006/relationships" xmlns:p="http://schemas.openxmlformats.org/presentationml/2006/main" show="0">
+  <p:cSld>
+    <p:bg>
+      <p:bgPr>
+        <a:solidFill>
+          <a:schemeClr val="bg1"/>
+        </a:solidFill>
+        <a:effectLst/>
+      </p:bgPr>
+    </p:bg>
+    <p:spTree>
+      <p:nvGrpSpPr>
+        <p:cNvPr id="1" name=""/>
+        <p:cNvGrpSpPr/>
+        <p:nvPr/>
+      </p:nvGrpSpPr>
+      <p:grpSpPr>
+        <a:xfrm>
+          <a:off x="0" y="0"/>
+          <a:ext cx="0" cy="0"/>
+          <a:chOff x="0" y="0"/>
+          <a:chExt cx="0" cy="0"/>
+        </a:xfrm>
+      </p:grpSpPr>
+      <p:sp useBgFill="1">
+        <p:nvSpPr>
+          <p:cNvPr id="12" name="Rectangle 11">
+            <a:extLst>
+              <a:ext uri="{FF2B5EF4-FFF2-40B4-BE49-F238E27FC236}">
+                <a16:creationId xmlns:a16="http://schemas.microsoft.com/office/drawing/2014/main" id="{1A95671B-3CC6-4792-9114-B74FAEA224E6}"/>
+              </a:ext>
+              <a:ext uri="{C183D7F6-B498-43B3-948B-1728B52AA6E4}">
+                <adec:decorative xmlns:adec="http://schemas.microsoft.com/office/drawing/2017/decorative" val="1"/>
+              </a:ext>
+            </a:extLst>
+          </p:cNvPr>
+          <p:cNvSpPr>
+            <a:spLocks noGrp="1" noRot="1" noChangeAspect="1" noMove="1" noResize="1" noEditPoints="1" noAdjustHandles="1" noChangeArrowheads="1" noChangeShapeType="1" noTextEdit="1"/>
+          </p:cNvSpPr>
+          <p:nvPr>
+            <p:extLst>
+              <p:ext uri="{386F3935-93C4-4BCD-93E2-E3B085C9AB24}">
+                <p16:designElem xmlns:p16="http://schemas.microsoft.com/office/powerpoint/2015/main" val="1"/>
+              </p:ext>
+            </p:extLst>
+          </p:nvPr>
+        </p:nvSpPr>
+        <p:spPr>
+          <a:xfrm>
+            <a:off x="0" y="0"/>
+            <a:ext cx="12188952" cy="6858000"/>
+          </a:xfrm>
+          <a:prstGeom prst="rect">
+            <a:avLst/>
+          </a:prstGeom>
+          <a:ln>
+            <a:noFill/>
+          </a:ln>
+        </p:spPr>
+        <p:style>
+          <a:lnRef idx="2">
+            <a:schemeClr val="accent1">
+              <a:shade val="50000"/>
+            </a:schemeClr>
+          </a:lnRef>
+          <a:fillRef idx="1">
+            <a:schemeClr val="accent1"/>
+          </a:fillRef>
+          <a:effectRef idx="0">
+            <a:schemeClr val="accent1"/>
+          </a:effectRef>
+          <a:fontRef idx="minor">
+            <a:schemeClr val="lt1"/>
+          </a:fontRef>
+        </p:style>
+        <p:txBody>
+          <a:bodyPr rtlCol="0" anchor="ctr"/>
+          <a:lstStyle/>
+          <a:p>
+            <a:pPr algn="ctr"/>
+            <a:endParaRPr lang="en-US"/>
+          </a:p>
+        </p:txBody>
+      </p:sp>
+      <p:sp>
+        <p:nvSpPr>
+          <p:cNvPr id="2" name="Title 1">
+            <a:extLst>
+              <a:ext uri="{FF2B5EF4-FFF2-40B4-BE49-F238E27FC236}">
+                <a16:creationId xmlns:a16="http://schemas.microsoft.com/office/drawing/2014/main" id="{AF708F16-5DBC-4B6A-8DFC-6213EECAA9C2}"/>
+              </a:ext>
+            </a:extLst>
+          </p:cNvPr>
+          <p:cNvSpPr>
+            <a:spLocks noGrp="1"/>
+          </p:cNvSpPr>
+          <p:nvPr>
+            <p:ph type="title"/>
+          </p:nvPr>
+        </p:nvSpPr>
+        <p:spPr>
+          <a:xfrm>
+            <a:off x="415600" y="174032"/>
+            <a:ext cx="10768215" cy="1111843"/>
+          </a:xfrm>
+        </p:spPr>
+        <p:txBody>
+          <a:bodyPr vert="horz" lIns="91440" tIns="45720" rIns="91440" bIns="45720" rtlCol="0" anchor="ctr">
+            <a:normAutofit/>
+          </a:bodyPr>
+          <a:lstStyle/>
+          <a:p>
+            <a:pPr>
+              <a:spcBef>
+                <a:spcPct val="0"/>
+              </a:spcBef>
+            </a:pPr>
+            <a:r>
+              <a:rPr lang="en-US" sz="4000" kern="1200" dirty="0">
+                <a:solidFill>
+                  <a:schemeClr val="tx1"/>
+                </a:solidFill>
+                <a:latin typeface="+mj-lt"/>
+                <a:ea typeface="+mj-ea"/>
+                <a:cs typeface="+mj-cs"/>
+              </a:rPr>
+              <a:t>Kubernetes components </a:t>
+            </a:r>
+          </a:p>
+        </p:txBody>
+      </p:sp>
+      <p:sp>
+        <p:nvSpPr>
+          <p:cNvPr id="3" name="Text Placeholder 2">
+            <a:extLst>
+              <a:ext uri="{FF2B5EF4-FFF2-40B4-BE49-F238E27FC236}">
+                <a16:creationId xmlns:a16="http://schemas.microsoft.com/office/drawing/2014/main" id="{EC7572EA-1EAB-40E7-BB72-53988D9C2321}"/>
+              </a:ext>
+            </a:extLst>
+          </p:cNvPr>
+          <p:cNvSpPr>
+            <a:spLocks noGrp="1"/>
+          </p:cNvSpPr>
+          <p:nvPr>
+            <p:ph type="body" idx="1"/>
+          </p:nvPr>
+        </p:nvSpPr>
+        <p:spPr>
+          <a:xfrm>
+            <a:off x="1008184" y="1459907"/>
+            <a:ext cx="10175630" cy="767904"/>
+          </a:xfrm>
+        </p:spPr>
+        <p:txBody>
+          <a:bodyPr vert="horz" lIns="91440" tIns="45720" rIns="91440" bIns="45720" rtlCol="0" anchor="ctr">
+            <a:normAutofit/>
+          </a:bodyPr>
+          <a:lstStyle/>
+          <a:p>
+            <a:pPr indent="-228600" algn="ctr">
+              <a:spcAft>
+                <a:spcPts val="600"/>
+              </a:spcAft>
+              <a:buFont typeface="Arial" panose="020B0604020202020204" pitchFamily="34" charset="0"/>
+              <a:buChar char="•"/>
+            </a:pPr>
+            <a:endParaRPr lang="en-US" sz="2000"/>
+          </a:p>
+          <a:p>
+            <a:pPr indent="-228600" algn="ctr">
+              <a:spcAft>
+                <a:spcPts val="600"/>
+              </a:spcAft>
+              <a:buFont typeface="Arial" panose="020B0604020202020204" pitchFamily="34" charset="0"/>
+              <a:buChar char="•"/>
+            </a:pPr>
+            <a:endParaRPr lang="en-US" sz="2000"/>
+          </a:p>
+        </p:txBody>
+      </p:sp>
+      <p:pic>
+        <p:nvPicPr>
+          <p:cNvPr id="7" name="Graphic 6">
+            <a:extLst>
+              <a:ext uri="{FF2B5EF4-FFF2-40B4-BE49-F238E27FC236}">
+                <a16:creationId xmlns:a16="http://schemas.microsoft.com/office/drawing/2014/main" id="{5485C134-56D6-4516-AAF3-04C21E556CE8}"/>
+              </a:ext>
+            </a:extLst>
+          </p:cNvPr>
+          <p:cNvPicPr>
+            <a:picLocks noChangeAspect="1"/>
+          </p:cNvPicPr>
+          <p:nvPr/>
+        </p:nvPicPr>
+        <p:blipFill>
+          <a:blip r:embed="rId2">
+            <a:extLst>
+              <a:ext uri="{28A0092B-C50C-407E-A947-70E740481C1C}">
+                <a14:useLocalDpi xmlns:a14="http://schemas.microsoft.com/office/drawing/2010/main" val="0"/>
+              </a:ext>
+              <a:ext uri="{96DAC541-7B7A-43D3-8B79-37D633B846F1}">
+                <asvg:svgBlip xmlns:asvg="http://schemas.microsoft.com/office/drawing/2016/SVG/main" r:embed="rId3"/>
+              </a:ext>
+            </a:extLst>
+          </a:blip>
+          <a:stretch>
+            <a:fillRect/>
+          </a:stretch>
+        </p:blipFill>
+        <p:spPr>
+          <a:xfrm>
+            <a:off x="415600" y="1368736"/>
+            <a:ext cx="10337121" cy="4830045"/>
+          </a:xfrm>
+          <a:prstGeom prst="rect">
+            <a:avLst/>
+          </a:prstGeom>
+        </p:spPr>
+      </p:pic>
+      <p:pic>
+        <p:nvPicPr>
+          <p:cNvPr id="4" name="Google Shape;56;p13">
+            <a:extLst>
+              <a:ext uri="{FF2B5EF4-FFF2-40B4-BE49-F238E27FC236}">
+                <a16:creationId xmlns:a16="http://schemas.microsoft.com/office/drawing/2014/main" id="{5DC2FED0-7C5F-460C-998D-2520FD324176}"/>
+              </a:ext>
+            </a:extLst>
+          </p:cNvPr>
+          <p:cNvPicPr preferRelativeResize="0"/>
+          <p:nvPr/>
+        </p:nvPicPr>
+        <p:blipFill>
+          <a:blip r:embed="rId4">
+            <a:alphaModFix/>
+          </a:blip>
+          <a:stretch>
+            <a:fillRect/>
+          </a:stretch>
+        </p:blipFill>
+        <p:spPr>
+          <a:xfrm>
+            <a:off x="10989179" y="5736492"/>
+            <a:ext cx="1202821" cy="1121508"/>
+          </a:xfrm>
+          <a:prstGeom prst="rect">
+            <a:avLst/>
+          </a:prstGeom>
+          <a:noFill/>
+          <a:ln>
+            <a:noFill/>
+          </a:ln>
+        </p:spPr>
+      </p:pic>
+      <p:pic>
+        <p:nvPicPr>
+          <p:cNvPr id="5" name="Picture 4">
+            <a:extLst>
+              <a:ext uri="{FF2B5EF4-FFF2-40B4-BE49-F238E27FC236}">
+                <a16:creationId xmlns:a16="http://schemas.microsoft.com/office/drawing/2014/main" id="{86A17813-B73F-471E-ABB2-08A18EC70133}"/>
+              </a:ext>
+            </a:extLst>
+          </p:cNvPr>
+          <p:cNvPicPr>
+            <a:picLocks noChangeAspect="1"/>
+          </p:cNvPicPr>
+          <p:nvPr/>
+        </p:nvPicPr>
+        <p:blipFill>
+          <a:blip r:embed="rId5"/>
+          <a:stretch>
+            <a:fillRect/>
+          </a:stretch>
+        </p:blipFill>
+        <p:spPr>
+          <a:xfrm>
+            <a:off x="10935891" y="593367"/>
+            <a:ext cx="840509" cy="775369"/>
+          </a:xfrm>
+          <a:prstGeom prst="rect">
+            <a:avLst/>
+          </a:prstGeom>
+        </p:spPr>
+      </p:pic>
+      <p:sp>
+        <p:nvSpPr>
+          <p:cNvPr id="9" name="TextBox 8">
+            <a:extLst>
+              <a:ext uri="{FF2B5EF4-FFF2-40B4-BE49-F238E27FC236}">
+                <a16:creationId xmlns:a16="http://schemas.microsoft.com/office/drawing/2014/main" id="{57A79806-FD4F-43C0-B26E-6EAB9140C4A1}"/>
+              </a:ext>
+            </a:extLst>
+          </p:cNvPr>
+          <p:cNvSpPr txBox="1"/>
+          <p:nvPr/>
+        </p:nvSpPr>
+        <p:spPr>
+          <a:xfrm>
+            <a:off x="2307265" y="6499302"/>
+            <a:ext cx="5930278" cy="369332"/>
+          </a:xfrm>
+          <a:prstGeom prst="rect">
+            <a:avLst/>
+          </a:prstGeom>
+          <a:noFill/>
+        </p:spPr>
+        <p:txBody>
+          <a:bodyPr wrap="none" rtlCol="0">
+            <a:spAutoFit/>
+          </a:bodyPr>
+          <a:lstStyle/>
+          <a:p>
+            <a:r>
+              <a:rPr lang="en-US" dirty="0">
+                <a:hlinkClick r:id="rId6"/>
+              </a:rPr>
+              <a:t>https://kubernetes.io/docs/concepts/overview/components/</a:t>
+            </a:r>
+            <a:r>
+              <a:rPr lang="en-US" dirty="0"/>
+              <a:t> </a:t>
+            </a:r>
+          </a:p>
+        </p:txBody>
+      </p:sp>
+    </p:spTree>
+    <p:extLst>
+      <p:ext uri="{BB962C8B-B14F-4D97-AF65-F5344CB8AC3E}">
+        <p14:creationId xmlns:p14="http://schemas.microsoft.com/office/powerpoint/2010/main" val="4141338526"/>
+      </p:ext>
+    </p:extLst>
+  </p:cSld>
+  <p:clrMapOvr>
+    <a:masterClrMapping/>
+  </p:clrMapOvr>
+</p:sld>
+</file>
+
+<file path=ppt/slides/slide12.xml><?xml version="1.0" encoding="utf-8"?>
+<p:sld xmlns:a="http://schemas.openxmlformats.org/drawingml/2006/main" xmlns:r="http://schemas.openxmlformats.org/officeDocument/2006/relationships" xmlns:p="http://schemas.openxmlformats.org/presentationml/2006/main" show="0">
+  <p:cSld>
+    <p:spTree>
+      <p:nvGrpSpPr>
+        <p:cNvPr id="1" name=""/>
+        <p:cNvGrpSpPr/>
+        <p:nvPr/>
+      </p:nvGrpSpPr>
+      <p:grpSpPr>
+        <a:xfrm>
+          <a:off x="0" y="0"/>
+          <a:ext cx="0" cy="0"/>
+          <a:chOff x="0" y="0"/>
+          <a:chExt cx="0" cy="0"/>
+        </a:xfrm>
+      </p:grpSpPr>
+      <p:sp>
+        <p:nvSpPr>
+          <p:cNvPr id="2" name="Title 1">
+            <a:extLst>
+              <a:ext uri="{FF2B5EF4-FFF2-40B4-BE49-F238E27FC236}">
+                <a16:creationId xmlns:a16="http://schemas.microsoft.com/office/drawing/2014/main" id="{AF708F16-5DBC-4B6A-8DFC-6213EECAA9C2}"/>
+              </a:ext>
+            </a:extLst>
+          </p:cNvPr>
+          <p:cNvSpPr>
+            <a:spLocks noGrp="1"/>
+          </p:cNvSpPr>
+          <p:nvPr>
+            <p:ph type="title"/>
+          </p:nvPr>
+        </p:nvSpPr>
+        <p:spPr/>
+        <p:txBody>
+          <a:bodyPr/>
+          <a:lstStyle/>
+          <a:p>
+            <a:r>
+              <a:rPr lang="en-US" dirty="0"/>
+              <a:t>Control Plane Components</a:t>
+            </a:r>
+          </a:p>
+        </p:txBody>
+      </p:sp>
+      <p:sp>
+        <p:nvSpPr>
+          <p:cNvPr id="3" name="Text Placeholder 2">
+            <a:extLst>
+              <a:ext uri="{FF2B5EF4-FFF2-40B4-BE49-F238E27FC236}">
+                <a16:creationId xmlns:a16="http://schemas.microsoft.com/office/drawing/2014/main" id="{EC7572EA-1EAB-40E7-BB72-53988D9C2321}"/>
+              </a:ext>
+            </a:extLst>
+          </p:cNvPr>
+          <p:cNvSpPr>
+            <a:spLocks noGrp="1"/>
+          </p:cNvSpPr>
+          <p:nvPr>
+            <p:ph type="body" idx="1"/>
+          </p:nvPr>
+        </p:nvSpPr>
+        <p:spPr/>
+        <p:txBody>
+          <a:bodyPr/>
+          <a:lstStyle/>
+          <a:p>
+            <a:endParaRPr lang="en-US" dirty="0"/>
+          </a:p>
+          <a:p>
+            <a:pPr algn="l"/>
+            <a:r>
+              <a:rPr lang="en-US" b="0" i="0" dirty="0" err="1">
+                <a:solidFill>
+                  <a:srgbClr val="222222"/>
+                </a:solidFill>
+                <a:effectLst/>
+                <a:latin typeface="open sans" panose="020B0606030504020204" pitchFamily="34" charset="0"/>
+              </a:rPr>
+              <a:t>kube-apiserver</a:t>
+            </a:r>
+            <a:endParaRPr lang="en-US" b="0" i="0" dirty="0">
+              <a:solidFill>
+                <a:srgbClr val="222222"/>
+              </a:solidFill>
+              <a:effectLst/>
+              <a:latin typeface="open sans" panose="020B0606030504020204" pitchFamily="34" charset="0"/>
+            </a:endParaRPr>
+          </a:p>
+          <a:p>
+            <a:pPr algn="l"/>
+            <a:endParaRPr lang="en-US" b="0" i="0" dirty="0">
+              <a:solidFill>
+                <a:srgbClr val="222222"/>
+              </a:solidFill>
+              <a:effectLst/>
+              <a:latin typeface="open sans" panose="020B0606030504020204" pitchFamily="34" charset="0"/>
+            </a:endParaRPr>
+          </a:p>
+          <a:p>
+            <a:r>
+              <a:rPr lang="en-US" b="0" i="0" dirty="0" err="1">
+                <a:solidFill>
+                  <a:srgbClr val="222222"/>
+                </a:solidFill>
+                <a:effectLst/>
+                <a:latin typeface="open sans" panose="020B0606030504020204" pitchFamily="34" charset="0"/>
+              </a:rPr>
+              <a:t>Etcd</a:t>
+            </a:r>
+            <a:endParaRPr lang="en-US" b="0" i="0" dirty="0">
+              <a:solidFill>
+                <a:srgbClr val="222222"/>
+              </a:solidFill>
+              <a:effectLst/>
+              <a:latin typeface="open sans" panose="020B0606030504020204" pitchFamily="34" charset="0"/>
+            </a:endParaRPr>
+          </a:p>
+          <a:p>
+            <a:endParaRPr lang="en-US" b="0" i="0" dirty="0">
+              <a:solidFill>
+                <a:srgbClr val="222222"/>
+              </a:solidFill>
+              <a:effectLst/>
+              <a:latin typeface="open sans" panose="020B0606030504020204" pitchFamily="34" charset="0"/>
+            </a:endParaRPr>
+          </a:p>
+          <a:p>
+            <a:pPr algn="l"/>
+            <a:r>
+              <a:rPr lang="en-US" b="0" i="0" dirty="0" err="1">
+                <a:solidFill>
+                  <a:srgbClr val="222222"/>
+                </a:solidFill>
+                <a:effectLst/>
+                <a:latin typeface="open sans" panose="020B0606030504020204" pitchFamily="34" charset="0"/>
+              </a:rPr>
+              <a:t>kube</a:t>
+            </a:r>
+            <a:r>
+              <a:rPr lang="en-US" b="0" i="0" dirty="0">
+                <a:solidFill>
+                  <a:srgbClr val="222222"/>
+                </a:solidFill>
+                <a:effectLst/>
+                <a:latin typeface="open sans" panose="020B0606030504020204" pitchFamily="34" charset="0"/>
+              </a:rPr>
+              <a:t>-scheduler</a:t>
+            </a:r>
+          </a:p>
+          <a:p>
+            <a:pPr algn="l"/>
+            <a:endParaRPr lang="en-US" b="0" i="0" dirty="0">
+              <a:solidFill>
+                <a:srgbClr val="222222"/>
+              </a:solidFill>
+              <a:effectLst/>
+              <a:latin typeface="open sans" panose="020B0606030504020204" pitchFamily="34" charset="0"/>
+            </a:endParaRPr>
+          </a:p>
+          <a:p>
+            <a:r>
+              <a:rPr lang="en-US" b="0" i="0" dirty="0" err="1">
+                <a:solidFill>
+                  <a:srgbClr val="222222"/>
+                </a:solidFill>
+                <a:effectLst/>
+                <a:latin typeface="open sans" panose="020B0606030504020204" pitchFamily="34" charset="0"/>
+              </a:rPr>
+              <a:t>kube</a:t>
+            </a:r>
+            <a:r>
+              <a:rPr lang="en-US" b="0" i="0" dirty="0">
+                <a:solidFill>
+                  <a:srgbClr val="222222"/>
+                </a:solidFill>
+                <a:effectLst/>
+                <a:latin typeface="open sans" panose="020B0606030504020204" pitchFamily="34" charset="0"/>
+              </a:rPr>
+              <a:t>-controller-manager</a:t>
+            </a:r>
+          </a:p>
+          <a:p>
+            <a:pPr marL="152396" indent="0">
+              <a:buNone/>
+            </a:pPr>
+            <a:br>
+              <a:rPr lang="en-US" dirty="0"/>
+            </a:br>
+            <a:endParaRPr lang="en-US" b="0" i="0" dirty="0">
+              <a:solidFill>
+                <a:srgbClr val="222222"/>
+              </a:solidFill>
+              <a:effectLst/>
+              <a:latin typeface="open sans" panose="020B0606030504020204" pitchFamily="34" charset="0"/>
+            </a:endParaRPr>
+          </a:p>
+          <a:p>
+            <a:endParaRPr lang="en-US" dirty="0"/>
+          </a:p>
+        </p:txBody>
+      </p:sp>
+      <p:pic>
+        <p:nvPicPr>
+          <p:cNvPr id="4" name="Google Shape;56;p13">
+            <a:extLst>
+              <a:ext uri="{FF2B5EF4-FFF2-40B4-BE49-F238E27FC236}">
+                <a16:creationId xmlns:a16="http://schemas.microsoft.com/office/drawing/2014/main" id="{5DC2FED0-7C5F-460C-998D-2520FD324176}"/>
+              </a:ext>
+            </a:extLst>
+          </p:cNvPr>
+          <p:cNvPicPr preferRelativeResize="0"/>
+          <p:nvPr/>
+        </p:nvPicPr>
+        <p:blipFill>
+          <a:blip r:embed="rId2">
+            <a:alphaModFix/>
+          </a:blip>
+          <a:stretch>
+            <a:fillRect/>
+          </a:stretch>
+        </p:blipFill>
+        <p:spPr>
+          <a:xfrm>
+            <a:off x="10989179" y="5736492"/>
+            <a:ext cx="1202821" cy="1121508"/>
+          </a:xfrm>
+          <a:prstGeom prst="rect">
+            <a:avLst/>
+          </a:prstGeom>
+          <a:noFill/>
+          <a:ln>
+            <a:noFill/>
+          </a:ln>
+        </p:spPr>
+      </p:pic>
+      <p:pic>
+        <p:nvPicPr>
+          <p:cNvPr id="5" name="Picture 4">
+            <a:extLst>
+              <a:ext uri="{FF2B5EF4-FFF2-40B4-BE49-F238E27FC236}">
+                <a16:creationId xmlns:a16="http://schemas.microsoft.com/office/drawing/2014/main" id="{86A17813-B73F-471E-ABB2-08A18EC70133}"/>
+              </a:ext>
+            </a:extLst>
+          </p:cNvPr>
+          <p:cNvPicPr>
+            <a:picLocks noChangeAspect="1"/>
+          </p:cNvPicPr>
+          <p:nvPr/>
+        </p:nvPicPr>
+        <p:blipFill>
+          <a:blip r:embed="rId3"/>
+          <a:stretch>
+            <a:fillRect/>
+          </a:stretch>
+        </p:blipFill>
+        <p:spPr>
+          <a:xfrm>
+            <a:off x="10935891" y="593367"/>
+            <a:ext cx="840509" cy="775369"/>
+          </a:xfrm>
+          <a:prstGeom prst="rect">
+            <a:avLst/>
+          </a:prstGeom>
+        </p:spPr>
+      </p:pic>
+    </p:spTree>
+    <p:extLst>
+      <p:ext uri="{BB962C8B-B14F-4D97-AF65-F5344CB8AC3E}">
+        <p14:creationId xmlns:p14="http://schemas.microsoft.com/office/powerpoint/2010/main" val="2983500920"/>
+      </p:ext>
+    </p:extLst>
+  </p:cSld>
+  <p:clrMapOvr>
+    <a:masterClrMapping/>
+  </p:clrMapOvr>
+</p:sld>
+</file>
+
+<file path=ppt/slides/slide13.xml><?xml version="1.0" encoding="utf-8"?>
+<p:sld xmlns:a="http://schemas.openxmlformats.org/drawingml/2006/main" xmlns:r="http://schemas.openxmlformats.org/officeDocument/2006/relationships" xmlns:p="http://schemas.openxmlformats.org/presentationml/2006/main">
+  <p:cSld>
+    <p:spTree>
+      <p:nvGrpSpPr>
+        <p:cNvPr id="1" name=""/>
+        <p:cNvGrpSpPr/>
+        <p:nvPr/>
+      </p:nvGrpSpPr>
+      <p:grpSpPr>
+        <a:xfrm>
+          <a:off x="0" y="0"/>
+          <a:ext cx="0" cy="0"/>
+          <a:chOff x="0" y="0"/>
+          <a:chExt cx="0" cy="0"/>
+        </a:xfrm>
+      </p:grpSpPr>
+      <p:sp>
+        <p:nvSpPr>
+          <p:cNvPr id="2" name="Title 1">
+            <a:extLst>
+              <a:ext uri="{FF2B5EF4-FFF2-40B4-BE49-F238E27FC236}">
+                <a16:creationId xmlns:a16="http://schemas.microsoft.com/office/drawing/2014/main" id="{AF708F16-5DBC-4B6A-8DFC-6213EECAA9C2}"/>
+              </a:ext>
+            </a:extLst>
+          </p:cNvPr>
+          <p:cNvSpPr>
+            <a:spLocks noGrp="1"/>
+          </p:cNvSpPr>
+          <p:nvPr>
+            <p:ph type="title"/>
+          </p:nvPr>
+        </p:nvSpPr>
+        <p:spPr/>
+        <p:txBody>
+          <a:bodyPr/>
+          <a:lstStyle/>
+          <a:p>
+            <a:r>
+              <a:rPr lang="en-US" dirty="0"/>
+              <a:t>Kubernetes concepts </a:t>
+            </a:r>
+          </a:p>
+        </p:txBody>
+      </p:sp>
+      <p:sp>
+        <p:nvSpPr>
+          <p:cNvPr id="3" name="Text Placeholder 2">
+            <a:extLst>
+              <a:ext uri="{FF2B5EF4-FFF2-40B4-BE49-F238E27FC236}">
+                <a16:creationId xmlns:a16="http://schemas.microsoft.com/office/drawing/2014/main" id="{EC7572EA-1EAB-40E7-BB72-53988D9C2321}"/>
+              </a:ext>
+            </a:extLst>
+          </p:cNvPr>
+          <p:cNvSpPr>
+            <a:spLocks noGrp="1"/>
+          </p:cNvSpPr>
+          <p:nvPr>
+            <p:ph type="body" idx="1"/>
+          </p:nvPr>
+        </p:nvSpPr>
+        <p:spPr/>
+        <p:txBody>
+          <a:bodyPr/>
+          <a:lstStyle/>
+          <a:p>
+            <a:endParaRPr lang="en-US" dirty="0"/>
+          </a:p>
+          <a:p>
+            <a:endParaRPr lang="en-US" dirty="0"/>
+          </a:p>
+        </p:txBody>
+      </p:sp>
+      <p:pic>
+        <p:nvPicPr>
+          <p:cNvPr id="4" name="Google Shape;56;p13">
+            <a:extLst>
+              <a:ext uri="{FF2B5EF4-FFF2-40B4-BE49-F238E27FC236}">
+                <a16:creationId xmlns:a16="http://schemas.microsoft.com/office/drawing/2014/main" id="{5DC2FED0-7C5F-460C-998D-2520FD324176}"/>
+              </a:ext>
+            </a:extLst>
+          </p:cNvPr>
+          <p:cNvPicPr preferRelativeResize="0"/>
+          <p:nvPr/>
+        </p:nvPicPr>
+        <p:blipFill>
+          <a:blip r:embed="rId2">
+            <a:alphaModFix/>
+          </a:blip>
+          <a:stretch>
+            <a:fillRect/>
+          </a:stretch>
+        </p:blipFill>
+        <p:spPr>
+          <a:xfrm>
+            <a:off x="10989179" y="5736492"/>
+            <a:ext cx="1202821" cy="1121508"/>
+          </a:xfrm>
+          <a:prstGeom prst="rect">
+            <a:avLst/>
+          </a:prstGeom>
+          <a:noFill/>
+          <a:ln>
+            <a:noFill/>
+          </a:ln>
+        </p:spPr>
+      </p:pic>
+      <p:pic>
+        <p:nvPicPr>
+          <p:cNvPr id="5" name="Picture 4">
+            <a:extLst>
+              <a:ext uri="{FF2B5EF4-FFF2-40B4-BE49-F238E27FC236}">
+                <a16:creationId xmlns:a16="http://schemas.microsoft.com/office/drawing/2014/main" id="{86A17813-B73F-471E-ABB2-08A18EC70133}"/>
+              </a:ext>
+            </a:extLst>
+          </p:cNvPr>
+          <p:cNvPicPr>
+            <a:picLocks noChangeAspect="1"/>
+          </p:cNvPicPr>
+          <p:nvPr/>
+        </p:nvPicPr>
+        <p:blipFill>
+          <a:blip r:embed="rId3"/>
+          <a:stretch>
+            <a:fillRect/>
+          </a:stretch>
+        </p:blipFill>
+        <p:spPr>
+          <a:xfrm>
+            <a:off x="10935891" y="593367"/>
+            <a:ext cx="840509" cy="775369"/>
+          </a:xfrm>
+          <a:prstGeom prst="rect">
+            <a:avLst/>
+          </a:prstGeom>
+        </p:spPr>
+      </p:pic>
+    </p:spTree>
+    <p:extLst>
+      <p:ext uri="{BB962C8B-B14F-4D97-AF65-F5344CB8AC3E}">
+        <p14:creationId xmlns:p14="http://schemas.microsoft.com/office/powerpoint/2010/main" val="1635625492"/>
+      </p:ext>
+    </p:extLst>
+  </p:cSld>
+  <p:clrMapOvr>
+    <a:masterClrMapping/>
+  </p:clrMapOvr>
+</p:sld>
+</file>
+
+<file path=ppt/slides/slide14.xml><?xml version="1.0" encoding="utf-8"?>
+<p:sld xmlns:a="http://schemas.openxmlformats.org/drawingml/2006/main" xmlns:r="http://schemas.openxmlformats.org/officeDocument/2006/relationships" xmlns:p="http://schemas.openxmlformats.org/presentationml/2006/main">
+  <p:cSld>
+    <p:spTree>
+      <p:nvGrpSpPr>
+        <p:cNvPr id="1" name=""/>
+        <p:cNvGrpSpPr/>
+        <p:nvPr/>
+      </p:nvGrpSpPr>
+      <p:grpSpPr>
+        <a:xfrm>
+          <a:off x="0" y="0"/>
+          <a:ext cx="0" cy="0"/>
+          <a:chOff x="0" y="0"/>
+          <a:chExt cx="0" cy="0"/>
+        </a:xfrm>
+      </p:grpSpPr>
+      <p:sp>
+        <p:nvSpPr>
+          <p:cNvPr id="2" name="Title 1">
+            <a:extLst>
+              <a:ext uri="{FF2B5EF4-FFF2-40B4-BE49-F238E27FC236}">
+                <a16:creationId xmlns:a16="http://schemas.microsoft.com/office/drawing/2014/main" id="{AF708F16-5DBC-4B6A-8DFC-6213EECAA9C2}"/>
+              </a:ext>
+            </a:extLst>
+          </p:cNvPr>
+          <p:cNvSpPr>
+            <a:spLocks noGrp="1"/>
+          </p:cNvSpPr>
+          <p:nvPr>
+            <p:ph type="title"/>
+          </p:nvPr>
+        </p:nvSpPr>
+        <p:spPr/>
+        <p:txBody>
+          <a:bodyPr/>
+          <a:lstStyle/>
+          <a:p>
+            <a:r>
+              <a:rPr lang="en-US" sz="4400" dirty="0">
+                <a:latin typeface="+mj-lt"/>
+                <a:ea typeface="+mj-ea"/>
+                <a:cs typeface="+mj-cs"/>
+              </a:rPr>
+              <a:t>Azure Kubernetes Service (AKS)</a:t>
+            </a:r>
+            <a:endParaRPr lang="en-US" dirty="0"/>
+          </a:p>
+        </p:txBody>
+      </p:sp>
+      <p:pic>
+        <p:nvPicPr>
+          <p:cNvPr id="4" name="Google Shape;56;p13">
+            <a:extLst>
+              <a:ext uri="{FF2B5EF4-FFF2-40B4-BE49-F238E27FC236}">
+                <a16:creationId xmlns:a16="http://schemas.microsoft.com/office/drawing/2014/main" id="{5DC2FED0-7C5F-460C-998D-2520FD324176}"/>
+              </a:ext>
+            </a:extLst>
+          </p:cNvPr>
+          <p:cNvPicPr preferRelativeResize="0"/>
+          <p:nvPr/>
+        </p:nvPicPr>
+        <p:blipFill>
+          <a:blip r:embed="rId3">
+            <a:alphaModFix/>
+          </a:blip>
+          <a:stretch>
+            <a:fillRect/>
+          </a:stretch>
+        </p:blipFill>
+        <p:spPr>
+          <a:xfrm>
+            <a:off x="10989179" y="5736492"/>
+            <a:ext cx="1202821" cy="1121508"/>
+          </a:xfrm>
+          <a:prstGeom prst="rect">
+            <a:avLst/>
+          </a:prstGeom>
+          <a:noFill/>
+          <a:ln>
+            <a:noFill/>
+          </a:ln>
+        </p:spPr>
+      </p:pic>
+      <p:pic>
+        <p:nvPicPr>
+          <p:cNvPr id="5" name="Picture 4">
+            <a:extLst>
+              <a:ext uri="{FF2B5EF4-FFF2-40B4-BE49-F238E27FC236}">
+                <a16:creationId xmlns:a16="http://schemas.microsoft.com/office/drawing/2014/main" id="{86A17813-B73F-471E-ABB2-08A18EC70133}"/>
+              </a:ext>
+            </a:extLst>
+          </p:cNvPr>
+          <p:cNvPicPr>
+            <a:picLocks noChangeAspect="1"/>
+          </p:cNvPicPr>
+          <p:nvPr/>
+        </p:nvPicPr>
+        <p:blipFill>
+          <a:blip r:embed="rId4"/>
+          <a:stretch>
+            <a:fillRect/>
+          </a:stretch>
+        </p:blipFill>
+        <p:spPr>
+          <a:xfrm>
+            <a:off x="1058387" y="2390719"/>
+            <a:ext cx="1569144" cy="1447534"/>
+          </a:xfrm>
+          <a:prstGeom prst="rect">
+            <a:avLst/>
+          </a:prstGeom>
+        </p:spPr>
+      </p:pic>
+      <p:pic>
+        <p:nvPicPr>
+          <p:cNvPr id="7" name="Picture 6" descr="A picture containing text, clipart&#10;&#10;Description automatically generated">
+            <a:extLst>
+              <a:ext uri="{FF2B5EF4-FFF2-40B4-BE49-F238E27FC236}">
+                <a16:creationId xmlns:a16="http://schemas.microsoft.com/office/drawing/2014/main" id="{82B1CD66-C867-4A02-A6C9-85E293A3BE75}"/>
+              </a:ext>
+            </a:extLst>
+          </p:cNvPr>
+          <p:cNvPicPr>
+            <a:picLocks noChangeAspect="1"/>
+          </p:cNvPicPr>
+          <p:nvPr/>
+        </p:nvPicPr>
+        <p:blipFill>
+          <a:blip r:embed="rId5">
+            <a:extLst>
+              <a:ext uri="{28A0092B-C50C-407E-A947-70E740481C1C}">
+                <a14:useLocalDpi xmlns:a14="http://schemas.microsoft.com/office/drawing/2010/main" val="0"/>
+              </a:ext>
+            </a:extLst>
+          </a:blip>
+          <a:stretch>
+            <a:fillRect/>
+          </a:stretch>
+        </p:blipFill>
+        <p:spPr>
+          <a:xfrm>
+            <a:off x="4221340" y="2339089"/>
+            <a:ext cx="1856939" cy="1447534"/>
+          </a:xfrm>
+          <a:prstGeom prst="rect">
+            <a:avLst/>
+          </a:prstGeom>
+        </p:spPr>
+      </p:pic>
+      <p:sp>
+        <p:nvSpPr>
+          <p:cNvPr id="8" name="TextBox 7">
+            <a:extLst>
+              <a:ext uri="{FF2B5EF4-FFF2-40B4-BE49-F238E27FC236}">
+                <a16:creationId xmlns:a16="http://schemas.microsoft.com/office/drawing/2014/main" id="{EFD3F3F6-7B19-492E-A0CC-61F3511106EA}"/>
+              </a:ext>
+            </a:extLst>
+          </p:cNvPr>
+          <p:cNvSpPr txBox="1"/>
+          <p:nvPr/>
+        </p:nvSpPr>
+        <p:spPr>
+          <a:xfrm>
+            <a:off x="3140544" y="2606655"/>
+            <a:ext cx="567784" cy="1015663"/>
+          </a:xfrm>
+          <a:prstGeom prst="rect">
+            <a:avLst/>
+          </a:prstGeom>
+          <a:noFill/>
+        </p:spPr>
+        <p:txBody>
+          <a:bodyPr wrap="none" rtlCol="0">
+            <a:spAutoFit/>
+          </a:bodyPr>
+          <a:lstStyle/>
+          <a:p>
+            <a:r>
+              <a:rPr lang="en-US" sz="6000" dirty="0"/>
+              <a:t>+</a:t>
+            </a:r>
+          </a:p>
+        </p:txBody>
+      </p:sp>
+      <p:sp>
+        <p:nvSpPr>
+          <p:cNvPr id="9" name="TextBox 8">
+            <a:extLst>
+              <a:ext uri="{FF2B5EF4-FFF2-40B4-BE49-F238E27FC236}">
+                <a16:creationId xmlns:a16="http://schemas.microsoft.com/office/drawing/2014/main" id="{604B9FE2-72F0-465A-9786-2096ADE4247E}"/>
+              </a:ext>
+            </a:extLst>
+          </p:cNvPr>
+          <p:cNvSpPr txBox="1"/>
+          <p:nvPr/>
+        </p:nvSpPr>
+        <p:spPr>
+          <a:xfrm>
+            <a:off x="6324586" y="2644678"/>
+            <a:ext cx="567784" cy="1015663"/>
+          </a:xfrm>
+          <a:prstGeom prst="rect">
+            <a:avLst/>
+          </a:prstGeom>
+          <a:noFill/>
+        </p:spPr>
+        <p:txBody>
+          <a:bodyPr wrap="none" rtlCol="0">
+            <a:spAutoFit/>
+          </a:bodyPr>
+          <a:lstStyle/>
+          <a:p>
+            <a:r>
+              <a:rPr lang="en-US" sz="6000" dirty="0"/>
+              <a:t>=</a:t>
+            </a:r>
+          </a:p>
+        </p:txBody>
+      </p:sp>
+      <p:pic>
+        <p:nvPicPr>
+          <p:cNvPr id="10" name="Picture 9">
+            <a:extLst>
+              <a:ext uri="{FF2B5EF4-FFF2-40B4-BE49-F238E27FC236}">
+                <a16:creationId xmlns:a16="http://schemas.microsoft.com/office/drawing/2014/main" id="{07DFC5A5-DA0C-4FA6-88FE-446C21C97499}"/>
+              </a:ext>
+            </a:extLst>
+          </p:cNvPr>
+          <p:cNvPicPr>
+            <a:picLocks noChangeAspect="1"/>
+          </p:cNvPicPr>
+          <p:nvPr/>
+        </p:nvPicPr>
+        <p:blipFill>
+          <a:blip r:embed="rId6"/>
+          <a:stretch>
+            <a:fillRect/>
+          </a:stretch>
+        </p:blipFill>
+        <p:spPr>
+          <a:xfrm>
+            <a:off x="7574059" y="2390719"/>
+            <a:ext cx="1451420" cy="1451420"/>
+          </a:xfrm>
+          <a:prstGeom prst="rect">
+            <a:avLst/>
+          </a:prstGeom>
+        </p:spPr>
+      </p:pic>
+    </p:spTree>
+    <p:extLst>
+      <p:ext uri="{BB962C8B-B14F-4D97-AF65-F5344CB8AC3E}">
+        <p14:creationId xmlns:p14="http://schemas.microsoft.com/office/powerpoint/2010/main" val="2081774734"/>
+      </p:ext>
+    </p:extLst>
+  </p:cSld>
+  <p:clrMapOvr>
+    <a:masterClrMapping/>
+  </p:clrMapOvr>
+</p:sld>
+</file>
+
+<file path=ppt/slides/slide15.xml><?xml version="1.0" encoding="utf-8"?>
+<p:sld xmlns:a="http://schemas.openxmlformats.org/drawingml/2006/main" xmlns:r="http://schemas.openxmlformats.org/officeDocument/2006/relationships" xmlns:p="http://schemas.openxmlformats.org/presentationml/2006/main">
+  <p:cSld>
+    <p:spTree>
+      <p:nvGrpSpPr>
+        <p:cNvPr id="1" name=""/>
+        <p:cNvGrpSpPr/>
+        <p:nvPr/>
+      </p:nvGrpSpPr>
+      <p:grpSpPr>
+        <a:xfrm>
+          <a:off x="0" y="0"/>
+          <a:ext cx="0" cy="0"/>
+          <a:chOff x="0" y="0"/>
+          <a:chExt cx="0" cy="0"/>
+        </a:xfrm>
+      </p:grpSpPr>
+      <p:sp>
+        <p:nvSpPr>
+          <p:cNvPr id="2" name="Title 1">
+            <a:extLst>
+              <a:ext uri="{FF2B5EF4-FFF2-40B4-BE49-F238E27FC236}">
+                <a16:creationId xmlns:a16="http://schemas.microsoft.com/office/drawing/2014/main" id="{AF708F16-5DBC-4B6A-8DFC-6213EECAA9C2}"/>
+              </a:ext>
+            </a:extLst>
+          </p:cNvPr>
+          <p:cNvSpPr>
+            <a:spLocks noGrp="1"/>
+          </p:cNvSpPr>
+          <p:nvPr>
+            <p:ph type="title"/>
+          </p:nvPr>
+        </p:nvSpPr>
+        <p:spPr/>
+        <p:txBody>
+          <a:bodyPr/>
+          <a:lstStyle/>
+          <a:p>
+            <a:r>
+              <a:rPr lang="en-US" dirty="0"/>
+              <a:t>AKS concepts </a:t>
+            </a:r>
+          </a:p>
+        </p:txBody>
+      </p:sp>
+      <p:sp>
+        <p:nvSpPr>
+          <p:cNvPr id="3" name="Text Placeholder 2">
+            <a:extLst>
+              <a:ext uri="{FF2B5EF4-FFF2-40B4-BE49-F238E27FC236}">
+                <a16:creationId xmlns:a16="http://schemas.microsoft.com/office/drawing/2014/main" id="{EC7572EA-1EAB-40E7-BB72-53988D9C2321}"/>
+              </a:ext>
+            </a:extLst>
+          </p:cNvPr>
+          <p:cNvSpPr>
+            <a:spLocks noGrp="1"/>
+          </p:cNvSpPr>
+          <p:nvPr>
+            <p:ph type="body" idx="1"/>
+          </p:nvPr>
+        </p:nvSpPr>
+        <p:spPr/>
+        <p:txBody>
+          <a:bodyPr/>
+          <a:lstStyle/>
+          <a:p>
+            <a:endParaRPr lang="en-US" dirty="0"/>
+          </a:p>
+          <a:p>
+            <a:endParaRPr lang="en-US" dirty="0"/>
+          </a:p>
+        </p:txBody>
+      </p:sp>
+      <p:pic>
+        <p:nvPicPr>
+          <p:cNvPr id="4" name="Google Shape;56;p13">
+            <a:extLst>
+              <a:ext uri="{FF2B5EF4-FFF2-40B4-BE49-F238E27FC236}">
+                <a16:creationId xmlns:a16="http://schemas.microsoft.com/office/drawing/2014/main" id="{5DC2FED0-7C5F-460C-998D-2520FD324176}"/>
+              </a:ext>
+            </a:extLst>
+          </p:cNvPr>
+          <p:cNvPicPr preferRelativeResize="0"/>
+          <p:nvPr/>
+        </p:nvPicPr>
+        <p:blipFill>
+          <a:blip r:embed="rId2">
+            <a:alphaModFix/>
+          </a:blip>
+          <a:stretch>
+            <a:fillRect/>
+          </a:stretch>
+        </p:blipFill>
+        <p:spPr>
+          <a:xfrm>
+            <a:off x="10989179" y="5736492"/>
+            <a:ext cx="1202821" cy="1121508"/>
+          </a:xfrm>
+          <a:prstGeom prst="rect">
+            <a:avLst/>
+          </a:prstGeom>
+          <a:noFill/>
+          <a:ln>
+            <a:noFill/>
+          </a:ln>
+        </p:spPr>
+      </p:pic>
+      <p:pic>
+        <p:nvPicPr>
+          <p:cNvPr id="6" name="Picture 5">
+            <a:extLst>
+              <a:ext uri="{FF2B5EF4-FFF2-40B4-BE49-F238E27FC236}">
+                <a16:creationId xmlns:a16="http://schemas.microsoft.com/office/drawing/2014/main" id="{562789FC-24E6-41E1-B839-308F71066FC1}"/>
+              </a:ext>
+            </a:extLst>
+          </p:cNvPr>
+          <p:cNvPicPr>
+            <a:picLocks noChangeAspect="1"/>
+          </p:cNvPicPr>
+          <p:nvPr/>
+        </p:nvPicPr>
+        <p:blipFill>
+          <a:blip r:embed="rId3"/>
+          <a:stretch>
+            <a:fillRect/>
+          </a:stretch>
+        </p:blipFill>
+        <p:spPr>
+          <a:xfrm>
+            <a:off x="10765535" y="469734"/>
+            <a:ext cx="1010865" cy="1010865"/>
+          </a:xfrm>
+          <a:prstGeom prst="rect">
+            <a:avLst/>
+          </a:prstGeom>
+        </p:spPr>
+      </p:pic>
+    </p:spTree>
+    <p:extLst>
+      <p:ext uri="{BB962C8B-B14F-4D97-AF65-F5344CB8AC3E}">
+        <p14:creationId xmlns:p14="http://schemas.microsoft.com/office/powerpoint/2010/main" val="1280877333"/>
+      </p:ext>
+    </p:extLst>
+  </p:cSld>
+  <p:clrMapOvr>
+    <a:masterClrMapping/>
+  </p:clrMapOvr>
+</p:sld>
+</file>
+
+<file path=ppt/slides/slide16.xml><?xml version="1.0" encoding="utf-8"?>
+<p:sld xmlns:a="http://schemas.openxmlformats.org/drawingml/2006/main" xmlns:r="http://schemas.openxmlformats.org/officeDocument/2006/relationships" xmlns:p="http://schemas.openxmlformats.org/presentationml/2006/main">
+  <p:cSld>
+    <p:spTree>
+      <p:nvGrpSpPr>
+        <p:cNvPr id="1" name=""/>
+        <p:cNvGrpSpPr/>
+        <p:nvPr/>
+      </p:nvGrpSpPr>
+      <p:grpSpPr>
+        <a:xfrm>
+          <a:off x="0" y="0"/>
+          <a:ext cx="0" cy="0"/>
+          <a:chOff x="0" y="0"/>
+          <a:chExt cx="0" cy="0"/>
+        </a:xfrm>
+      </p:grpSpPr>
+      <p:sp>
+        <p:nvSpPr>
+          <p:cNvPr id="2" name="Title 1">
+            <a:extLst>
+              <a:ext uri="{FF2B5EF4-FFF2-40B4-BE49-F238E27FC236}">
+                <a16:creationId xmlns:a16="http://schemas.microsoft.com/office/drawing/2014/main" id="{AF708F16-5DBC-4B6A-8DFC-6213EECAA9C2}"/>
+              </a:ext>
+            </a:extLst>
+          </p:cNvPr>
+          <p:cNvSpPr>
+            <a:spLocks noGrp="1"/>
+          </p:cNvSpPr>
+          <p:nvPr>
+            <p:ph type="title"/>
+          </p:nvPr>
+        </p:nvSpPr>
+        <p:spPr/>
+        <p:txBody>
+          <a:bodyPr/>
+          <a:lstStyle/>
+          <a:p>
+            <a:r>
+              <a:rPr lang="en-US" dirty="0"/>
+              <a:t>AKS cluster architecture </a:t>
+            </a:r>
+          </a:p>
+        </p:txBody>
+      </p:sp>
+      <p:sp>
+        <p:nvSpPr>
+          <p:cNvPr id="3" name="Text Placeholder 2">
+            <a:extLst>
+              <a:ext uri="{FF2B5EF4-FFF2-40B4-BE49-F238E27FC236}">
+                <a16:creationId xmlns:a16="http://schemas.microsoft.com/office/drawing/2014/main" id="{EC7572EA-1EAB-40E7-BB72-53988D9C2321}"/>
+              </a:ext>
+            </a:extLst>
+          </p:cNvPr>
+          <p:cNvSpPr>
+            <a:spLocks noGrp="1"/>
+          </p:cNvSpPr>
+          <p:nvPr>
+            <p:ph type="body" idx="1"/>
+          </p:nvPr>
+        </p:nvSpPr>
+        <p:spPr/>
+        <p:txBody>
+          <a:bodyPr/>
+          <a:lstStyle/>
+          <a:p>
+            <a:endParaRPr lang="en-US" dirty="0"/>
+          </a:p>
+          <a:p>
+            <a:endParaRPr lang="en-US" dirty="0"/>
+          </a:p>
+        </p:txBody>
+      </p:sp>
+      <p:pic>
+        <p:nvPicPr>
+          <p:cNvPr id="4" name="Google Shape;56;p13">
+            <a:extLst>
+              <a:ext uri="{FF2B5EF4-FFF2-40B4-BE49-F238E27FC236}">
+                <a16:creationId xmlns:a16="http://schemas.microsoft.com/office/drawing/2014/main" id="{5DC2FED0-7C5F-460C-998D-2520FD324176}"/>
+              </a:ext>
+            </a:extLst>
+          </p:cNvPr>
+          <p:cNvPicPr preferRelativeResize="0"/>
+          <p:nvPr/>
+        </p:nvPicPr>
+        <p:blipFill>
+          <a:blip r:embed="rId3">
+            <a:alphaModFix/>
+          </a:blip>
+          <a:stretch>
+            <a:fillRect/>
+          </a:stretch>
+        </p:blipFill>
+        <p:spPr>
+          <a:xfrm>
+            <a:off x="10989179" y="5736492"/>
+            <a:ext cx="1202821" cy="1121508"/>
+          </a:xfrm>
+          <a:prstGeom prst="rect">
+            <a:avLst/>
+          </a:prstGeom>
+          <a:noFill/>
+          <a:ln>
+            <a:noFill/>
+          </a:ln>
+        </p:spPr>
+      </p:pic>
+      <p:pic>
+        <p:nvPicPr>
+          <p:cNvPr id="6" name="Picture 5">
+            <a:extLst>
+              <a:ext uri="{FF2B5EF4-FFF2-40B4-BE49-F238E27FC236}">
+                <a16:creationId xmlns:a16="http://schemas.microsoft.com/office/drawing/2014/main" id="{562789FC-24E6-41E1-B839-308F71066FC1}"/>
+              </a:ext>
+            </a:extLst>
+          </p:cNvPr>
+          <p:cNvPicPr>
+            <a:picLocks noChangeAspect="1"/>
+          </p:cNvPicPr>
+          <p:nvPr/>
+        </p:nvPicPr>
+        <p:blipFill>
+          <a:blip r:embed="rId4"/>
+          <a:stretch>
+            <a:fillRect/>
+          </a:stretch>
+        </p:blipFill>
+        <p:spPr>
+          <a:xfrm>
+            <a:off x="10765535" y="469734"/>
+            <a:ext cx="1010865" cy="1010865"/>
+          </a:xfrm>
+          <a:prstGeom prst="rect">
+            <a:avLst/>
+          </a:prstGeom>
+        </p:spPr>
+      </p:pic>
+      <p:pic>
+        <p:nvPicPr>
+          <p:cNvPr id="7" name="Picture 6" descr="Diagram&#10;&#10;Description automatically generated">
+            <a:extLst>
+              <a:ext uri="{FF2B5EF4-FFF2-40B4-BE49-F238E27FC236}">
+                <a16:creationId xmlns:a16="http://schemas.microsoft.com/office/drawing/2014/main" id="{A506BC3C-1392-4FD9-8097-BE8B56A0CE80}"/>
+              </a:ext>
+            </a:extLst>
+          </p:cNvPr>
+          <p:cNvPicPr>
+            <a:picLocks noChangeAspect="1"/>
+          </p:cNvPicPr>
+          <p:nvPr/>
+        </p:nvPicPr>
+        <p:blipFill>
+          <a:blip r:embed="rId5">
+            <a:extLst>
+              <a:ext uri="{28A0092B-C50C-407E-A947-70E740481C1C}">
+                <a14:useLocalDpi xmlns:a14="http://schemas.microsoft.com/office/drawing/2010/main" val="0"/>
+              </a:ext>
+            </a:extLst>
+          </a:blip>
+          <a:stretch>
+            <a:fillRect/>
+          </a:stretch>
+        </p:blipFill>
+        <p:spPr>
+          <a:xfrm>
+            <a:off x="1061340" y="1924690"/>
+            <a:ext cx="9582704" cy="3285065"/>
+          </a:xfrm>
+          <a:prstGeom prst="rect">
+            <a:avLst/>
+          </a:prstGeom>
+        </p:spPr>
+      </p:pic>
+      <p:sp>
+        <p:nvSpPr>
+          <p:cNvPr id="8" name="TextBox 7">
+            <a:extLst>
+              <a:ext uri="{FF2B5EF4-FFF2-40B4-BE49-F238E27FC236}">
+                <a16:creationId xmlns:a16="http://schemas.microsoft.com/office/drawing/2014/main" id="{141E9EAF-1317-4910-9931-50E6F3EB5ADD}"/>
+              </a:ext>
+            </a:extLst>
+          </p:cNvPr>
+          <p:cNvSpPr txBox="1"/>
+          <p:nvPr/>
+        </p:nvSpPr>
+        <p:spPr>
+          <a:xfrm>
+            <a:off x="1998922" y="6417317"/>
+            <a:ext cx="7090852" cy="369332"/>
+          </a:xfrm>
+          <a:prstGeom prst="rect">
+            <a:avLst/>
+          </a:prstGeom>
+          <a:noFill/>
+        </p:spPr>
+        <p:txBody>
+          <a:bodyPr wrap="none" rtlCol="0">
+            <a:spAutoFit/>
+          </a:bodyPr>
+          <a:lstStyle/>
+          <a:p>
+            <a:r>
+              <a:rPr lang="en-US" dirty="0">
+                <a:hlinkClick r:id="rId6"/>
+              </a:rPr>
+              <a:t>https://docs.microsoft.com/en-us/azure/aks/concepts-clusters-workloads</a:t>
+            </a:r>
+            <a:r>
+              <a:rPr lang="en-US" dirty="0"/>
+              <a:t> </a:t>
+            </a:r>
+          </a:p>
+        </p:txBody>
+      </p:sp>
+    </p:spTree>
+    <p:extLst>
+      <p:ext uri="{BB962C8B-B14F-4D97-AF65-F5344CB8AC3E}">
+        <p14:creationId xmlns:p14="http://schemas.microsoft.com/office/powerpoint/2010/main" val="3151946010"/>
+      </p:ext>
+    </p:extLst>
+  </p:cSld>
+  <p:clrMapOvr>
+    <a:masterClrMapping/>
+  </p:clrMapOvr>
+</p:sld>
+</file>
+
+<file path=ppt/slides/slide17.xml><?xml version="1.0" encoding="utf-8"?>
+<p:sld xmlns:a="http://schemas.openxmlformats.org/drawingml/2006/main" xmlns:r="http://schemas.openxmlformats.org/officeDocument/2006/relationships" xmlns:p="http://schemas.openxmlformats.org/presentationml/2006/main">
+  <p:cSld>
+    <p:spTree>
+      <p:nvGrpSpPr>
+        <p:cNvPr id="1" name=""/>
+        <p:cNvGrpSpPr/>
+        <p:nvPr/>
+      </p:nvGrpSpPr>
+      <p:grpSpPr>
+        <a:xfrm>
+          <a:off x="0" y="0"/>
+          <a:ext cx="0" cy="0"/>
+          <a:chOff x="0" y="0"/>
+          <a:chExt cx="0" cy="0"/>
+        </a:xfrm>
+      </p:grpSpPr>
+      <p:sp>
+        <p:nvSpPr>
+          <p:cNvPr id="2" name="Title 1">
+            <a:extLst>
+              <a:ext uri="{FF2B5EF4-FFF2-40B4-BE49-F238E27FC236}">
+                <a16:creationId xmlns:a16="http://schemas.microsoft.com/office/drawing/2014/main" id="{AF708F16-5DBC-4B6A-8DFC-6213EECAA9C2}"/>
+              </a:ext>
+            </a:extLst>
+          </p:cNvPr>
+          <p:cNvSpPr>
+            <a:spLocks noGrp="1"/>
+          </p:cNvSpPr>
+          <p:nvPr>
+            <p:ph type="title"/>
+          </p:nvPr>
+        </p:nvSpPr>
+        <p:spPr/>
+        <p:txBody>
+          <a:bodyPr/>
+          <a:lstStyle/>
+          <a:p>
+            <a:r>
+              <a:rPr lang="en-US" dirty="0"/>
+              <a:t>AKS nodes</a:t>
+            </a:r>
+          </a:p>
+        </p:txBody>
+      </p:sp>
+      <p:sp>
+        <p:nvSpPr>
+          <p:cNvPr id="3" name="Text Placeholder 2">
+            <a:extLst>
+              <a:ext uri="{FF2B5EF4-FFF2-40B4-BE49-F238E27FC236}">
+                <a16:creationId xmlns:a16="http://schemas.microsoft.com/office/drawing/2014/main" id="{EC7572EA-1EAB-40E7-BB72-53988D9C2321}"/>
+              </a:ext>
+            </a:extLst>
+          </p:cNvPr>
+          <p:cNvSpPr>
+            <a:spLocks noGrp="1"/>
+          </p:cNvSpPr>
+          <p:nvPr>
+            <p:ph type="body" idx="1"/>
+          </p:nvPr>
+        </p:nvSpPr>
+        <p:spPr/>
+        <p:txBody>
+          <a:bodyPr/>
+          <a:lstStyle/>
+          <a:p>
+            <a:endParaRPr lang="en-US" dirty="0"/>
+          </a:p>
+          <a:p>
+            <a:endParaRPr lang="en-US" dirty="0"/>
+          </a:p>
+        </p:txBody>
+      </p:sp>
+      <p:pic>
+        <p:nvPicPr>
+          <p:cNvPr id="4" name="Google Shape;56;p13">
+            <a:extLst>
+              <a:ext uri="{FF2B5EF4-FFF2-40B4-BE49-F238E27FC236}">
+                <a16:creationId xmlns:a16="http://schemas.microsoft.com/office/drawing/2014/main" id="{5DC2FED0-7C5F-460C-998D-2520FD324176}"/>
+              </a:ext>
+            </a:extLst>
+          </p:cNvPr>
+          <p:cNvPicPr preferRelativeResize="0"/>
+          <p:nvPr/>
+        </p:nvPicPr>
+        <p:blipFill>
+          <a:blip r:embed="rId3">
+            <a:alphaModFix/>
+          </a:blip>
+          <a:stretch>
+            <a:fillRect/>
+          </a:stretch>
+        </p:blipFill>
+        <p:spPr>
+          <a:xfrm>
+            <a:off x="10989179" y="5736492"/>
+            <a:ext cx="1202821" cy="1121508"/>
+          </a:xfrm>
+          <a:prstGeom prst="rect">
+            <a:avLst/>
+          </a:prstGeom>
+          <a:noFill/>
+          <a:ln>
+            <a:noFill/>
+          </a:ln>
+        </p:spPr>
+      </p:pic>
+      <p:pic>
+        <p:nvPicPr>
+          <p:cNvPr id="6" name="Picture 5">
+            <a:extLst>
+              <a:ext uri="{FF2B5EF4-FFF2-40B4-BE49-F238E27FC236}">
+                <a16:creationId xmlns:a16="http://schemas.microsoft.com/office/drawing/2014/main" id="{562789FC-24E6-41E1-B839-308F71066FC1}"/>
+              </a:ext>
+            </a:extLst>
+          </p:cNvPr>
+          <p:cNvPicPr>
+            <a:picLocks noChangeAspect="1"/>
+          </p:cNvPicPr>
+          <p:nvPr/>
+        </p:nvPicPr>
+        <p:blipFill>
+          <a:blip r:embed="rId4"/>
+          <a:stretch>
+            <a:fillRect/>
+          </a:stretch>
+        </p:blipFill>
+        <p:spPr>
+          <a:xfrm>
+            <a:off x="10765535" y="469734"/>
+            <a:ext cx="1010865" cy="1010865"/>
+          </a:xfrm>
+          <a:prstGeom prst="rect">
+            <a:avLst/>
+          </a:prstGeom>
+        </p:spPr>
+      </p:pic>
+      <p:sp>
+        <p:nvSpPr>
+          <p:cNvPr id="8" name="TextBox 7">
+            <a:extLst>
+              <a:ext uri="{FF2B5EF4-FFF2-40B4-BE49-F238E27FC236}">
+                <a16:creationId xmlns:a16="http://schemas.microsoft.com/office/drawing/2014/main" id="{141E9EAF-1317-4910-9931-50E6F3EB5ADD}"/>
+              </a:ext>
+            </a:extLst>
+          </p:cNvPr>
+          <p:cNvSpPr txBox="1"/>
+          <p:nvPr/>
+        </p:nvSpPr>
+        <p:spPr>
+          <a:xfrm>
+            <a:off x="1998922" y="6417317"/>
+            <a:ext cx="7090852" cy="369332"/>
+          </a:xfrm>
+          <a:prstGeom prst="rect">
+            <a:avLst/>
+          </a:prstGeom>
+          <a:noFill/>
+        </p:spPr>
+        <p:txBody>
+          <a:bodyPr wrap="none" rtlCol="0">
+            <a:spAutoFit/>
+          </a:bodyPr>
+          <a:lstStyle/>
+          <a:p>
+            <a:r>
+              <a:rPr lang="en-US" dirty="0">
+                <a:hlinkClick r:id="rId5"/>
+              </a:rPr>
+              <a:t>https://docs.microsoft.com/en-us/azure/aks/concepts-clusters-workloads</a:t>
+            </a:r>
+            <a:r>
+              <a:rPr lang="en-US" dirty="0"/>
+              <a:t> </a:t>
+            </a:r>
+          </a:p>
+        </p:txBody>
+      </p:sp>
+      <p:pic>
+        <p:nvPicPr>
+          <p:cNvPr id="9" name="Picture 8" descr="Diagram&#10;&#10;Description automatically generated">
+            <a:extLst>
+              <a:ext uri="{FF2B5EF4-FFF2-40B4-BE49-F238E27FC236}">
+                <a16:creationId xmlns:a16="http://schemas.microsoft.com/office/drawing/2014/main" id="{56E5BFE9-BD0C-4C89-AFA2-105B32E16CF7}"/>
+              </a:ext>
+            </a:extLst>
+          </p:cNvPr>
+          <p:cNvPicPr>
+            <a:picLocks noChangeAspect="1"/>
+          </p:cNvPicPr>
+          <p:nvPr/>
+        </p:nvPicPr>
+        <p:blipFill>
+          <a:blip r:embed="rId6">
+            <a:extLst>
+              <a:ext uri="{28A0092B-C50C-407E-A947-70E740481C1C}">
+                <a14:useLocalDpi xmlns:a14="http://schemas.microsoft.com/office/drawing/2010/main" val="0"/>
+              </a:ext>
+            </a:extLst>
+          </a:blip>
+          <a:stretch>
+            <a:fillRect/>
+          </a:stretch>
+        </p:blipFill>
+        <p:spPr>
+          <a:xfrm>
+            <a:off x="1220802" y="2503857"/>
+            <a:ext cx="9018808" cy="2121307"/>
+          </a:xfrm>
+          <a:prstGeom prst="rect">
+            <a:avLst/>
+          </a:prstGeom>
+        </p:spPr>
+      </p:pic>
+    </p:spTree>
+    <p:extLst>
+      <p:ext uri="{BB962C8B-B14F-4D97-AF65-F5344CB8AC3E}">
+        <p14:creationId xmlns:p14="http://schemas.microsoft.com/office/powerpoint/2010/main" val="3603823137"/>
+      </p:ext>
+    </p:extLst>
+  </p:cSld>
+  <p:clrMapOvr>
+    <a:masterClrMapping/>
+  </p:clrMapOvr>
+</p:sld>
+</file>
+
+<file path=ppt/slides/slide18.xml><?xml version="1.0" encoding="utf-8"?>
+<p:sld xmlns:a="http://schemas.openxmlformats.org/drawingml/2006/main" xmlns:r="http://schemas.openxmlformats.org/officeDocument/2006/relationships" xmlns:p="http://schemas.openxmlformats.org/presentationml/2006/main">
+  <p:cSld>
+    <p:spTree>
+      <p:nvGrpSpPr>
+        <p:cNvPr id="1" name=""/>
+        <p:cNvGrpSpPr/>
+        <p:nvPr/>
+      </p:nvGrpSpPr>
+      <p:grpSpPr>
+        <a:xfrm>
+          <a:off x="0" y="0"/>
+          <a:ext cx="0" cy="0"/>
+          <a:chOff x="0" y="0"/>
+          <a:chExt cx="0" cy="0"/>
+        </a:xfrm>
+      </p:grpSpPr>
+      <p:sp>
+        <p:nvSpPr>
+          <p:cNvPr id="2" name="Title 1">
+            <a:extLst>
+              <a:ext uri="{FF2B5EF4-FFF2-40B4-BE49-F238E27FC236}">
+                <a16:creationId xmlns:a16="http://schemas.microsoft.com/office/drawing/2014/main" id="{AF708F16-5DBC-4B6A-8DFC-6213EECAA9C2}"/>
+              </a:ext>
+            </a:extLst>
+          </p:cNvPr>
+          <p:cNvSpPr>
+            <a:spLocks noGrp="1"/>
+          </p:cNvSpPr>
+          <p:nvPr>
+            <p:ph type="title"/>
+          </p:nvPr>
+        </p:nvSpPr>
+        <p:spPr/>
+        <p:txBody>
+          <a:bodyPr/>
+          <a:lstStyle/>
+          <a:p>
+            <a:r>
+              <a:rPr lang="en-US" dirty="0"/>
+              <a:t>AKS scaling options</a:t>
+            </a:r>
+          </a:p>
+        </p:txBody>
+      </p:sp>
+      <p:pic>
+        <p:nvPicPr>
+          <p:cNvPr id="4" name="Google Shape;56;p13">
+            <a:extLst>
+              <a:ext uri="{FF2B5EF4-FFF2-40B4-BE49-F238E27FC236}">
+                <a16:creationId xmlns:a16="http://schemas.microsoft.com/office/drawing/2014/main" id="{5DC2FED0-7C5F-460C-998D-2520FD324176}"/>
+              </a:ext>
+            </a:extLst>
+          </p:cNvPr>
+          <p:cNvPicPr preferRelativeResize="0"/>
+          <p:nvPr/>
+        </p:nvPicPr>
+        <p:blipFill>
+          <a:blip r:embed="rId3">
+            <a:alphaModFix/>
+          </a:blip>
+          <a:stretch>
+            <a:fillRect/>
+          </a:stretch>
+        </p:blipFill>
+        <p:spPr>
+          <a:xfrm>
+            <a:off x="10989179" y="5736492"/>
+            <a:ext cx="1202821" cy="1121508"/>
+          </a:xfrm>
+          <a:prstGeom prst="rect">
+            <a:avLst/>
+          </a:prstGeom>
+          <a:noFill/>
+          <a:ln>
+            <a:noFill/>
+          </a:ln>
+        </p:spPr>
+      </p:pic>
+      <p:pic>
+        <p:nvPicPr>
+          <p:cNvPr id="6" name="Picture 5">
+            <a:extLst>
+              <a:ext uri="{FF2B5EF4-FFF2-40B4-BE49-F238E27FC236}">
+                <a16:creationId xmlns:a16="http://schemas.microsoft.com/office/drawing/2014/main" id="{562789FC-24E6-41E1-B839-308F71066FC1}"/>
+              </a:ext>
+            </a:extLst>
+          </p:cNvPr>
+          <p:cNvPicPr>
+            <a:picLocks noChangeAspect="1"/>
+          </p:cNvPicPr>
+          <p:nvPr/>
+        </p:nvPicPr>
+        <p:blipFill>
+          <a:blip r:embed="rId4"/>
+          <a:stretch>
+            <a:fillRect/>
+          </a:stretch>
+        </p:blipFill>
+        <p:spPr>
+          <a:xfrm>
+            <a:off x="10765535" y="469734"/>
+            <a:ext cx="1010865" cy="1010865"/>
+          </a:xfrm>
+          <a:prstGeom prst="rect">
+            <a:avLst/>
+          </a:prstGeom>
+        </p:spPr>
+      </p:pic>
+      <p:sp>
+        <p:nvSpPr>
+          <p:cNvPr id="8" name="TextBox 7">
+            <a:extLst>
+              <a:ext uri="{FF2B5EF4-FFF2-40B4-BE49-F238E27FC236}">
+                <a16:creationId xmlns:a16="http://schemas.microsoft.com/office/drawing/2014/main" id="{141E9EAF-1317-4910-9931-50E6F3EB5ADD}"/>
+              </a:ext>
+            </a:extLst>
+          </p:cNvPr>
+          <p:cNvSpPr txBox="1"/>
+          <p:nvPr/>
+        </p:nvSpPr>
+        <p:spPr>
+          <a:xfrm>
+            <a:off x="1998922" y="6417317"/>
+            <a:ext cx="5803255" cy="369332"/>
+          </a:xfrm>
+          <a:prstGeom prst="rect">
+            <a:avLst/>
+          </a:prstGeom>
+          <a:noFill/>
+        </p:spPr>
+        <p:txBody>
+          <a:bodyPr wrap="none" rtlCol="0">
+            <a:spAutoFit/>
+          </a:bodyPr>
+          <a:lstStyle/>
+          <a:p>
+            <a:r>
+              <a:rPr lang="en-US" dirty="0">
+                <a:hlinkClick r:id="rId5"/>
+              </a:rPr>
+              <a:t>https://docs.microsoft.com/en-us/azure/aks/concepts-scale</a:t>
+            </a:r>
+            <a:r>
+              <a:rPr lang="en-US" dirty="0"/>
+              <a:t> </a:t>
+            </a:r>
+          </a:p>
+        </p:txBody>
+      </p:sp>
+      <p:sp>
+        <p:nvSpPr>
+          <p:cNvPr id="7" name="Text Placeholder 6">
+            <a:extLst>
+              <a:ext uri="{FF2B5EF4-FFF2-40B4-BE49-F238E27FC236}">
+                <a16:creationId xmlns:a16="http://schemas.microsoft.com/office/drawing/2014/main" id="{0D0F8760-17D9-4B3B-A9AC-7DDF5DA441E8}"/>
+              </a:ext>
+            </a:extLst>
+          </p:cNvPr>
+          <p:cNvSpPr>
+            <a:spLocks noGrp="1"/>
+          </p:cNvSpPr>
+          <p:nvPr>
+            <p:ph type="body" idx="1"/>
+          </p:nvPr>
+        </p:nvSpPr>
+        <p:spPr/>
+        <p:txBody>
+          <a:bodyPr/>
+          <a:lstStyle/>
+          <a:p>
+            <a:r>
+              <a:rPr lang="en-US" dirty="0"/>
+              <a:t>Manually scale pods or nodes</a:t>
+            </a:r>
+          </a:p>
+          <a:p>
+            <a:pPr marL="152396" indent="0">
+              <a:buNone/>
+            </a:pPr>
+            <a:endParaRPr lang="en-US" dirty="0"/>
+          </a:p>
+          <a:p>
+            <a:r>
+              <a:rPr lang="en-US" dirty="0"/>
+              <a:t>Horizontal pod </a:t>
+            </a:r>
+            <a:r>
+              <a:rPr lang="en-US" dirty="0" err="1"/>
+              <a:t>autoscaler</a:t>
+            </a:r>
+            <a:endParaRPr lang="en-US" dirty="0"/>
+          </a:p>
+          <a:p>
+            <a:endParaRPr lang="en-US" dirty="0"/>
+          </a:p>
+          <a:p>
+            <a:endParaRPr lang="en-US" dirty="0"/>
+          </a:p>
+          <a:p>
+            <a:pPr marL="152396" indent="0">
+              <a:buNone/>
+            </a:pPr>
+            <a:endParaRPr lang="en-US" dirty="0"/>
+          </a:p>
+          <a:p>
+            <a:r>
+              <a:rPr lang="en-US" dirty="0"/>
+              <a:t>Cluster </a:t>
+            </a:r>
+            <a:r>
+              <a:rPr lang="en-US" dirty="0" err="1"/>
+              <a:t>autoscaler</a:t>
+            </a:r>
+            <a:endParaRPr lang="en-US" dirty="0"/>
+          </a:p>
+        </p:txBody>
+      </p:sp>
+      <p:pic>
+        <p:nvPicPr>
+          <p:cNvPr id="12" name="Picture 11" descr="Timeline&#10;&#10;Description automatically generated">
+            <a:extLst>
+              <a:ext uri="{FF2B5EF4-FFF2-40B4-BE49-F238E27FC236}">
+                <a16:creationId xmlns:a16="http://schemas.microsoft.com/office/drawing/2014/main" id="{D798EEAB-823C-43EF-938B-858BC023853C}"/>
+              </a:ext>
+            </a:extLst>
+          </p:cNvPr>
+          <p:cNvPicPr>
+            <a:picLocks noChangeAspect="1"/>
+          </p:cNvPicPr>
+          <p:nvPr/>
+        </p:nvPicPr>
+        <p:blipFill>
+          <a:blip r:embed="rId6">
+            <a:extLst>
+              <a:ext uri="{28A0092B-C50C-407E-A947-70E740481C1C}">
+                <a14:useLocalDpi xmlns:a14="http://schemas.microsoft.com/office/drawing/2010/main" val="0"/>
+              </a:ext>
+            </a:extLst>
+          </a:blip>
+          <a:stretch>
+            <a:fillRect/>
+          </a:stretch>
+        </p:blipFill>
+        <p:spPr>
+          <a:xfrm>
+            <a:off x="5903221" y="4155413"/>
+            <a:ext cx="4157826" cy="2191419"/>
+          </a:xfrm>
+          <a:prstGeom prst="rect">
+            <a:avLst/>
+          </a:prstGeom>
+        </p:spPr>
+      </p:pic>
+      <p:pic>
+        <p:nvPicPr>
+          <p:cNvPr id="14" name="Picture 13" descr="Timeline&#10;&#10;Description automatically generated">
+            <a:extLst>
+              <a:ext uri="{FF2B5EF4-FFF2-40B4-BE49-F238E27FC236}">
+                <a16:creationId xmlns:a16="http://schemas.microsoft.com/office/drawing/2014/main" id="{FDD2CCE9-90DD-4BC7-856F-22F1A222C42E}"/>
+              </a:ext>
+            </a:extLst>
+          </p:cNvPr>
+          <p:cNvPicPr>
+            <a:picLocks noChangeAspect="1"/>
+          </p:cNvPicPr>
+          <p:nvPr/>
+        </p:nvPicPr>
+        <p:blipFill>
+          <a:blip r:embed="rId7">
+            <a:extLst>
+              <a:ext uri="{28A0092B-C50C-407E-A947-70E740481C1C}">
+                <a14:useLocalDpi xmlns:a14="http://schemas.microsoft.com/office/drawing/2010/main" val="0"/>
+              </a:ext>
+            </a:extLst>
+          </a:blip>
+          <a:stretch>
+            <a:fillRect/>
+          </a:stretch>
+        </p:blipFill>
+        <p:spPr>
+          <a:xfrm>
+            <a:off x="5903221" y="2275314"/>
+            <a:ext cx="4048125" cy="1676400"/>
+          </a:xfrm>
+          <a:prstGeom prst="rect">
+            <a:avLst/>
+          </a:prstGeom>
+        </p:spPr>
+      </p:pic>
+    </p:spTree>
+    <p:extLst>
+      <p:ext uri="{BB962C8B-B14F-4D97-AF65-F5344CB8AC3E}">
+        <p14:creationId xmlns:p14="http://schemas.microsoft.com/office/powerpoint/2010/main" val="4178526300"/>
       </p:ext>
     </p:extLst>
   </p:cSld>
@@ -5975,11 +8870,8 @@
             </a:pPr>
             <a:r>
               <a:rPr lang="en-US" dirty="0"/>
-              <a:t>I don’t have moderator</a:t>
-            </a:r>
-            <a:endParaRPr lang="en-US" dirty="0">
-              <a:sym typeface="Wingdings" panose="05000000000000000000" pitchFamily="2" charset="2"/>
-            </a:endParaRPr>
+              <a:t>Mix of slides and labs</a:t>
+            </a:r>
           </a:p>
           <a:p>
             <a:pPr marL="380990" indent="-380990">
@@ -5988,24 +8880,52 @@
               </a:spcAft>
             </a:pPr>
             <a:r>
+              <a:rPr lang="en-US" dirty="0"/>
+              <a:t>I don’t have moderator</a:t>
+            </a:r>
+            <a:endParaRPr lang="en-US" dirty="0">
+              <a:sym typeface="Wingdings" panose="05000000000000000000" pitchFamily="2" charset="2"/>
+            </a:endParaRPr>
+          </a:p>
+          <a:p>
+            <a:pPr marL="380990" indent="-380990">
+              <a:spcAft>
+                <a:spcPts val="2133"/>
+              </a:spcAft>
+            </a:pPr>
+            <a:r>
               <a:rPr lang="en-US" dirty="0">
                 <a:sym typeface="Wingdings" panose="05000000000000000000" pitchFamily="2" charset="2"/>
               </a:rPr>
-              <a:t>Let’s help each other, the one who finished </a:t>
-            </a:r>
-            <a:r>
-              <a:rPr lang="en-US" dirty="0" err="1">
-                <a:sym typeface="Wingdings" panose="05000000000000000000" pitchFamily="2" charset="2"/>
-              </a:rPr>
-              <a:t>ealier</a:t>
-            </a:r>
+              <a:t>Let’s help each other, the one who finished earlier can help others</a:t>
+            </a:r>
+          </a:p>
+          <a:p>
+            <a:pPr marL="380990" indent="-380990">
+              <a:spcAft>
+                <a:spcPts val="2133"/>
+              </a:spcAft>
+            </a:pPr>
             <a:r>
               <a:rPr lang="en-US" dirty="0">
                 <a:sym typeface="Wingdings" panose="05000000000000000000" pitchFamily="2" charset="2"/>
               </a:rPr>
-              <a:t> can help others</a:t>
+              <a:t>Keep the same names as in labs -&gt; easier to troubleshot </a:t>
             </a:r>
             <a:endParaRPr lang="en-US" dirty="0"/>
+          </a:p>
+          <a:p>
+            <a:pPr marL="380990" indent="-380990">
+              <a:spcAft>
+                <a:spcPts val="2133"/>
+              </a:spcAft>
+            </a:pPr>
+            <a:r>
+              <a:rPr lang="en-US" dirty="0">
+                <a:sym typeface="Wingdings" panose="05000000000000000000" pitchFamily="2" charset="2"/>
+              </a:rPr>
+              <a:t>Share your screen if you stack with something</a:t>
+            </a:r>
           </a:p>
           <a:p>
             <a:pPr marL="380990" indent="-380990">
@@ -6171,7 +9091,7 @@
             </a:pPr>
             <a:r>
               <a:rPr lang="en-US" dirty="0"/>
-              <a:t>Feel free to use Video</a:t>
+              <a:t>Feel free to use video</a:t>
             </a:r>
           </a:p>
           <a:p>
@@ -6193,7 +9113,7 @@
             </a:pPr>
             <a:r>
               <a:rPr lang="en-US" dirty="0"/>
-              <a:t>Conversation</a:t>
+              <a:t>Conversation/chat</a:t>
             </a:r>
           </a:p>
           <a:p>
@@ -6252,7 +9172,7 @@
         </p:blipFill>
         <p:spPr>
           <a:xfrm>
-            <a:off x="3008666" y="3813843"/>
+            <a:off x="3696563" y="3428999"/>
             <a:ext cx="3637396" cy="819045"/>
           </a:xfrm>
           <a:prstGeom prst="rect">
@@ -6282,7 +9202,7 @@
         </p:blipFill>
         <p:spPr>
           <a:xfrm>
-            <a:off x="3103628" y="5772385"/>
+            <a:off x="3028127" y="5321367"/>
             <a:ext cx="3447472" cy="702531"/>
           </a:xfrm>
           <a:prstGeom prst="rect">
@@ -6346,7 +9266,7 @@
         </p:blipFill>
         <p:spPr>
           <a:xfrm>
-            <a:off x="7513293" y="3044156"/>
+            <a:off x="7521682" y="2482032"/>
             <a:ext cx="4320914" cy="769687"/>
           </a:xfrm>
           <a:prstGeom prst="rect">
@@ -6449,7 +9369,15 @@
             </a:pPr>
             <a:r>
               <a:rPr lang="en-US" dirty="0"/>
-              <a:t>Each lab is time-boxed</a:t>
+              <a:t>Each lab is time-boxed (</a:t>
+            </a:r>
+            <a:r>
+              <a:rPr lang="en-US" dirty="0" err="1"/>
+              <a:t>ish</a:t>
+            </a:r>
+            <a:r>
+              <a:rPr lang="en-US" dirty="0"/>
+              <a:t>…)</a:t>
             </a:r>
           </a:p>
           <a:p>
@@ -6502,13 +9430,19 @@
             </a:pPr>
             <a:r>
               <a:rPr lang="en-US" dirty="0"/>
-              <a:t>Feel free to contribute to the labs content. Fix gramma, typos</a:t>
-            </a:r>
-            <a:r>
-              <a:rPr lang="en-US"/>
-              <a:t>, wrong commands </a:t>
-            </a:r>
-            <a:endParaRPr lang="en-US" dirty="0"/>
+              <a:t>Feel free to contribute to the labs content by fixing gramma, typos, wrong commands etc..</a:t>
+            </a:r>
+          </a:p>
+          <a:p>
+            <a:pPr marL="380990" indent="-380990">
+              <a:spcAft>
+                <a:spcPts val="2133"/>
+              </a:spcAft>
+            </a:pPr>
+            <a:r>
+              <a:rPr lang="en-US" dirty="0"/>
+              <a:t>Feel free to comment on each lab  </a:t>
+            </a:r>
           </a:p>
         </p:txBody>
       </p:sp>
@@ -6518,6 +9452,398 @@
             <a:extLst>
               <a:ext uri="{FF2B5EF4-FFF2-40B4-BE49-F238E27FC236}">
                 <a16:creationId xmlns:a16="http://schemas.microsoft.com/office/drawing/2014/main" id="{81B3B5C5-01A2-434D-A011-DC806F05B875}"/>
+              </a:ext>
+            </a:extLst>
+          </p:cNvPr>
+          <p:cNvPicPr preferRelativeResize="0"/>
+          <p:nvPr/>
+        </p:nvPicPr>
+        <p:blipFill>
+          <a:blip r:embed="rId3">
+            <a:alphaModFix/>
+          </a:blip>
+          <a:stretch>
+            <a:fillRect/>
+          </a:stretch>
+        </p:blipFill>
+        <p:spPr>
+          <a:xfrm>
+            <a:off x="10989179" y="5736492"/>
+            <a:ext cx="1202821" cy="1121508"/>
+          </a:xfrm>
+          <a:prstGeom prst="rect">
+            <a:avLst/>
+          </a:prstGeom>
+          <a:noFill/>
+          <a:ln>
+            <a:noFill/>
+          </a:ln>
+        </p:spPr>
+      </p:pic>
+      <p:pic>
+        <p:nvPicPr>
+          <p:cNvPr id="7" name="Picture 6">
+            <a:extLst>
+              <a:ext uri="{FF2B5EF4-FFF2-40B4-BE49-F238E27FC236}">
+                <a16:creationId xmlns:a16="http://schemas.microsoft.com/office/drawing/2014/main" id="{E7BDC0C7-9E31-40D3-BDD6-1ADA514B463B}"/>
+              </a:ext>
+            </a:extLst>
+          </p:cNvPr>
+          <p:cNvPicPr>
+            <a:picLocks noChangeAspect="1"/>
+          </p:cNvPicPr>
+          <p:nvPr/>
+        </p:nvPicPr>
+        <p:blipFill>
+          <a:blip r:embed="rId4"/>
+          <a:stretch>
+            <a:fillRect/>
+          </a:stretch>
+        </p:blipFill>
+        <p:spPr>
+          <a:xfrm>
+            <a:off x="5948218" y="5478535"/>
+            <a:ext cx="3897978" cy="1226595"/>
+          </a:xfrm>
+          <a:prstGeom prst="rect">
+            <a:avLst/>
+          </a:prstGeom>
+        </p:spPr>
+      </p:pic>
+    </p:spTree>
+    <p:extLst>
+      <p:ext uri="{BB962C8B-B14F-4D97-AF65-F5344CB8AC3E}">
+        <p14:creationId xmlns:p14="http://schemas.microsoft.com/office/powerpoint/2010/main" val="1022140202"/>
+      </p:ext>
+    </p:extLst>
+  </p:cSld>
+  <p:clrMapOvr>
+    <a:masterClrMapping/>
+  </p:clrMapOvr>
+</p:sld>
+</file>
+
+<file path=ppt/slides/slide6.xml><?xml version="1.0" encoding="utf-8"?>
+<p:sld xmlns:a="http://schemas.openxmlformats.org/drawingml/2006/main" xmlns:r="http://schemas.openxmlformats.org/officeDocument/2006/relationships" xmlns:p="http://schemas.openxmlformats.org/presentationml/2006/main">
+  <p:cSld>
+    <p:spTree>
+      <p:nvGrpSpPr>
+        <p:cNvPr id="1" name="Shape 60"/>
+        <p:cNvGrpSpPr/>
+        <p:nvPr/>
+      </p:nvGrpSpPr>
+      <p:grpSpPr>
+        <a:xfrm>
+          <a:off x="0" y="0"/>
+          <a:ext cx="0" cy="0"/>
+          <a:chOff x="0" y="0"/>
+          <a:chExt cx="0" cy="0"/>
+        </a:xfrm>
+      </p:grpSpPr>
+      <p:sp>
+        <p:nvSpPr>
+          <p:cNvPr id="61" name="Google Shape;61;p14"/>
+          <p:cNvSpPr txBox="1">
+            <a:spLocks noGrp="1"/>
+          </p:cNvSpPr>
+          <p:nvPr>
+            <p:ph type="title"/>
+          </p:nvPr>
+        </p:nvSpPr>
+        <p:spPr>
+          <a:xfrm>
+            <a:off x="415600" y="593367"/>
+            <a:ext cx="11360800" cy="763600"/>
+          </a:xfrm>
+          <a:prstGeom prst="rect">
+            <a:avLst/>
+          </a:prstGeom>
+        </p:spPr>
+        <p:txBody>
+          <a:bodyPr spcFirstLastPara="1" vert="horz" wrap="square" lIns="121900" tIns="121900" rIns="121900" bIns="121900" rtlCol="0" anchor="t" anchorCtr="0">
+            <a:noAutofit/>
+          </a:bodyPr>
+          <a:lstStyle/>
+          <a:p>
+            <a:r>
+              <a:rPr lang="en" dirty="0"/>
+              <a:t>Workshop agenda</a:t>
+            </a:r>
+            <a:endParaRPr dirty="0"/>
+          </a:p>
+        </p:txBody>
+      </p:sp>
+      <p:sp>
+        <p:nvSpPr>
+          <p:cNvPr id="62" name="Google Shape;62;p14"/>
+          <p:cNvSpPr txBox="1">
+            <a:spLocks noGrp="1"/>
+          </p:cNvSpPr>
+          <p:nvPr>
+            <p:ph type="body" idx="1"/>
+          </p:nvPr>
+        </p:nvSpPr>
+        <p:spPr>
+          <a:xfrm>
+            <a:off x="415600" y="1536633"/>
+            <a:ext cx="11360800" cy="4555200"/>
+          </a:xfrm>
+          <a:prstGeom prst="rect">
+            <a:avLst/>
+          </a:prstGeom>
+        </p:spPr>
+        <p:txBody>
+          <a:bodyPr spcFirstLastPara="1" vert="horz" wrap="square" lIns="121900" tIns="121900" rIns="121900" bIns="121900" rtlCol="0" anchor="t" anchorCtr="0">
+            <a:noAutofit/>
+          </a:bodyPr>
+          <a:lstStyle/>
+          <a:p>
+            <a:pPr marL="171450" indent="-171450">
+              <a:spcAft>
+                <a:spcPts val="600"/>
+              </a:spcAft>
+            </a:pPr>
+            <a:r>
+              <a:rPr lang="en-US" sz="1400" dirty="0"/>
+              <a:t> Slides - Kubernetes and AKS introduction (10 min)</a:t>
+            </a:r>
+          </a:p>
+          <a:p>
+            <a:pPr marL="171450" indent="-171450">
+              <a:spcAft>
+                <a:spcPts val="600"/>
+              </a:spcAft>
+            </a:pPr>
+            <a:r>
+              <a:rPr lang="en-US" sz="1400" dirty="0"/>
+              <a:t> Lab-01 - AKS setup (15 min)</a:t>
+            </a:r>
+          </a:p>
+          <a:p>
+            <a:pPr marL="171450" indent="-171450">
+              <a:spcAft>
+                <a:spcPts val="600"/>
+              </a:spcAft>
+            </a:pPr>
+            <a:r>
+              <a:rPr lang="en-US" sz="1400" dirty="0"/>
+              <a:t> Lab-02 - setting up you shell for better AKS/</a:t>
+            </a:r>
+            <a:r>
+              <a:rPr lang="en-US" sz="1400" dirty="0" err="1"/>
+              <a:t>kubectl</a:t>
+            </a:r>
+            <a:r>
+              <a:rPr lang="en-US" sz="1400" dirty="0"/>
+              <a:t> experience (15 min)</a:t>
+            </a:r>
+          </a:p>
+          <a:p>
+            <a:pPr marL="171450" indent="-171450">
+              <a:spcAft>
+                <a:spcPts val="600"/>
+              </a:spcAft>
+            </a:pPr>
+            <a:r>
+              <a:rPr lang="en-US" sz="1400" dirty="0"/>
+              <a:t> Slides - Introduce our "guinea pig" app (10 min)</a:t>
+            </a:r>
+          </a:p>
+          <a:p>
+            <a:pPr marL="171450" indent="-171450">
+              <a:spcAft>
+                <a:spcPts val="600"/>
+              </a:spcAft>
+            </a:pPr>
+            <a:r>
+              <a:rPr lang="en-US" sz="1400" dirty="0"/>
+              <a:t> Lab-03 - Containerizing your application (15 min)</a:t>
+            </a:r>
+          </a:p>
+          <a:p>
+            <a:pPr marL="171450" indent="-171450">
+              <a:spcAft>
+                <a:spcPts val="600"/>
+              </a:spcAft>
+            </a:pPr>
+            <a:r>
+              <a:rPr lang="en-US" sz="1400" dirty="0"/>
+              <a:t>Pause</a:t>
+            </a:r>
+          </a:p>
+          <a:p>
+            <a:pPr marL="171450" indent="-171450">
+              <a:spcAft>
+                <a:spcPts val="600"/>
+              </a:spcAft>
+            </a:pPr>
+            <a:r>
+              <a:rPr lang="en-US" sz="1400" dirty="0"/>
+              <a:t> Slides - Pods, Namespaces (10 min)</a:t>
+            </a:r>
+          </a:p>
+          <a:p>
+            <a:pPr marL="171450" indent="-171450">
+              <a:spcAft>
+                <a:spcPts val="600"/>
+              </a:spcAft>
+            </a:pPr>
+            <a:r>
+              <a:rPr lang="en-US" sz="1400" dirty="0"/>
+              <a:t> Lab-04 - Creating, managing and testing pods (15 min)</a:t>
+            </a:r>
+          </a:p>
+          <a:p>
+            <a:pPr marL="171450" indent="-171450">
+              <a:spcAft>
+                <a:spcPts val="600"/>
+              </a:spcAft>
+            </a:pPr>
+            <a:r>
+              <a:rPr lang="en-US" sz="1400" dirty="0"/>
+              <a:t> Slides - Readiness and Liveness probes (15 min)</a:t>
+            </a:r>
+          </a:p>
+          <a:p>
+            <a:pPr marL="171450" indent="-171450">
+              <a:spcAft>
+                <a:spcPts val="600"/>
+              </a:spcAft>
+            </a:pPr>
+            <a:r>
+              <a:rPr lang="en-US" sz="1400" dirty="0"/>
+              <a:t> Lab-05 - Readiness and Liveness probes (15 min)</a:t>
+            </a:r>
+          </a:p>
+          <a:p>
+            <a:pPr marL="171450" indent="-171450">
+              <a:spcAft>
+                <a:spcPts val="600"/>
+              </a:spcAft>
+            </a:pPr>
+            <a:r>
+              <a:rPr lang="en-US" sz="1400" dirty="0"/>
+              <a:t> Slides - Deployments (5 min)</a:t>
+            </a:r>
+          </a:p>
+          <a:p>
+            <a:pPr marL="171450" indent="-171450">
+              <a:spcAft>
+                <a:spcPts val="600"/>
+              </a:spcAft>
+            </a:pPr>
+            <a:r>
+              <a:rPr lang="en-US" sz="1400" dirty="0"/>
+              <a:t> Lab-06 - Deployments (15 min)</a:t>
+            </a:r>
+          </a:p>
+          <a:p>
+            <a:pPr marL="171450" indent="-171450">
+              <a:spcAft>
+                <a:spcPts val="600"/>
+              </a:spcAft>
+            </a:pPr>
+            <a:r>
+              <a:rPr lang="en-US" sz="1400" dirty="0"/>
+              <a:t>Pause</a:t>
+            </a:r>
+          </a:p>
+          <a:p>
+            <a:pPr marL="171450" indent="-171450">
+              <a:spcAft>
+                <a:spcPts val="600"/>
+              </a:spcAft>
+            </a:pPr>
+            <a:r>
+              <a:rPr lang="en-US" sz="1400" dirty="0"/>
+              <a:t> Slides - Services, Labels, Selectors (10 min)</a:t>
+            </a:r>
+          </a:p>
+          <a:p>
+            <a:pPr marL="171450" indent="-171450">
+              <a:spcAft>
+                <a:spcPts val="600"/>
+              </a:spcAft>
+            </a:pPr>
+            <a:r>
+              <a:rPr lang="en-US" sz="1400" dirty="0"/>
+              <a:t> Lab-07 - Creating and Managing Services (15 min)</a:t>
+            </a:r>
+          </a:p>
+          <a:p>
+            <a:pPr marL="171450" indent="-171450">
+              <a:spcAft>
+                <a:spcPts val="600"/>
+              </a:spcAft>
+            </a:pPr>
+            <a:r>
+              <a:rPr lang="en-US" sz="1400" dirty="0"/>
+              <a:t> Slides - </a:t>
+            </a:r>
+            <a:r>
+              <a:rPr lang="en-US" sz="1400" dirty="0" err="1"/>
+              <a:t>Configmaps</a:t>
+            </a:r>
+            <a:r>
+              <a:rPr lang="en-US" sz="1400" dirty="0"/>
+              <a:t> and secrets (5 min)</a:t>
+            </a:r>
+          </a:p>
+          <a:p>
+            <a:pPr marL="171450" indent="-171450">
+              <a:spcAft>
+                <a:spcPts val="600"/>
+              </a:spcAft>
+            </a:pPr>
+            <a:r>
+              <a:rPr lang="en-US" sz="1400" dirty="0"/>
+              <a:t> Lab-08 - </a:t>
+            </a:r>
+            <a:r>
+              <a:rPr lang="en-US" sz="1400" dirty="0" err="1"/>
+              <a:t>Configmaps</a:t>
+            </a:r>
+            <a:r>
+              <a:rPr lang="en-US" sz="1400" dirty="0"/>
+              <a:t> and secrets (15 min)</a:t>
+            </a:r>
+          </a:p>
+          <a:p>
+            <a:pPr marL="171450" indent="-171450">
+              <a:spcAft>
+                <a:spcPts val="600"/>
+              </a:spcAft>
+            </a:pPr>
+            <a:r>
+              <a:rPr lang="en-US" sz="1400" dirty="0"/>
+              <a:t> Lab-09 - AKS Kubernetes resources at the Azure portal (15 min)</a:t>
+            </a:r>
+          </a:p>
+          <a:p>
+            <a:pPr marL="171450" indent="-171450">
+              <a:spcAft>
+                <a:spcPts val="600"/>
+              </a:spcAft>
+            </a:pPr>
+            <a:r>
+              <a:rPr lang="en-US" sz="1400" dirty="0"/>
+              <a:t> Lab-10 - Cleaning up (5 min)</a:t>
+            </a:r>
+          </a:p>
+          <a:p>
+            <a:pPr marL="0" indent="0">
+              <a:buNone/>
+            </a:pPr>
+            <a:endParaRPr sz="1400" dirty="0"/>
+          </a:p>
+        </p:txBody>
+      </p:sp>
+      <p:pic>
+        <p:nvPicPr>
+          <p:cNvPr id="5" name="Google Shape;56;p13">
+            <a:extLst>
+              <a:ext uri="{FF2B5EF4-FFF2-40B4-BE49-F238E27FC236}">
+                <a16:creationId xmlns:a16="http://schemas.microsoft.com/office/drawing/2014/main" id="{FD9994DA-0D1F-4794-A5D8-1EB266677D25}"/>
               </a:ext>
             </a:extLst>
           </p:cNvPr>
@@ -6549,7 +9875,595 @@
     </p:spTree>
     <p:extLst>
       <p:ext uri="{BB962C8B-B14F-4D97-AF65-F5344CB8AC3E}">
-        <p14:creationId xmlns:p14="http://schemas.microsoft.com/office/powerpoint/2010/main" val="1022140202"/>
+        <p14:creationId xmlns:p14="http://schemas.microsoft.com/office/powerpoint/2010/main" val="915002650"/>
+      </p:ext>
+    </p:extLst>
+  </p:cSld>
+  <p:clrMapOvr>
+    <a:masterClrMapping/>
+  </p:clrMapOvr>
+</p:sld>
+</file>
+
+<file path=ppt/slides/slide7.xml><?xml version="1.0" encoding="utf-8"?>
+<p:sld xmlns:a="http://schemas.openxmlformats.org/drawingml/2006/main" xmlns:r="http://schemas.openxmlformats.org/officeDocument/2006/relationships" xmlns:p="http://schemas.openxmlformats.org/presentationml/2006/main">
+  <p:cSld>
+    <p:spTree>
+      <p:nvGrpSpPr>
+        <p:cNvPr id="1" name=""/>
+        <p:cNvGrpSpPr/>
+        <p:nvPr/>
+      </p:nvGrpSpPr>
+      <p:grpSpPr>
+        <a:xfrm>
+          <a:off x="0" y="0"/>
+          <a:ext cx="0" cy="0"/>
+          <a:chOff x="0" y="0"/>
+          <a:chExt cx="0" cy="0"/>
+        </a:xfrm>
+      </p:grpSpPr>
+      <p:sp>
+        <p:nvSpPr>
+          <p:cNvPr id="2" name="Title 1">
+            <a:extLst>
+              <a:ext uri="{FF2B5EF4-FFF2-40B4-BE49-F238E27FC236}">
+                <a16:creationId xmlns:a16="http://schemas.microsoft.com/office/drawing/2014/main" id="{AF708F16-5DBC-4B6A-8DFC-6213EECAA9C2}"/>
+              </a:ext>
+            </a:extLst>
+          </p:cNvPr>
+          <p:cNvSpPr>
+            <a:spLocks noGrp="1"/>
+          </p:cNvSpPr>
+          <p:nvPr>
+            <p:ph type="title"/>
+          </p:nvPr>
+        </p:nvSpPr>
+        <p:spPr/>
+        <p:txBody>
+          <a:bodyPr/>
+          <a:lstStyle/>
+          <a:p>
+            <a:r>
+              <a:rPr lang="en-US" dirty="0"/>
+              <a:t>What does Kubernetes and k8s mean?</a:t>
+            </a:r>
+          </a:p>
+        </p:txBody>
+      </p:sp>
+      <p:sp>
+        <p:nvSpPr>
+          <p:cNvPr id="3" name="Text Placeholder 2">
+            <a:extLst>
+              <a:ext uri="{FF2B5EF4-FFF2-40B4-BE49-F238E27FC236}">
+                <a16:creationId xmlns:a16="http://schemas.microsoft.com/office/drawing/2014/main" id="{EC7572EA-1EAB-40E7-BB72-53988D9C2321}"/>
+              </a:ext>
+            </a:extLst>
+          </p:cNvPr>
+          <p:cNvSpPr>
+            <a:spLocks noGrp="1"/>
+          </p:cNvSpPr>
+          <p:nvPr>
+            <p:ph type="body" idx="1"/>
+          </p:nvPr>
+        </p:nvSpPr>
+        <p:spPr/>
+        <p:txBody>
+          <a:bodyPr/>
+          <a:lstStyle/>
+          <a:p>
+            <a:endParaRPr lang="en-US" dirty="0"/>
+          </a:p>
+          <a:p>
+            <a:r>
+              <a:rPr lang="en-US" dirty="0"/>
+              <a:t>Greek for pilot or Helmsman – the person who steers a ship</a:t>
+            </a:r>
+          </a:p>
+          <a:p>
+            <a:endParaRPr lang="en-US" dirty="0"/>
+          </a:p>
+          <a:p>
+            <a:r>
+              <a:rPr lang="en-US" dirty="0"/>
+              <a:t>Kubernetes -&gt; K(</a:t>
+            </a:r>
+            <a:r>
+              <a:rPr lang="en-US" dirty="0" err="1"/>
+              <a:t>ubernete</a:t>
+            </a:r>
+            <a:r>
+              <a:rPr lang="en-US" dirty="0"/>
+              <a:t>)s -&gt; k8s</a:t>
+            </a:r>
+          </a:p>
+          <a:p>
+            <a:endParaRPr lang="en-US" dirty="0"/>
+          </a:p>
+        </p:txBody>
+      </p:sp>
+      <p:pic>
+        <p:nvPicPr>
+          <p:cNvPr id="4" name="Google Shape;56;p13">
+            <a:extLst>
+              <a:ext uri="{FF2B5EF4-FFF2-40B4-BE49-F238E27FC236}">
+                <a16:creationId xmlns:a16="http://schemas.microsoft.com/office/drawing/2014/main" id="{5DC2FED0-7C5F-460C-998D-2520FD324176}"/>
+              </a:ext>
+            </a:extLst>
+          </p:cNvPr>
+          <p:cNvPicPr preferRelativeResize="0"/>
+          <p:nvPr/>
+        </p:nvPicPr>
+        <p:blipFill>
+          <a:blip r:embed="rId2">
+            <a:alphaModFix/>
+          </a:blip>
+          <a:stretch>
+            <a:fillRect/>
+          </a:stretch>
+        </p:blipFill>
+        <p:spPr>
+          <a:xfrm>
+            <a:off x="10989179" y="5736492"/>
+            <a:ext cx="1202821" cy="1121508"/>
+          </a:xfrm>
+          <a:prstGeom prst="rect">
+            <a:avLst/>
+          </a:prstGeom>
+          <a:noFill/>
+          <a:ln>
+            <a:noFill/>
+          </a:ln>
+        </p:spPr>
+      </p:pic>
+      <p:pic>
+        <p:nvPicPr>
+          <p:cNvPr id="5" name="Picture 4">
+            <a:extLst>
+              <a:ext uri="{FF2B5EF4-FFF2-40B4-BE49-F238E27FC236}">
+                <a16:creationId xmlns:a16="http://schemas.microsoft.com/office/drawing/2014/main" id="{86A17813-B73F-471E-ABB2-08A18EC70133}"/>
+              </a:ext>
+            </a:extLst>
+          </p:cNvPr>
+          <p:cNvPicPr>
+            <a:picLocks noChangeAspect="1"/>
+          </p:cNvPicPr>
+          <p:nvPr/>
+        </p:nvPicPr>
+        <p:blipFill>
+          <a:blip r:embed="rId3"/>
+          <a:stretch>
+            <a:fillRect/>
+          </a:stretch>
+        </p:blipFill>
+        <p:spPr>
+          <a:xfrm>
+            <a:off x="10935891" y="593367"/>
+            <a:ext cx="840509" cy="775369"/>
+          </a:xfrm>
+          <a:prstGeom prst="rect">
+            <a:avLst/>
+          </a:prstGeom>
+        </p:spPr>
+      </p:pic>
+    </p:spTree>
+    <p:extLst>
+      <p:ext uri="{BB962C8B-B14F-4D97-AF65-F5344CB8AC3E}">
+        <p14:creationId xmlns:p14="http://schemas.microsoft.com/office/powerpoint/2010/main" val="2937143160"/>
+      </p:ext>
+    </p:extLst>
+  </p:cSld>
+  <p:clrMapOvr>
+    <a:masterClrMapping/>
+  </p:clrMapOvr>
+</p:sld>
+</file>
+
+<file path=ppt/slides/slide8.xml><?xml version="1.0" encoding="utf-8"?>
+<p:sld xmlns:a="http://schemas.openxmlformats.org/drawingml/2006/main" xmlns:r="http://schemas.openxmlformats.org/officeDocument/2006/relationships" xmlns:p="http://schemas.openxmlformats.org/presentationml/2006/main">
+  <p:cSld>
+    <p:spTree>
+      <p:nvGrpSpPr>
+        <p:cNvPr id="1" name=""/>
+        <p:cNvGrpSpPr/>
+        <p:nvPr/>
+      </p:nvGrpSpPr>
+      <p:grpSpPr>
+        <a:xfrm>
+          <a:off x="0" y="0"/>
+          <a:ext cx="0" cy="0"/>
+          <a:chOff x="0" y="0"/>
+          <a:chExt cx="0" cy="0"/>
+        </a:xfrm>
+      </p:grpSpPr>
+      <p:sp>
+        <p:nvSpPr>
+          <p:cNvPr id="2" name="Title 1">
+            <a:extLst>
+              <a:ext uri="{FF2B5EF4-FFF2-40B4-BE49-F238E27FC236}">
+                <a16:creationId xmlns:a16="http://schemas.microsoft.com/office/drawing/2014/main" id="{AF708F16-5DBC-4B6A-8DFC-6213EECAA9C2}"/>
+              </a:ext>
+            </a:extLst>
+          </p:cNvPr>
+          <p:cNvSpPr>
+            <a:spLocks noGrp="1"/>
+          </p:cNvSpPr>
+          <p:nvPr>
+            <p:ph type="title"/>
+          </p:nvPr>
+        </p:nvSpPr>
+        <p:spPr/>
+        <p:txBody>
+          <a:bodyPr/>
+          <a:lstStyle/>
+          <a:p>
+            <a:r>
+              <a:rPr lang="en-US" dirty="0"/>
+              <a:t>Kubernetes </a:t>
+            </a:r>
+          </a:p>
+        </p:txBody>
+      </p:sp>
+      <p:sp>
+        <p:nvSpPr>
+          <p:cNvPr id="3" name="Text Placeholder 2">
+            <a:extLst>
+              <a:ext uri="{FF2B5EF4-FFF2-40B4-BE49-F238E27FC236}">
+                <a16:creationId xmlns:a16="http://schemas.microsoft.com/office/drawing/2014/main" id="{EC7572EA-1EAB-40E7-BB72-53988D9C2321}"/>
+              </a:ext>
+            </a:extLst>
+          </p:cNvPr>
+          <p:cNvSpPr>
+            <a:spLocks noGrp="1"/>
+          </p:cNvSpPr>
+          <p:nvPr>
+            <p:ph type="body" idx="1"/>
+          </p:nvPr>
+        </p:nvSpPr>
+        <p:spPr/>
+        <p:txBody>
+          <a:bodyPr/>
+          <a:lstStyle/>
+          <a:p>
+            <a:endParaRPr lang="en-US" dirty="0"/>
+          </a:p>
+          <a:p>
+            <a:r>
+              <a:rPr lang="en-US" dirty="0"/>
+              <a:t>Created by tree Google employees in 2014</a:t>
+            </a:r>
+          </a:p>
+          <a:p>
+            <a:r>
+              <a:rPr lang="en-US" dirty="0"/>
+              <a:t>Donated to </a:t>
+            </a:r>
+            <a:r>
+              <a:rPr lang="en-US" b="0" i="0" dirty="0">
+                <a:solidFill>
+                  <a:srgbClr val="202020"/>
+                </a:solidFill>
+                <a:effectLst/>
+                <a:latin typeface="-apple-system"/>
+              </a:rPr>
+              <a:t>Cloud Native Computing Foundation</a:t>
+            </a:r>
+            <a:r>
+              <a:rPr lang="en-US" dirty="0"/>
+              <a:t> </a:t>
+            </a:r>
+          </a:p>
+          <a:p>
+            <a:r>
+              <a:rPr lang="en-US" dirty="0"/>
+              <a:t>Production version 1.0 in 2015</a:t>
+            </a:r>
+          </a:p>
+          <a:p>
+            <a:r>
+              <a:rPr lang="en-US" dirty="0"/>
+              <a:t>Written in Go</a:t>
+            </a:r>
+          </a:p>
+          <a:p>
+            <a:endParaRPr lang="en-US" dirty="0"/>
+          </a:p>
+          <a:p>
+            <a:endParaRPr lang="en-US" dirty="0"/>
+          </a:p>
+        </p:txBody>
+      </p:sp>
+      <p:pic>
+        <p:nvPicPr>
+          <p:cNvPr id="4" name="Google Shape;56;p13">
+            <a:extLst>
+              <a:ext uri="{FF2B5EF4-FFF2-40B4-BE49-F238E27FC236}">
+                <a16:creationId xmlns:a16="http://schemas.microsoft.com/office/drawing/2014/main" id="{5DC2FED0-7C5F-460C-998D-2520FD324176}"/>
+              </a:ext>
+            </a:extLst>
+          </p:cNvPr>
+          <p:cNvPicPr preferRelativeResize="0"/>
+          <p:nvPr/>
+        </p:nvPicPr>
+        <p:blipFill>
+          <a:blip r:embed="rId2">
+            <a:alphaModFix/>
+          </a:blip>
+          <a:stretch>
+            <a:fillRect/>
+          </a:stretch>
+        </p:blipFill>
+        <p:spPr>
+          <a:xfrm>
+            <a:off x="10989179" y="5736492"/>
+            <a:ext cx="1202821" cy="1121508"/>
+          </a:xfrm>
+          <a:prstGeom prst="rect">
+            <a:avLst/>
+          </a:prstGeom>
+          <a:noFill/>
+          <a:ln>
+            <a:noFill/>
+          </a:ln>
+        </p:spPr>
+      </p:pic>
+      <p:pic>
+        <p:nvPicPr>
+          <p:cNvPr id="5" name="Picture 4">
+            <a:extLst>
+              <a:ext uri="{FF2B5EF4-FFF2-40B4-BE49-F238E27FC236}">
+                <a16:creationId xmlns:a16="http://schemas.microsoft.com/office/drawing/2014/main" id="{86A17813-B73F-471E-ABB2-08A18EC70133}"/>
+              </a:ext>
+            </a:extLst>
+          </p:cNvPr>
+          <p:cNvPicPr>
+            <a:picLocks noChangeAspect="1"/>
+          </p:cNvPicPr>
+          <p:nvPr/>
+        </p:nvPicPr>
+        <p:blipFill>
+          <a:blip r:embed="rId3"/>
+          <a:stretch>
+            <a:fillRect/>
+          </a:stretch>
+        </p:blipFill>
+        <p:spPr>
+          <a:xfrm>
+            <a:off x="10935891" y="593367"/>
+            <a:ext cx="840509" cy="775369"/>
+          </a:xfrm>
+          <a:prstGeom prst="rect">
+            <a:avLst/>
+          </a:prstGeom>
+        </p:spPr>
+      </p:pic>
+    </p:spTree>
+    <p:extLst>
+      <p:ext uri="{BB962C8B-B14F-4D97-AF65-F5344CB8AC3E}">
+        <p14:creationId xmlns:p14="http://schemas.microsoft.com/office/powerpoint/2010/main" val="3931258099"/>
+      </p:ext>
+    </p:extLst>
+  </p:cSld>
+  <p:clrMapOvr>
+    <a:masterClrMapping/>
+  </p:clrMapOvr>
+</p:sld>
+</file>
+
+<file path=ppt/slides/slide9.xml><?xml version="1.0" encoding="utf-8"?>
+<p:sld xmlns:a="http://schemas.openxmlformats.org/drawingml/2006/main" xmlns:r="http://schemas.openxmlformats.org/officeDocument/2006/relationships" xmlns:p="http://schemas.openxmlformats.org/presentationml/2006/main">
+  <p:cSld>
+    <p:spTree>
+      <p:nvGrpSpPr>
+        <p:cNvPr id="1" name=""/>
+        <p:cNvGrpSpPr/>
+        <p:nvPr/>
+      </p:nvGrpSpPr>
+      <p:grpSpPr>
+        <a:xfrm>
+          <a:off x="0" y="0"/>
+          <a:ext cx="0" cy="0"/>
+          <a:chOff x="0" y="0"/>
+          <a:chExt cx="0" cy="0"/>
+        </a:xfrm>
+      </p:grpSpPr>
+      <p:sp>
+        <p:nvSpPr>
+          <p:cNvPr id="2" name="Title 1">
+            <a:extLst>
+              <a:ext uri="{FF2B5EF4-FFF2-40B4-BE49-F238E27FC236}">
+                <a16:creationId xmlns:a16="http://schemas.microsoft.com/office/drawing/2014/main" id="{AF708F16-5DBC-4B6A-8DFC-6213EECAA9C2}"/>
+              </a:ext>
+            </a:extLst>
+          </p:cNvPr>
+          <p:cNvSpPr>
+            <a:spLocks noGrp="1"/>
+          </p:cNvSpPr>
+          <p:nvPr>
+            <p:ph type="title"/>
+          </p:nvPr>
+        </p:nvSpPr>
+        <p:spPr/>
+        <p:txBody>
+          <a:bodyPr/>
+          <a:lstStyle/>
+          <a:p>
+            <a:r>
+              <a:rPr lang="en-US" dirty="0"/>
+              <a:t>Container evolution</a:t>
+            </a:r>
+          </a:p>
+        </p:txBody>
+      </p:sp>
+      <p:sp>
+        <p:nvSpPr>
+          <p:cNvPr id="3" name="Text Placeholder 2">
+            <a:extLst>
+              <a:ext uri="{FF2B5EF4-FFF2-40B4-BE49-F238E27FC236}">
+                <a16:creationId xmlns:a16="http://schemas.microsoft.com/office/drawing/2014/main" id="{EC7572EA-1EAB-40E7-BB72-53988D9C2321}"/>
+              </a:ext>
+            </a:extLst>
+          </p:cNvPr>
+          <p:cNvSpPr>
+            <a:spLocks noGrp="1"/>
+          </p:cNvSpPr>
+          <p:nvPr>
+            <p:ph type="body" idx="1"/>
+          </p:nvPr>
+        </p:nvSpPr>
+        <p:spPr/>
+        <p:txBody>
+          <a:bodyPr/>
+          <a:lstStyle/>
+          <a:p>
+            <a:endParaRPr lang="en-US" dirty="0"/>
+          </a:p>
+          <a:p>
+            <a:endParaRPr lang="en-US" dirty="0"/>
+          </a:p>
+        </p:txBody>
+      </p:sp>
+      <p:pic>
+        <p:nvPicPr>
+          <p:cNvPr id="4" name="Google Shape;56;p13">
+            <a:extLst>
+              <a:ext uri="{FF2B5EF4-FFF2-40B4-BE49-F238E27FC236}">
+                <a16:creationId xmlns:a16="http://schemas.microsoft.com/office/drawing/2014/main" id="{5DC2FED0-7C5F-460C-998D-2520FD324176}"/>
+              </a:ext>
+            </a:extLst>
+          </p:cNvPr>
+          <p:cNvPicPr preferRelativeResize="0"/>
+          <p:nvPr/>
+        </p:nvPicPr>
+        <p:blipFill>
+          <a:blip r:embed="rId2">
+            <a:alphaModFix/>
+          </a:blip>
+          <a:stretch>
+            <a:fillRect/>
+          </a:stretch>
+        </p:blipFill>
+        <p:spPr>
+          <a:xfrm>
+            <a:off x="10989179" y="5736492"/>
+            <a:ext cx="1202821" cy="1121508"/>
+          </a:xfrm>
+          <a:prstGeom prst="rect">
+            <a:avLst/>
+          </a:prstGeom>
+          <a:noFill/>
+          <a:ln>
+            <a:noFill/>
+          </a:ln>
+        </p:spPr>
+      </p:pic>
+      <p:pic>
+        <p:nvPicPr>
+          <p:cNvPr id="5" name="Picture 4">
+            <a:extLst>
+              <a:ext uri="{FF2B5EF4-FFF2-40B4-BE49-F238E27FC236}">
+                <a16:creationId xmlns:a16="http://schemas.microsoft.com/office/drawing/2014/main" id="{86A17813-B73F-471E-ABB2-08A18EC70133}"/>
+              </a:ext>
+            </a:extLst>
+          </p:cNvPr>
+          <p:cNvPicPr>
+            <a:picLocks noChangeAspect="1"/>
+          </p:cNvPicPr>
+          <p:nvPr/>
+        </p:nvPicPr>
+        <p:blipFill>
+          <a:blip r:embed="rId3"/>
+          <a:stretch>
+            <a:fillRect/>
+          </a:stretch>
+        </p:blipFill>
+        <p:spPr>
+          <a:xfrm>
+            <a:off x="10935891" y="593367"/>
+            <a:ext cx="840509" cy="775369"/>
+          </a:xfrm>
+          <a:prstGeom prst="rect">
+            <a:avLst/>
+          </a:prstGeom>
+        </p:spPr>
+      </p:pic>
+      <p:pic>
+        <p:nvPicPr>
+          <p:cNvPr id="7" name="Graphic 6">
+            <a:extLst>
+              <a:ext uri="{FF2B5EF4-FFF2-40B4-BE49-F238E27FC236}">
+                <a16:creationId xmlns:a16="http://schemas.microsoft.com/office/drawing/2014/main" id="{4149BB69-772A-487C-BEF7-549630F84D27}"/>
+              </a:ext>
+            </a:extLst>
+          </p:cNvPr>
+          <p:cNvPicPr>
+            <a:picLocks noChangeAspect="1"/>
+          </p:cNvPicPr>
+          <p:nvPr/>
+        </p:nvPicPr>
+        <p:blipFill>
+          <a:blip r:embed="rId4">
+            <a:extLst>
+              <a:ext uri="{28A0092B-C50C-407E-A947-70E740481C1C}">
+                <a14:useLocalDpi xmlns:a14="http://schemas.microsoft.com/office/drawing/2010/main" val="0"/>
+              </a:ext>
+              <a:ext uri="{96DAC541-7B7A-43D3-8B79-37D633B846F1}">
+                <asvg:svgBlip xmlns:asvg="http://schemas.microsoft.com/office/drawing/2016/SVG/main" r:embed="rId5"/>
+              </a:ext>
+            </a:extLst>
+          </a:blip>
+          <a:stretch>
+            <a:fillRect/>
+          </a:stretch>
+        </p:blipFill>
+        <p:spPr>
+          <a:xfrm>
+            <a:off x="202878" y="1826904"/>
+            <a:ext cx="10786301" cy="3974658"/>
+          </a:xfrm>
+          <a:prstGeom prst="rect">
+            <a:avLst/>
+          </a:prstGeom>
+        </p:spPr>
+      </p:pic>
+      <p:sp>
+        <p:nvSpPr>
+          <p:cNvPr id="8" name="TextBox 7">
+            <a:extLst>
+              <a:ext uri="{FF2B5EF4-FFF2-40B4-BE49-F238E27FC236}">
+                <a16:creationId xmlns:a16="http://schemas.microsoft.com/office/drawing/2014/main" id="{D1DFFEFF-BA7B-44F5-9221-DC68E58BB87A}"/>
+              </a:ext>
+            </a:extLst>
+          </p:cNvPr>
+          <p:cNvSpPr txBox="1"/>
+          <p:nvPr/>
+        </p:nvSpPr>
+        <p:spPr>
+          <a:xfrm>
+            <a:off x="2573164" y="6488668"/>
+            <a:ext cx="6577313" cy="369332"/>
+          </a:xfrm>
+          <a:prstGeom prst="rect">
+            <a:avLst/>
+          </a:prstGeom>
+          <a:noFill/>
+        </p:spPr>
+        <p:txBody>
+          <a:bodyPr wrap="none" rtlCol="0">
+            <a:spAutoFit/>
+          </a:bodyPr>
+          <a:lstStyle/>
+          <a:p>
+            <a:r>
+              <a:rPr lang="en-US" dirty="0"/>
+              <a:t>https://kubernetes.io/docs/concepts/overview/what-is-kubernetes/</a:t>
+            </a:r>
+          </a:p>
+        </p:txBody>
+      </p:sp>
+    </p:spTree>
+    <p:extLst>
+      <p:ext uri="{BB962C8B-B14F-4D97-AF65-F5344CB8AC3E}">
+        <p14:creationId xmlns:p14="http://schemas.microsoft.com/office/powerpoint/2010/main" val="30907094"/>
       </p:ext>
     </p:extLst>
   </p:cSld>

--- a/01-aks-and-k8s-101/slides/Introduction to AKS.pptx
+++ b/01-aks-and-k8s-101/slides/Introduction to AKS.pptx
@@ -10,19 +10,19 @@
   <p:sldIdLst>
     <p:sldId id="256" r:id="rId2"/>
     <p:sldId id="258" r:id="rId3"/>
-    <p:sldId id="260" r:id="rId4"/>
-    <p:sldId id="259" r:id="rId5"/>
-    <p:sldId id="261" r:id="rId6"/>
-    <p:sldId id="295" r:id="rId7"/>
-    <p:sldId id="264" r:id="rId8"/>
-    <p:sldId id="299" r:id="rId9"/>
-    <p:sldId id="293" r:id="rId10"/>
+    <p:sldId id="301" r:id="rId4"/>
+    <p:sldId id="260" r:id="rId5"/>
+    <p:sldId id="259" r:id="rId6"/>
+    <p:sldId id="261" r:id="rId7"/>
+    <p:sldId id="295" r:id="rId8"/>
+    <p:sldId id="264" r:id="rId9"/>
+    <p:sldId id="299" r:id="rId10"/>
     <p:sldId id="268" r:id="rId11"/>
     <p:sldId id="296" r:id="rId12"/>
-    <p:sldId id="297" r:id="rId13"/>
-    <p:sldId id="298" r:id="rId14"/>
-    <p:sldId id="269" r:id="rId15"/>
-    <p:sldId id="270" r:id="rId16"/>
+    <p:sldId id="293" r:id="rId13"/>
+    <p:sldId id="297" r:id="rId14"/>
+    <p:sldId id="298" r:id="rId15"/>
+    <p:sldId id="269" r:id="rId16"/>
     <p:sldId id="271" r:id="rId17"/>
     <p:sldId id="272" r:id="rId18"/>
     <p:sldId id="273" r:id="rId19"/>
@@ -626,7 +626,7 @@
           <a:p>
             <a:r>
               <a:rPr lang="en-US" dirty="0"/>
-              <a:t>Each computer in the cluster is called a node. </a:t>
+              <a:t>Pods are the smallest unit you will eventually deploy to the cluster. </a:t>
             </a:r>
           </a:p>
           <a:p>
@@ -635,11 +635,8 @@
           <a:p>
             <a:r>
               <a:rPr lang="en-US" dirty="0"/>
-              <a:t>Eventually, the nodes will host your applications. </a:t>
+              <a:t>A single Pod can hold multiple containers.</a:t>
             </a:r>
-          </a:p>
-          <a:p>
-            <a:endParaRPr lang="en-US" dirty="0"/>
           </a:p>
         </p:txBody>
       </p:sp>
@@ -660,7 +657,7 @@
           <a:p>
             <a:fld id="{00A560F4-8102-4EC4-BB24-179BCBD2EB8E}" type="slidenum">
               <a:rPr lang="en-US" smtClean="0"/>
-              <a:t>10</a:t>
+              <a:t>11</a:t>
             </a:fld>
             <a:endParaRPr lang="en-US"/>
           </a:p>
@@ -669,7 +666,7 @@
     </p:spTree>
     <p:extLst>
       <p:ext uri="{BB962C8B-B14F-4D97-AF65-F5344CB8AC3E}">
-        <p14:creationId xmlns:p14="http://schemas.microsoft.com/office/powerpoint/2010/main" val="1598687849"/>
+        <p14:creationId xmlns:p14="http://schemas.microsoft.com/office/powerpoint/2010/main" val="2581181477"/>
       </p:ext>
     </p:extLst>
   </p:cSld>
@@ -723,19 +720,7 @@
           <a:bodyPr/>
           <a:lstStyle/>
           <a:p>
-            <a:r>
-              <a:rPr lang="en-US" dirty="0"/>
-              <a:t>Pods are the smallest unit you will eventually deploy to the cluster. </a:t>
-            </a:r>
-          </a:p>
-          <a:p>
             <a:endParaRPr lang="en-US" dirty="0"/>
-          </a:p>
-          <a:p>
-            <a:r>
-              <a:rPr lang="en-US" dirty="0"/>
-              <a:t>A single Pod can hold multiple containers.</a:t>
-            </a:r>
           </a:p>
         </p:txBody>
       </p:sp>
@@ -756,7 +741,7 @@
           <a:p>
             <a:fld id="{00A560F4-8102-4EC4-BB24-179BCBD2EB8E}" type="slidenum">
               <a:rPr lang="en-US" smtClean="0"/>
-              <a:t>11</a:t>
+              <a:t>12</a:t>
             </a:fld>
             <a:endParaRPr lang="en-US"/>
           </a:p>
@@ -765,7 +750,7 @@
     </p:spTree>
     <p:extLst>
       <p:ext uri="{BB962C8B-B14F-4D97-AF65-F5344CB8AC3E}">
-        <p14:creationId xmlns:p14="http://schemas.microsoft.com/office/powerpoint/2010/main" val="2581181477"/>
+        <p14:creationId xmlns:p14="http://schemas.microsoft.com/office/powerpoint/2010/main" val="1732773257"/>
       </p:ext>
     </p:extLst>
   </p:cSld>
@@ -843,7 +828,7 @@
           <a:p>
             <a:fld id="{00A560F4-8102-4EC4-BB24-179BCBD2EB8E}" type="slidenum">
               <a:rPr lang="en-US" smtClean="0"/>
-              <a:t>12</a:t>
+              <a:t>13</a:t>
             </a:fld>
             <a:endParaRPr lang="en-US"/>
           </a:p>
@@ -930,7 +915,7 @@
           <a:p>
             <a:fld id="{00A560F4-8102-4EC4-BB24-179BCBD2EB8E}" type="slidenum">
               <a:rPr lang="en-US" smtClean="0"/>
-              <a:t>13</a:t>
+              <a:t>14</a:t>
             </a:fld>
             <a:endParaRPr lang="en-US"/>
           </a:p>
@@ -1044,7 +1029,7 @@
           <a:p>
             <a:fld id="{00A560F4-8102-4EC4-BB24-179BCBD2EB8E}" type="slidenum">
               <a:rPr lang="en-US" smtClean="0"/>
-              <a:t>14</a:t>
+              <a:t>15</a:t>
             </a:fld>
             <a:endParaRPr lang="en-US"/>
           </a:p>
@@ -1171,6 +1156,215 @@
               <a:t>When you create an AKS cluster, a control plane is automatically created and configured. This control plane is provided as a managed Azure resource abstracted from the user. There's no cost for the control plane, only the nodes that are part of the AKS cluster.</a:t>
             </a:r>
           </a:p>
+          <a:p>
+            <a:endParaRPr lang="en-US" dirty="0"/>
+          </a:p>
+          <a:p>
+            <a:pPr algn="l">
+              <a:buFont typeface="Arial" panose="020B0604020202020204" pitchFamily="34" charset="0"/>
+              <a:buChar char="•"/>
+            </a:pPr>
+            <a:r>
+              <a:rPr lang="en-US" b="0" i="1" dirty="0" err="1">
+                <a:solidFill>
+                  <a:srgbClr val="171717"/>
+                </a:solidFill>
+                <a:effectLst/>
+                <a:latin typeface="Segoe UI" panose="020B0502040204020203" pitchFamily="34" charset="0"/>
+              </a:rPr>
+              <a:t>kube-apiserver</a:t>
+            </a:r>
+            <a:r>
+              <a:rPr lang="en-US" b="0" i="0" dirty="0">
+                <a:solidFill>
+                  <a:srgbClr val="171717"/>
+                </a:solidFill>
+                <a:effectLst/>
+                <a:latin typeface="Segoe UI" panose="020B0502040204020203" pitchFamily="34" charset="0"/>
+              </a:rPr>
+              <a:t> - The API server is how the underlying Kubernetes APIs are exposed. This component provides the interaction for management tools, such as </a:t>
+            </a:r>
+            <a:r>
+              <a:rPr lang="en-US" b="0" i="0" dirty="0" err="1">
+                <a:solidFill>
+                  <a:srgbClr val="171717"/>
+                </a:solidFill>
+                <a:effectLst/>
+                <a:latin typeface="Segoe UI" panose="020B0502040204020203" pitchFamily="34" charset="0"/>
+              </a:rPr>
+              <a:t>kubectl</a:t>
+            </a:r>
+            <a:r>
+              <a:rPr lang="en-US" b="0" i="0" dirty="0">
+                <a:solidFill>
+                  <a:srgbClr val="171717"/>
+                </a:solidFill>
+                <a:effectLst/>
+                <a:latin typeface="Segoe UI" panose="020B0502040204020203" pitchFamily="34" charset="0"/>
+              </a:rPr>
+              <a:t> or the Kubernetes dashboard.</a:t>
+            </a:r>
+          </a:p>
+          <a:p>
+            <a:pPr algn="l">
+              <a:buFont typeface="Arial" panose="020B0604020202020204" pitchFamily="34" charset="0"/>
+              <a:buChar char="•"/>
+            </a:pPr>
+            <a:endParaRPr lang="en-US" b="0" i="0" dirty="0">
+              <a:solidFill>
+                <a:srgbClr val="171717"/>
+              </a:solidFill>
+              <a:effectLst/>
+              <a:latin typeface="Segoe UI" panose="020B0502040204020203" pitchFamily="34" charset="0"/>
+            </a:endParaRPr>
+          </a:p>
+          <a:p>
+            <a:pPr algn="l">
+              <a:buFont typeface="Arial" panose="020B0604020202020204" pitchFamily="34" charset="0"/>
+              <a:buChar char="•"/>
+            </a:pPr>
+            <a:r>
+              <a:rPr lang="en-US" b="0" i="1" dirty="0" err="1">
+                <a:solidFill>
+                  <a:srgbClr val="171717"/>
+                </a:solidFill>
+                <a:effectLst/>
+                <a:latin typeface="Segoe UI" panose="020B0502040204020203" pitchFamily="34" charset="0"/>
+              </a:rPr>
+              <a:t>etcd</a:t>
+            </a:r>
+            <a:r>
+              <a:rPr lang="en-US" b="0" i="0" dirty="0">
+                <a:solidFill>
+                  <a:srgbClr val="171717"/>
+                </a:solidFill>
+                <a:effectLst/>
+                <a:latin typeface="Segoe UI" panose="020B0502040204020203" pitchFamily="34" charset="0"/>
+              </a:rPr>
+              <a:t> - To maintain the state of your Kubernetes cluster and configuration, the highly available </a:t>
+            </a:r>
+            <a:r>
+              <a:rPr lang="en-US" b="0" i="1" dirty="0" err="1">
+                <a:solidFill>
+                  <a:srgbClr val="171717"/>
+                </a:solidFill>
+                <a:effectLst/>
+                <a:latin typeface="Segoe UI" panose="020B0502040204020203" pitchFamily="34" charset="0"/>
+              </a:rPr>
+              <a:t>etcd</a:t>
+            </a:r>
+            <a:r>
+              <a:rPr lang="en-US" b="0" i="0" dirty="0">
+                <a:solidFill>
+                  <a:srgbClr val="171717"/>
+                </a:solidFill>
+                <a:effectLst/>
+                <a:latin typeface="Segoe UI" panose="020B0502040204020203" pitchFamily="34" charset="0"/>
+              </a:rPr>
+              <a:t> is a key value store within Kubernetes.</a:t>
+            </a:r>
+          </a:p>
+          <a:p>
+            <a:pPr algn="l">
+              <a:buFont typeface="Arial" panose="020B0604020202020204" pitchFamily="34" charset="0"/>
+              <a:buChar char="•"/>
+            </a:pPr>
+            <a:endParaRPr lang="en-US" b="0" i="0" dirty="0">
+              <a:solidFill>
+                <a:srgbClr val="171717"/>
+              </a:solidFill>
+              <a:effectLst/>
+              <a:latin typeface="Segoe UI" panose="020B0502040204020203" pitchFamily="34" charset="0"/>
+            </a:endParaRPr>
+          </a:p>
+          <a:p>
+            <a:pPr algn="l">
+              <a:buFont typeface="Arial" panose="020B0604020202020204" pitchFamily="34" charset="0"/>
+              <a:buChar char="•"/>
+            </a:pPr>
+            <a:r>
+              <a:rPr lang="en-US" b="0" i="1" dirty="0" err="1">
+                <a:solidFill>
+                  <a:srgbClr val="171717"/>
+                </a:solidFill>
+                <a:effectLst/>
+                <a:latin typeface="Segoe UI" panose="020B0502040204020203" pitchFamily="34" charset="0"/>
+              </a:rPr>
+              <a:t>kube</a:t>
+            </a:r>
+            <a:r>
+              <a:rPr lang="en-US" b="0" i="1" dirty="0">
+                <a:solidFill>
+                  <a:srgbClr val="171717"/>
+                </a:solidFill>
+                <a:effectLst/>
+                <a:latin typeface="Segoe UI" panose="020B0502040204020203" pitchFamily="34" charset="0"/>
+              </a:rPr>
+              <a:t>-scheduler</a:t>
+            </a:r>
+            <a:r>
+              <a:rPr lang="en-US" b="0" i="0" dirty="0">
+                <a:solidFill>
+                  <a:srgbClr val="171717"/>
+                </a:solidFill>
+                <a:effectLst/>
+                <a:latin typeface="Segoe UI" panose="020B0502040204020203" pitchFamily="34" charset="0"/>
+              </a:rPr>
+              <a:t> - When you create or scale applications, the Scheduler determines what nodes can run the workload and starts them.</a:t>
+            </a:r>
+          </a:p>
+          <a:p>
+            <a:pPr algn="l">
+              <a:buFont typeface="Arial" panose="020B0604020202020204" pitchFamily="34" charset="0"/>
+              <a:buChar char="•"/>
+            </a:pPr>
+            <a:endParaRPr lang="en-US" b="0" i="0" dirty="0">
+              <a:solidFill>
+                <a:srgbClr val="171717"/>
+              </a:solidFill>
+              <a:effectLst/>
+              <a:latin typeface="Segoe UI" panose="020B0502040204020203" pitchFamily="34" charset="0"/>
+            </a:endParaRPr>
+          </a:p>
+          <a:p>
+            <a:pPr algn="l">
+              <a:buFont typeface="Arial" panose="020B0604020202020204" pitchFamily="34" charset="0"/>
+              <a:buChar char="•"/>
+            </a:pPr>
+            <a:r>
+              <a:rPr lang="en-US" b="0" i="1" dirty="0" err="1">
+                <a:solidFill>
+                  <a:srgbClr val="171717"/>
+                </a:solidFill>
+                <a:effectLst/>
+                <a:latin typeface="Segoe UI" panose="020B0502040204020203" pitchFamily="34" charset="0"/>
+              </a:rPr>
+              <a:t>kube</a:t>
+            </a:r>
+            <a:r>
+              <a:rPr lang="en-US" b="0" i="1" dirty="0">
+                <a:solidFill>
+                  <a:srgbClr val="171717"/>
+                </a:solidFill>
+                <a:effectLst/>
+                <a:latin typeface="Segoe UI" panose="020B0502040204020203" pitchFamily="34" charset="0"/>
+              </a:rPr>
+              <a:t>-controller-manager</a:t>
+            </a:r>
+            <a:r>
+              <a:rPr lang="en-US" b="0" i="0" dirty="0">
+                <a:solidFill>
+                  <a:srgbClr val="171717"/>
+                </a:solidFill>
+                <a:effectLst/>
+                <a:latin typeface="Segoe UI" panose="020B0502040204020203" pitchFamily="34" charset="0"/>
+              </a:rPr>
+              <a:t> - The Controller Manager oversees a number of smaller Controllers that perform actions such as replicating pods and handling node operations.</a:t>
+            </a:r>
+          </a:p>
+          <a:p>
+            <a:endParaRPr lang="en-US" dirty="0"/>
+          </a:p>
         </p:txBody>
       </p:sp>
       <p:sp>
@@ -1256,6 +1450,153 @@
             <a:r>
               <a:rPr lang="en-US" dirty="0"/>
               <a:t>To run your applications and supporting services, you need a Kubernetes node. An AKS cluster has one or more nodes, which is an Azure virtual machine (VM) that runs the Kubernetes node components and container runtime.</a:t>
+            </a:r>
+          </a:p>
+          <a:p>
+            <a:endParaRPr lang="en-US" dirty="0"/>
+          </a:p>
+          <a:p>
+            <a:pPr algn="l">
+              <a:buFont typeface="Arial" panose="020B0604020202020204" pitchFamily="34" charset="0"/>
+              <a:buChar char="•"/>
+            </a:pPr>
+            <a:r>
+              <a:rPr lang="en-US" b="0" i="0" dirty="0">
+                <a:solidFill>
+                  <a:srgbClr val="171717"/>
+                </a:solidFill>
+                <a:effectLst/>
+                <a:latin typeface="Segoe UI" panose="020B0502040204020203" pitchFamily="34" charset="0"/>
+              </a:rPr>
+              <a:t>The </a:t>
+            </a:r>
+            <a:r>
+              <a:rPr lang="en-US" b="0" i="0" dirty="0" err="1">
+                <a:solidFill>
+                  <a:srgbClr val="171717"/>
+                </a:solidFill>
+                <a:effectLst/>
+                <a:latin typeface="Segoe UI" panose="020B0502040204020203" pitchFamily="34" charset="0"/>
+              </a:rPr>
+              <a:t>kubelet</a:t>
+            </a:r>
+            <a:r>
+              <a:rPr lang="en-US" b="0" i="0" dirty="0">
+                <a:solidFill>
+                  <a:srgbClr val="171717"/>
+                </a:solidFill>
+                <a:effectLst/>
+                <a:latin typeface="Segoe UI" panose="020B0502040204020203" pitchFamily="34" charset="0"/>
+              </a:rPr>
+              <a:t> is the Kubernetes agent that processes the orchestration requests from the control plane and scheduling of running the requested containers.</a:t>
+            </a:r>
+          </a:p>
+          <a:p>
+            <a:pPr algn="l">
+              <a:buFont typeface="Arial" panose="020B0604020202020204" pitchFamily="34" charset="0"/>
+              <a:buChar char="•"/>
+            </a:pPr>
+            <a:endParaRPr lang="en-US" b="0" i="0" dirty="0">
+              <a:solidFill>
+                <a:srgbClr val="171717"/>
+              </a:solidFill>
+              <a:effectLst/>
+              <a:latin typeface="Segoe UI" panose="020B0502040204020203" pitchFamily="34" charset="0"/>
+            </a:endParaRPr>
+          </a:p>
+          <a:p>
+            <a:pPr algn="l">
+              <a:buFont typeface="Arial" panose="020B0604020202020204" pitchFamily="34" charset="0"/>
+              <a:buChar char="•"/>
+            </a:pPr>
+            <a:r>
+              <a:rPr lang="en-US" b="0" i="0" dirty="0">
+                <a:solidFill>
+                  <a:srgbClr val="171717"/>
+                </a:solidFill>
+                <a:effectLst/>
+                <a:latin typeface="Segoe UI" panose="020B0502040204020203" pitchFamily="34" charset="0"/>
+              </a:rPr>
+              <a:t>Virtual networking is handled by the </a:t>
+            </a:r>
+            <a:r>
+              <a:rPr lang="en-US" b="0" i="1" dirty="0" err="1">
+                <a:solidFill>
+                  <a:srgbClr val="171717"/>
+                </a:solidFill>
+                <a:effectLst/>
+                <a:latin typeface="Segoe UI" panose="020B0502040204020203" pitchFamily="34" charset="0"/>
+              </a:rPr>
+              <a:t>kube</a:t>
+            </a:r>
+            <a:r>
+              <a:rPr lang="en-US" b="0" i="1" dirty="0">
+                <a:solidFill>
+                  <a:srgbClr val="171717"/>
+                </a:solidFill>
+                <a:effectLst/>
+                <a:latin typeface="Segoe UI" panose="020B0502040204020203" pitchFamily="34" charset="0"/>
+              </a:rPr>
+              <a:t>-proxy</a:t>
+            </a:r>
+            <a:r>
+              <a:rPr lang="en-US" b="0" i="0" dirty="0">
+                <a:solidFill>
+                  <a:srgbClr val="171717"/>
+                </a:solidFill>
+                <a:effectLst/>
+                <a:latin typeface="Segoe UI" panose="020B0502040204020203" pitchFamily="34" charset="0"/>
+              </a:rPr>
+              <a:t> on each node. The proxy routes network traffic and manages IP addressing for services and pods.</a:t>
+            </a:r>
+          </a:p>
+          <a:p>
+            <a:pPr algn="l">
+              <a:buFont typeface="Arial" panose="020B0604020202020204" pitchFamily="34" charset="0"/>
+              <a:buChar char="•"/>
+            </a:pPr>
+            <a:endParaRPr lang="en-US" b="0" i="0" dirty="0">
+              <a:solidFill>
+                <a:srgbClr val="171717"/>
+              </a:solidFill>
+              <a:effectLst/>
+              <a:latin typeface="Segoe UI" panose="020B0502040204020203" pitchFamily="34" charset="0"/>
+            </a:endParaRPr>
+          </a:p>
+          <a:p>
+            <a:pPr algn="l">
+              <a:buFont typeface="Arial" panose="020B0604020202020204" pitchFamily="34" charset="0"/>
+              <a:buChar char="•"/>
+            </a:pPr>
+            <a:r>
+              <a:rPr lang="en-US" b="0" i="0" dirty="0">
+                <a:solidFill>
+                  <a:srgbClr val="171717"/>
+                </a:solidFill>
+                <a:effectLst/>
+                <a:latin typeface="Segoe UI" panose="020B0502040204020203" pitchFamily="34" charset="0"/>
+              </a:rPr>
+              <a:t>The </a:t>
+            </a:r>
+            <a:r>
+              <a:rPr lang="en-US" b="0" i="1" dirty="0">
+                <a:solidFill>
+                  <a:srgbClr val="171717"/>
+                </a:solidFill>
+                <a:effectLst/>
+                <a:latin typeface="Segoe UI" panose="020B0502040204020203" pitchFamily="34" charset="0"/>
+              </a:rPr>
+              <a:t>container runtime</a:t>
+            </a:r>
+            <a:r>
+              <a:rPr lang="en-US" b="0" i="0" dirty="0">
+                <a:solidFill>
+                  <a:srgbClr val="171717"/>
+                </a:solidFill>
+                <a:effectLst/>
+                <a:latin typeface="Segoe UI" panose="020B0502040204020203" pitchFamily="34" charset="0"/>
+              </a:rPr>
+              <a:t> is the component that allows containerized applications to run and interact with additional resources such as the virtual network and storage. </a:t>
             </a:r>
           </a:p>
           <a:p>
@@ -3223,7 +3564,7 @@
           <a:p>
             <a:fld id="{00A560F4-8102-4EC4-BB24-179BCBD2EB8E}" type="slidenum">
               <a:rPr lang="en-US" smtClean="0"/>
-              <a:t>6</a:t>
+              <a:t>7</a:t>
             </a:fld>
             <a:endParaRPr lang="en-US"/>
           </a:p>
@@ -3486,7 +3827,7 @@
           <a:p>
             <a:fld id="{00A560F4-8102-4EC4-BB24-179BCBD2EB8E}" type="slidenum">
               <a:rPr lang="en-US" smtClean="0"/>
-              <a:t>7</a:t>
+              <a:t>8</a:t>
             </a:fld>
             <a:endParaRPr lang="en-US"/>
           </a:p>
@@ -3570,7 +3911,7 @@
           <a:p>
             <a:fld id="{00A560F4-8102-4EC4-BB24-179BCBD2EB8E}" type="slidenum">
               <a:rPr lang="en-US" smtClean="0"/>
-              <a:t>8</a:t>
+              <a:t>9</a:t>
             </a:fld>
             <a:endParaRPr lang="en-US"/>
           </a:p>
@@ -3633,6 +3974,21 @@
           <a:bodyPr/>
           <a:lstStyle/>
           <a:p>
+            <a:r>
+              <a:rPr lang="en-US" dirty="0"/>
+              <a:t>Each computer in the cluster is called a node. </a:t>
+            </a:r>
+          </a:p>
+          <a:p>
+            <a:endParaRPr lang="en-US" dirty="0"/>
+          </a:p>
+          <a:p>
+            <a:r>
+              <a:rPr lang="en-US" dirty="0"/>
+              <a:t>Eventually, the nodes will host your applications. </a:t>
+            </a:r>
+          </a:p>
+          <a:p>
             <a:endParaRPr lang="en-US" dirty="0"/>
           </a:p>
         </p:txBody>
@@ -3654,7 +4010,7 @@
           <a:p>
             <a:fld id="{00A560F4-8102-4EC4-BB24-179BCBD2EB8E}" type="slidenum">
               <a:rPr lang="en-US" smtClean="0"/>
-              <a:t>9</a:t>
+              <a:t>10</a:t>
             </a:fld>
             <a:endParaRPr lang="en-US"/>
           </a:p>
@@ -3663,7 +4019,7 @@
     </p:spTree>
     <p:extLst>
       <p:ext uri="{BB962C8B-B14F-4D97-AF65-F5344CB8AC3E}">
-        <p14:creationId xmlns:p14="http://schemas.microsoft.com/office/powerpoint/2010/main" val="1732773257"/>
+        <p14:creationId xmlns:p14="http://schemas.microsoft.com/office/powerpoint/2010/main" val="1598687849"/>
       </p:ext>
     </p:extLst>
   </p:cSld>
@@ -8919,7 +9275,7 @@
           <a:p>
             <a:r>
               <a:rPr lang="en-US" dirty="0"/>
-              <a:t>Pods are the smallest deployment unit you</a:t>
+              <a:t>Pods are the smallest deployment unit</a:t>
             </a:r>
           </a:p>
           <a:p>
@@ -9774,6 +10130,231 @@
           <a:p>
             <a:r>
               <a:rPr lang="en-US" dirty="0"/>
+              <a:t>K8s 101: Desired State</a:t>
+            </a:r>
+            <a:br>
+              <a:rPr lang="en-US" b="0" i="0" dirty="0">
+                <a:solidFill>
+                  <a:srgbClr val="222222"/>
+                </a:solidFill>
+                <a:effectLst/>
+                <a:latin typeface="open sans" panose="020B0606030504020204" pitchFamily="34" charset="0"/>
+              </a:rPr>
+            </a:br>
+            <a:endParaRPr lang="en-US" dirty="0"/>
+          </a:p>
+        </p:txBody>
+      </p:sp>
+      <p:sp>
+        <p:nvSpPr>
+          <p:cNvPr id="3" name="Text Placeholder 2">
+            <a:extLst>
+              <a:ext uri="{FF2B5EF4-FFF2-40B4-BE49-F238E27FC236}">
+                <a16:creationId xmlns:a16="http://schemas.microsoft.com/office/drawing/2014/main" id="{EC7572EA-1EAB-40E7-BB72-53988D9C2321}"/>
+              </a:ext>
+            </a:extLst>
+          </p:cNvPr>
+          <p:cNvSpPr>
+            <a:spLocks noGrp="1"/>
+          </p:cNvSpPr>
+          <p:nvPr>
+            <p:ph type="body" idx="1"/>
+          </p:nvPr>
+        </p:nvSpPr>
+        <p:spPr/>
+        <p:txBody>
+          <a:bodyPr/>
+          <a:lstStyle/>
+          <a:p>
+            <a:pPr marL="152396" indent="0">
+              <a:buNone/>
+            </a:pPr>
+            <a:r>
+              <a:rPr lang="en-US" dirty="0"/>
+              <a:t>Tell Kubernetes what you want, not what to do</a:t>
+            </a:r>
+          </a:p>
+          <a:p>
+            <a:pPr marL="152396" indent="0">
+              <a:buNone/>
+            </a:pPr>
+            <a:endParaRPr lang="en-US" dirty="0"/>
+          </a:p>
+          <a:p>
+            <a:pPr marL="152396" indent="0">
+              <a:buNone/>
+            </a:pPr>
+            <a:r>
+              <a:rPr lang="en-US" dirty="0"/>
+              <a:t>Kubernetes always tries to steer the cluster to its desired state</a:t>
+            </a:r>
+          </a:p>
+          <a:p>
+            <a:pPr marL="152396" indent="0">
+              <a:buNone/>
+            </a:pPr>
+            <a:endParaRPr lang="en-US" dirty="0"/>
+          </a:p>
+          <a:p>
+            <a:r>
+              <a:rPr lang="en-US" dirty="0"/>
+              <a:t>You: “Hey, k8s, I want 3 replicas of app-a”</a:t>
+            </a:r>
+          </a:p>
+          <a:p>
+            <a:endParaRPr lang="en-US" dirty="0"/>
+          </a:p>
+          <a:p>
+            <a:r>
+              <a:rPr lang="en-US" dirty="0"/>
+              <a:t>K8s: “Here are 3 replicas of app-a”</a:t>
+            </a:r>
+          </a:p>
+          <a:p>
+            <a:endParaRPr lang="en-US" dirty="0"/>
+          </a:p>
+          <a:p>
+            <a:r>
+              <a:rPr lang="en-US" dirty="0"/>
+              <a:t>K8s: “</a:t>
+            </a:r>
+            <a:r>
+              <a:rPr lang="en-US" dirty="0" err="1"/>
+              <a:t>Upps</a:t>
+            </a:r>
+            <a:r>
+              <a:rPr lang="en-US" dirty="0"/>
+              <a:t>, one just died, I will try to find a node where I can spin up a new replica”</a:t>
+            </a:r>
+          </a:p>
+          <a:p>
+            <a:endParaRPr lang="en-US" dirty="0"/>
+          </a:p>
+          <a:p>
+            <a:r>
+              <a:rPr lang="en-US" dirty="0"/>
+              <a:t>K8s: “Here are 3 replicas of app-a”</a:t>
+            </a:r>
+          </a:p>
+        </p:txBody>
+      </p:sp>
+      <p:pic>
+        <p:nvPicPr>
+          <p:cNvPr id="4" name="Google Shape;56;p13">
+            <a:extLst>
+              <a:ext uri="{FF2B5EF4-FFF2-40B4-BE49-F238E27FC236}">
+                <a16:creationId xmlns:a16="http://schemas.microsoft.com/office/drawing/2014/main" id="{5DC2FED0-7C5F-460C-998D-2520FD324176}"/>
+              </a:ext>
+            </a:extLst>
+          </p:cNvPr>
+          <p:cNvPicPr preferRelativeResize="0"/>
+          <p:nvPr/>
+        </p:nvPicPr>
+        <p:blipFill>
+          <a:blip r:embed="rId3">
+            <a:alphaModFix/>
+          </a:blip>
+          <a:stretch>
+            <a:fillRect/>
+          </a:stretch>
+        </p:blipFill>
+        <p:spPr>
+          <a:xfrm>
+            <a:off x="10989179" y="5736492"/>
+            <a:ext cx="1202821" cy="1121508"/>
+          </a:xfrm>
+          <a:prstGeom prst="rect">
+            <a:avLst/>
+          </a:prstGeom>
+          <a:noFill/>
+          <a:ln>
+            <a:noFill/>
+          </a:ln>
+        </p:spPr>
+      </p:pic>
+      <p:pic>
+        <p:nvPicPr>
+          <p:cNvPr id="5" name="Picture 4">
+            <a:extLst>
+              <a:ext uri="{FF2B5EF4-FFF2-40B4-BE49-F238E27FC236}">
+                <a16:creationId xmlns:a16="http://schemas.microsoft.com/office/drawing/2014/main" id="{86A17813-B73F-471E-ABB2-08A18EC70133}"/>
+              </a:ext>
+            </a:extLst>
+          </p:cNvPr>
+          <p:cNvPicPr>
+            <a:picLocks noChangeAspect="1"/>
+          </p:cNvPicPr>
+          <p:nvPr/>
+        </p:nvPicPr>
+        <p:blipFill>
+          <a:blip r:embed="rId4"/>
+          <a:stretch>
+            <a:fillRect/>
+          </a:stretch>
+        </p:blipFill>
+        <p:spPr>
+          <a:xfrm>
+            <a:off x="10935891" y="593367"/>
+            <a:ext cx="840509" cy="775369"/>
+          </a:xfrm>
+          <a:prstGeom prst="rect">
+            <a:avLst/>
+          </a:prstGeom>
+        </p:spPr>
+      </p:pic>
+    </p:spTree>
+    <p:extLst>
+      <p:ext uri="{BB962C8B-B14F-4D97-AF65-F5344CB8AC3E}">
+        <p14:creationId xmlns:p14="http://schemas.microsoft.com/office/powerpoint/2010/main" val="3409023369"/>
+      </p:ext>
+    </p:extLst>
+  </p:cSld>
+  <p:clrMapOvr>
+    <a:masterClrMapping/>
+  </p:clrMapOvr>
+</p:sld>
+</file>
+
+<file path=ppt/slides/slide13.xml><?xml version="1.0" encoding="utf-8"?>
+<p:sld xmlns:a="http://schemas.openxmlformats.org/drawingml/2006/main" xmlns:r="http://schemas.openxmlformats.org/officeDocument/2006/relationships" xmlns:p="http://schemas.openxmlformats.org/presentationml/2006/main">
+  <p:cSld>
+    <p:spTree>
+      <p:nvGrpSpPr>
+        <p:cNvPr id="1" name=""/>
+        <p:cNvGrpSpPr/>
+        <p:nvPr/>
+      </p:nvGrpSpPr>
+      <p:grpSpPr>
+        <a:xfrm>
+          <a:off x="0" y="0"/>
+          <a:ext cx="0" cy="0"/>
+          <a:chOff x="0" y="0"/>
+          <a:chExt cx="0" cy="0"/>
+        </a:xfrm>
+      </p:grpSpPr>
+      <p:sp>
+        <p:nvSpPr>
+          <p:cNvPr id="2" name="Title 1">
+            <a:extLst>
+              <a:ext uri="{FF2B5EF4-FFF2-40B4-BE49-F238E27FC236}">
+                <a16:creationId xmlns:a16="http://schemas.microsoft.com/office/drawing/2014/main" id="{AF708F16-5DBC-4B6A-8DFC-6213EECAA9C2}"/>
+              </a:ext>
+            </a:extLst>
+          </p:cNvPr>
+          <p:cNvSpPr>
+            <a:spLocks noGrp="1"/>
+          </p:cNvSpPr>
+          <p:nvPr>
+            <p:ph type="title"/>
+          </p:nvPr>
+        </p:nvSpPr>
+        <p:spPr/>
+        <p:txBody>
+          <a:bodyPr/>
+          <a:lstStyle/>
+          <a:p>
+            <a:r>
+              <a:rPr lang="en-US" dirty="0"/>
               <a:t>K8s 101: Deployment </a:t>
             </a:r>
           </a:p>
@@ -10826,7 +11407,7 @@
 </p:sld>
 </file>
 
-<file path=ppt/slides/slide13.xml><?xml version="1.0" encoding="utf-8"?>
+<file path=ppt/slides/slide14.xml><?xml version="1.0" encoding="utf-8"?>
 <p:sld xmlns:a="http://schemas.openxmlformats.org/drawingml/2006/main" xmlns:r="http://schemas.openxmlformats.org/officeDocument/2006/relationships" xmlns:p="http://schemas.openxmlformats.org/presentationml/2006/main">
   <p:cSld>
     <p:spTree>
@@ -14301,7 +14882,7 @@
 </p:sld>
 </file>
 
-<file path=ppt/slides/slide14.xml><?xml version="1.0" encoding="utf-8"?>
+<file path=ppt/slides/slide15.xml><?xml version="1.0" encoding="utf-8"?>
 <p:sld xmlns:a="http://schemas.openxmlformats.org/drawingml/2006/main" xmlns:r="http://schemas.openxmlformats.org/officeDocument/2006/relationships" xmlns:p="http://schemas.openxmlformats.org/presentationml/2006/main">
   <p:cSld>
     <p:spTree>
@@ -14564,156 +15145,6 @@
 </p:sld>
 </file>
 
-<file path=ppt/slides/slide15.xml><?xml version="1.0" encoding="utf-8"?>
-<p:sld xmlns:a="http://schemas.openxmlformats.org/drawingml/2006/main" xmlns:r="http://schemas.openxmlformats.org/officeDocument/2006/relationships" xmlns:p="http://schemas.openxmlformats.org/presentationml/2006/main">
-  <p:cSld>
-    <p:spTree>
-      <p:nvGrpSpPr>
-        <p:cNvPr id="1" name=""/>
-        <p:cNvGrpSpPr/>
-        <p:nvPr/>
-      </p:nvGrpSpPr>
-      <p:grpSpPr>
-        <a:xfrm>
-          <a:off x="0" y="0"/>
-          <a:ext cx="0" cy="0"/>
-          <a:chOff x="0" y="0"/>
-          <a:chExt cx="0" cy="0"/>
-        </a:xfrm>
-      </p:grpSpPr>
-      <p:sp>
-        <p:nvSpPr>
-          <p:cNvPr id="2" name="Title 1">
-            <a:extLst>
-              <a:ext uri="{FF2B5EF4-FFF2-40B4-BE49-F238E27FC236}">
-                <a16:creationId xmlns:a16="http://schemas.microsoft.com/office/drawing/2014/main" id="{AF708F16-5DBC-4B6A-8DFC-6213EECAA9C2}"/>
-              </a:ext>
-            </a:extLst>
-          </p:cNvPr>
-          <p:cNvSpPr>
-            <a:spLocks noGrp="1"/>
-          </p:cNvSpPr>
-          <p:nvPr>
-            <p:ph type="title"/>
-          </p:nvPr>
-        </p:nvSpPr>
-        <p:spPr/>
-        <p:txBody>
-          <a:bodyPr/>
-          <a:lstStyle/>
-          <a:p>
-            <a:r>
-              <a:rPr lang="en-US" dirty="0"/>
-              <a:t>AKS concepts </a:t>
-            </a:r>
-          </a:p>
-        </p:txBody>
-      </p:sp>
-      <p:sp>
-        <p:nvSpPr>
-          <p:cNvPr id="3" name="Text Placeholder 2">
-            <a:extLst>
-              <a:ext uri="{FF2B5EF4-FFF2-40B4-BE49-F238E27FC236}">
-                <a16:creationId xmlns:a16="http://schemas.microsoft.com/office/drawing/2014/main" id="{EC7572EA-1EAB-40E7-BB72-53988D9C2321}"/>
-              </a:ext>
-            </a:extLst>
-          </p:cNvPr>
-          <p:cNvSpPr>
-            <a:spLocks noGrp="1"/>
-          </p:cNvSpPr>
-          <p:nvPr>
-            <p:ph type="body" idx="1"/>
-          </p:nvPr>
-        </p:nvSpPr>
-        <p:spPr/>
-        <p:txBody>
-          <a:bodyPr/>
-          <a:lstStyle/>
-          <a:p>
-            <a:endParaRPr lang="en-US" dirty="0"/>
-          </a:p>
-          <a:p>
-            <a:endParaRPr lang="en-US" dirty="0"/>
-          </a:p>
-        </p:txBody>
-      </p:sp>
-      <p:pic>
-        <p:nvPicPr>
-          <p:cNvPr id="4" name="Google Shape;56;p13">
-            <a:extLst>
-              <a:ext uri="{FF2B5EF4-FFF2-40B4-BE49-F238E27FC236}">
-                <a16:creationId xmlns:a16="http://schemas.microsoft.com/office/drawing/2014/main" id="{5DC2FED0-7C5F-460C-998D-2520FD324176}"/>
-              </a:ext>
-            </a:extLst>
-          </p:cNvPr>
-          <p:cNvPicPr preferRelativeResize="0"/>
-          <p:nvPr/>
-        </p:nvPicPr>
-        <p:blipFill>
-          <a:blip r:embed="rId2">
-            <a:alphaModFix/>
-          </a:blip>
-          <a:stretch>
-            <a:fillRect/>
-          </a:stretch>
-        </p:blipFill>
-        <p:spPr>
-          <a:xfrm>
-            <a:off x="10989179" y="5736492"/>
-            <a:ext cx="1202821" cy="1121508"/>
-          </a:xfrm>
-          <a:prstGeom prst="rect">
-            <a:avLst/>
-          </a:prstGeom>
-          <a:noFill/>
-          <a:ln>
-            <a:noFill/>
-          </a:ln>
-        </p:spPr>
-      </p:pic>
-      <p:pic>
-        <p:nvPicPr>
-          <p:cNvPr id="6" name="Picture 5">
-            <a:extLst>
-              <a:ext uri="{FF2B5EF4-FFF2-40B4-BE49-F238E27FC236}">
-                <a16:creationId xmlns:a16="http://schemas.microsoft.com/office/drawing/2014/main" id="{562789FC-24E6-41E1-B839-308F71066FC1}"/>
-              </a:ext>
-            </a:extLst>
-          </p:cNvPr>
-          <p:cNvPicPr>
-            <a:picLocks noChangeAspect="1"/>
-          </p:cNvPicPr>
-          <p:nvPr/>
-        </p:nvPicPr>
-        <p:blipFill>
-          <a:blip r:embed="rId3"/>
-          <a:stretch>
-            <a:fillRect/>
-          </a:stretch>
-        </p:blipFill>
-        <p:spPr>
-          <a:xfrm>
-            <a:off x="10765535" y="469734"/>
-            <a:ext cx="1010865" cy="1010865"/>
-          </a:xfrm>
-          <a:prstGeom prst="rect">
-            <a:avLst/>
-          </a:prstGeom>
-        </p:spPr>
-      </p:pic>
-    </p:spTree>
-    <p:extLst>
-      <p:ext uri="{BB962C8B-B14F-4D97-AF65-F5344CB8AC3E}">
-        <p14:creationId xmlns:p14="http://schemas.microsoft.com/office/powerpoint/2010/main" val="1280877333"/>
-      </p:ext>
-    </p:extLst>
-  </p:cSld>
-  <p:clrMapOvr>
-    <a:masterClrMapping/>
-  </p:clrMapOvr>
-</p:sld>
-</file>
-
 <file path=ppt/slides/slide16.xml><?xml version="1.0" encoding="utf-8"?>
 <p:sld xmlns:a="http://schemas.openxmlformats.org/drawingml/2006/main" xmlns:r="http://schemas.openxmlformats.org/officeDocument/2006/relationships" xmlns:p="http://schemas.openxmlformats.org/presentationml/2006/main">
   <p:cSld>
@@ -14902,7 +15333,7 @@
         <p:spPr>
           <a:xfrm>
             <a:off x="1998922" y="6417317"/>
-            <a:ext cx="7090852" cy="369332"/>
+            <a:ext cx="8224944" cy="369332"/>
           </a:xfrm>
           <a:prstGeom prst="rect">
             <a:avLst/>
@@ -14915,6 +15346,10 @@
           </a:bodyPr>
           <a:lstStyle/>
           <a:p>
+            <a:r>
+              <a:rPr lang="en-US" dirty="0"/>
+              <a:t>Image from </a:t>
+            </a:r>
             <a:r>
               <a:rPr lang="en-US" dirty="0">
                 <a:hlinkClick r:id="rId6"/>
@@ -15093,7 +15528,7 @@
         <p:spPr>
           <a:xfrm>
             <a:off x="1998922" y="6417317"/>
-            <a:ext cx="7090852" cy="369332"/>
+            <a:ext cx="8224944" cy="369332"/>
           </a:xfrm>
           <a:prstGeom prst="rect">
             <a:avLst/>
@@ -15106,6 +15541,10 @@
           </a:bodyPr>
           <a:lstStyle/>
           <a:p>
+            <a:r>
+              <a:rPr lang="en-US" dirty="0"/>
+              <a:t>Image from </a:t>
+            </a:r>
             <a:r>
               <a:rPr lang="en-US" dirty="0">
                 <a:hlinkClick r:id="rId5"/>
@@ -28039,7 +28478,7 @@
   <p:cSld>
     <p:spTree>
       <p:nvGrpSpPr>
-        <p:cNvPr id="1" name="Shape 67"/>
+        <p:cNvPr id="1" name=""/>
         <p:cNvGrpSpPr/>
         <p:nvPr/>
       </p:nvGrpSpPr>
@@ -28053,205 +28492,156 @@
       </p:grpSpPr>
       <p:sp>
         <p:nvSpPr>
-          <p:cNvPr id="68" name="Google Shape;68;p15"/>
-          <p:cNvSpPr txBox="1">
+          <p:cNvPr id="2" name="Title 1">
+            <a:extLst>
+              <a:ext uri="{FF2B5EF4-FFF2-40B4-BE49-F238E27FC236}">
+                <a16:creationId xmlns:a16="http://schemas.microsoft.com/office/drawing/2014/main" id="{FE945236-91F1-45E7-A9D1-02CAD7660C81}"/>
+              </a:ext>
+            </a:extLst>
+          </p:cNvPr>
+          <p:cNvSpPr>
             <a:spLocks noGrp="1"/>
           </p:cNvSpPr>
           <p:nvPr>
             <p:ph type="title"/>
           </p:nvPr>
         </p:nvSpPr>
-        <p:spPr>
-          <a:xfrm>
-            <a:off x="415600" y="593367"/>
-            <a:ext cx="11360800" cy="763600"/>
-          </a:xfrm>
-          <a:prstGeom prst="rect">
-            <a:avLst/>
-          </a:prstGeom>
-        </p:spPr>
+        <p:spPr/>
         <p:txBody>
-          <a:bodyPr spcFirstLastPara="1" vert="horz" wrap="square" lIns="121900" tIns="121900" rIns="121900" bIns="121900" rtlCol="0" anchor="t" anchorCtr="0">
-            <a:noAutofit/>
-          </a:bodyPr>
+          <a:bodyPr/>
           <a:lstStyle/>
           <a:p>
             <a:r>
-              <a:rPr lang="nb-NO" dirty="0"/>
-              <a:t>Microsoft Teams 101</a:t>
+              <a:rPr lang="en-US" dirty="0"/>
+              <a:t>Infrastructure as Code User Group 2021 roadmap</a:t>
             </a:r>
-            <a:endParaRPr dirty="0"/>
           </a:p>
         </p:txBody>
       </p:sp>
       <p:sp>
         <p:nvSpPr>
-          <p:cNvPr id="69" name="Google Shape;69;p15"/>
-          <p:cNvSpPr txBox="1">
+          <p:cNvPr id="3" name="Text Placeholder 2">
+            <a:extLst>
+              <a:ext uri="{FF2B5EF4-FFF2-40B4-BE49-F238E27FC236}">
+                <a16:creationId xmlns:a16="http://schemas.microsoft.com/office/drawing/2014/main" id="{4B6017F3-C631-4BCA-8424-F9041D0AF229}"/>
+              </a:ext>
+            </a:extLst>
+          </p:cNvPr>
+          <p:cNvSpPr>
             <a:spLocks noGrp="1"/>
           </p:cNvSpPr>
           <p:nvPr>
             <p:ph type="body" idx="1"/>
           </p:nvPr>
         </p:nvSpPr>
-        <p:spPr>
-          <a:xfrm>
-            <a:off x="415600" y="1536633"/>
-            <a:ext cx="11360800" cy="4555200"/>
-          </a:xfrm>
-          <a:prstGeom prst="rect">
-            <a:avLst/>
-          </a:prstGeom>
-        </p:spPr>
+        <p:spPr/>
         <p:txBody>
-          <a:bodyPr spcFirstLastPara="1" vert="horz" wrap="square" lIns="121900" tIns="121900" rIns="121900" bIns="121900" rtlCol="0" anchor="t" anchorCtr="0">
-            <a:noAutofit/>
-          </a:bodyPr>
+          <a:bodyPr/>
           <a:lstStyle/>
           <a:p>
-            <a:pPr marL="380990" indent="-380990">
-              <a:spcAft>
-                <a:spcPts val="2133"/>
-              </a:spcAft>
+            <a:pPr marL="152396" indent="0">
+              <a:buNone/>
             </a:pPr>
             <a:r>
               <a:rPr lang="en-US" dirty="0"/>
-              <a:t>Mute your mic (but don’t forget to unmute when you speak)</a:t>
+              <a:t>AKS workshops:</a:t>
             </a:r>
           </a:p>
           <a:p>
-            <a:pPr marL="380990" indent="-380990">
-              <a:spcAft>
-                <a:spcPts val="2133"/>
-              </a:spcAft>
+            <a:r>
+              <a:rPr lang="en-US" dirty="0"/>
+              <a:t>AKS and Kubernetes 101</a:t>
+            </a:r>
+          </a:p>
+          <a:p>
+            <a:r>
+              <a:rPr lang="en-US" dirty="0"/>
+              <a:t>Advanced AKS con</a:t>
+            </a:r>
+          </a:p>
+          <a:p>
+            <a:r>
+              <a:rPr lang="en-US" dirty="0"/>
+              <a:t>Use </a:t>
+            </a:r>
+            <a:r>
+              <a:rPr lang="en-US" dirty="0" err="1"/>
+              <a:t>Pulumi</a:t>
+            </a:r>
+            <a:r>
+              <a:rPr lang="en-US" dirty="0"/>
+              <a:t> to provision and configuring AKS </a:t>
+            </a:r>
+            <a:r>
+              <a:rPr lang="en-US" dirty="0" err="1"/>
+              <a:t>clusterfiguration</a:t>
+            </a:r>
+            <a:endParaRPr lang="en-US" dirty="0"/>
+          </a:p>
+          <a:p>
+            <a:r>
+              <a:rPr lang="en-US" dirty="0"/>
+              <a:t>Service mesh with </a:t>
+            </a:r>
+            <a:r>
+              <a:rPr lang="en-US" dirty="0" err="1"/>
+              <a:t>linkerd</a:t>
+            </a:r>
+            <a:endParaRPr lang="en-US" dirty="0"/>
+          </a:p>
+          <a:p>
+            <a:r>
+              <a:rPr lang="en-US" dirty="0"/>
+              <a:t>AKS application deployment strategy</a:t>
+            </a:r>
+          </a:p>
+          <a:p>
+            <a:r>
+              <a:rPr lang="en-US" dirty="0"/>
+              <a:t>AKS security</a:t>
+            </a:r>
+          </a:p>
+          <a:p>
+            <a:pPr marL="152396" indent="0">
+              <a:buNone/>
+            </a:pPr>
+            <a:endParaRPr lang="en-US" dirty="0"/>
+          </a:p>
+          <a:p>
+            <a:pPr marL="152396" indent="0">
+              <a:buNone/>
             </a:pPr>
             <a:r>
               <a:rPr lang="en-US" dirty="0"/>
-              <a:t>Feel free to use video</a:t>
+              <a:t>+ “regular” events (work in progress)</a:t>
             </a:r>
           </a:p>
           <a:p>
-            <a:pPr marL="380990" indent="-380990">
-              <a:spcAft>
-                <a:spcPts val="2133"/>
-              </a:spcAft>
+            <a:pPr marL="152396" indent="0">
+              <a:buNone/>
             </a:pPr>
+            <a:endParaRPr lang="en-US" dirty="0"/>
+          </a:p>
+          <a:p>
             <a:r>
               <a:rPr lang="en-US" dirty="0"/>
-              <a:t>«Rise your hand» if you need some attention</a:t>
+              <a:t>If you have good AKS / Kubernetes story – welcome to share! </a:t>
             </a:r>
           </a:p>
           <a:p>
-            <a:pPr marL="380990" indent="-380990">
-              <a:spcAft>
-                <a:spcPts val="2133"/>
-              </a:spcAft>
-            </a:pPr>
-            <a:r>
-              <a:rPr lang="en-US" dirty="0"/>
-              <a:t>Conversation/chat</a:t>
-            </a:r>
-          </a:p>
-          <a:p>
-            <a:pPr marL="380990" indent="-380990">
-              <a:spcAft>
-                <a:spcPts val="2133"/>
-              </a:spcAft>
-            </a:pPr>
-            <a:r>
-              <a:rPr lang="en-US" dirty="0"/>
-              <a:t>If you want to have private discussion, find </a:t>
-            </a:r>
-            <a:r>
-              <a:rPr lang="en-US" dirty="0">
-                <a:hlinkClick r:id="rId3"/>
-              </a:rPr>
-              <a:t>evgeny@enso.no</a:t>
-            </a:r>
-            <a:r>
-              <a:rPr lang="en-US" dirty="0"/>
-              <a:t> and start chat with me </a:t>
-            </a:r>
-          </a:p>
-          <a:p>
-            <a:pPr marL="380990" indent="-380990">
-              <a:spcAft>
-                <a:spcPts val="2133"/>
-              </a:spcAft>
-            </a:pPr>
-            <a:r>
-              <a:rPr lang="en-US" dirty="0"/>
-              <a:t>Share screen </a:t>
-            </a:r>
+            <a:endParaRPr lang="en-US" dirty="0"/>
+          </a:p>
+          <a:p>
+            <a:endParaRPr lang="en-US" dirty="0"/>
           </a:p>
         </p:txBody>
       </p:sp>
       <p:pic>
         <p:nvPicPr>
-          <p:cNvPr id="2" name="Picture 1">
+          <p:cNvPr id="4" name="Google Shape;56;p13">
             <a:extLst>
               <a:ext uri="{FF2B5EF4-FFF2-40B4-BE49-F238E27FC236}">
-                <a16:creationId xmlns:a16="http://schemas.microsoft.com/office/drawing/2014/main" id="{93FDAD15-0133-42CB-B22E-5EA0CBAB687B}"/>
-              </a:ext>
-            </a:extLst>
-          </p:cNvPr>
-          <p:cNvPicPr>
-            <a:picLocks noChangeAspect="1"/>
-          </p:cNvPicPr>
-          <p:nvPr/>
-        </p:nvPicPr>
-        <p:blipFill>
-          <a:blip r:embed="rId4"/>
-          <a:stretch>
-            <a:fillRect/>
-          </a:stretch>
-        </p:blipFill>
-        <p:spPr>
-          <a:xfrm>
-            <a:off x="3696563" y="3428999"/>
-            <a:ext cx="3637396" cy="819045"/>
-          </a:xfrm>
-          <a:prstGeom prst="rect">
-            <a:avLst/>
-          </a:prstGeom>
-        </p:spPr>
-      </p:pic>
-      <p:pic>
-        <p:nvPicPr>
-          <p:cNvPr id="3" name="Picture 2">
-            <a:extLst>
-              <a:ext uri="{FF2B5EF4-FFF2-40B4-BE49-F238E27FC236}">
-                <a16:creationId xmlns:a16="http://schemas.microsoft.com/office/drawing/2014/main" id="{8C84819E-A625-40F0-BCDC-E2DFEF111510}"/>
-              </a:ext>
-            </a:extLst>
-          </p:cNvPr>
-          <p:cNvPicPr>
-            <a:picLocks noChangeAspect="1"/>
-          </p:cNvPicPr>
-          <p:nvPr/>
-        </p:nvPicPr>
-        <p:blipFill>
-          <a:blip r:embed="rId5"/>
-          <a:stretch>
-            <a:fillRect/>
-          </a:stretch>
-        </p:blipFill>
-        <p:spPr>
-          <a:xfrm>
-            <a:off x="3028127" y="5321367"/>
-            <a:ext cx="3447472" cy="702531"/>
-          </a:xfrm>
-          <a:prstGeom prst="rect">
-            <a:avLst/>
-          </a:prstGeom>
-        </p:spPr>
-      </p:pic>
-      <p:pic>
-        <p:nvPicPr>
-          <p:cNvPr id="7" name="Google Shape;56;p13">
-            <a:extLst>
-              <a:ext uri="{FF2B5EF4-FFF2-40B4-BE49-F238E27FC236}">
-                <a16:creationId xmlns:a16="http://schemas.microsoft.com/office/drawing/2014/main" id="{C7C3329F-2340-4248-9990-99A2AC41C156}"/>
+                <a16:creationId xmlns:a16="http://schemas.microsoft.com/office/drawing/2014/main" id="{DC728A7C-EC78-437E-8CC7-5217F4BA2FAA}"/>
               </a:ext>
             </a:extLst>
           </p:cNvPr>
@@ -28259,7 +28649,7 @@
           <p:nvPr/>
         </p:nvPicPr>
         <p:blipFill>
-          <a:blip r:embed="rId6">
+          <a:blip r:embed="rId2">
             <a:alphaModFix/>
           </a:blip>
           <a:stretch>
@@ -28282,10 +28672,10 @@
       </p:pic>
       <p:pic>
         <p:nvPicPr>
-          <p:cNvPr id="5" name="Picture 4">
+          <p:cNvPr id="5" name="Graphic 4">
             <a:extLst>
               <a:ext uri="{FF2B5EF4-FFF2-40B4-BE49-F238E27FC236}">
-                <a16:creationId xmlns:a16="http://schemas.microsoft.com/office/drawing/2014/main" id="{0811F3FE-AAEC-40BB-BF0A-BE959E311625}"/>
+                <a16:creationId xmlns:a16="http://schemas.microsoft.com/office/drawing/2014/main" id="{0BECB7BE-A1DA-4603-B4F5-F0023373D912}"/>
               </a:ext>
             </a:extLst>
           </p:cNvPr>
@@ -28295,15 +28685,24 @@
           <p:nvPr/>
         </p:nvPicPr>
         <p:blipFill>
-          <a:blip r:embed="rId7"/>
+          <a:blip r:embed="rId3">
+            <a:extLst>
+              <a:ext uri="{28A0092B-C50C-407E-A947-70E740481C1C}">
+                <a14:useLocalDpi xmlns:a14="http://schemas.microsoft.com/office/drawing/2010/main" val="0"/>
+              </a:ext>
+              <a:ext uri="{96DAC541-7B7A-43D3-8B79-37D633B846F1}">
+                <asvg:svgBlip xmlns:asvg="http://schemas.microsoft.com/office/drawing/2016/SVG/main" r:embed="rId4"/>
+              </a:ext>
+            </a:extLst>
+          </a:blip>
           <a:stretch>
             <a:fillRect/>
           </a:stretch>
         </p:blipFill>
         <p:spPr>
           <a:xfrm>
-            <a:off x="7521682" y="2482032"/>
-            <a:ext cx="4320914" cy="769687"/>
+            <a:off x="343599" y="6114702"/>
+            <a:ext cx="1718444" cy="574556"/>
           </a:xfrm>
           <a:prstGeom prst="rect">
             <a:avLst/>
@@ -28313,7 +28712,7 @@
     </p:spTree>
     <p:extLst>
       <p:ext uri="{BB962C8B-B14F-4D97-AF65-F5344CB8AC3E}">
-        <p14:creationId xmlns:p14="http://schemas.microsoft.com/office/powerpoint/2010/main" val="3861844443"/>
+        <p14:creationId xmlns:p14="http://schemas.microsoft.com/office/powerpoint/2010/main" val="3028258063"/>
       </p:ext>
     </p:extLst>
   </p:cSld>
@@ -33099,6 +33498,295 @@
           <a:p>
             <a:r>
               <a:rPr lang="nb-NO" dirty="0"/>
+              <a:t>Microsoft Teams 101</a:t>
+            </a:r>
+            <a:endParaRPr dirty="0"/>
+          </a:p>
+        </p:txBody>
+      </p:sp>
+      <p:sp>
+        <p:nvSpPr>
+          <p:cNvPr id="69" name="Google Shape;69;p15"/>
+          <p:cNvSpPr txBox="1">
+            <a:spLocks noGrp="1"/>
+          </p:cNvSpPr>
+          <p:nvPr>
+            <p:ph type="body" idx="1"/>
+          </p:nvPr>
+        </p:nvSpPr>
+        <p:spPr>
+          <a:xfrm>
+            <a:off x="415600" y="1536633"/>
+            <a:ext cx="11360800" cy="4555200"/>
+          </a:xfrm>
+          <a:prstGeom prst="rect">
+            <a:avLst/>
+          </a:prstGeom>
+        </p:spPr>
+        <p:txBody>
+          <a:bodyPr spcFirstLastPara="1" vert="horz" wrap="square" lIns="121900" tIns="121900" rIns="121900" bIns="121900" rtlCol="0" anchor="t" anchorCtr="0">
+            <a:noAutofit/>
+          </a:bodyPr>
+          <a:lstStyle/>
+          <a:p>
+            <a:pPr marL="380990" indent="-380990">
+              <a:spcAft>
+                <a:spcPts val="2133"/>
+              </a:spcAft>
+            </a:pPr>
+            <a:r>
+              <a:rPr lang="en-US" dirty="0"/>
+              <a:t>Mute your mic (but don’t forget to unmute when you speak)</a:t>
+            </a:r>
+          </a:p>
+          <a:p>
+            <a:pPr marL="380990" indent="-380990">
+              <a:spcAft>
+                <a:spcPts val="2133"/>
+              </a:spcAft>
+            </a:pPr>
+            <a:r>
+              <a:rPr lang="en-US" dirty="0"/>
+              <a:t>Feel free to use video</a:t>
+            </a:r>
+          </a:p>
+          <a:p>
+            <a:pPr marL="380990" indent="-380990">
+              <a:spcAft>
+                <a:spcPts val="2133"/>
+              </a:spcAft>
+            </a:pPr>
+            <a:r>
+              <a:rPr lang="en-US" dirty="0"/>
+              <a:t>«Rise your hand» if you need some attention</a:t>
+            </a:r>
+          </a:p>
+          <a:p>
+            <a:pPr marL="380990" indent="-380990">
+              <a:spcAft>
+                <a:spcPts val="2133"/>
+              </a:spcAft>
+            </a:pPr>
+            <a:r>
+              <a:rPr lang="en-US" dirty="0"/>
+              <a:t>Conversation/chat</a:t>
+            </a:r>
+          </a:p>
+          <a:p>
+            <a:pPr marL="380990" indent="-380990">
+              <a:spcAft>
+                <a:spcPts val="2133"/>
+              </a:spcAft>
+            </a:pPr>
+            <a:r>
+              <a:rPr lang="en-US" dirty="0"/>
+              <a:t>If you want to have private discussion, find </a:t>
+            </a:r>
+            <a:r>
+              <a:rPr lang="en-US" dirty="0">
+                <a:hlinkClick r:id="rId3"/>
+              </a:rPr>
+              <a:t>evgeny@enso.no</a:t>
+            </a:r>
+            <a:r>
+              <a:rPr lang="en-US" dirty="0"/>
+              <a:t> and start chat with me </a:t>
+            </a:r>
+          </a:p>
+          <a:p>
+            <a:pPr marL="380990" indent="-380990">
+              <a:spcAft>
+                <a:spcPts val="2133"/>
+              </a:spcAft>
+            </a:pPr>
+            <a:r>
+              <a:rPr lang="en-US" dirty="0"/>
+              <a:t>Share screen </a:t>
+            </a:r>
+          </a:p>
+        </p:txBody>
+      </p:sp>
+      <p:pic>
+        <p:nvPicPr>
+          <p:cNvPr id="2" name="Picture 1">
+            <a:extLst>
+              <a:ext uri="{FF2B5EF4-FFF2-40B4-BE49-F238E27FC236}">
+                <a16:creationId xmlns:a16="http://schemas.microsoft.com/office/drawing/2014/main" id="{93FDAD15-0133-42CB-B22E-5EA0CBAB687B}"/>
+              </a:ext>
+            </a:extLst>
+          </p:cNvPr>
+          <p:cNvPicPr>
+            <a:picLocks noChangeAspect="1"/>
+          </p:cNvPicPr>
+          <p:nvPr/>
+        </p:nvPicPr>
+        <p:blipFill>
+          <a:blip r:embed="rId4"/>
+          <a:stretch>
+            <a:fillRect/>
+          </a:stretch>
+        </p:blipFill>
+        <p:spPr>
+          <a:xfrm>
+            <a:off x="3696563" y="3428999"/>
+            <a:ext cx="3637396" cy="819045"/>
+          </a:xfrm>
+          <a:prstGeom prst="rect">
+            <a:avLst/>
+          </a:prstGeom>
+        </p:spPr>
+      </p:pic>
+      <p:pic>
+        <p:nvPicPr>
+          <p:cNvPr id="3" name="Picture 2">
+            <a:extLst>
+              <a:ext uri="{FF2B5EF4-FFF2-40B4-BE49-F238E27FC236}">
+                <a16:creationId xmlns:a16="http://schemas.microsoft.com/office/drawing/2014/main" id="{8C84819E-A625-40F0-BCDC-E2DFEF111510}"/>
+              </a:ext>
+            </a:extLst>
+          </p:cNvPr>
+          <p:cNvPicPr>
+            <a:picLocks noChangeAspect="1"/>
+          </p:cNvPicPr>
+          <p:nvPr/>
+        </p:nvPicPr>
+        <p:blipFill>
+          <a:blip r:embed="rId5"/>
+          <a:stretch>
+            <a:fillRect/>
+          </a:stretch>
+        </p:blipFill>
+        <p:spPr>
+          <a:xfrm>
+            <a:off x="3028127" y="5321367"/>
+            <a:ext cx="3447472" cy="702531"/>
+          </a:xfrm>
+          <a:prstGeom prst="rect">
+            <a:avLst/>
+          </a:prstGeom>
+        </p:spPr>
+      </p:pic>
+      <p:pic>
+        <p:nvPicPr>
+          <p:cNvPr id="7" name="Google Shape;56;p13">
+            <a:extLst>
+              <a:ext uri="{FF2B5EF4-FFF2-40B4-BE49-F238E27FC236}">
+                <a16:creationId xmlns:a16="http://schemas.microsoft.com/office/drawing/2014/main" id="{C7C3329F-2340-4248-9990-99A2AC41C156}"/>
+              </a:ext>
+            </a:extLst>
+          </p:cNvPr>
+          <p:cNvPicPr preferRelativeResize="0"/>
+          <p:nvPr/>
+        </p:nvPicPr>
+        <p:blipFill>
+          <a:blip r:embed="rId6">
+            <a:alphaModFix/>
+          </a:blip>
+          <a:stretch>
+            <a:fillRect/>
+          </a:stretch>
+        </p:blipFill>
+        <p:spPr>
+          <a:xfrm>
+            <a:off x="10989179" y="5736492"/>
+            <a:ext cx="1202821" cy="1121508"/>
+          </a:xfrm>
+          <a:prstGeom prst="rect">
+            <a:avLst/>
+          </a:prstGeom>
+          <a:noFill/>
+          <a:ln>
+            <a:noFill/>
+          </a:ln>
+        </p:spPr>
+      </p:pic>
+      <p:pic>
+        <p:nvPicPr>
+          <p:cNvPr id="5" name="Picture 4">
+            <a:extLst>
+              <a:ext uri="{FF2B5EF4-FFF2-40B4-BE49-F238E27FC236}">
+                <a16:creationId xmlns:a16="http://schemas.microsoft.com/office/drawing/2014/main" id="{0811F3FE-AAEC-40BB-BF0A-BE959E311625}"/>
+              </a:ext>
+            </a:extLst>
+          </p:cNvPr>
+          <p:cNvPicPr>
+            <a:picLocks noChangeAspect="1"/>
+          </p:cNvPicPr>
+          <p:nvPr/>
+        </p:nvPicPr>
+        <p:blipFill>
+          <a:blip r:embed="rId7"/>
+          <a:stretch>
+            <a:fillRect/>
+          </a:stretch>
+        </p:blipFill>
+        <p:spPr>
+          <a:xfrm>
+            <a:off x="7521682" y="2482032"/>
+            <a:ext cx="4320914" cy="769687"/>
+          </a:xfrm>
+          <a:prstGeom prst="rect">
+            <a:avLst/>
+          </a:prstGeom>
+        </p:spPr>
+      </p:pic>
+    </p:spTree>
+    <p:extLst>
+      <p:ext uri="{BB962C8B-B14F-4D97-AF65-F5344CB8AC3E}">
+        <p14:creationId xmlns:p14="http://schemas.microsoft.com/office/powerpoint/2010/main" val="3861844443"/>
+      </p:ext>
+    </p:extLst>
+  </p:cSld>
+  <p:clrMapOvr>
+    <a:masterClrMapping/>
+  </p:clrMapOvr>
+</p:sld>
+</file>
+
+<file path=ppt/slides/slide5.xml><?xml version="1.0" encoding="utf-8"?>
+<p:sld xmlns:a="http://schemas.openxmlformats.org/drawingml/2006/main" xmlns:r="http://schemas.openxmlformats.org/officeDocument/2006/relationships" xmlns:p="http://schemas.openxmlformats.org/presentationml/2006/main">
+  <p:cSld>
+    <p:spTree>
+      <p:nvGrpSpPr>
+        <p:cNvPr id="1" name="Shape 67"/>
+        <p:cNvGrpSpPr/>
+        <p:nvPr/>
+      </p:nvGrpSpPr>
+      <p:grpSpPr>
+        <a:xfrm>
+          <a:off x="0" y="0"/>
+          <a:ext cx="0" cy="0"/>
+          <a:chOff x="0" y="0"/>
+          <a:chExt cx="0" cy="0"/>
+        </a:xfrm>
+      </p:grpSpPr>
+      <p:sp>
+        <p:nvSpPr>
+          <p:cNvPr id="68" name="Google Shape;68;p15"/>
+          <p:cNvSpPr txBox="1">
+            <a:spLocks noGrp="1"/>
+          </p:cNvSpPr>
+          <p:nvPr>
+            <p:ph type="title"/>
+          </p:nvPr>
+        </p:nvSpPr>
+        <p:spPr>
+          <a:xfrm>
+            <a:off x="415600" y="593367"/>
+            <a:ext cx="11360800" cy="763600"/>
+          </a:xfrm>
+          <a:prstGeom prst="rect">
+            <a:avLst/>
+          </a:prstGeom>
+        </p:spPr>
+        <p:txBody>
+          <a:bodyPr spcFirstLastPara="1" vert="horz" wrap="square" lIns="121900" tIns="121900" rIns="121900" bIns="121900" rtlCol="0" anchor="t" anchorCtr="0">
+            <a:noAutofit/>
+          </a:bodyPr>
+          <a:lstStyle/>
+          <a:p>
+            <a:r>
+              <a:rPr lang="nb-NO" dirty="0"/>
               <a:t>Practical information</a:t>
             </a:r>
             <a:endParaRPr dirty="0"/>
@@ -33291,7 +33979,7 @@
 </p:sld>
 </file>
 
-<file path=ppt/slides/slide5.xml><?xml version="1.0" encoding="utf-8"?>
+<file path=ppt/slides/slide6.xml><?xml version="1.0" encoding="utf-8"?>
 <p:sld xmlns:a="http://schemas.openxmlformats.org/drawingml/2006/main" xmlns:r="http://schemas.openxmlformats.org/officeDocument/2006/relationships" xmlns:p="http://schemas.openxmlformats.org/presentationml/2006/main">
   <p:cSld>
     <p:spTree>
@@ -33354,7 +34042,7 @@
         <p:spPr>
           <a:xfrm>
             <a:off x="415600" y="1536633"/>
-            <a:ext cx="11360800" cy="4555200"/>
+            <a:ext cx="11360800" cy="5221614"/>
           </a:xfrm>
           <a:prstGeom prst="rect">
             <a:avLst/>
@@ -33653,7 +34341,7 @@
 </p:sld>
 </file>
 
-<file path=ppt/slides/slide6.xml><?xml version="1.0" encoding="utf-8"?>
+<file path=ppt/slides/slide7.xml><?xml version="1.0" encoding="utf-8"?>
 <p:sld xmlns:a="http://schemas.openxmlformats.org/drawingml/2006/main" xmlns:r="http://schemas.openxmlformats.org/officeDocument/2006/relationships" xmlns:p="http://schemas.openxmlformats.org/presentationml/2006/main">
   <p:cSld>
     <p:bg>
@@ -34833,7 +35521,7 @@
 </p:sld>
 </file>
 
-<file path=ppt/slides/slide7.xml><?xml version="1.0" encoding="utf-8"?>
+<file path=ppt/slides/slide8.xml><?xml version="1.0" encoding="utf-8"?>
 <p:sld xmlns:a="http://schemas.openxmlformats.org/drawingml/2006/main" xmlns:r="http://schemas.openxmlformats.org/officeDocument/2006/relationships" xmlns:p="http://schemas.openxmlformats.org/presentationml/2006/main">
   <p:cSld>
     <p:spTree>
@@ -35290,7 +35978,7 @@
 </p:sld>
 </file>
 
-<file path=ppt/slides/slide8.xml><?xml version="1.0" encoding="utf-8"?>
+<file path=ppt/slides/slide9.xml><?xml version="1.0" encoding="utf-8"?>
 <p:sld xmlns:a="http://schemas.openxmlformats.org/drawingml/2006/main" xmlns:r="http://schemas.openxmlformats.org/officeDocument/2006/relationships" xmlns:p="http://schemas.openxmlformats.org/presentationml/2006/main">
   <p:cSld>
     <p:spTree>
@@ -35642,7 +36330,32 @@
           <a:p>
             <a:r>
               <a:rPr lang="en-US" dirty="0"/>
-              <a:t>Desired state (Imperative vs. Declarative)</a:t>
+              <a:t>Nodes</a:t>
+            </a:r>
+          </a:p>
+          <a:p>
+            <a:endParaRPr lang="en-US" dirty="0"/>
+          </a:p>
+          <a:p>
+            <a:r>
+              <a:rPr lang="en-US" dirty="0"/>
+              <a:t>Pods</a:t>
+            </a:r>
+          </a:p>
+          <a:p>
+            <a:endParaRPr lang="en-US" dirty="0"/>
+          </a:p>
+          <a:p>
+            <a:r>
+              <a:rPr lang="en-US" dirty="0"/>
+              <a:t>Desired state </a:t>
+            </a:r>
+            <a:br>
+              <a:rPr lang="en-US" dirty="0"/>
+            </a:br>
+            <a:r>
+              <a:rPr lang="en-US" dirty="0"/>
+              <a:t>(Imperative vs. Declarative)</a:t>
             </a:r>
           </a:p>
           <a:p>
@@ -35654,24 +36367,6 @@
           <a:p>
             <a:r>
               <a:rPr lang="en-US" dirty="0"/>
-              <a:t>Nodes</a:t>
-            </a:r>
-          </a:p>
-          <a:p>
-            <a:endParaRPr lang="en-US" dirty="0"/>
-          </a:p>
-          <a:p>
-            <a:r>
-              <a:rPr lang="en-US" dirty="0"/>
-              <a:t>Pods</a:t>
-            </a:r>
-          </a:p>
-          <a:p>
-            <a:endParaRPr lang="en-US" dirty="0"/>
-          </a:p>
-          <a:p>
-            <a:r>
-              <a:rPr lang="en-US" dirty="0"/>
               <a:t>Deployments</a:t>
             </a:r>
           </a:p>
@@ -35699,209 +36394,20 @@
           <a:p>
             <a:endParaRPr lang="en-US" dirty="0"/>
           </a:p>
-        </p:txBody>
-      </p:sp>
-    </p:spTree>
-    <p:extLst>
-      <p:ext uri="{BB962C8B-B14F-4D97-AF65-F5344CB8AC3E}">
-        <p14:creationId xmlns:p14="http://schemas.microsoft.com/office/powerpoint/2010/main" val="2665280539"/>
-      </p:ext>
-    </p:extLst>
-  </p:cSld>
-  <p:clrMapOvr>
-    <a:masterClrMapping/>
-  </p:clrMapOvr>
-</p:sld>
-</file>
-
-<file path=ppt/slides/slide9.xml><?xml version="1.0" encoding="utf-8"?>
-<p:sld xmlns:a="http://schemas.openxmlformats.org/drawingml/2006/main" xmlns:r="http://schemas.openxmlformats.org/officeDocument/2006/relationships" xmlns:p="http://schemas.openxmlformats.org/presentationml/2006/main">
-  <p:cSld>
-    <p:spTree>
-      <p:nvGrpSpPr>
-        <p:cNvPr id="1" name=""/>
-        <p:cNvGrpSpPr/>
-        <p:nvPr/>
-      </p:nvGrpSpPr>
-      <p:grpSpPr>
-        <a:xfrm>
-          <a:off x="0" y="0"/>
-          <a:ext cx="0" cy="0"/>
-          <a:chOff x="0" y="0"/>
-          <a:chExt cx="0" cy="0"/>
-        </a:xfrm>
-      </p:grpSpPr>
-      <p:sp>
-        <p:nvSpPr>
-          <p:cNvPr id="2" name="Title 1">
-            <a:extLst>
-              <a:ext uri="{FF2B5EF4-FFF2-40B4-BE49-F238E27FC236}">
-                <a16:creationId xmlns:a16="http://schemas.microsoft.com/office/drawing/2014/main" id="{AF708F16-5DBC-4B6A-8DFC-6213EECAA9C2}"/>
-              </a:ext>
-            </a:extLst>
-          </p:cNvPr>
-          <p:cNvSpPr>
-            <a:spLocks noGrp="1"/>
-          </p:cNvSpPr>
-          <p:nvPr>
-            <p:ph type="title"/>
-          </p:nvPr>
-        </p:nvSpPr>
-        <p:spPr/>
-        <p:txBody>
-          <a:bodyPr/>
-          <a:lstStyle/>
-          <a:p>
-            <a:r>
-              <a:rPr lang="en-US" dirty="0"/>
-              <a:t>K8s 101: Desired State</a:t>
-            </a:r>
-            <a:br>
-              <a:rPr lang="en-US" b="0" i="0" dirty="0">
-                <a:solidFill>
-                  <a:srgbClr val="222222"/>
-                </a:solidFill>
-                <a:effectLst/>
-                <a:latin typeface="open sans" panose="020B0606030504020204" pitchFamily="34" charset="0"/>
-              </a:rPr>
-            </a:br>
+          <a:p>
             <a:endParaRPr lang="en-US" dirty="0"/>
           </a:p>
-        </p:txBody>
-      </p:sp>
-      <p:sp>
-        <p:nvSpPr>
-          <p:cNvPr id="3" name="Text Placeholder 2">
-            <a:extLst>
-              <a:ext uri="{FF2B5EF4-FFF2-40B4-BE49-F238E27FC236}">
-                <a16:creationId xmlns:a16="http://schemas.microsoft.com/office/drawing/2014/main" id="{EC7572EA-1EAB-40E7-BB72-53988D9C2321}"/>
-              </a:ext>
-            </a:extLst>
-          </p:cNvPr>
-          <p:cNvSpPr>
-            <a:spLocks noGrp="1"/>
-          </p:cNvSpPr>
-          <p:nvPr>
-            <p:ph type="body" idx="1"/>
-          </p:nvPr>
-        </p:nvSpPr>
-        <p:spPr/>
-        <p:txBody>
-          <a:bodyPr/>
-          <a:lstStyle/>
-          <a:p>
-            <a:pPr marL="152396" indent="0">
-              <a:buNone/>
-            </a:pPr>
-            <a:r>
-              <a:rPr lang="en-US" dirty="0"/>
-              <a:t>Tell Kubernetes what you want, not what to do</a:t>
-            </a:r>
-          </a:p>
-          <a:p>
-            <a:pPr marL="152396" indent="0">
-              <a:buNone/>
-            </a:pPr>
+          <a:p>
             <a:endParaRPr lang="en-US" dirty="0"/>
-          </a:p>
-          <a:p>
-            <a:pPr marL="152396" indent="0">
-              <a:buNone/>
-            </a:pPr>
-            <a:r>
-              <a:rPr lang="en-US" dirty="0"/>
-              <a:t>Kubernetes always tries to steer the cluster to its desired state</a:t>
-            </a:r>
-          </a:p>
-          <a:p>
-            <a:pPr marL="152396" indent="0">
-              <a:buNone/>
-            </a:pPr>
-            <a:endParaRPr lang="en-US" dirty="0"/>
-          </a:p>
-          <a:p>
-            <a:r>
-              <a:rPr lang="en-US" dirty="0"/>
-              <a:t>You: “Hey, k8s, I want 3 replicas of app-a”</a:t>
-            </a:r>
-          </a:p>
-          <a:p>
-            <a:endParaRPr lang="en-US" dirty="0"/>
-          </a:p>
-          <a:p>
-            <a:r>
-              <a:rPr lang="en-US" dirty="0"/>
-              <a:t>K8s: “Here are 3 replicas of app-a”</a:t>
-            </a:r>
-          </a:p>
-          <a:p>
-            <a:endParaRPr lang="en-US" dirty="0"/>
-          </a:p>
-          <a:p>
-            <a:r>
-              <a:rPr lang="en-US" dirty="0"/>
-              <a:t>K8s: “</a:t>
-            </a:r>
-            <a:r>
-              <a:rPr lang="en-US" dirty="0" err="1"/>
-              <a:t>Upps</a:t>
-            </a:r>
-            <a:r>
-              <a:rPr lang="en-US" dirty="0"/>
-              <a:t>, one just died, I will try to find a node where I can spin up a new replica”</a:t>
-            </a:r>
-          </a:p>
-          <a:p>
-            <a:endParaRPr lang="en-US" dirty="0"/>
-          </a:p>
-          <a:p>
-            <a:r>
-              <a:rPr lang="en-US" dirty="0"/>
-              <a:t>K8s: “Here are 3 replicas of app-a”</a:t>
-            </a:r>
           </a:p>
         </p:txBody>
       </p:sp>
       <p:pic>
         <p:nvPicPr>
-          <p:cNvPr id="4" name="Google Shape;56;p13">
+          <p:cNvPr id="6" name="Picture 5" descr="Diagram&#10;&#10;Description automatically generated">
             <a:extLst>
               <a:ext uri="{FF2B5EF4-FFF2-40B4-BE49-F238E27FC236}">
-                <a16:creationId xmlns:a16="http://schemas.microsoft.com/office/drawing/2014/main" id="{5DC2FED0-7C5F-460C-998D-2520FD324176}"/>
-              </a:ext>
-            </a:extLst>
-          </p:cNvPr>
-          <p:cNvPicPr preferRelativeResize="0"/>
-          <p:nvPr/>
-        </p:nvPicPr>
-        <p:blipFill>
-          <a:blip r:embed="rId3">
-            <a:alphaModFix/>
-          </a:blip>
-          <a:stretch>
-            <a:fillRect/>
-          </a:stretch>
-        </p:blipFill>
-        <p:spPr>
-          <a:xfrm>
-            <a:off x="10989179" y="5736492"/>
-            <a:ext cx="1202821" cy="1121508"/>
-          </a:xfrm>
-          <a:prstGeom prst="rect">
-            <a:avLst/>
-          </a:prstGeom>
-          <a:noFill/>
-          <a:ln>
-            <a:noFill/>
-          </a:ln>
-        </p:spPr>
-      </p:pic>
-      <p:pic>
-        <p:nvPicPr>
-          <p:cNvPr id="5" name="Picture 4">
-            <a:extLst>
-              <a:ext uri="{FF2B5EF4-FFF2-40B4-BE49-F238E27FC236}">
-                <a16:creationId xmlns:a16="http://schemas.microsoft.com/office/drawing/2014/main" id="{86A17813-B73F-471E-ABB2-08A18EC70133}"/>
+                <a16:creationId xmlns:a16="http://schemas.microsoft.com/office/drawing/2014/main" id="{ADD43558-34BE-4D57-9743-D294604870DE}"/>
               </a:ext>
             </a:extLst>
           </p:cNvPr>
@@ -35911,25 +36417,76 @@
           <p:nvPr/>
         </p:nvPicPr>
         <p:blipFill>
-          <a:blip r:embed="rId4"/>
+          <a:blip r:embed="rId5">
+            <a:extLst>
+              <a:ext uri="{28A0092B-C50C-407E-A947-70E740481C1C}">
+                <a14:useLocalDpi xmlns:a14="http://schemas.microsoft.com/office/drawing/2010/main" val="0"/>
+              </a:ext>
+            </a:extLst>
+          </a:blip>
           <a:stretch>
             <a:fillRect/>
           </a:stretch>
         </p:blipFill>
         <p:spPr>
           <a:xfrm>
-            <a:off x="10935891" y="593367"/>
-            <a:ext cx="840509" cy="775369"/>
+            <a:off x="5397799" y="1614049"/>
+            <a:ext cx="5538092" cy="4122443"/>
           </a:xfrm>
           <a:prstGeom prst="rect">
             <a:avLst/>
           </a:prstGeom>
         </p:spPr>
       </p:pic>
+      <p:sp>
+        <p:nvSpPr>
+          <p:cNvPr id="8" name="TextBox 7">
+            <a:extLst>
+              <a:ext uri="{FF2B5EF4-FFF2-40B4-BE49-F238E27FC236}">
+                <a16:creationId xmlns:a16="http://schemas.microsoft.com/office/drawing/2014/main" id="{2C0E8134-68CA-4565-8A4C-1E277C341B7E}"/>
+              </a:ext>
+            </a:extLst>
+          </p:cNvPr>
+          <p:cNvSpPr txBox="1"/>
+          <p:nvPr/>
+        </p:nvSpPr>
+        <p:spPr>
+          <a:xfrm>
+            <a:off x="1814945" y="6377730"/>
+            <a:ext cx="8681800" cy="369332"/>
+          </a:xfrm>
+          <a:prstGeom prst="rect">
+            <a:avLst/>
+          </a:prstGeom>
+          <a:noFill/>
+        </p:spPr>
+        <p:txBody>
+          <a:bodyPr wrap="none" rtlCol="0">
+            <a:spAutoFit/>
+          </a:bodyPr>
+          <a:lstStyle/>
+          <a:p>
+            <a:r>
+              <a:rPr lang="en-US" dirty="0"/>
+              <a:t>Image from </a:t>
+            </a:r>
+            <a:r>
+              <a:rPr lang="en-US" dirty="0">
+                <a:hlinkClick r:id="rId6"/>
+              </a:rPr>
+              <a:t>https://kubernetes.io/docs/tutorials/kubernetes-basics/explore/explore-intro/</a:t>
+            </a:r>
+            <a:r>
+              <a:rPr lang="en-US" dirty="0"/>
+              <a:t> </a:t>
+            </a:r>
+          </a:p>
+        </p:txBody>
+      </p:sp>
     </p:spTree>
     <p:extLst>
       <p:ext uri="{BB962C8B-B14F-4D97-AF65-F5344CB8AC3E}">
-        <p14:creationId xmlns:p14="http://schemas.microsoft.com/office/powerpoint/2010/main" val="3409023369"/>
+        <p14:creationId xmlns:p14="http://schemas.microsoft.com/office/powerpoint/2010/main" val="2665280539"/>
       </p:ext>
     </p:extLst>
   </p:cSld>

--- a/01-aks-and-k8s-101/slides/Introduction to AKS.pptx
+++ b/01-aks-and-k8s-101/slides/Introduction to AKS.pptx
@@ -5,12 +5,12 @@
     <p:sldMasterId id="2147483648" r:id="rId1"/>
   </p:sldMasterIdLst>
   <p:notesMasterIdLst>
-    <p:notesMasterId r:id="rId35"/>
+    <p:notesMasterId r:id="rId43"/>
   </p:notesMasterIdLst>
   <p:sldIdLst>
     <p:sldId id="256" r:id="rId2"/>
-    <p:sldId id="258" r:id="rId3"/>
-    <p:sldId id="301" r:id="rId4"/>
+    <p:sldId id="301" r:id="rId3"/>
+    <p:sldId id="258" r:id="rId4"/>
     <p:sldId id="260" r:id="rId5"/>
     <p:sldId id="259" r:id="rId6"/>
     <p:sldId id="261" r:id="rId7"/>
@@ -32,15 +32,23 @@
     <p:sldId id="300" r:id="rId23"/>
     <p:sldId id="281" r:id="rId24"/>
     <p:sldId id="282" r:id="rId25"/>
-    <p:sldId id="283" r:id="rId26"/>
-    <p:sldId id="289" r:id="rId27"/>
-    <p:sldId id="284" r:id="rId28"/>
-    <p:sldId id="285" r:id="rId29"/>
-    <p:sldId id="292" r:id="rId30"/>
-    <p:sldId id="290" r:id="rId31"/>
-    <p:sldId id="286" r:id="rId32"/>
-    <p:sldId id="291" r:id="rId33"/>
-    <p:sldId id="287" r:id="rId34"/>
+    <p:sldId id="303" r:id="rId26"/>
+    <p:sldId id="304" r:id="rId27"/>
+    <p:sldId id="305" r:id="rId28"/>
+    <p:sldId id="306" r:id="rId29"/>
+    <p:sldId id="307" r:id="rId30"/>
+    <p:sldId id="283" r:id="rId31"/>
+    <p:sldId id="289" r:id="rId32"/>
+    <p:sldId id="284" r:id="rId33"/>
+    <p:sldId id="285" r:id="rId34"/>
+    <p:sldId id="292" r:id="rId35"/>
+    <p:sldId id="290" r:id="rId36"/>
+    <p:sldId id="308" r:id="rId37"/>
+    <p:sldId id="309" r:id="rId38"/>
+    <p:sldId id="310" r:id="rId39"/>
+    <p:sldId id="286" r:id="rId40"/>
+    <p:sldId id="291" r:id="rId41"/>
+    <p:sldId id="287" r:id="rId42"/>
   </p:sldIdLst>
   <p:sldSz cx="12192000" cy="6858000"/>
   <p:notesSz cx="6858000" cy="9144000"/>
@@ -229,7 +237,7 @@
           <a:p>
             <a:fld id="{11837477-D453-41A7-B038-AF1F6C7EED11}" type="datetimeFigureOut">
               <a:rPr lang="en-US" smtClean="0"/>
-              <a:t>2/8/2021</a:t>
+              <a:t>2/9/2021</a:t>
             </a:fld>
             <a:endParaRPr lang="en-US"/>
           </a:p>
@@ -2376,6 +2384,111 @@
           <a:bodyPr/>
           <a:lstStyle/>
           <a:p>
+            <a:pPr rtl="0">
+              <a:spcBef>
+                <a:spcPts val="0"/>
+              </a:spcBef>
+              <a:spcAft>
+                <a:spcPts val="0"/>
+              </a:spcAft>
+            </a:pPr>
+            <a:r>
+              <a:rPr lang="en-US" sz="1200" b="0" i="0" u="none" strike="noStrike" dirty="0">
+                <a:solidFill>
+                  <a:srgbClr val="000000"/>
+                </a:solidFill>
+                <a:effectLst/>
+                <a:latin typeface="Arial" panose="020B0604020202020204" pitchFamily="34" charset="0"/>
+              </a:rPr>
+              <a:t>With containers in production, it’s not enough to know that a container is running.  We need to know that the application inside of the container is functioning.  To that end, Kubernetes allows for user defined health and readiness checks.</a:t>
+            </a:r>
+            <a:br>
+              <a:rPr lang="en-US" sz="1200" b="0" i="0" u="none" strike="noStrike" dirty="0">
+                <a:solidFill>
+                  <a:srgbClr val="000000"/>
+                </a:solidFill>
+                <a:effectLst/>
+                <a:latin typeface="Arial" panose="020B0604020202020204" pitchFamily="34" charset="0"/>
+              </a:rPr>
+            </a:br>
+            <a:br>
+              <a:rPr lang="en-US" sz="1200" b="0" i="0" u="none" strike="noStrike" dirty="0">
+                <a:solidFill>
+                  <a:srgbClr val="000000"/>
+                </a:solidFill>
+                <a:effectLst/>
+                <a:latin typeface="Arial" panose="020B0604020202020204" pitchFamily="34" charset="0"/>
+              </a:rPr>
+            </a:br>
+            <a:r>
+              <a:rPr lang="en-US" sz="1200" b="0" i="0" u="none" strike="noStrike" dirty="0">
+                <a:solidFill>
+                  <a:srgbClr val="000000"/>
+                </a:solidFill>
+                <a:effectLst/>
+                <a:latin typeface="Arial" panose="020B0604020202020204" pitchFamily="34" charset="0"/>
+              </a:rPr>
+              <a:t>Passing a readiness check tells Kubernetes that a pod is available to receive traffic.  If it fails the readiness probes, Kubernetes will stop sending it traffic. </a:t>
+            </a:r>
+            <a:br>
+              <a:rPr lang="en-US" sz="1200" b="0" i="0" u="none" strike="noStrike" dirty="0">
+                <a:solidFill>
+                  <a:srgbClr val="000000"/>
+                </a:solidFill>
+                <a:effectLst/>
+                <a:latin typeface="Arial" panose="020B0604020202020204" pitchFamily="34" charset="0"/>
+              </a:rPr>
+            </a:br>
+            <a:br>
+              <a:rPr lang="en-US" sz="1200" b="0" i="0" u="none" strike="noStrike" dirty="0">
+                <a:solidFill>
+                  <a:srgbClr val="000000"/>
+                </a:solidFill>
+                <a:effectLst/>
+                <a:latin typeface="Arial" panose="020B0604020202020204" pitchFamily="34" charset="0"/>
+              </a:rPr>
+            </a:br>
+            <a:r>
+              <a:rPr lang="en-US" sz="1200" b="0" i="0" u="none" strike="noStrike" dirty="0">
+                <a:solidFill>
+                  <a:srgbClr val="000000"/>
+                </a:solidFill>
+                <a:effectLst/>
+                <a:latin typeface="Arial" panose="020B0604020202020204" pitchFamily="34" charset="0"/>
+              </a:rPr>
+              <a:t>Liveness checks on the other hand are used to tell Kubernetes when to restart a pod.   If a pod fails three liveness checks that signifies that the app is malfunctioning and </a:t>
+            </a:r>
+            <a:r>
+              <a:rPr lang="en-US" sz="1200" b="0" i="0" u="none" strike="noStrike" dirty="0" err="1">
+                <a:solidFill>
+                  <a:srgbClr val="000000"/>
+                </a:solidFill>
+                <a:effectLst/>
+                <a:latin typeface="Arial" panose="020B0604020202020204" pitchFamily="34" charset="0"/>
+              </a:rPr>
+              <a:t>kubernetes</a:t>
+            </a:r>
+            <a:r>
+              <a:rPr lang="en-US" sz="1200" b="0" i="0" u="none" strike="noStrike" dirty="0">
+                <a:solidFill>
+                  <a:srgbClr val="000000"/>
+                </a:solidFill>
+                <a:effectLst/>
+                <a:latin typeface="Arial" panose="020B0604020202020204" pitchFamily="34" charset="0"/>
+              </a:rPr>
+              <a:t> will restart it.  Let’s see a liveness check in action.</a:t>
+            </a:r>
+            <a:endParaRPr lang="en-US" b="0" dirty="0">
+              <a:effectLst/>
+            </a:endParaRPr>
+          </a:p>
+          <a:p>
+            <a:br>
+              <a:rPr lang="en-US" dirty="0"/>
+            </a:br>
+            <a:endParaRPr lang="en-US" dirty="0"/>
+          </a:p>
+          <a:p>
             <a:endParaRPr lang="nb-NO" dirty="0"/>
           </a:p>
         </p:txBody>
@@ -2460,7 +2573,15 @@
           <a:bodyPr/>
           <a:lstStyle/>
           <a:p>
-            <a:endParaRPr lang="nb-NO" dirty="0"/>
+            <a:pPr rtl="0">
+              <a:spcBef>
+                <a:spcPts val="0"/>
+              </a:spcBef>
+              <a:spcAft>
+                <a:spcPts val="0"/>
+              </a:spcAft>
+            </a:pPr>
+            <a:endParaRPr lang="en-US" dirty="0"/>
           </a:p>
         </p:txBody>
       </p:sp>
@@ -2490,7 +2611,7 @@
     </p:spTree>
     <p:extLst>
       <p:ext uri="{BB962C8B-B14F-4D97-AF65-F5344CB8AC3E}">
-        <p14:creationId xmlns:p14="http://schemas.microsoft.com/office/powerpoint/2010/main" val="3741152479"/>
+        <p14:creationId xmlns:p14="http://schemas.microsoft.com/office/powerpoint/2010/main" val="3980074384"/>
       </p:ext>
     </p:extLst>
   </p:cSld>
@@ -2544,7 +2665,15 @@
           <a:bodyPr/>
           <a:lstStyle/>
           <a:p>
-            <a:endParaRPr lang="nb-NO" dirty="0"/>
+            <a:pPr rtl="0">
+              <a:spcBef>
+                <a:spcPts val="0"/>
+              </a:spcBef>
+              <a:spcAft>
+                <a:spcPts val="0"/>
+              </a:spcAft>
+            </a:pPr>
+            <a:endParaRPr lang="en-US" dirty="0"/>
           </a:p>
         </p:txBody>
       </p:sp>
@@ -2574,7 +2703,7 @@
     </p:spTree>
     <p:extLst>
       <p:ext uri="{BB962C8B-B14F-4D97-AF65-F5344CB8AC3E}">
-        <p14:creationId xmlns:p14="http://schemas.microsoft.com/office/powerpoint/2010/main" val="2601892879"/>
+        <p14:creationId xmlns:p14="http://schemas.microsoft.com/office/powerpoint/2010/main" val="4028040014"/>
       </p:ext>
     </p:extLst>
   </p:cSld>
@@ -2628,7 +2757,15 @@
           <a:bodyPr/>
           <a:lstStyle/>
           <a:p>
-            <a:endParaRPr lang="nb-NO" dirty="0"/>
+            <a:pPr rtl="0">
+              <a:spcBef>
+                <a:spcPts val="0"/>
+              </a:spcBef>
+              <a:spcAft>
+                <a:spcPts val="0"/>
+              </a:spcAft>
+            </a:pPr>
+            <a:endParaRPr lang="en-US" dirty="0"/>
           </a:p>
         </p:txBody>
       </p:sp>
@@ -2658,7 +2795,7 @@
     </p:spTree>
     <p:extLst>
       <p:ext uri="{BB962C8B-B14F-4D97-AF65-F5344CB8AC3E}">
-        <p14:creationId xmlns:p14="http://schemas.microsoft.com/office/powerpoint/2010/main" val="542652131"/>
+        <p14:creationId xmlns:p14="http://schemas.microsoft.com/office/powerpoint/2010/main" val="2589861138"/>
       </p:ext>
     </p:extLst>
   </p:cSld>
@@ -2712,7 +2849,15 @@
           <a:bodyPr/>
           <a:lstStyle/>
           <a:p>
-            <a:endParaRPr lang="nb-NO" dirty="0"/>
+            <a:pPr rtl="0">
+              <a:spcBef>
+                <a:spcPts val="0"/>
+              </a:spcBef>
+              <a:spcAft>
+                <a:spcPts val="0"/>
+              </a:spcAft>
+            </a:pPr>
+            <a:endParaRPr lang="en-US" dirty="0"/>
           </a:p>
         </p:txBody>
       </p:sp>
@@ -2742,7 +2887,7 @@
     </p:spTree>
     <p:extLst>
       <p:ext uri="{BB962C8B-B14F-4D97-AF65-F5344CB8AC3E}">
-        <p14:creationId xmlns:p14="http://schemas.microsoft.com/office/powerpoint/2010/main" val="3156143842"/>
+        <p14:creationId xmlns:p14="http://schemas.microsoft.com/office/powerpoint/2010/main" val="2133054009"/>
       </p:ext>
     </p:extLst>
   </p:cSld>
@@ -2796,7 +2941,15 @@
           <a:bodyPr/>
           <a:lstStyle/>
           <a:p>
-            <a:endParaRPr lang="nb-NO" dirty="0"/>
+            <a:pPr rtl="0">
+              <a:spcBef>
+                <a:spcPts val="0"/>
+              </a:spcBef>
+              <a:spcAft>
+                <a:spcPts val="0"/>
+              </a:spcAft>
+            </a:pPr>
+            <a:endParaRPr lang="en-US" dirty="0"/>
           </a:p>
         </p:txBody>
       </p:sp>
@@ -2826,7 +2979,7 @@
     </p:spTree>
     <p:extLst>
       <p:ext uri="{BB962C8B-B14F-4D97-AF65-F5344CB8AC3E}">
-        <p14:creationId xmlns:p14="http://schemas.microsoft.com/office/powerpoint/2010/main" val="2082527503"/>
+        <p14:creationId xmlns:p14="http://schemas.microsoft.com/office/powerpoint/2010/main" val="2067500147"/>
       </p:ext>
     </p:extLst>
   </p:cSld>
@@ -2910,7 +3063,7 @@
     </p:spTree>
     <p:extLst>
       <p:ext uri="{BB962C8B-B14F-4D97-AF65-F5344CB8AC3E}">
-        <p14:creationId xmlns:p14="http://schemas.microsoft.com/office/powerpoint/2010/main" val="3788158886"/>
+        <p14:creationId xmlns:p14="http://schemas.microsoft.com/office/powerpoint/2010/main" val="3741152479"/>
       </p:ext>
     </p:extLst>
   </p:cSld>
@@ -3103,7 +3256,7 @@
     </p:spTree>
     <p:extLst>
       <p:ext uri="{BB962C8B-B14F-4D97-AF65-F5344CB8AC3E}">
-        <p14:creationId xmlns:p14="http://schemas.microsoft.com/office/powerpoint/2010/main" val="1562955137"/>
+        <p14:creationId xmlns:p14="http://schemas.microsoft.com/office/powerpoint/2010/main" val="2601892879"/>
       </p:ext>
     </p:extLst>
   </p:cSld>
@@ -3187,7 +3340,7 @@
     </p:spTree>
     <p:extLst>
       <p:ext uri="{BB962C8B-B14F-4D97-AF65-F5344CB8AC3E}">
-        <p14:creationId xmlns:p14="http://schemas.microsoft.com/office/powerpoint/2010/main" val="3945189093"/>
+        <p14:creationId xmlns:p14="http://schemas.microsoft.com/office/powerpoint/2010/main" val="542652131"/>
       </p:ext>
     </p:extLst>
   </p:cSld>
@@ -3271,7 +3424,883 @@
     </p:spTree>
     <p:extLst>
       <p:ext uri="{BB962C8B-B14F-4D97-AF65-F5344CB8AC3E}">
-        <p14:creationId xmlns:p14="http://schemas.microsoft.com/office/powerpoint/2010/main" val="1486015096"/>
+        <p14:creationId xmlns:p14="http://schemas.microsoft.com/office/powerpoint/2010/main" val="3156143842"/>
+      </p:ext>
+    </p:extLst>
+  </p:cSld>
+  <p:clrMapOvr>
+    <a:masterClrMapping/>
+  </p:clrMapOvr>
+</p:notes>
+</file>
+
+<file path=ppt/notesSlides/notesSlide33.xml><?xml version="1.0" encoding="utf-8"?>
+<p:notes xmlns:a="http://schemas.openxmlformats.org/drawingml/2006/main" xmlns:r="http://schemas.openxmlformats.org/officeDocument/2006/relationships" xmlns:p="http://schemas.openxmlformats.org/presentationml/2006/main">
+  <p:cSld>
+    <p:spTree>
+      <p:nvGrpSpPr>
+        <p:cNvPr id="1" name=""/>
+        <p:cNvGrpSpPr/>
+        <p:nvPr/>
+      </p:nvGrpSpPr>
+      <p:grpSpPr>
+        <a:xfrm>
+          <a:off x="0" y="0"/>
+          <a:ext cx="0" cy="0"/>
+          <a:chOff x="0" y="0"/>
+          <a:chExt cx="0" cy="0"/>
+        </a:xfrm>
+      </p:grpSpPr>
+      <p:sp>
+        <p:nvSpPr>
+          <p:cNvPr id="2" name="Slide Image Placeholder 1"/>
+          <p:cNvSpPr>
+            <a:spLocks noGrp="1" noRot="1" noChangeAspect="1"/>
+          </p:cNvSpPr>
+          <p:nvPr>
+            <p:ph type="sldImg"/>
+          </p:nvPr>
+        </p:nvSpPr>
+        <p:spPr/>
+      </p:sp>
+      <p:sp>
+        <p:nvSpPr>
+          <p:cNvPr id="3" name="Notes Placeholder 2"/>
+          <p:cNvSpPr>
+            <a:spLocks noGrp="1"/>
+          </p:cNvSpPr>
+          <p:nvPr>
+            <p:ph type="body" idx="1"/>
+          </p:nvPr>
+        </p:nvSpPr>
+        <p:spPr/>
+        <p:txBody>
+          <a:bodyPr/>
+          <a:lstStyle/>
+          <a:p>
+            <a:endParaRPr lang="nb-NO" dirty="0"/>
+          </a:p>
+        </p:txBody>
+      </p:sp>
+      <p:sp>
+        <p:nvSpPr>
+          <p:cNvPr id="4" name="Slide Number Placeholder 3"/>
+          <p:cNvSpPr>
+            <a:spLocks noGrp="1"/>
+          </p:cNvSpPr>
+          <p:nvPr>
+            <p:ph type="sldNum" sz="quarter" idx="5"/>
+          </p:nvPr>
+        </p:nvSpPr>
+        <p:spPr/>
+        <p:txBody>
+          <a:bodyPr/>
+          <a:lstStyle/>
+          <a:p>
+            <a:fld id="{00A560F4-8102-4EC4-BB24-179BCBD2EB8E}" type="slidenum">
+              <a:rPr lang="en-US" smtClean="0"/>
+              <a:t>34</a:t>
+            </a:fld>
+            <a:endParaRPr lang="en-US"/>
+          </a:p>
+        </p:txBody>
+      </p:sp>
+    </p:spTree>
+    <p:extLst>
+      <p:ext uri="{BB962C8B-B14F-4D97-AF65-F5344CB8AC3E}">
+        <p14:creationId xmlns:p14="http://schemas.microsoft.com/office/powerpoint/2010/main" val="2082527503"/>
+      </p:ext>
+    </p:extLst>
+  </p:cSld>
+  <p:clrMapOvr>
+    <a:masterClrMapping/>
+  </p:clrMapOvr>
+</p:notes>
+</file>
+
+<file path=ppt/notesSlides/notesSlide34.xml><?xml version="1.0" encoding="utf-8"?>
+<p:notes xmlns:a="http://schemas.openxmlformats.org/drawingml/2006/main" xmlns:r="http://schemas.openxmlformats.org/officeDocument/2006/relationships" xmlns:p="http://schemas.openxmlformats.org/presentationml/2006/main">
+  <p:cSld>
+    <p:spTree>
+      <p:nvGrpSpPr>
+        <p:cNvPr id="1" name=""/>
+        <p:cNvGrpSpPr/>
+        <p:nvPr/>
+      </p:nvGrpSpPr>
+      <p:grpSpPr>
+        <a:xfrm>
+          <a:off x="0" y="0"/>
+          <a:ext cx="0" cy="0"/>
+          <a:chOff x="0" y="0"/>
+          <a:chExt cx="0" cy="0"/>
+        </a:xfrm>
+      </p:grpSpPr>
+      <p:sp>
+        <p:nvSpPr>
+          <p:cNvPr id="2" name="Slide Image Placeholder 1"/>
+          <p:cNvSpPr>
+            <a:spLocks noGrp="1" noRot="1" noChangeAspect="1"/>
+          </p:cNvSpPr>
+          <p:nvPr>
+            <p:ph type="sldImg"/>
+          </p:nvPr>
+        </p:nvSpPr>
+        <p:spPr/>
+      </p:sp>
+      <p:sp>
+        <p:nvSpPr>
+          <p:cNvPr id="3" name="Notes Placeholder 2"/>
+          <p:cNvSpPr>
+            <a:spLocks noGrp="1"/>
+          </p:cNvSpPr>
+          <p:nvPr>
+            <p:ph type="body" idx="1"/>
+          </p:nvPr>
+        </p:nvSpPr>
+        <p:spPr/>
+        <p:txBody>
+          <a:bodyPr/>
+          <a:lstStyle/>
+          <a:p>
+            <a:endParaRPr lang="nb-NO" dirty="0"/>
+          </a:p>
+        </p:txBody>
+      </p:sp>
+      <p:sp>
+        <p:nvSpPr>
+          <p:cNvPr id="4" name="Slide Number Placeholder 3"/>
+          <p:cNvSpPr>
+            <a:spLocks noGrp="1"/>
+          </p:cNvSpPr>
+          <p:nvPr>
+            <p:ph type="sldNum" sz="quarter" idx="5"/>
+          </p:nvPr>
+        </p:nvSpPr>
+        <p:spPr/>
+        <p:txBody>
+          <a:bodyPr/>
+          <a:lstStyle/>
+          <a:p>
+            <a:fld id="{00A560F4-8102-4EC4-BB24-179BCBD2EB8E}" type="slidenum">
+              <a:rPr lang="en-US" smtClean="0"/>
+              <a:t>35</a:t>
+            </a:fld>
+            <a:endParaRPr lang="en-US"/>
+          </a:p>
+        </p:txBody>
+      </p:sp>
+    </p:spTree>
+    <p:extLst>
+      <p:ext uri="{BB962C8B-B14F-4D97-AF65-F5344CB8AC3E}">
+        <p14:creationId xmlns:p14="http://schemas.microsoft.com/office/powerpoint/2010/main" val="3788158886"/>
+      </p:ext>
+    </p:extLst>
+  </p:cSld>
+  <p:clrMapOvr>
+    <a:masterClrMapping/>
+  </p:clrMapOvr>
+</p:notes>
+</file>
+
+<file path=ppt/notesSlides/notesSlide35.xml><?xml version="1.0" encoding="utf-8"?>
+<p:notes xmlns:a="http://schemas.openxmlformats.org/drawingml/2006/main" xmlns:r="http://schemas.openxmlformats.org/officeDocument/2006/relationships" xmlns:p="http://schemas.openxmlformats.org/presentationml/2006/main">
+  <p:cSld>
+    <p:spTree>
+      <p:nvGrpSpPr>
+        <p:cNvPr id="1" name=""/>
+        <p:cNvGrpSpPr/>
+        <p:nvPr/>
+      </p:nvGrpSpPr>
+      <p:grpSpPr>
+        <a:xfrm>
+          <a:off x="0" y="0"/>
+          <a:ext cx="0" cy="0"/>
+          <a:chOff x="0" y="0"/>
+          <a:chExt cx="0" cy="0"/>
+        </a:xfrm>
+      </p:grpSpPr>
+      <p:sp>
+        <p:nvSpPr>
+          <p:cNvPr id="2" name="Slide Image Placeholder 1"/>
+          <p:cNvSpPr>
+            <a:spLocks noGrp="1" noRot="1" noChangeAspect="1"/>
+          </p:cNvSpPr>
+          <p:nvPr>
+            <p:ph type="sldImg"/>
+          </p:nvPr>
+        </p:nvSpPr>
+        <p:spPr/>
+      </p:sp>
+      <p:sp>
+        <p:nvSpPr>
+          <p:cNvPr id="3" name="Notes Placeholder 2"/>
+          <p:cNvSpPr>
+            <a:spLocks noGrp="1"/>
+          </p:cNvSpPr>
+          <p:nvPr>
+            <p:ph type="body" idx="1"/>
+          </p:nvPr>
+        </p:nvSpPr>
+        <p:spPr/>
+        <p:txBody>
+          <a:bodyPr/>
+          <a:lstStyle/>
+          <a:p>
+            <a:pPr rtl="0">
+              <a:spcBef>
+                <a:spcPts val="0"/>
+              </a:spcBef>
+              <a:spcAft>
+                <a:spcPts val="0"/>
+              </a:spcAft>
+            </a:pPr>
+            <a:r>
+              <a:rPr lang="en-US" sz="1800" b="0" i="0" u="none" strike="noStrike" dirty="0">
+                <a:solidFill>
+                  <a:srgbClr val="000000"/>
+                </a:solidFill>
+                <a:effectLst/>
+                <a:latin typeface="Arial" panose="020B0604020202020204" pitchFamily="34" charset="0"/>
+              </a:rPr>
+              <a:t>We don’t care which Pod serves up a particular request, but we must get one of them to do it. </a:t>
+            </a:r>
+            <a:br>
+              <a:rPr lang="en-US" b="0" dirty="0">
+                <a:effectLst/>
+              </a:rPr>
+            </a:br>
+            <a:endParaRPr lang="en-US" b="0" dirty="0">
+              <a:effectLst/>
+            </a:endParaRPr>
+          </a:p>
+          <a:p>
+            <a:pPr rtl="0">
+              <a:spcBef>
+                <a:spcPts val="0"/>
+              </a:spcBef>
+              <a:spcAft>
+                <a:spcPts val="0"/>
+              </a:spcAft>
+            </a:pPr>
+            <a:r>
+              <a:rPr lang="en-US" sz="1800" b="0" i="0" u="none" strike="noStrike" dirty="0">
+                <a:solidFill>
+                  <a:srgbClr val="000000"/>
+                </a:solidFill>
+                <a:effectLst/>
+                <a:latin typeface="Arial" panose="020B0604020202020204" pitchFamily="34" charset="0"/>
+              </a:rPr>
+              <a:t>Kubernetes supports naming and load balancing using the service abstraction: </a:t>
+            </a:r>
+          </a:p>
+          <a:p>
+            <a:pPr rtl="0">
+              <a:spcBef>
+                <a:spcPts val="0"/>
+              </a:spcBef>
+              <a:spcAft>
+                <a:spcPts val="0"/>
+              </a:spcAft>
+            </a:pPr>
+            <a:r>
+              <a:rPr lang="en-US" sz="1800" b="0" i="0" u="none" strike="noStrike" dirty="0">
+                <a:solidFill>
+                  <a:srgbClr val="000000"/>
+                </a:solidFill>
+                <a:effectLst/>
+                <a:latin typeface="Arial" panose="020B0604020202020204" pitchFamily="34" charset="0"/>
+              </a:rPr>
+              <a:t>a service has a name and maps to a dynamic set of pods defined by a label selector. </a:t>
+            </a:r>
+          </a:p>
+          <a:p>
+            <a:pPr rtl="0">
+              <a:spcBef>
+                <a:spcPts val="0"/>
+              </a:spcBef>
+              <a:spcAft>
+                <a:spcPts val="0"/>
+              </a:spcAft>
+            </a:pPr>
+            <a:r>
+              <a:rPr lang="en-US" sz="1800" b="0" i="0" u="none" strike="noStrike" dirty="0">
+                <a:solidFill>
+                  <a:srgbClr val="000000"/>
+                </a:solidFill>
+                <a:effectLst/>
+                <a:latin typeface="Arial" panose="020B0604020202020204" pitchFamily="34" charset="0"/>
+              </a:rPr>
+              <a:t>Any container in the cluster can connect to the service using the service name. Under the covers, Kubernetes automatically load-balances connections to the service among the pods that match the label selector, and keeps track of where the pods are running as they get rescheduled over time due to failures.</a:t>
+            </a:r>
+            <a:endParaRPr lang="en-US" b="0" dirty="0">
+              <a:effectLst/>
+            </a:endParaRPr>
+          </a:p>
+          <a:p>
+            <a:br>
+              <a:rPr lang="en-US" b="0" dirty="0">
+                <a:effectLst/>
+              </a:rPr>
+            </a:br>
+            <a:endParaRPr lang="en-US" dirty="0"/>
+          </a:p>
+        </p:txBody>
+      </p:sp>
+      <p:sp>
+        <p:nvSpPr>
+          <p:cNvPr id="4" name="Slide Number Placeholder 3"/>
+          <p:cNvSpPr>
+            <a:spLocks noGrp="1"/>
+          </p:cNvSpPr>
+          <p:nvPr>
+            <p:ph type="sldNum" sz="quarter" idx="5"/>
+          </p:nvPr>
+        </p:nvSpPr>
+        <p:spPr/>
+        <p:txBody>
+          <a:bodyPr/>
+          <a:lstStyle/>
+          <a:p>
+            <a:fld id="{00A560F4-8102-4EC4-BB24-179BCBD2EB8E}" type="slidenum">
+              <a:rPr lang="en-US" smtClean="0"/>
+              <a:t>36</a:t>
+            </a:fld>
+            <a:endParaRPr lang="en-US"/>
+          </a:p>
+        </p:txBody>
+      </p:sp>
+    </p:spTree>
+    <p:extLst>
+      <p:ext uri="{BB962C8B-B14F-4D97-AF65-F5344CB8AC3E}">
+        <p14:creationId xmlns:p14="http://schemas.microsoft.com/office/powerpoint/2010/main" val="1989884721"/>
+      </p:ext>
+    </p:extLst>
+  </p:cSld>
+  <p:clrMapOvr>
+    <a:masterClrMapping/>
+  </p:clrMapOvr>
+</p:notes>
+</file>
+
+<file path=ppt/notesSlides/notesSlide36.xml><?xml version="1.0" encoding="utf-8"?>
+<p:notes xmlns:a="http://schemas.openxmlformats.org/drawingml/2006/main" xmlns:r="http://schemas.openxmlformats.org/officeDocument/2006/relationships" xmlns:p="http://schemas.openxmlformats.org/presentationml/2006/main">
+  <p:cSld>
+    <p:spTree>
+      <p:nvGrpSpPr>
+        <p:cNvPr id="1" name=""/>
+        <p:cNvGrpSpPr/>
+        <p:nvPr/>
+      </p:nvGrpSpPr>
+      <p:grpSpPr>
+        <a:xfrm>
+          <a:off x="0" y="0"/>
+          <a:ext cx="0" cy="0"/>
+          <a:chOff x="0" y="0"/>
+          <a:chExt cx="0" cy="0"/>
+        </a:xfrm>
+      </p:grpSpPr>
+      <p:sp>
+        <p:nvSpPr>
+          <p:cNvPr id="2" name="Slide Image Placeholder 1"/>
+          <p:cNvSpPr>
+            <a:spLocks noGrp="1" noRot="1" noChangeAspect="1"/>
+          </p:cNvSpPr>
+          <p:nvPr>
+            <p:ph type="sldImg"/>
+          </p:nvPr>
+        </p:nvSpPr>
+        <p:spPr/>
+      </p:sp>
+      <p:sp>
+        <p:nvSpPr>
+          <p:cNvPr id="3" name="Notes Placeholder 2"/>
+          <p:cNvSpPr>
+            <a:spLocks noGrp="1"/>
+          </p:cNvSpPr>
+          <p:nvPr>
+            <p:ph type="body" idx="1"/>
+          </p:nvPr>
+        </p:nvSpPr>
+        <p:spPr/>
+        <p:txBody>
+          <a:bodyPr/>
+          <a:lstStyle/>
+          <a:p>
+            <a:pPr rtl="0">
+              <a:spcBef>
+                <a:spcPts val="0"/>
+              </a:spcBef>
+              <a:spcAft>
+                <a:spcPts val="0"/>
+              </a:spcAft>
+            </a:pPr>
+            <a:r>
+              <a:rPr lang="en-US" sz="1800" b="0" i="0" u="none" strike="noStrike" dirty="0">
+                <a:solidFill>
+                  <a:srgbClr val="000000"/>
+                </a:solidFill>
+                <a:effectLst/>
+                <a:latin typeface="Arial" panose="020B0604020202020204" pitchFamily="34" charset="0"/>
+              </a:rPr>
+              <a:t>We don’t care which Pod serves up a particular request, but we must get one of them to do it. </a:t>
+            </a:r>
+            <a:br>
+              <a:rPr lang="en-US" b="0" dirty="0">
+                <a:effectLst/>
+              </a:rPr>
+            </a:br>
+            <a:endParaRPr lang="en-US" b="0" dirty="0">
+              <a:effectLst/>
+            </a:endParaRPr>
+          </a:p>
+          <a:p>
+            <a:pPr rtl="0">
+              <a:spcBef>
+                <a:spcPts val="0"/>
+              </a:spcBef>
+              <a:spcAft>
+                <a:spcPts val="0"/>
+              </a:spcAft>
+            </a:pPr>
+            <a:r>
+              <a:rPr lang="en-US" sz="1800" b="0" i="0" u="none" strike="noStrike" dirty="0">
+                <a:solidFill>
+                  <a:srgbClr val="000000"/>
+                </a:solidFill>
+                <a:effectLst/>
+                <a:latin typeface="Arial" panose="020B0604020202020204" pitchFamily="34" charset="0"/>
+              </a:rPr>
+              <a:t>Kubernetes supports naming and load balancing using the service abstraction: </a:t>
+            </a:r>
+          </a:p>
+          <a:p>
+            <a:pPr rtl="0">
+              <a:spcBef>
+                <a:spcPts val="0"/>
+              </a:spcBef>
+              <a:spcAft>
+                <a:spcPts val="0"/>
+              </a:spcAft>
+            </a:pPr>
+            <a:r>
+              <a:rPr lang="en-US" sz="1800" b="0" i="0" u="none" strike="noStrike" dirty="0">
+                <a:solidFill>
+                  <a:srgbClr val="000000"/>
+                </a:solidFill>
+                <a:effectLst/>
+                <a:latin typeface="Arial" panose="020B0604020202020204" pitchFamily="34" charset="0"/>
+              </a:rPr>
+              <a:t>a service has a name and maps to a dynamic set of pods defined by a label selector. </a:t>
+            </a:r>
+          </a:p>
+          <a:p>
+            <a:pPr rtl="0">
+              <a:spcBef>
+                <a:spcPts val="0"/>
+              </a:spcBef>
+              <a:spcAft>
+                <a:spcPts val="0"/>
+              </a:spcAft>
+            </a:pPr>
+            <a:r>
+              <a:rPr lang="en-US" sz="1800" b="0" i="0" u="none" strike="noStrike" dirty="0">
+                <a:solidFill>
+                  <a:srgbClr val="000000"/>
+                </a:solidFill>
+                <a:effectLst/>
+                <a:latin typeface="Arial" panose="020B0604020202020204" pitchFamily="34" charset="0"/>
+              </a:rPr>
+              <a:t>Any container in the cluster can connect to the service using the service name. Under the covers, Kubernetes automatically load-balances connections to the service among the pods that match the label selector, and keeps track of where the pods are running as they get rescheduled over time due to failures.</a:t>
+            </a:r>
+            <a:endParaRPr lang="en-US" b="0" dirty="0">
+              <a:effectLst/>
+            </a:endParaRPr>
+          </a:p>
+          <a:p>
+            <a:br>
+              <a:rPr lang="en-US" b="0" dirty="0">
+                <a:effectLst/>
+              </a:rPr>
+            </a:br>
+            <a:endParaRPr lang="en-US" dirty="0"/>
+          </a:p>
+        </p:txBody>
+      </p:sp>
+      <p:sp>
+        <p:nvSpPr>
+          <p:cNvPr id="4" name="Slide Number Placeholder 3"/>
+          <p:cNvSpPr>
+            <a:spLocks noGrp="1"/>
+          </p:cNvSpPr>
+          <p:nvPr>
+            <p:ph type="sldNum" sz="quarter" idx="5"/>
+          </p:nvPr>
+        </p:nvSpPr>
+        <p:spPr/>
+        <p:txBody>
+          <a:bodyPr/>
+          <a:lstStyle/>
+          <a:p>
+            <a:fld id="{00A560F4-8102-4EC4-BB24-179BCBD2EB8E}" type="slidenum">
+              <a:rPr lang="en-US" smtClean="0"/>
+              <a:t>37</a:t>
+            </a:fld>
+            <a:endParaRPr lang="en-US"/>
+          </a:p>
+        </p:txBody>
+      </p:sp>
+    </p:spTree>
+    <p:extLst>
+      <p:ext uri="{BB962C8B-B14F-4D97-AF65-F5344CB8AC3E}">
+        <p14:creationId xmlns:p14="http://schemas.microsoft.com/office/powerpoint/2010/main" val="119990632"/>
+      </p:ext>
+    </p:extLst>
+  </p:cSld>
+  <p:clrMapOvr>
+    <a:masterClrMapping/>
+  </p:clrMapOvr>
+</p:notes>
+</file>
+
+<file path=ppt/notesSlides/notesSlide37.xml><?xml version="1.0" encoding="utf-8"?>
+<p:notes xmlns:a="http://schemas.openxmlformats.org/drawingml/2006/main" xmlns:r="http://schemas.openxmlformats.org/officeDocument/2006/relationships" xmlns:p="http://schemas.openxmlformats.org/presentationml/2006/main">
+  <p:cSld>
+    <p:spTree>
+      <p:nvGrpSpPr>
+        <p:cNvPr id="1" name=""/>
+        <p:cNvGrpSpPr/>
+        <p:nvPr/>
+      </p:nvGrpSpPr>
+      <p:grpSpPr>
+        <a:xfrm>
+          <a:off x="0" y="0"/>
+          <a:ext cx="0" cy="0"/>
+          <a:chOff x="0" y="0"/>
+          <a:chExt cx="0" cy="0"/>
+        </a:xfrm>
+      </p:grpSpPr>
+      <p:sp>
+        <p:nvSpPr>
+          <p:cNvPr id="2" name="Slide Image Placeholder 1"/>
+          <p:cNvSpPr>
+            <a:spLocks noGrp="1" noRot="1" noChangeAspect="1"/>
+          </p:cNvSpPr>
+          <p:nvPr>
+            <p:ph type="sldImg"/>
+          </p:nvPr>
+        </p:nvSpPr>
+        <p:spPr/>
+      </p:sp>
+      <p:sp>
+        <p:nvSpPr>
+          <p:cNvPr id="3" name="Notes Placeholder 2"/>
+          <p:cNvSpPr>
+            <a:spLocks noGrp="1"/>
+          </p:cNvSpPr>
+          <p:nvPr>
+            <p:ph type="body" idx="1"/>
+          </p:nvPr>
+        </p:nvSpPr>
+        <p:spPr/>
+        <p:txBody>
+          <a:bodyPr/>
+          <a:lstStyle/>
+          <a:p>
+            <a:pPr rtl="0">
+              <a:spcBef>
+                <a:spcPts val="0"/>
+              </a:spcBef>
+              <a:spcAft>
+                <a:spcPts val="0"/>
+              </a:spcAft>
+            </a:pPr>
+            <a:r>
+              <a:rPr lang="en-US" sz="1800" b="0" i="0" u="none" strike="noStrike" dirty="0">
+                <a:solidFill>
+                  <a:srgbClr val="000000"/>
+                </a:solidFill>
+                <a:effectLst/>
+                <a:latin typeface="Arial" panose="020B0604020202020204" pitchFamily="34" charset="0"/>
+              </a:rPr>
+              <a:t>We don’t care which Pod serves up a particular request, but we must get one of them to do it. </a:t>
+            </a:r>
+            <a:br>
+              <a:rPr lang="en-US" b="0" dirty="0">
+                <a:effectLst/>
+              </a:rPr>
+            </a:br>
+            <a:endParaRPr lang="en-US" b="0" dirty="0">
+              <a:effectLst/>
+            </a:endParaRPr>
+          </a:p>
+          <a:p>
+            <a:pPr rtl="0">
+              <a:spcBef>
+                <a:spcPts val="0"/>
+              </a:spcBef>
+              <a:spcAft>
+                <a:spcPts val="0"/>
+              </a:spcAft>
+            </a:pPr>
+            <a:r>
+              <a:rPr lang="en-US" sz="1800" b="0" i="0" u="none" strike="noStrike" dirty="0">
+                <a:solidFill>
+                  <a:srgbClr val="000000"/>
+                </a:solidFill>
+                <a:effectLst/>
+                <a:latin typeface="Arial" panose="020B0604020202020204" pitchFamily="34" charset="0"/>
+              </a:rPr>
+              <a:t>Kubernetes supports naming and load balancing using the service abstraction: </a:t>
+            </a:r>
+          </a:p>
+          <a:p>
+            <a:pPr rtl="0">
+              <a:spcBef>
+                <a:spcPts val="0"/>
+              </a:spcBef>
+              <a:spcAft>
+                <a:spcPts val="0"/>
+              </a:spcAft>
+            </a:pPr>
+            <a:r>
+              <a:rPr lang="en-US" sz="1800" b="0" i="0" u="none" strike="noStrike" dirty="0">
+                <a:solidFill>
+                  <a:srgbClr val="000000"/>
+                </a:solidFill>
+                <a:effectLst/>
+                <a:latin typeface="Arial" panose="020B0604020202020204" pitchFamily="34" charset="0"/>
+              </a:rPr>
+              <a:t>a service has a name and maps to a dynamic set of pods defined by a label selector. </a:t>
+            </a:r>
+          </a:p>
+          <a:p>
+            <a:pPr rtl="0">
+              <a:spcBef>
+                <a:spcPts val="0"/>
+              </a:spcBef>
+              <a:spcAft>
+                <a:spcPts val="0"/>
+              </a:spcAft>
+            </a:pPr>
+            <a:r>
+              <a:rPr lang="en-US" sz="1800" b="0" i="0" u="none" strike="noStrike" dirty="0">
+                <a:solidFill>
+                  <a:srgbClr val="000000"/>
+                </a:solidFill>
+                <a:effectLst/>
+                <a:latin typeface="Arial" panose="020B0604020202020204" pitchFamily="34" charset="0"/>
+              </a:rPr>
+              <a:t>Any container in the cluster can connect to the service using the service name. Under the covers, Kubernetes automatically load-balances connections to the service among the pods that match the label selector, and keeps track of where the pods are running as they get rescheduled over time due to failures.</a:t>
+            </a:r>
+            <a:endParaRPr lang="en-US" b="0" dirty="0">
+              <a:effectLst/>
+            </a:endParaRPr>
+          </a:p>
+          <a:p>
+            <a:br>
+              <a:rPr lang="en-US" b="0" dirty="0">
+                <a:effectLst/>
+              </a:rPr>
+            </a:br>
+            <a:endParaRPr lang="en-US" dirty="0"/>
+          </a:p>
+        </p:txBody>
+      </p:sp>
+      <p:sp>
+        <p:nvSpPr>
+          <p:cNvPr id="4" name="Slide Number Placeholder 3"/>
+          <p:cNvSpPr>
+            <a:spLocks noGrp="1"/>
+          </p:cNvSpPr>
+          <p:nvPr>
+            <p:ph type="sldNum" sz="quarter" idx="5"/>
+          </p:nvPr>
+        </p:nvSpPr>
+        <p:spPr/>
+        <p:txBody>
+          <a:bodyPr/>
+          <a:lstStyle/>
+          <a:p>
+            <a:fld id="{00A560F4-8102-4EC4-BB24-179BCBD2EB8E}" type="slidenum">
+              <a:rPr lang="en-US" smtClean="0"/>
+              <a:t>38</a:t>
+            </a:fld>
+            <a:endParaRPr lang="en-US"/>
+          </a:p>
+        </p:txBody>
+      </p:sp>
+    </p:spTree>
+    <p:extLst>
+      <p:ext uri="{BB962C8B-B14F-4D97-AF65-F5344CB8AC3E}">
+        <p14:creationId xmlns:p14="http://schemas.microsoft.com/office/powerpoint/2010/main" val="3909851860"/>
+      </p:ext>
+    </p:extLst>
+  </p:cSld>
+  <p:clrMapOvr>
+    <a:masterClrMapping/>
+  </p:clrMapOvr>
+</p:notes>
+</file>
+
+<file path=ppt/notesSlides/notesSlide38.xml><?xml version="1.0" encoding="utf-8"?>
+<p:notes xmlns:a="http://schemas.openxmlformats.org/drawingml/2006/main" xmlns:r="http://schemas.openxmlformats.org/officeDocument/2006/relationships" xmlns:p="http://schemas.openxmlformats.org/presentationml/2006/main">
+  <p:cSld>
+    <p:spTree>
+      <p:nvGrpSpPr>
+        <p:cNvPr id="1" name=""/>
+        <p:cNvGrpSpPr/>
+        <p:nvPr/>
+      </p:nvGrpSpPr>
+      <p:grpSpPr>
+        <a:xfrm>
+          <a:off x="0" y="0"/>
+          <a:ext cx="0" cy="0"/>
+          <a:chOff x="0" y="0"/>
+          <a:chExt cx="0" cy="0"/>
+        </a:xfrm>
+      </p:grpSpPr>
+      <p:sp>
+        <p:nvSpPr>
+          <p:cNvPr id="2" name="Slide Image Placeholder 1"/>
+          <p:cNvSpPr>
+            <a:spLocks noGrp="1" noRot="1" noChangeAspect="1"/>
+          </p:cNvSpPr>
+          <p:nvPr>
+            <p:ph type="sldImg"/>
+          </p:nvPr>
+        </p:nvSpPr>
+        <p:spPr/>
+      </p:sp>
+      <p:sp>
+        <p:nvSpPr>
+          <p:cNvPr id="3" name="Notes Placeholder 2"/>
+          <p:cNvSpPr>
+            <a:spLocks noGrp="1"/>
+          </p:cNvSpPr>
+          <p:nvPr>
+            <p:ph type="body" idx="1"/>
+          </p:nvPr>
+        </p:nvSpPr>
+        <p:spPr/>
+        <p:txBody>
+          <a:bodyPr/>
+          <a:lstStyle/>
+          <a:p>
+            <a:endParaRPr lang="nb-NO" dirty="0"/>
+          </a:p>
+        </p:txBody>
+      </p:sp>
+      <p:sp>
+        <p:nvSpPr>
+          <p:cNvPr id="4" name="Slide Number Placeholder 3"/>
+          <p:cNvSpPr>
+            <a:spLocks noGrp="1"/>
+          </p:cNvSpPr>
+          <p:nvPr>
+            <p:ph type="sldNum" sz="quarter" idx="5"/>
+          </p:nvPr>
+        </p:nvSpPr>
+        <p:spPr/>
+        <p:txBody>
+          <a:bodyPr/>
+          <a:lstStyle/>
+          <a:p>
+            <a:fld id="{00A560F4-8102-4EC4-BB24-179BCBD2EB8E}" type="slidenum">
+              <a:rPr lang="en-US" smtClean="0"/>
+              <a:t>39</a:t>
+            </a:fld>
+            <a:endParaRPr lang="en-US"/>
+          </a:p>
+        </p:txBody>
+      </p:sp>
+    </p:spTree>
+    <p:extLst>
+      <p:ext uri="{BB962C8B-B14F-4D97-AF65-F5344CB8AC3E}">
+        <p14:creationId xmlns:p14="http://schemas.microsoft.com/office/powerpoint/2010/main" val="1562955137"/>
+      </p:ext>
+    </p:extLst>
+  </p:cSld>
+  <p:clrMapOvr>
+    <a:masterClrMapping/>
+  </p:clrMapOvr>
+</p:notes>
+</file>
+
+<file path=ppt/notesSlides/notesSlide39.xml><?xml version="1.0" encoding="utf-8"?>
+<p:notes xmlns:a="http://schemas.openxmlformats.org/drawingml/2006/main" xmlns:r="http://schemas.openxmlformats.org/officeDocument/2006/relationships" xmlns:p="http://schemas.openxmlformats.org/presentationml/2006/main">
+  <p:cSld>
+    <p:spTree>
+      <p:nvGrpSpPr>
+        <p:cNvPr id="1" name=""/>
+        <p:cNvGrpSpPr/>
+        <p:nvPr/>
+      </p:nvGrpSpPr>
+      <p:grpSpPr>
+        <a:xfrm>
+          <a:off x="0" y="0"/>
+          <a:ext cx="0" cy="0"/>
+          <a:chOff x="0" y="0"/>
+          <a:chExt cx="0" cy="0"/>
+        </a:xfrm>
+      </p:grpSpPr>
+      <p:sp>
+        <p:nvSpPr>
+          <p:cNvPr id="2" name="Slide Image Placeholder 1"/>
+          <p:cNvSpPr>
+            <a:spLocks noGrp="1" noRot="1" noChangeAspect="1"/>
+          </p:cNvSpPr>
+          <p:nvPr>
+            <p:ph type="sldImg"/>
+          </p:nvPr>
+        </p:nvSpPr>
+        <p:spPr/>
+      </p:sp>
+      <p:sp>
+        <p:nvSpPr>
+          <p:cNvPr id="3" name="Notes Placeholder 2"/>
+          <p:cNvSpPr>
+            <a:spLocks noGrp="1"/>
+          </p:cNvSpPr>
+          <p:nvPr>
+            <p:ph type="body" idx="1"/>
+          </p:nvPr>
+        </p:nvSpPr>
+        <p:spPr/>
+        <p:txBody>
+          <a:bodyPr/>
+          <a:lstStyle/>
+          <a:p>
+            <a:endParaRPr lang="nb-NO" dirty="0"/>
+          </a:p>
+        </p:txBody>
+      </p:sp>
+      <p:sp>
+        <p:nvSpPr>
+          <p:cNvPr id="4" name="Slide Number Placeholder 3"/>
+          <p:cNvSpPr>
+            <a:spLocks noGrp="1"/>
+          </p:cNvSpPr>
+          <p:nvPr>
+            <p:ph type="sldNum" sz="quarter" idx="5"/>
+          </p:nvPr>
+        </p:nvSpPr>
+        <p:spPr/>
+        <p:txBody>
+          <a:bodyPr/>
+          <a:lstStyle/>
+          <a:p>
+            <a:fld id="{00A560F4-8102-4EC4-BB24-179BCBD2EB8E}" type="slidenum">
+              <a:rPr lang="en-US" smtClean="0"/>
+              <a:t>40</a:t>
+            </a:fld>
+            <a:endParaRPr lang="en-US"/>
+          </a:p>
+        </p:txBody>
+      </p:sp>
+    </p:spTree>
+    <p:extLst>
+      <p:ext uri="{BB962C8B-B14F-4D97-AF65-F5344CB8AC3E}">
+        <p14:creationId xmlns:p14="http://schemas.microsoft.com/office/powerpoint/2010/main" val="3945189093"/>
       </p:ext>
     </p:extLst>
   </p:cSld>
@@ -3390,6 +4419,90 @@
 </p:notes>
 </file>
 
+<file path=ppt/notesSlides/notesSlide40.xml><?xml version="1.0" encoding="utf-8"?>
+<p:notes xmlns:a="http://schemas.openxmlformats.org/drawingml/2006/main" xmlns:r="http://schemas.openxmlformats.org/officeDocument/2006/relationships" xmlns:p="http://schemas.openxmlformats.org/presentationml/2006/main">
+  <p:cSld>
+    <p:spTree>
+      <p:nvGrpSpPr>
+        <p:cNvPr id="1" name=""/>
+        <p:cNvGrpSpPr/>
+        <p:nvPr/>
+      </p:nvGrpSpPr>
+      <p:grpSpPr>
+        <a:xfrm>
+          <a:off x="0" y="0"/>
+          <a:ext cx="0" cy="0"/>
+          <a:chOff x="0" y="0"/>
+          <a:chExt cx="0" cy="0"/>
+        </a:xfrm>
+      </p:grpSpPr>
+      <p:sp>
+        <p:nvSpPr>
+          <p:cNvPr id="2" name="Slide Image Placeholder 1"/>
+          <p:cNvSpPr>
+            <a:spLocks noGrp="1" noRot="1" noChangeAspect="1"/>
+          </p:cNvSpPr>
+          <p:nvPr>
+            <p:ph type="sldImg"/>
+          </p:nvPr>
+        </p:nvSpPr>
+        <p:spPr/>
+      </p:sp>
+      <p:sp>
+        <p:nvSpPr>
+          <p:cNvPr id="3" name="Notes Placeholder 2"/>
+          <p:cNvSpPr>
+            <a:spLocks noGrp="1"/>
+          </p:cNvSpPr>
+          <p:nvPr>
+            <p:ph type="body" idx="1"/>
+          </p:nvPr>
+        </p:nvSpPr>
+        <p:spPr/>
+        <p:txBody>
+          <a:bodyPr/>
+          <a:lstStyle/>
+          <a:p>
+            <a:endParaRPr lang="nb-NO" dirty="0"/>
+          </a:p>
+        </p:txBody>
+      </p:sp>
+      <p:sp>
+        <p:nvSpPr>
+          <p:cNvPr id="4" name="Slide Number Placeholder 3"/>
+          <p:cNvSpPr>
+            <a:spLocks noGrp="1"/>
+          </p:cNvSpPr>
+          <p:nvPr>
+            <p:ph type="sldNum" sz="quarter" idx="5"/>
+          </p:nvPr>
+        </p:nvSpPr>
+        <p:spPr/>
+        <p:txBody>
+          <a:bodyPr/>
+          <a:lstStyle/>
+          <a:p>
+            <a:fld id="{00A560F4-8102-4EC4-BB24-179BCBD2EB8E}" type="slidenum">
+              <a:rPr lang="en-US" smtClean="0"/>
+              <a:t>41</a:t>
+            </a:fld>
+            <a:endParaRPr lang="en-US"/>
+          </a:p>
+        </p:txBody>
+      </p:sp>
+    </p:spTree>
+    <p:extLst>
+      <p:ext uri="{BB962C8B-B14F-4D97-AF65-F5344CB8AC3E}">
+        <p14:creationId xmlns:p14="http://schemas.microsoft.com/office/powerpoint/2010/main" val="1486015096"/>
+      </p:ext>
+    </p:extLst>
+  </p:cSld>
+  <p:clrMapOvr>
+    <a:masterClrMapping/>
+  </p:clrMapOvr>
+</p:notes>
+</file>
+
 <file path=ppt/notesSlides/notesSlide5.xml><?xml version="1.0" encoding="utf-8"?>
 <p:notes xmlns:a="http://schemas.openxmlformats.org/drawingml/2006/main" xmlns:r="http://schemas.openxmlformats.org/officeDocument/2006/relationships" xmlns:p="http://schemas.openxmlformats.org/presentationml/2006/main" showMasterSp="0" showMasterPhAnim="0">
   <p:cSld>
@@ -4176,7 +5289,7 @@
           <a:p>
             <a:fld id="{CE88D40F-0E01-46E3-A0A3-09B1E418DDBF}" type="datetimeFigureOut">
               <a:rPr lang="en-US" smtClean="0"/>
-              <a:t>2/8/2021</a:t>
+              <a:t>2/9/2021</a:t>
             </a:fld>
             <a:endParaRPr lang="en-US"/>
           </a:p>
@@ -4374,7 +5487,7 @@
           <a:p>
             <a:fld id="{CE88D40F-0E01-46E3-A0A3-09B1E418DDBF}" type="datetimeFigureOut">
               <a:rPr lang="en-US" smtClean="0"/>
-              <a:t>2/8/2021</a:t>
+              <a:t>2/9/2021</a:t>
             </a:fld>
             <a:endParaRPr lang="en-US"/>
           </a:p>
@@ -4582,7 +5695,7 @@
           <a:p>
             <a:fld id="{CE88D40F-0E01-46E3-A0A3-09B1E418DDBF}" type="datetimeFigureOut">
               <a:rPr lang="en-US" smtClean="0"/>
-              <a:t>2/8/2021</a:t>
+              <a:t>2/9/2021</a:t>
             </a:fld>
             <a:endParaRPr lang="en-US"/>
           </a:p>
@@ -5139,7 +6252,7 @@
           <a:p>
             <a:fld id="{CE88D40F-0E01-46E3-A0A3-09B1E418DDBF}" type="datetimeFigureOut">
               <a:rPr lang="en-US" smtClean="0"/>
-              <a:t>2/8/2021</a:t>
+              <a:t>2/9/2021</a:t>
             </a:fld>
             <a:endParaRPr lang="en-US"/>
           </a:p>
@@ -5414,7 +6527,7 @@
           <a:p>
             <a:fld id="{CE88D40F-0E01-46E3-A0A3-09B1E418DDBF}" type="datetimeFigureOut">
               <a:rPr lang="en-US" smtClean="0"/>
-              <a:t>2/8/2021</a:t>
+              <a:t>2/9/2021</a:t>
             </a:fld>
             <a:endParaRPr lang="en-US"/>
           </a:p>
@@ -5679,7 +6792,7 @@
           <a:p>
             <a:fld id="{CE88D40F-0E01-46E3-A0A3-09B1E418DDBF}" type="datetimeFigureOut">
               <a:rPr lang="en-US" smtClean="0"/>
-              <a:t>2/8/2021</a:t>
+              <a:t>2/9/2021</a:t>
             </a:fld>
             <a:endParaRPr lang="en-US"/>
           </a:p>
@@ -6091,7 +7204,7 @@
           <a:p>
             <a:fld id="{CE88D40F-0E01-46E3-A0A3-09B1E418DDBF}" type="datetimeFigureOut">
               <a:rPr lang="en-US" smtClean="0"/>
-              <a:t>2/8/2021</a:t>
+              <a:t>2/9/2021</a:t>
             </a:fld>
             <a:endParaRPr lang="en-US"/>
           </a:p>
@@ -6232,7 +7345,7 @@
           <a:p>
             <a:fld id="{CE88D40F-0E01-46E3-A0A3-09B1E418DDBF}" type="datetimeFigureOut">
               <a:rPr lang="en-US" smtClean="0"/>
-              <a:t>2/8/2021</a:t>
+              <a:t>2/9/2021</a:t>
             </a:fld>
             <a:endParaRPr lang="en-US"/>
           </a:p>
@@ -6345,7 +7458,7 @@
           <a:p>
             <a:fld id="{CE88D40F-0E01-46E3-A0A3-09B1E418DDBF}" type="datetimeFigureOut">
               <a:rPr lang="en-US" smtClean="0"/>
-              <a:t>2/8/2021</a:t>
+              <a:t>2/9/2021</a:t>
             </a:fld>
             <a:endParaRPr lang="en-US"/>
           </a:p>
@@ -6656,7 +7769,7 @@
           <a:p>
             <a:fld id="{CE88D40F-0E01-46E3-A0A3-09B1E418DDBF}" type="datetimeFigureOut">
               <a:rPr lang="en-US" smtClean="0"/>
-              <a:t>2/8/2021</a:t>
+              <a:t>2/9/2021</a:t>
             </a:fld>
             <a:endParaRPr lang="en-US"/>
           </a:p>
@@ -6944,7 +8057,7 @@
           <a:p>
             <a:fld id="{CE88D40F-0E01-46E3-A0A3-09B1E418DDBF}" type="datetimeFigureOut">
               <a:rPr lang="en-US" smtClean="0"/>
-              <a:t>2/8/2021</a:t>
+              <a:t>2/9/2021</a:t>
             </a:fld>
             <a:endParaRPr lang="en-US"/>
           </a:p>
@@ -7185,7 +8298,7 @@
           <a:p>
             <a:fld id="{CE88D40F-0E01-46E3-A0A3-09B1E418DDBF}" type="datetimeFigureOut">
               <a:rPr lang="en-US" smtClean="0"/>
-              <a:t>2/8/2021</a:t>
+              <a:t>2/9/2021</a:t>
             </a:fld>
             <a:endParaRPr lang="en-US"/>
           </a:p>
@@ -17094,7 +18207,7 @@
   <p:cSld>
     <p:spTree>
       <p:nvGrpSpPr>
-        <p:cNvPr id="1" name="Shape 67"/>
+        <p:cNvPr id="1" name=""/>
         <p:cNvGrpSpPr/>
         <p:nvPr/>
       </p:nvGrpSpPr>
@@ -17108,161 +18221,158 @@
       </p:grpSpPr>
       <p:sp>
         <p:nvSpPr>
-          <p:cNvPr id="68" name="Google Shape;68;p15"/>
-          <p:cNvSpPr txBox="1">
+          <p:cNvPr id="2" name="Title 1">
+            <a:extLst>
+              <a:ext uri="{FF2B5EF4-FFF2-40B4-BE49-F238E27FC236}">
+                <a16:creationId xmlns:a16="http://schemas.microsoft.com/office/drawing/2014/main" id="{FE945236-91F1-45E7-A9D1-02CAD7660C81}"/>
+              </a:ext>
+            </a:extLst>
+          </p:cNvPr>
+          <p:cNvSpPr>
             <a:spLocks noGrp="1"/>
           </p:cNvSpPr>
           <p:nvPr>
             <p:ph type="title"/>
           </p:nvPr>
         </p:nvSpPr>
-        <p:spPr>
-          <a:xfrm>
-            <a:off x="415600" y="593367"/>
-            <a:ext cx="11360800" cy="763600"/>
-          </a:xfrm>
-          <a:prstGeom prst="rect">
-            <a:avLst/>
-          </a:prstGeom>
-        </p:spPr>
+        <p:spPr/>
         <p:txBody>
-          <a:bodyPr spcFirstLastPara="1" vert="horz" wrap="square" lIns="121900" tIns="121900" rIns="121900" bIns="121900" rtlCol="0" anchor="t" anchorCtr="0">
-            <a:noAutofit/>
-          </a:bodyPr>
+          <a:bodyPr/>
           <a:lstStyle/>
           <a:p>
             <a:r>
-              <a:rPr lang="nb-NO" dirty="0"/>
-              <a:t>Practical information</a:t>
+              <a:rPr lang="en-US" dirty="0"/>
+              <a:t>Infrastructure as Code User Group 2021 roadmap</a:t>
             </a:r>
-            <a:endParaRPr dirty="0"/>
           </a:p>
         </p:txBody>
       </p:sp>
       <p:sp>
         <p:nvSpPr>
-          <p:cNvPr id="69" name="Google Shape;69;p15"/>
-          <p:cNvSpPr txBox="1">
+          <p:cNvPr id="3" name="Text Placeholder 2">
+            <a:extLst>
+              <a:ext uri="{FF2B5EF4-FFF2-40B4-BE49-F238E27FC236}">
+                <a16:creationId xmlns:a16="http://schemas.microsoft.com/office/drawing/2014/main" id="{4B6017F3-C631-4BCA-8424-F9041D0AF229}"/>
+              </a:ext>
+            </a:extLst>
+          </p:cNvPr>
+          <p:cNvSpPr>
             <a:spLocks noGrp="1"/>
           </p:cNvSpPr>
           <p:nvPr>
             <p:ph type="body" idx="1"/>
           </p:nvPr>
         </p:nvSpPr>
-        <p:spPr>
-          <a:xfrm>
-            <a:off x="415600" y="1536633"/>
-            <a:ext cx="11360800" cy="4555200"/>
-          </a:xfrm>
-          <a:prstGeom prst="rect">
-            <a:avLst/>
-          </a:prstGeom>
-        </p:spPr>
+        <p:spPr/>
         <p:txBody>
-          <a:bodyPr spcFirstLastPara="1" vert="horz" wrap="square" lIns="121900" tIns="121900" rIns="121900" bIns="121900" rtlCol="0" anchor="t" anchorCtr="0">
-            <a:noAutofit/>
-          </a:bodyPr>
+          <a:bodyPr/>
           <a:lstStyle/>
           <a:p>
-            <a:pPr marL="380990" indent="-380990">
-              <a:spcAft>
-                <a:spcPts val="2133"/>
-              </a:spcAft>
+            <a:pPr marL="152396" indent="0">
+              <a:buNone/>
             </a:pPr>
             <a:r>
               <a:rPr lang="en-US" dirty="0"/>
-              <a:t>Mix of slides and labs with focus on labs</a:t>
+              <a:t>AKS workshops:</a:t>
             </a:r>
           </a:p>
           <a:p>
-            <a:pPr marL="380990" indent="-380990">
-              <a:spcAft>
-                <a:spcPts val="2133"/>
-              </a:spcAft>
+            <a:r>
+              <a:rPr lang="en-US" dirty="0"/>
+              <a:t>AKS and Kubernetes 101</a:t>
+            </a:r>
+          </a:p>
+          <a:p>
+            <a:r>
+              <a:rPr lang="en-US" dirty="0"/>
+              <a:t>Advanced AKS con</a:t>
+            </a:r>
+          </a:p>
+          <a:p>
+            <a:r>
+              <a:rPr lang="en-US" dirty="0"/>
+              <a:t>Use </a:t>
+            </a:r>
+            <a:r>
+              <a:rPr lang="en-US" dirty="0" err="1"/>
+              <a:t>Pulumi</a:t>
+            </a:r>
+            <a:r>
+              <a:rPr lang="en-US" dirty="0"/>
+              <a:t> to provision and configuring AKS </a:t>
+            </a:r>
+            <a:r>
+              <a:rPr lang="en-US" dirty="0" err="1"/>
+              <a:t>clusterfiguration</a:t>
+            </a:r>
+            <a:endParaRPr lang="en-US" dirty="0"/>
+          </a:p>
+          <a:p>
+            <a:r>
+              <a:rPr lang="en-US" dirty="0"/>
+              <a:t>Service mesh with </a:t>
+            </a:r>
+            <a:r>
+              <a:rPr lang="en-US" dirty="0" err="1"/>
+              <a:t>linkerd</a:t>
+            </a:r>
+            <a:endParaRPr lang="en-US" dirty="0"/>
+          </a:p>
+          <a:p>
+            <a:r>
+              <a:rPr lang="en-US" dirty="0"/>
+              <a:t>AKS application deployment strategy</a:t>
+            </a:r>
+          </a:p>
+          <a:p>
+            <a:r>
+              <a:rPr lang="en-US" dirty="0"/>
+              <a:t>AKS security</a:t>
+            </a:r>
+          </a:p>
+          <a:p>
+            <a:pPr marL="152396" indent="0">
+              <a:buNone/>
             </a:pPr>
             <a:r>
               <a:rPr lang="en-US" dirty="0"/>
-              <a:t>I don’t have moderator</a:t>
+              <a:t>+ “regular” events (work in progress)</a:t>
             </a:r>
-            <a:endParaRPr lang="en-US" dirty="0">
-              <a:sym typeface="Wingdings" panose="05000000000000000000" pitchFamily="2" charset="2"/>
-            </a:endParaRPr>
-          </a:p>
-          <a:p>
-            <a:pPr marL="380990" indent="-380990">
-              <a:spcAft>
-                <a:spcPts val="2133"/>
-              </a:spcAft>
+          </a:p>
+          <a:p>
+            <a:pPr marL="152396" indent="0">
+              <a:buNone/>
             </a:pPr>
-            <a:r>
-              <a:rPr lang="en-US" dirty="0">
-                <a:sym typeface="Wingdings" panose="05000000000000000000" pitchFamily="2" charset="2"/>
-              </a:rPr>
-              <a:t>Let’s help each other, the one who finished earlier can help others</a:t>
-            </a:r>
-          </a:p>
-          <a:p>
-            <a:pPr marL="380990" indent="-380990">
-              <a:spcAft>
-                <a:spcPts val="2133"/>
-              </a:spcAft>
-            </a:pPr>
-            <a:r>
-              <a:rPr lang="en-US" dirty="0">
-                <a:sym typeface="Wingdings" panose="05000000000000000000" pitchFamily="2" charset="2"/>
-              </a:rPr>
-              <a:t>Keep the same names as in labs -&gt; easier to troubleshot </a:t>
-            </a:r>
             <a:endParaRPr lang="en-US" dirty="0"/>
           </a:p>
           <a:p>
-            <a:pPr marL="380990" indent="-380990">
-              <a:spcAft>
-                <a:spcPts val="2133"/>
-              </a:spcAft>
-            </a:pPr>
-            <a:r>
-              <a:rPr lang="en-US" dirty="0">
-                <a:sym typeface="Wingdings" panose="05000000000000000000" pitchFamily="2" charset="2"/>
-              </a:rPr>
-              <a:t>Share your screen if you stack with something</a:t>
-            </a:r>
-          </a:p>
-          <a:p>
-            <a:pPr marL="380990" indent="-380990">
-              <a:spcAft>
-                <a:spcPts val="2133"/>
-              </a:spcAft>
-            </a:pPr>
             <a:r>
               <a:rPr lang="en-US" dirty="0"/>
-              <a:t>Labs are available after the event</a:t>
+              <a:t>If you have any good AKS / Kubernetes / </a:t>
             </a:r>
-          </a:p>
-          <a:p>
-            <a:pPr marL="380990" indent="-380990">
-              <a:spcAft>
-                <a:spcPts val="2133"/>
-              </a:spcAft>
-            </a:pPr>
+            <a:r>
+              <a:rPr lang="en-US" dirty="0" err="1"/>
+              <a:t>IaC</a:t>
+            </a:r>
+            <a:r>
+              <a:rPr lang="en-US" dirty="0"/>
+              <a:t> story – welcome to share! </a:t>
+            </a:r>
+          </a:p>
+          <a:p>
             <a:endParaRPr lang="en-US" dirty="0"/>
           </a:p>
           <a:p>
-            <a:pPr marL="380990" indent="-380990">
-              <a:spcAft>
-                <a:spcPts val="2133"/>
-              </a:spcAft>
-            </a:pPr>
             <a:endParaRPr lang="en-US" dirty="0"/>
           </a:p>
         </p:txBody>
       </p:sp>
       <p:pic>
         <p:nvPicPr>
-          <p:cNvPr id="5" name="Google Shape;56;p13">
+          <p:cNvPr id="4" name="Google Shape;56;p13">
             <a:extLst>
               <a:ext uri="{FF2B5EF4-FFF2-40B4-BE49-F238E27FC236}">
-                <a16:creationId xmlns:a16="http://schemas.microsoft.com/office/drawing/2014/main" id="{EF827ABA-BEE0-4CCD-A3C3-21D4EF756FDB}"/>
+                <a16:creationId xmlns:a16="http://schemas.microsoft.com/office/drawing/2014/main" id="{DC728A7C-EC78-437E-8CC7-5217F4BA2FAA}"/>
               </a:ext>
             </a:extLst>
           </p:cNvPr>
@@ -17270,7 +18380,7 @@
           <p:nvPr/>
         </p:nvPicPr>
         <p:blipFill>
-          <a:blip r:embed="rId3">
+          <a:blip r:embed="rId2">
             <a:alphaModFix/>
           </a:blip>
           <a:stretch>
@@ -17291,7 +18401,51 @@
           </a:ln>
         </p:spPr>
       </p:pic>
+      <p:pic>
+        <p:nvPicPr>
+          <p:cNvPr id="5" name="Graphic 4">
+            <a:extLst>
+              <a:ext uri="{FF2B5EF4-FFF2-40B4-BE49-F238E27FC236}">
+                <a16:creationId xmlns:a16="http://schemas.microsoft.com/office/drawing/2014/main" id="{0BECB7BE-A1DA-4603-B4F5-F0023373D912}"/>
+              </a:ext>
+            </a:extLst>
+          </p:cNvPr>
+          <p:cNvPicPr>
+            <a:picLocks noChangeAspect="1"/>
+          </p:cNvPicPr>
+          <p:nvPr/>
+        </p:nvPicPr>
+        <p:blipFill>
+          <a:blip r:embed="rId3">
+            <a:extLst>
+              <a:ext uri="{28A0092B-C50C-407E-A947-70E740481C1C}">
+                <a14:useLocalDpi xmlns:a14="http://schemas.microsoft.com/office/drawing/2010/main" val="0"/>
+              </a:ext>
+              <a:ext uri="{96DAC541-7B7A-43D3-8B79-37D633B846F1}">
+                <asvg:svgBlip xmlns:asvg="http://schemas.microsoft.com/office/drawing/2016/SVG/main" r:embed="rId4"/>
+              </a:ext>
+            </a:extLst>
+          </a:blip>
+          <a:stretch>
+            <a:fillRect/>
+          </a:stretch>
+        </p:blipFill>
+        <p:spPr>
+          <a:xfrm>
+            <a:off x="343599" y="6114702"/>
+            <a:ext cx="1718444" cy="574556"/>
+          </a:xfrm>
+          <a:prstGeom prst="rect">
+            <a:avLst/>
+          </a:prstGeom>
+        </p:spPr>
+      </p:pic>
     </p:spTree>
+    <p:extLst>
+      <p:ext uri="{BB962C8B-B14F-4D97-AF65-F5344CB8AC3E}">
+        <p14:creationId xmlns:p14="http://schemas.microsoft.com/office/powerpoint/2010/main" val="3028258063"/>
+      </p:ext>
+    </p:extLst>
   </p:cSld>
   <p:clrMapOvr>
     <a:masterClrMapping/>
@@ -22581,6 +23735,4258 @@
 <file path=ppt/slides/slide25.xml><?xml version="1.0" encoding="utf-8"?>
 <p:sld xmlns:a="http://schemas.openxmlformats.org/drawingml/2006/main" xmlns:r="http://schemas.openxmlformats.org/officeDocument/2006/relationships" xmlns:p="http://schemas.openxmlformats.org/presentationml/2006/main">
   <p:cSld>
+    <p:spTree>
+      <p:nvGrpSpPr>
+        <p:cNvPr id="1" name=""/>
+        <p:cNvGrpSpPr/>
+        <p:nvPr/>
+      </p:nvGrpSpPr>
+      <p:grpSpPr>
+        <a:xfrm>
+          <a:off x="0" y="0"/>
+          <a:ext cx="0" cy="0"/>
+          <a:chOff x="0" y="0"/>
+          <a:chExt cx="0" cy="0"/>
+        </a:xfrm>
+      </p:grpSpPr>
+      <p:sp>
+        <p:nvSpPr>
+          <p:cNvPr id="2" name="Title 1">
+            <a:extLst>
+              <a:ext uri="{FF2B5EF4-FFF2-40B4-BE49-F238E27FC236}">
+                <a16:creationId xmlns:a16="http://schemas.microsoft.com/office/drawing/2014/main" id="{AF708F16-5DBC-4B6A-8DFC-6213EECAA9C2}"/>
+              </a:ext>
+            </a:extLst>
+          </p:cNvPr>
+          <p:cNvSpPr>
+            <a:spLocks noGrp="1"/>
+          </p:cNvSpPr>
+          <p:nvPr>
+            <p:ph type="title"/>
+          </p:nvPr>
+        </p:nvSpPr>
+        <p:spPr/>
+        <p:txBody>
+          <a:bodyPr/>
+          <a:lstStyle/>
+          <a:p>
+            <a:r>
+              <a:rPr lang="en-US" dirty="0"/>
+              <a:t>Liveness probe</a:t>
+            </a:r>
+          </a:p>
+        </p:txBody>
+      </p:sp>
+      <p:sp>
+        <p:nvSpPr>
+          <p:cNvPr id="3" name="Text Placeholder 2">
+            <a:extLst>
+              <a:ext uri="{FF2B5EF4-FFF2-40B4-BE49-F238E27FC236}">
+                <a16:creationId xmlns:a16="http://schemas.microsoft.com/office/drawing/2014/main" id="{EC7572EA-1EAB-40E7-BB72-53988D9C2321}"/>
+              </a:ext>
+            </a:extLst>
+          </p:cNvPr>
+          <p:cNvSpPr>
+            <a:spLocks noGrp="1"/>
+          </p:cNvSpPr>
+          <p:nvPr>
+            <p:ph type="body" idx="1"/>
+          </p:nvPr>
+        </p:nvSpPr>
+        <p:spPr>
+          <a:xfrm>
+            <a:off x="415599" y="1536633"/>
+            <a:ext cx="11125611" cy="1657829"/>
+          </a:xfrm>
+        </p:spPr>
+        <p:txBody>
+          <a:bodyPr/>
+          <a:lstStyle/>
+          <a:p>
+            <a:r>
+              <a:rPr lang="en-US" dirty="0"/>
+              <a:t>On every node is a daemon called a </a:t>
+            </a:r>
+            <a:r>
+              <a:rPr lang="en-US" dirty="0" err="1"/>
+              <a:t>Kubelet</a:t>
+            </a:r>
+            <a:endParaRPr lang="en-US" dirty="0"/>
+          </a:p>
+          <a:p>
+            <a:r>
+              <a:rPr lang="en-US" dirty="0"/>
+              <a:t>One of the </a:t>
+            </a:r>
+            <a:r>
+              <a:rPr lang="en-US" dirty="0" err="1"/>
+              <a:t>Kubelet’s</a:t>
+            </a:r>
+            <a:r>
+              <a:rPr lang="en-US" dirty="0"/>
+              <a:t> jobs is to ensure that pods are healthy</a:t>
+            </a:r>
+          </a:p>
+          <a:p>
+            <a:r>
+              <a:rPr lang="en-US" dirty="0" err="1"/>
+              <a:t>Kubelet</a:t>
+            </a:r>
+            <a:r>
+              <a:rPr lang="en-US" dirty="0"/>
+              <a:t> sends out a liveness probe to a pod</a:t>
+            </a:r>
+          </a:p>
+        </p:txBody>
+      </p:sp>
+      <p:pic>
+        <p:nvPicPr>
+          <p:cNvPr id="4" name="Google Shape;56;p13">
+            <a:extLst>
+              <a:ext uri="{FF2B5EF4-FFF2-40B4-BE49-F238E27FC236}">
+                <a16:creationId xmlns:a16="http://schemas.microsoft.com/office/drawing/2014/main" id="{5DC2FED0-7C5F-460C-998D-2520FD324176}"/>
+              </a:ext>
+            </a:extLst>
+          </p:cNvPr>
+          <p:cNvPicPr preferRelativeResize="0"/>
+          <p:nvPr/>
+        </p:nvPicPr>
+        <p:blipFill>
+          <a:blip r:embed="rId3">
+            <a:alphaModFix/>
+          </a:blip>
+          <a:stretch>
+            <a:fillRect/>
+          </a:stretch>
+        </p:blipFill>
+        <p:spPr>
+          <a:xfrm>
+            <a:off x="10989179" y="5736492"/>
+            <a:ext cx="1202821" cy="1121508"/>
+          </a:xfrm>
+          <a:prstGeom prst="rect">
+            <a:avLst/>
+          </a:prstGeom>
+          <a:noFill/>
+          <a:ln>
+            <a:noFill/>
+          </a:ln>
+        </p:spPr>
+      </p:pic>
+      <p:pic>
+        <p:nvPicPr>
+          <p:cNvPr id="5" name="Picture 4">
+            <a:extLst>
+              <a:ext uri="{FF2B5EF4-FFF2-40B4-BE49-F238E27FC236}">
+                <a16:creationId xmlns:a16="http://schemas.microsoft.com/office/drawing/2014/main" id="{86A17813-B73F-471E-ABB2-08A18EC70133}"/>
+              </a:ext>
+            </a:extLst>
+          </p:cNvPr>
+          <p:cNvPicPr>
+            <a:picLocks noChangeAspect="1"/>
+          </p:cNvPicPr>
+          <p:nvPr/>
+        </p:nvPicPr>
+        <p:blipFill>
+          <a:blip r:embed="rId4"/>
+          <a:stretch>
+            <a:fillRect/>
+          </a:stretch>
+        </p:blipFill>
+        <p:spPr>
+          <a:xfrm>
+            <a:off x="10935891" y="593367"/>
+            <a:ext cx="840509" cy="775369"/>
+          </a:xfrm>
+          <a:prstGeom prst="rect">
+            <a:avLst/>
+          </a:prstGeom>
+        </p:spPr>
+      </p:pic>
+      <p:sp>
+        <p:nvSpPr>
+          <p:cNvPr id="13" name="Rectangle: Rounded Corners 12">
+            <a:extLst>
+              <a:ext uri="{FF2B5EF4-FFF2-40B4-BE49-F238E27FC236}">
+                <a16:creationId xmlns:a16="http://schemas.microsoft.com/office/drawing/2014/main" id="{A9F70178-8D3E-40D7-9828-5BC509EF84B0}"/>
+              </a:ext>
+            </a:extLst>
+          </p:cNvPr>
+          <p:cNvSpPr/>
+          <p:nvPr/>
+        </p:nvSpPr>
+        <p:spPr>
+          <a:xfrm>
+            <a:off x="4183483" y="4521851"/>
+            <a:ext cx="3589841" cy="1392770"/>
+          </a:xfrm>
+          <a:prstGeom prst="roundRect">
+            <a:avLst/>
+          </a:prstGeom>
+          <a:solidFill>
+            <a:schemeClr val="accent1">
+              <a:lumMod val="20000"/>
+              <a:lumOff val="80000"/>
+            </a:schemeClr>
+          </a:solidFill>
+        </p:spPr>
+        <p:style>
+          <a:lnRef idx="2">
+            <a:schemeClr val="accent3"/>
+          </a:lnRef>
+          <a:fillRef idx="1">
+            <a:schemeClr val="lt1"/>
+          </a:fillRef>
+          <a:effectRef idx="0">
+            <a:schemeClr val="accent3"/>
+          </a:effectRef>
+          <a:fontRef idx="minor">
+            <a:schemeClr val="dk1"/>
+          </a:fontRef>
+        </p:style>
+        <p:txBody>
+          <a:bodyPr rtlCol="0" anchor="b" anchorCtr="1"/>
+          <a:lstStyle/>
+          <a:p>
+            <a:pPr algn="ctr"/>
+            <a:r>
+              <a:rPr lang="en-US" dirty="0"/>
+              <a:t>Node</a:t>
+            </a:r>
+          </a:p>
+        </p:txBody>
+      </p:sp>
+      <p:grpSp>
+        <p:nvGrpSpPr>
+          <p:cNvPr id="7" name="Group 6">
+            <a:extLst>
+              <a:ext uri="{FF2B5EF4-FFF2-40B4-BE49-F238E27FC236}">
+                <a16:creationId xmlns:a16="http://schemas.microsoft.com/office/drawing/2014/main" id="{08602A51-AB11-46E9-941B-FA087D020BBA}"/>
+              </a:ext>
+            </a:extLst>
+          </p:cNvPr>
+          <p:cNvGrpSpPr/>
+          <p:nvPr/>
+        </p:nvGrpSpPr>
+        <p:grpSpPr>
+          <a:xfrm>
+            <a:off x="6277045" y="4734273"/>
+            <a:ext cx="1260389" cy="774081"/>
+            <a:chOff x="6277045" y="4734273"/>
+            <a:chExt cx="1260389" cy="774081"/>
+          </a:xfrm>
+        </p:grpSpPr>
+        <p:sp>
+          <p:nvSpPr>
+            <p:cNvPr id="15" name="Rectangle: Rounded Corners 14">
+              <a:extLst>
+                <a:ext uri="{FF2B5EF4-FFF2-40B4-BE49-F238E27FC236}">
+                  <a16:creationId xmlns:a16="http://schemas.microsoft.com/office/drawing/2014/main" id="{32E941F0-186B-4E44-ABA2-C8931FB3E149}"/>
+                </a:ext>
+              </a:extLst>
+            </p:cNvPr>
+            <p:cNvSpPr/>
+            <p:nvPr/>
+          </p:nvSpPr>
+          <p:spPr>
+            <a:xfrm>
+              <a:off x="6277045" y="4734273"/>
+              <a:ext cx="1260389" cy="774081"/>
+            </a:xfrm>
+            <a:prstGeom prst="roundRect">
+              <a:avLst/>
+            </a:prstGeom>
+            <a:solidFill>
+              <a:schemeClr val="accent6">
+                <a:lumMod val="20000"/>
+                <a:lumOff val="80000"/>
+              </a:schemeClr>
+            </a:solidFill>
+          </p:spPr>
+          <p:style>
+            <a:lnRef idx="2">
+              <a:schemeClr val="accent1">
+                <a:shade val="50000"/>
+              </a:schemeClr>
+            </a:lnRef>
+            <a:fillRef idx="1">
+              <a:schemeClr val="accent1"/>
+            </a:fillRef>
+            <a:effectRef idx="0">
+              <a:schemeClr val="accent1"/>
+            </a:effectRef>
+            <a:fontRef idx="minor">
+              <a:schemeClr val="lt1"/>
+            </a:fontRef>
+          </p:style>
+          <p:txBody>
+            <a:bodyPr rtlCol="0" anchor="t" anchorCtr="0"/>
+            <a:lstStyle/>
+            <a:p>
+              <a:pPr algn="ctr"/>
+              <a:r>
+                <a:rPr lang="en-US" dirty="0">
+                  <a:solidFill>
+                    <a:schemeClr val="tx1"/>
+                  </a:solidFill>
+                </a:rPr>
+                <a:t>pod</a:t>
+              </a:r>
+            </a:p>
+          </p:txBody>
+        </p:sp>
+        <p:sp>
+          <p:nvSpPr>
+            <p:cNvPr id="16" name="Rectangle: Rounded Corners 15">
+              <a:extLst>
+                <a:ext uri="{FF2B5EF4-FFF2-40B4-BE49-F238E27FC236}">
+                  <a16:creationId xmlns:a16="http://schemas.microsoft.com/office/drawing/2014/main" id="{CB335A6C-4AA9-448C-95B8-87A623E1C9E6}"/>
+                </a:ext>
+              </a:extLst>
+            </p:cNvPr>
+            <p:cNvSpPr/>
+            <p:nvPr/>
+          </p:nvSpPr>
+          <p:spPr>
+            <a:xfrm>
+              <a:off x="6462396" y="5117333"/>
+              <a:ext cx="939114" cy="247135"/>
+            </a:xfrm>
+            <a:prstGeom prst="roundRect">
+              <a:avLst/>
+            </a:prstGeom>
+            <a:solidFill>
+              <a:srgbClr val="FF0000"/>
+            </a:solidFill>
+          </p:spPr>
+          <p:style>
+            <a:lnRef idx="2">
+              <a:schemeClr val="accent1">
+                <a:shade val="50000"/>
+              </a:schemeClr>
+            </a:lnRef>
+            <a:fillRef idx="1">
+              <a:schemeClr val="accent1"/>
+            </a:fillRef>
+            <a:effectRef idx="0">
+              <a:schemeClr val="accent1"/>
+            </a:effectRef>
+            <a:fontRef idx="minor">
+              <a:schemeClr val="lt1"/>
+            </a:fontRef>
+          </p:style>
+          <p:txBody>
+            <a:bodyPr rtlCol="0" anchor="ctr"/>
+            <a:lstStyle/>
+            <a:p>
+              <a:pPr algn="ctr"/>
+              <a:r>
+                <a:rPr lang="en-US" dirty="0"/>
+                <a:t>app-a</a:t>
+              </a:r>
+            </a:p>
+          </p:txBody>
+        </p:sp>
+      </p:grpSp>
+      <p:sp>
+        <p:nvSpPr>
+          <p:cNvPr id="17" name="Rectangle: Rounded Corners 16">
+            <a:extLst>
+              <a:ext uri="{FF2B5EF4-FFF2-40B4-BE49-F238E27FC236}">
+                <a16:creationId xmlns:a16="http://schemas.microsoft.com/office/drawing/2014/main" id="{ED944334-B2E2-4318-B1B2-78EDACA40E70}"/>
+              </a:ext>
+            </a:extLst>
+          </p:cNvPr>
+          <p:cNvSpPr/>
+          <p:nvPr/>
+        </p:nvSpPr>
+        <p:spPr>
+          <a:xfrm>
+            <a:off x="4479137" y="4727366"/>
+            <a:ext cx="1260389" cy="774081"/>
+          </a:xfrm>
+          <a:prstGeom prst="roundRect">
+            <a:avLst/>
+          </a:prstGeom>
+          <a:solidFill>
+            <a:schemeClr val="accent6">
+              <a:lumMod val="20000"/>
+              <a:lumOff val="80000"/>
+            </a:schemeClr>
+          </a:solidFill>
+        </p:spPr>
+        <p:style>
+          <a:lnRef idx="2">
+            <a:schemeClr val="accent1">
+              <a:shade val="50000"/>
+            </a:schemeClr>
+          </a:lnRef>
+          <a:fillRef idx="1">
+            <a:schemeClr val="accent1"/>
+          </a:fillRef>
+          <a:effectRef idx="0">
+            <a:schemeClr val="accent1"/>
+          </a:effectRef>
+          <a:fontRef idx="minor">
+            <a:schemeClr val="lt1"/>
+          </a:fontRef>
+        </p:style>
+        <p:txBody>
+          <a:bodyPr rtlCol="0" anchor="t" anchorCtr="0"/>
+          <a:lstStyle/>
+          <a:p>
+            <a:pPr algn="ctr"/>
+            <a:r>
+              <a:rPr lang="en-US" dirty="0" err="1">
+                <a:solidFill>
+                  <a:schemeClr val="tx1"/>
+                </a:solidFill>
+              </a:rPr>
+              <a:t>kubelet</a:t>
+            </a:r>
+            <a:endParaRPr lang="en-US" dirty="0">
+              <a:solidFill>
+                <a:schemeClr val="tx1"/>
+              </a:solidFill>
+            </a:endParaRPr>
+          </a:p>
+        </p:txBody>
+      </p:sp>
+      <p:sp>
+        <p:nvSpPr>
+          <p:cNvPr id="6" name="Callout: Line with Border and Accent Bar 5">
+            <a:extLst>
+              <a:ext uri="{FF2B5EF4-FFF2-40B4-BE49-F238E27FC236}">
+                <a16:creationId xmlns:a16="http://schemas.microsoft.com/office/drawing/2014/main" id="{0F816D1E-B4D0-450B-A773-76D188E60C8C}"/>
+              </a:ext>
+            </a:extLst>
+          </p:cNvPr>
+          <p:cNvSpPr/>
+          <p:nvPr/>
+        </p:nvSpPr>
+        <p:spPr>
+          <a:xfrm>
+            <a:off x="961900" y="3663539"/>
+            <a:ext cx="2814453" cy="612648"/>
+          </a:xfrm>
+          <a:prstGeom prst="accentBorderCallout1">
+            <a:avLst>
+              <a:gd name="adj1" fmla="val 38134"/>
+              <a:gd name="adj2" fmla="val 104654"/>
+              <a:gd name="adj3" fmla="val 174527"/>
+              <a:gd name="adj4" fmla="val 128547"/>
+            </a:avLst>
+          </a:prstGeom>
+          <a:noFill/>
+        </p:spPr>
+        <p:style>
+          <a:lnRef idx="2">
+            <a:schemeClr val="accent1">
+              <a:shade val="50000"/>
+            </a:schemeClr>
+          </a:lnRef>
+          <a:fillRef idx="1">
+            <a:schemeClr val="accent1"/>
+          </a:fillRef>
+          <a:effectRef idx="0">
+            <a:schemeClr val="accent1"/>
+          </a:effectRef>
+          <a:fontRef idx="minor">
+            <a:schemeClr val="lt1"/>
+          </a:fontRef>
+        </p:style>
+        <p:txBody>
+          <a:bodyPr rtlCol="0" anchor="ctr"/>
+          <a:lstStyle/>
+          <a:p>
+            <a:pPr algn="ctr"/>
+            <a:r>
+              <a:rPr lang="en-US" dirty="0">
+                <a:solidFill>
+                  <a:schemeClr val="tx1"/>
+                </a:solidFill>
+              </a:rPr>
+              <a:t>app-a, are you alive?</a:t>
+            </a:r>
+          </a:p>
+        </p:txBody>
+      </p:sp>
+      <p:sp>
+        <p:nvSpPr>
+          <p:cNvPr id="12" name="Callout: Line with Border and Accent Bar 11">
+            <a:extLst>
+              <a:ext uri="{FF2B5EF4-FFF2-40B4-BE49-F238E27FC236}">
+                <a16:creationId xmlns:a16="http://schemas.microsoft.com/office/drawing/2014/main" id="{C3C5EF18-2095-426E-8CD9-3AA02C782AED}"/>
+              </a:ext>
+            </a:extLst>
+          </p:cNvPr>
+          <p:cNvSpPr/>
+          <p:nvPr/>
+        </p:nvSpPr>
+        <p:spPr>
+          <a:xfrm>
+            <a:off x="8541693" y="3604442"/>
+            <a:ext cx="2814452" cy="612648"/>
+          </a:xfrm>
+          <a:prstGeom prst="accentBorderCallout1">
+            <a:avLst>
+              <a:gd name="adj1" fmla="val 63333"/>
+              <a:gd name="adj2" fmla="val -4629"/>
+              <a:gd name="adj3" fmla="val 259815"/>
+              <a:gd name="adj4" fmla="val -41917"/>
+            </a:avLst>
+          </a:prstGeom>
+          <a:noFill/>
+        </p:spPr>
+        <p:style>
+          <a:lnRef idx="2">
+            <a:schemeClr val="accent1">
+              <a:shade val="50000"/>
+            </a:schemeClr>
+          </a:lnRef>
+          <a:fillRef idx="1">
+            <a:schemeClr val="accent1"/>
+          </a:fillRef>
+          <a:effectRef idx="0">
+            <a:schemeClr val="accent1"/>
+          </a:effectRef>
+          <a:fontRef idx="minor">
+            <a:schemeClr val="lt1"/>
+          </a:fontRef>
+        </p:style>
+        <p:txBody>
+          <a:bodyPr rtlCol="0" anchor="ctr"/>
+          <a:lstStyle/>
+          <a:p>
+            <a:pPr algn="ctr"/>
+            <a:r>
+              <a:rPr lang="en-US" dirty="0">
+                <a:solidFill>
+                  <a:schemeClr val="tx1"/>
+                </a:solidFill>
+              </a:rPr>
+              <a:t>No</a:t>
+            </a:r>
+          </a:p>
+        </p:txBody>
+      </p:sp>
+    </p:spTree>
+    <p:extLst>
+      <p:ext uri="{BB962C8B-B14F-4D97-AF65-F5344CB8AC3E}">
+        <p14:creationId xmlns:p14="http://schemas.microsoft.com/office/powerpoint/2010/main" val="1784668643"/>
+      </p:ext>
+    </p:extLst>
+  </p:cSld>
+  <p:clrMapOvr>
+    <a:masterClrMapping/>
+  </p:clrMapOvr>
+  <p:timing>
+    <p:tnLst>
+      <p:par>
+        <p:cTn id="1" dur="indefinite" restart="never" nodeType="tmRoot">
+          <p:childTnLst>
+            <p:seq concurrent="1" nextAc="seek">
+              <p:cTn id="2" dur="indefinite" nodeType="mainSeq">
+                <p:childTnLst>
+                  <p:par>
+                    <p:cTn id="3" fill="hold">
+                      <p:stCondLst>
+                        <p:cond delay="indefinite"/>
+                      </p:stCondLst>
+                      <p:childTnLst>
+                        <p:par>
+                          <p:cTn id="4" fill="hold">
+                            <p:stCondLst>
+                              <p:cond delay="0"/>
+                            </p:stCondLst>
+                            <p:childTnLst>
+                              <p:par>
+                                <p:cTn id="5" presetID="1" presetClass="entr" presetSubtype="0" fill="hold" grpId="0" nodeType="clickEffect">
+                                  <p:stCondLst>
+                                    <p:cond delay="0"/>
+                                  </p:stCondLst>
+                                  <p:childTnLst>
+                                    <p:set>
+                                      <p:cBhvr>
+                                        <p:cTn id="6" dur="1" fill="hold">
+                                          <p:stCondLst>
+                                            <p:cond delay="0"/>
+                                          </p:stCondLst>
+                                        </p:cTn>
+                                        <p:tgtEl>
+                                          <p:spTgt spid="6"/>
+                                        </p:tgtEl>
+                                        <p:attrNameLst>
+                                          <p:attrName>style.visibility</p:attrName>
+                                        </p:attrNameLst>
+                                      </p:cBhvr>
+                                      <p:to>
+                                        <p:strVal val="visible"/>
+                                      </p:to>
+                                    </p:set>
+                                  </p:childTnLst>
+                                </p:cTn>
+                              </p:par>
+                            </p:childTnLst>
+                          </p:cTn>
+                        </p:par>
+                      </p:childTnLst>
+                    </p:cTn>
+                  </p:par>
+                  <p:par>
+                    <p:cTn id="7" fill="hold">
+                      <p:stCondLst>
+                        <p:cond delay="indefinite"/>
+                      </p:stCondLst>
+                      <p:childTnLst>
+                        <p:par>
+                          <p:cTn id="8" fill="hold">
+                            <p:stCondLst>
+                              <p:cond delay="0"/>
+                            </p:stCondLst>
+                            <p:childTnLst>
+                              <p:par>
+                                <p:cTn id="9" presetID="1" presetClass="entr" presetSubtype="0" fill="hold" grpId="0" nodeType="clickEffect">
+                                  <p:stCondLst>
+                                    <p:cond delay="0"/>
+                                  </p:stCondLst>
+                                  <p:childTnLst>
+                                    <p:set>
+                                      <p:cBhvr>
+                                        <p:cTn id="10" dur="1" fill="hold">
+                                          <p:stCondLst>
+                                            <p:cond delay="0"/>
+                                          </p:stCondLst>
+                                        </p:cTn>
+                                        <p:tgtEl>
+                                          <p:spTgt spid="12"/>
+                                        </p:tgtEl>
+                                        <p:attrNameLst>
+                                          <p:attrName>style.visibility</p:attrName>
+                                        </p:attrNameLst>
+                                      </p:cBhvr>
+                                      <p:to>
+                                        <p:strVal val="visible"/>
+                                      </p:to>
+                                    </p:set>
+                                  </p:childTnLst>
+                                </p:cTn>
+                              </p:par>
+                            </p:childTnLst>
+                          </p:cTn>
+                        </p:par>
+                      </p:childTnLst>
+                    </p:cTn>
+                  </p:par>
+                </p:childTnLst>
+              </p:cTn>
+              <p:prevCondLst>
+                <p:cond evt="onPrev" delay="0">
+                  <p:tgtEl>
+                    <p:sldTgt/>
+                  </p:tgtEl>
+                </p:cond>
+              </p:prevCondLst>
+              <p:nextCondLst>
+                <p:cond evt="onNext" delay="0">
+                  <p:tgtEl>
+                    <p:sldTgt/>
+                  </p:tgtEl>
+                </p:cond>
+              </p:nextCondLst>
+            </p:seq>
+          </p:childTnLst>
+        </p:cTn>
+      </p:par>
+    </p:tnLst>
+    <p:bldLst>
+      <p:bldP spid="6" grpId="0" animBg="1"/>
+      <p:bldP spid="12" grpId="0" animBg="1"/>
+    </p:bldLst>
+  </p:timing>
+</p:sld>
+</file>
+
+<file path=ppt/slides/slide26.xml><?xml version="1.0" encoding="utf-8"?>
+<p:sld xmlns:a="http://schemas.openxmlformats.org/drawingml/2006/main" xmlns:r="http://schemas.openxmlformats.org/officeDocument/2006/relationships" xmlns:p="http://schemas.openxmlformats.org/presentationml/2006/main">
+  <p:cSld>
+    <p:spTree>
+      <p:nvGrpSpPr>
+        <p:cNvPr id="1" name=""/>
+        <p:cNvGrpSpPr/>
+        <p:nvPr/>
+      </p:nvGrpSpPr>
+      <p:grpSpPr>
+        <a:xfrm>
+          <a:off x="0" y="0"/>
+          <a:ext cx="0" cy="0"/>
+          <a:chOff x="0" y="0"/>
+          <a:chExt cx="0" cy="0"/>
+        </a:xfrm>
+      </p:grpSpPr>
+      <p:sp>
+        <p:nvSpPr>
+          <p:cNvPr id="2" name="Title 1">
+            <a:extLst>
+              <a:ext uri="{FF2B5EF4-FFF2-40B4-BE49-F238E27FC236}">
+                <a16:creationId xmlns:a16="http://schemas.microsoft.com/office/drawing/2014/main" id="{AF708F16-5DBC-4B6A-8DFC-6213EECAA9C2}"/>
+              </a:ext>
+            </a:extLst>
+          </p:cNvPr>
+          <p:cNvSpPr>
+            <a:spLocks noGrp="1"/>
+          </p:cNvSpPr>
+          <p:nvPr>
+            <p:ph type="title"/>
+          </p:nvPr>
+        </p:nvSpPr>
+        <p:spPr/>
+        <p:txBody>
+          <a:bodyPr/>
+          <a:lstStyle/>
+          <a:p>
+            <a:r>
+              <a:rPr lang="en-US" dirty="0"/>
+              <a:t>Liveness probe</a:t>
+            </a:r>
+          </a:p>
+        </p:txBody>
+      </p:sp>
+      <p:sp>
+        <p:nvSpPr>
+          <p:cNvPr id="3" name="Text Placeholder 2">
+            <a:extLst>
+              <a:ext uri="{FF2B5EF4-FFF2-40B4-BE49-F238E27FC236}">
+                <a16:creationId xmlns:a16="http://schemas.microsoft.com/office/drawing/2014/main" id="{EC7572EA-1EAB-40E7-BB72-53988D9C2321}"/>
+              </a:ext>
+            </a:extLst>
+          </p:cNvPr>
+          <p:cNvSpPr>
+            <a:spLocks noGrp="1"/>
+          </p:cNvSpPr>
+          <p:nvPr>
+            <p:ph type="body" idx="1"/>
+          </p:nvPr>
+        </p:nvSpPr>
+        <p:spPr>
+          <a:xfrm>
+            <a:off x="415599" y="1536633"/>
+            <a:ext cx="11125611" cy="1657829"/>
+          </a:xfrm>
+        </p:spPr>
+        <p:txBody>
+          <a:bodyPr/>
+          <a:lstStyle/>
+          <a:p>
+            <a:r>
+              <a:rPr lang="en-US" dirty="0"/>
+              <a:t>If the </a:t>
+            </a:r>
+            <a:r>
+              <a:rPr lang="en-US" dirty="0" err="1"/>
+              <a:t>Kubelet</a:t>
+            </a:r>
+            <a:r>
+              <a:rPr lang="en-US" dirty="0"/>
+              <a:t> gets back multiple bad responses </a:t>
+            </a:r>
+          </a:p>
+          <a:p>
+            <a:endParaRPr lang="en-US" dirty="0"/>
+          </a:p>
+        </p:txBody>
+      </p:sp>
+      <p:pic>
+        <p:nvPicPr>
+          <p:cNvPr id="4" name="Google Shape;56;p13">
+            <a:extLst>
+              <a:ext uri="{FF2B5EF4-FFF2-40B4-BE49-F238E27FC236}">
+                <a16:creationId xmlns:a16="http://schemas.microsoft.com/office/drawing/2014/main" id="{5DC2FED0-7C5F-460C-998D-2520FD324176}"/>
+              </a:ext>
+            </a:extLst>
+          </p:cNvPr>
+          <p:cNvPicPr preferRelativeResize="0"/>
+          <p:nvPr/>
+        </p:nvPicPr>
+        <p:blipFill>
+          <a:blip r:embed="rId3">
+            <a:alphaModFix/>
+          </a:blip>
+          <a:stretch>
+            <a:fillRect/>
+          </a:stretch>
+        </p:blipFill>
+        <p:spPr>
+          <a:xfrm>
+            <a:off x="10989179" y="5736492"/>
+            <a:ext cx="1202821" cy="1121508"/>
+          </a:xfrm>
+          <a:prstGeom prst="rect">
+            <a:avLst/>
+          </a:prstGeom>
+          <a:noFill/>
+          <a:ln>
+            <a:noFill/>
+          </a:ln>
+        </p:spPr>
+      </p:pic>
+      <p:pic>
+        <p:nvPicPr>
+          <p:cNvPr id="5" name="Picture 4">
+            <a:extLst>
+              <a:ext uri="{FF2B5EF4-FFF2-40B4-BE49-F238E27FC236}">
+                <a16:creationId xmlns:a16="http://schemas.microsoft.com/office/drawing/2014/main" id="{86A17813-B73F-471E-ABB2-08A18EC70133}"/>
+              </a:ext>
+            </a:extLst>
+          </p:cNvPr>
+          <p:cNvPicPr>
+            <a:picLocks noChangeAspect="1"/>
+          </p:cNvPicPr>
+          <p:nvPr/>
+        </p:nvPicPr>
+        <p:blipFill>
+          <a:blip r:embed="rId4"/>
+          <a:stretch>
+            <a:fillRect/>
+          </a:stretch>
+        </p:blipFill>
+        <p:spPr>
+          <a:xfrm>
+            <a:off x="10935891" y="593367"/>
+            <a:ext cx="840509" cy="775369"/>
+          </a:xfrm>
+          <a:prstGeom prst="rect">
+            <a:avLst/>
+          </a:prstGeom>
+        </p:spPr>
+      </p:pic>
+      <p:sp>
+        <p:nvSpPr>
+          <p:cNvPr id="13" name="Rectangle: Rounded Corners 12">
+            <a:extLst>
+              <a:ext uri="{FF2B5EF4-FFF2-40B4-BE49-F238E27FC236}">
+                <a16:creationId xmlns:a16="http://schemas.microsoft.com/office/drawing/2014/main" id="{A9F70178-8D3E-40D7-9828-5BC509EF84B0}"/>
+              </a:ext>
+            </a:extLst>
+          </p:cNvPr>
+          <p:cNvSpPr/>
+          <p:nvPr/>
+        </p:nvSpPr>
+        <p:spPr>
+          <a:xfrm>
+            <a:off x="4183483" y="4521851"/>
+            <a:ext cx="3589841" cy="1392770"/>
+          </a:xfrm>
+          <a:prstGeom prst="roundRect">
+            <a:avLst/>
+          </a:prstGeom>
+          <a:solidFill>
+            <a:schemeClr val="accent1">
+              <a:lumMod val="20000"/>
+              <a:lumOff val="80000"/>
+            </a:schemeClr>
+          </a:solidFill>
+        </p:spPr>
+        <p:style>
+          <a:lnRef idx="2">
+            <a:schemeClr val="accent3"/>
+          </a:lnRef>
+          <a:fillRef idx="1">
+            <a:schemeClr val="lt1"/>
+          </a:fillRef>
+          <a:effectRef idx="0">
+            <a:schemeClr val="accent3"/>
+          </a:effectRef>
+          <a:fontRef idx="minor">
+            <a:schemeClr val="dk1"/>
+          </a:fontRef>
+        </p:style>
+        <p:txBody>
+          <a:bodyPr rtlCol="0" anchor="b" anchorCtr="1"/>
+          <a:lstStyle/>
+          <a:p>
+            <a:pPr algn="ctr"/>
+            <a:r>
+              <a:rPr lang="en-US" dirty="0"/>
+              <a:t>Node</a:t>
+            </a:r>
+          </a:p>
+        </p:txBody>
+      </p:sp>
+      <p:grpSp>
+        <p:nvGrpSpPr>
+          <p:cNvPr id="7" name="Group 6">
+            <a:extLst>
+              <a:ext uri="{FF2B5EF4-FFF2-40B4-BE49-F238E27FC236}">
+                <a16:creationId xmlns:a16="http://schemas.microsoft.com/office/drawing/2014/main" id="{A144A002-9363-4EA8-B4F7-D8E05CB583D5}"/>
+              </a:ext>
+            </a:extLst>
+          </p:cNvPr>
+          <p:cNvGrpSpPr/>
+          <p:nvPr/>
+        </p:nvGrpSpPr>
+        <p:grpSpPr>
+          <a:xfrm>
+            <a:off x="6277045" y="4734273"/>
+            <a:ext cx="1260389" cy="774081"/>
+            <a:chOff x="6277045" y="4734273"/>
+            <a:chExt cx="1260389" cy="774081"/>
+          </a:xfrm>
+        </p:grpSpPr>
+        <p:sp>
+          <p:nvSpPr>
+            <p:cNvPr id="15" name="Rectangle: Rounded Corners 14">
+              <a:extLst>
+                <a:ext uri="{FF2B5EF4-FFF2-40B4-BE49-F238E27FC236}">
+                  <a16:creationId xmlns:a16="http://schemas.microsoft.com/office/drawing/2014/main" id="{32E941F0-186B-4E44-ABA2-C8931FB3E149}"/>
+                </a:ext>
+              </a:extLst>
+            </p:cNvPr>
+            <p:cNvSpPr/>
+            <p:nvPr/>
+          </p:nvSpPr>
+          <p:spPr>
+            <a:xfrm>
+              <a:off x="6277045" y="4734273"/>
+              <a:ext cx="1260389" cy="774081"/>
+            </a:xfrm>
+            <a:prstGeom prst="roundRect">
+              <a:avLst/>
+            </a:prstGeom>
+            <a:solidFill>
+              <a:schemeClr val="accent6">
+                <a:lumMod val="20000"/>
+                <a:lumOff val="80000"/>
+              </a:schemeClr>
+            </a:solidFill>
+          </p:spPr>
+          <p:style>
+            <a:lnRef idx="2">
+              <a:schemeClr val="accent1">
+                <a:shade val="50000"/>
+              </a:schemeClr>
+            </a:lnRef>
+            <a:fillRef idx="1">
+              <a:schemeClr val="accent1"/>
+            </a:fillRef>
+            <a:effectRef idx="0">
+              <a:schemeClr val="accent1"/>
+            </a:effectRef>
+            <a:fontRef idx="minor">
+              <a:schemeClr val="lt1"/>
+            </a:fontRef>
+          </p:style>
+          <p:txBody>
+            <a:bodyPr rtlCol="0" anchor="t" anchorCtr="0"/>
+            <a:lstStyle/>
+            <a:p>
+              <a:pPr algn="ctr"/>
+              <a:r>
+                <a:rPr lang="en-US" dirty="0">
+                  <a:solidFill>
+                    <a:schemeClr val="tx1"/>
+                  </a:solidFill>
+                </a:rPr>
+                <a:t>pod</a:t>
+              </a:r>
+            </a:p>
+          </p:txBody>
+        </p:sp>
+        <p:sp>
+          <p:nvSpPr>
+            <p:cNvPr id="16" name="Rectangle: Rounded Corners 15">
+              <a:extLst>
+                <a:ext uri="{FF2B5EF4-FFF2-40B4-BE49-F238E27FC236}">
+                  <a16:creationId xmlns:a16="http://schemas.microsoft.com/office/drawing/2014/main" id="{CB335A6C-4AA9-448C-95B8-87A623E1C9E6}"/>
+                </a:ext>
+              </a:extLst>
+            </p:cNvPr>
+            <p:cNvSpPr/>
+            <p:nvPr/>
+          </p:nvSpPr>
+          <p:spPr>
+            <a:xfrm>
+              <a:off x="6462396" y="5117333"/>
+              <a:ext cx="939114" cy="247135"/>
+            </a:xfrm>
+            <a:prstGeom prst="roundRect">
+              <a:avLst/>
+            </a:prstGeom>
+            <a:solidFill>
+              <a:srgbClr val="FF0000"/>
+            </a:solidFill>
+          </p:spPr>
+          <p:style>
+            <a:lnRef idx="2">
+              <a:schemeClr val="accent1">
+                <a:shade val="50000"/>
+              </a:schemeClr>
+            </a:lnRef>
+            <a:fillRef idx="1">
+              <a:schemeClr val="accent1"/>
+            </a:fillRef>
+            <a:effectRef idx="0">
+              <a:schemeClr val="accent1"/>
+            </a:effectRef>
+            <a:fontRef idx="minor">
+              <a:schemeClr val="lt1"/>
+            </a:fontRef>
+          </p:style>
+          <p:txBody>
+            <a:bodyPr rtlCol="0" anchor="ctr"/>
+            <a:lstStyle/>
+            <a:p>
+              <a:pPr algn="ctr"/>
+              <a:r>
+                <a:rPr lang="en-US" dirty="0"/>
+                <a:t>app-a</a:t>
+              </a:r>
+            </a:p>
+          </p:txBody>
+        </p:sp>
+      </p:grpSp>
+      <p:sp>
+        <p:nvSpPr>
+          <p:cNvPr id="17" name="Rectangle: Rounded Corners 16">
+            <a:extLst>
+              <a:ext uri="{FF2B5EF4-FFF2-40B4-BE49-F238E27FC236}">
+                <a16:creationId xmlns:a16="http://schemas.microsoft.com/office/drawing/2014/main" id="{ED944334-B2E2-4318-B1B2-78EDACA40E70}"/>
+              </a:ext>
+            </a:extLst>
+          </p:cNvPr>
+          <p:cNvSpPr/>
+          <p:nvPr/>
+        </p:nvSpPr>
+        <p:spPr>
+          <a:xfrm>
+            <a:off x="4479137" y="4727366"/>
+            <a:ext cx="1260389" cy="774081"/>
+          </a:xfrm>
+          <a:prstGeom prst="roundRect">
+            <a:avLst/>
+          </a:prstGeom>
+          <a:solidFill>
+            <a:schemeClr val="accent6">
+              <a:lumMod val="20000"/>
+              <a:lumOff val="80000"/>
+            </a:schemeClr>
+          </a:solidFill>
+        </p:spPr>
+        <p:style>
+          <a:lnRef idx="2">
+            <a:schemeClr val="accent1">
+              <a:shade val="50000"/>
+            </a:schemeClr>
+          </a:lnRef>
+          <a:fillRef idx="1">
+            <a:schemeClr val="accent1"/>
+          </a:fillRef>
+          <a:effectRef idx="0">
+            <a:schemeClr val="accent1"/>
+          </a:effectRef>
+          <a:fontRef idx="minor">
+            <a:schemeClr val="lt1"/>
+          </a:fontRef>
+        </p:style>
+        <p:txBody>
+          <a:bodyPr rtlCol="0" anchor="t" anchorCtr="0"/>
+          <a:lstStyle/>
+          <a:p>
+            <a:pPr algn="ctr"/>
+            <a:r>
+              <a:rPr lang="en-US" dirty="0" err="1">
+                <a:solidFill>
+                  <a:schemeClr val="tx1"/>
+                </a:solidFill>
+              </a:rPr>
+              <a:t>kubelet</a:t>
+            </a:r>
+            <a:endParaRPr lang="en-US" dirty="0">
+              <a:solidFill>
+                <a:schemeClr val="tx1"/>
+              </a:solidFill>
+            </a:endParaRPr>
+          </a:p>
+        </p:txBody>
+      </p:sp>
+      <p:sp>
+        <p:nvSpPr>
+          <p:cNvPr id="6" name="Callout: Line with Border and Accent Bar 5">
+            <a:extLst>
+              <a:ext uri="{FF2B5EF4-FFF2-40B4-BE49-F238E27FC236}">
+                <a16:creationId xmlns:a16="http://schemas.microsoft.com/office/drawing/2014/main" id="{0F816D1E-B4D0-450B-A773-76D188E60C8C}"/>
+              </a:ext>
+            </a:extLst>
+          </p:cNvPr>
+          <p:cNvSpPr/>
+          <p:nvPr/>
+        </p:nvSpPr>
+        <p:spPr>
+          <a:xfrm>
+            <a:off x="961900" y="3663539"/>
+            <a:ext cx="2814453" cy="612648"/>
+          </a:xfrm>
+          <a:prstGeom prst="accentBorderCallout1">
+            <a:avLst>
+              <a:gd name="adj1" fmla="val 38134"/>
+              <a:gd name="adj2" fmla="val 104654"/>
+              <a:gd name="adj3" fmla="val 174527"/>
+              <a:gd name="adj4" fmla="val 128547"/>
+            </a:avLst>
+          </a:prstGeom>
+          <a:noFill/>
+        </p:spPr>
+        <p:style>
+          <a:lnRef idx="2">
+            <a:schemeClr val="accent1">
+              <a:shade val="50000"/>
+            </a:schemeClr>
+          </a:lnRef>
+          <a:fillRef idx="1">
+            <a:schemeClr val="accent1"/>
+          </a:fillRef>
+          <a:effectRef idx="0">
+            <a:schemeClr val="accent1"/>
+          </a:effectRef>
+          <a:fontRef idx="minor">
+            <a:schemeClr val="lt1"/>
+          </a:fontRef>
+        </p:style>
+        <p:txBody>
+          <a:bodyPr rtlCol="0" anchor="ctr"/>
+          <a:lstStyle/>
+          <a:p>
+            <a:pPr algn="ctr"/>
+            <a:r>
+              <a:rPr lang="en-US" dirty="0">
+                <a:solidFill>
+                  <a:schemeClr val="tx1"/>
+                </a:solidFill>
+              </a:rPr>
+              <a:t>app-a, restart!</a:t>
+            </a:r>
+          </a:p>
+        </p:txBody>
+      </p:sp>
+    </p:spTree>
+    <p:extLst>
+      <p:ext uri="{BB962C8B-B14F-4D97-AF65-F5344CB8AC3E}">
+        <p14:creationId xmlns:p14="http://schemas.microsoft.com/office/powerpoint/2010/main" val="3370139478"/>
+      </p:ext>
+    </p:extLst>
+  </p:cSld>
+  <p:clrMapOvr>
+    <a:masterClrMapping/>
+  </p:clrMapOvr>
+  <p:timing>
+    <p:tnLst>
+      <p:par>
+        <p:cTn id="1" dur="indefinite" restart="never" nodeType="tmRoot">
+          <p:childTnLst>
+            <p:seq concurrent="1" nextAc="seek">
+              <p:cTn id="2" dur="indefinite" nodeType="mainSeq">
+                <p:childTnLst>
+                  <p:par>
+                    <p:cTn id="3" fill="hold">
+                      <p:stCondLst>
+                        <p:cond delay="indefinite"/>
+                      </p:stCondLst>
+                      <p:childTnLst>
+                        <p:par>
+                          <p:cTn id="4" fill="hold">
+                            <p:stCondLst>
+                              <p:cond delay="0"/>
+                            </p:stCondLst>
+                            <p:childTnLst>
+                              <p:par>
+                                <p:cTn id="5" presetID="1" presetClass="entr" presetSubtype="0" fill="hold" grpId="0" nodeType="clickEffect">
+                                  <p:stCondLst>
+                                    <p:cond delay="0"/>
+                                  </p:stCondLst>
+                                  <p:childTnLst>
+                                    <p:set>
+                                      <p:cBhvr>
+                                        <p:cTn id="6" dur="1" fill="hold">
+                                          <p:stCondLst>
+                                            <p:cond delay="0"/>
+                                          </p:stCondLst>
+                                        </p:cTn>
+                                        <p:tgtEl>
+                                          <p:spTgt spid="6"/>
+                                        </p:tgtEl>
+                                        <p:attrNameLst>
+                                          <p:attrName>style.visibility</p:attrName>
+                                        </p:attrNameLst>
+                                      </p:cBhvr>
+                                      <p:to>
+                                        <p:strVal val="visible"/>
+                                      </p:to>
+                                    </p:set>
+                                  </p:childTnLst>
+                                </p:cTn>
+                              </p:par>
+                            </p:childTnLst>
+                          </p:cTn>
+                        </p:par>
+                      </p:childTnLst>
+                    </p:cTn>
+                  </p:par>
+                </p:childTnLst>
+              </p:cTn>
+              <p:prevCondLst>
+                <p:cond evt="onPrev" delay="0">
+                  <p:tgtEl>
+                    <p:sldTgt/>
+                  </p:tgtEl>
+                </p:cond>
+              </p:prevCondLst>
+              <p:nextCondLst>
+                <p:cond evt="onNext" delay="0">
+                  <p:tgtEl>
+                    <p:sldTgt/>
+                  </p:tgtEl>
+                </p:cond>
+              </p:nextCondLst>
+            </p:seq>
+          </p:childTnLst>
+        </p:cTn>
+      </p:par>
+    </p:tnLst>
+    <p:bldLst>
+      <p:bldP spid="6" grpId="0" animBg="1"/>
+    </p:bldLst>
+  </p:timing>
+</p:sld>
+</file>
+
+<file path=ppt/slides/slide27.xml><?xml version="1.0" encoding="utf-8"?>
+<p:sld xmlns:a="http://schemas.openxmlformats.org/drawingml/2006/main" xmlns:r="http://schemas.openxmlformats.org/officeDocument/2006/relationships" xmlns:p="http://schemas.openxmlformats.org/presentationml/2006/main">
+  <p:cSld>
+    <p:spTree>
+      <p:nvGrpSpPr>
+        <p:cNvPr id="1" name=""/>
+        <p:cNvGrpSpPr/>
+        <p:nvPr/>
+      </p:nvGrpSpPr>
+      <p:grpSpPr>
+        <a:xfrm>
+          <a:off x="0" y="0"/>
+          <a:ext cx="0" cy="0"/>
+          <a:chOff x="0" y="0"/>
+          <a:chExt cx="0" cy="0"/>
+        </a:xfrm>
+      </p:grpSpPr>
+      <p:sp>
+        <p:nvSpPr>
+          <p:cNvPr id="2" name="Title 1">
+            <a:extLst>
+              <a:ext uri="{FF2B5EF4-FFF2-40B4-BE49-F238E27FC236}">
+                <a16:creationId xmlns:a16="http://schemas.microsoft.com/office/drawing/2014/main" id="{AF708F16-5DBC-4B6A-8DFC-6213EECAA9C2}"/>
+              </a:ext>
+            </a:extLst>
+          </p:cNvPr>
+          <p:cNvSpPr>
+            <a:spLocks noGrp="1"/>
+          </p:cNvSpPr>
+          <p:nvPr>
+            <p:ph type="title"/>
+          </p:nvPr>
+        </p:nvSpPr>
+        <p:spPr/>
+        <p:txBody>
+          <a:bodyPr/>
+          <a:lstStyle/>
+          <a:p>
+            <a:r>
+              <a:rPr lang="en-US" dirty="0"/>
+              <a:t>Liveness probe</a:t>
+            </a:r>
+          </a:p>
+        </p:txBody>
+      </p:sp>
+      <p:sp>
+        <p:nvSpPr>
+          <p:cNvPr id="3" name="Text Placeholder 2">
+            <a:extLst>
+              <a:ext uri="{FF2B5EF4-FFF2-40B4-BE49-F238E27FC236}">
+                <a16:creationId xmlns:a16="http://schemas.microsoft.com/office/drawing/2014/main" id="{EC7572EA-1EAB-40E7-BB72-53988D9C2321}"/>
+              </a:ext>
+            </a:extLst>
+          </p:cNvPr>
+          <p:cNvSpPr>
+            <a:spLocks noGrp="1"/>
+          </p:cNvSpPr>
+          <p:nvPr>
+            <p:ph type="body" idx="1"/>
+          </p:nvPr>
+        </p:nvSpPr>
+        <p:spPr>
+          <a:xfrm>
+            <a:off x="415599" y="1536633"/>
+            <a:ext cx="11125611" cy="1657829"/>
+          </a:xfrm>
+        </p:spPr>
+        <p:txBody>
+          <a:bodyPr/>
+          <a:lstStyle/>
+          <a:p>
+            <a:r>
+              <a:rPr lang="en-US" dirty="0"/>
+              <a:t>This cycle then starts all over again</a:t>
+            </a:r>
+          </a:p>
+        </p:txBody>
+      </p:sp>
+      <p:pic>
+        <p:nvPicPr>
+          <p:cNvPr id="4" name="Google Shape;56;p13">
+            <a:extLst>
+              <a:ext uri="{FF2B5EF4-FFF2-40B4-BE49-F238E27FC236}">
+                <a16:creationId xmlns:a16="http://schemas.microsoft.com/office/drawing/2014/main" id="{5DC2FED0-7C5F-460C-998D-2520FD324176}"/>
+              </a:ext>
+            </a:extLst>
+          </p:cNvPr>
+          <p:cNvPicPr preferRelativeResize="0"/>
+          <p:nvPr/>
+        </p:nvPicPr>
+        <p:blipFill>
+          <a:blip r:embed="rId3">
+            <a:alphaModFix/>
+          </a:blip>
+          <a:stretch>
+            <a:fillRect/>
+          </a:stretch>
+        </p:blipFill>
+        <p:spPr>
+          <a:xfrm>
+            <a:off x="10989179" y="5736492"/>
+            <a:ext cx="1202821" cy="1121508"/>
+          </a:xfrm>
+          <a:prstGeom prst="rect">
+            <a:avLst/>
+          </a:prstGeom>
+          <a:noFill/>
+          <a:ln>
+            <a:noFill/>
+          </a:ln>
+        </p:spPr>
+      </p:pic>
+      <p:pic>
+        <p:nvPicPr>
+          <p:cNvPr id="5" name="Picture 4">
+            <a:extLst>
+              <a:ext uri="{FF2B5EF4-FFF2-40B4-BE49-F238E27FC236}">
+                <a16:creationId xmlns:a16="http://schemas.microsoft.com/office/drawing/2014/main" id="{86A17813-B73F-471E-ABB2-08A18EC70133}"/>
+              </a:ext>
+            </a:extLst>
+          </p:cNvPr>
+          <p:cNvPicPr>
+            <a:picLocks noChangeAspect="1"/>
+          </p:cNvPicPr>
+          <p:nvPr/>
+        </p:nvPicPr>
+        <p:blipFill>
+          <a:blip r:embed="rId4"/>
+          <a:stretch>
+            <a:fillRect/>
+          </a:stretch>
+        </p:blipFill>
+        <p:spPr>
+          <a:xfrm>
+            <a:off x="10935891" y="593367"/>
+            <a:ext cx="840509" cy="775369"/>
+          </a:xfrm>
+          <a:prstGeom prst="rect">
+            <a:avLst/>
+          </a:prstGeom>
+        </p:spPr>
+      </p:pic>
+      <p:sp>
+        <p:nvSpPr>
+          <p:cNvPr id="13" name="Rectangle: Rounded Corners 12">
+            <a:extLst>
+              <a:ext uri="{FF2B5EF4-FFF2-40B4-BE49-F238E27FC236}">
+                <a16:creationId xmlns:a16="http://schemas.microsoft.com/office/drawing/2014/main" id="{A9F70178-8D3E-40D7-9828-5BC509EF84B0}"/>
+              </a:ext>
+            </a:extLst>
+          </p:cNvPr>
+          <p:cNvSpPr/>
+          <p:nvPr/>
+        </p:nvSpPr>
+        <p:spPr>
+          <a:xfrm>
+            <a:off x="4183483" y="4521851"/>
+            <a:ext cx="3589841" cy="1392770"/>
+          </a:xfrm>
+          <a:prstGeom prst="roundRect">
+            <a:avLst/>
+          </a:prstGeom>
+          <a:solidFill>
+            <a:schemeClr val="accent1">
+              <a:lumMod val="20000"/>
+              <a:lumOff val="80000"/>
+            </a:schemeClr>
+          </a:solidFill>
+        </p:spPr>
+        <p:style>
+          <a:lnRef idx="2">
+            <a:schemeClr val="accent3"/>
+          </a:lnRef>
+          <a:fillRef idx="1">
+            <a:schemeClr val="lt1"/>
+          </a:fillRef>
+          <a:effectRef idx="0">
+            <a:schemeClr val="accent3"/>
+          </a:effectRef>
+          <a:fontRef idx="minor">
+            <a:schemeClr val="dk1"/>
+          </a:fontRef>
+        </p:style>
+        <p:txBody>
+          <a:bodyPr rtlCol="0" anchor="b" anchorCtr="1"/>
+          <a:lstStyle/>
+          <a:p>
+            <a:pPr algn="ctr"/>
+            <a:r>
+              <a:rPr lang="en-US" dirty="0"/>
+              <a:t>Node</a:t>
+            </a:r>
+          </a:p>
+        </p:txBody>
+      </p:sp>
+      <p:sp>
+        <p:nvSpPr>
+          <p:cNvPr id="15" name="Rectangle: Rounded Corners 14">
+            <a:extLst>
+              <a:ext uri="{FF2B5EF4-FFF2-40B4-BE49-F238E27FC236}">
+                <a16:creationId xmlns:a16="http://schemas.microsoft.com/office/drawing/2014/main" id="{32E941F0-186B-4E44-ABA2-C8931FB3E149}"/>
+              </a:ext>
+            </a:extLst>
+          </p:cNvPr>
+          <p:cNvSpPr/>
+          <p:nvPr/>
+        </p:nvSpPr>
+        <p:spPr>
+          <a:xfrm>
+            <a:off x="6277045" y="4734273"/>
+            <a:ext cx="1260389" cy="774081"/>
+          </a:xfrm>
+          <a:prstGeom prst="roundRect">
+            <a:avLst/>
+          </a:prstGeom>
+          <a:solidFill>
+            <a:schemeClr val="accent6">
+              <a:lumMod val="20000"/>
+              <a:lumOff val="80000"/>
+            </a:schemeClr>
+          </a:solidFill>
+        </p:spPr>
+        <p:style>
+          <a:lnRef idx="2">
+            <a:schemeClr val="accent1">
+              <a:shade val="50000"/>
+            </a:schemeClr>
+          </a:lnRef>
+          <a:fillRef idx="1">
+            <a:schemeClr val="accent1"/>
+          </a:fillRef>
+          <a:effectRef idx="0">
+            <a:schemeClr val="accent1"/>
+          </a:effectRef>
+          <a:fontRef idx="minor">
+            <a:schemeClr val="lt1"/>
+          </a:fontRef>
+        </p:style>
+        <p:txBody>
+          <a:bodyPr rtlCol="0" anchor="t" anchorCtr="0"/>
+          <a:lstStyle/>
+          <a:p>
+            <a:pPr algn="ctr"/>
+            <a:r>
+              <a:rPr lang="en-US" dirty="0">
+                <a:solidFill>
+                  <a:schemeClr val="tx1"/>
+                </a:solidFill>
+              </a:rPr>
+              <a:t>pod</a:t>
+            </a:r>
+          </a:p>
+        </p:txBody>
+      </p:sp>
+      <p:sp>
+        <p:nvSpPr>
+          <p:cNvPr id="16" name="Rectangle: Rounded Corners 15">
+            <a:extLst>
+              <a:ext uri="{FF2B5EF4-FFF2-40B4-BE49-F238E27FC236}">
+                <a16:creationId xmlns:a16="http://schemas.microsoft.com/office/drawing/2014/main" id="{CB335A6C-4AA9-448C-95B8-87A623E1C9E6}"/>
+              </a:ext>
+            </a:extLst>
+          </p:cNvPr>
+          <p:cNvSpPr/>
+          <p:nvPr/>
+        </p:nvSpPr>
+        <p:spPr>
+          <a:xfrm>
+            <a:off x="6462396" y="5117333"/>
+            <a:ext cx="939114" cy="247135"/>
+          </a:xfrm>
+          <a:prstGeom prst="roundRect">
+            <a:avLst/>
+          </a:prstGeom>
+          <a:solidFill>
+            <a:schemeClr val="accent5">
+              <a:lumMod val="75000"/>
+            </a:schemeClr>
+          </a:solidFill>
+        </p:spPr>
+        <p:style>
+          <a:lnRef idx="2">
+            <a:schemeClr val="accent1">
+              <a:shade val="50000"/>
+            </a:schemeClr>
+          </a:lnRef>
+          <a:fillRef idx="1">
+            <a:schemeClr val="accent1"/>
+          </a:fillRef>
+          <a:effectRef idx="0">
+            <a:schemeClr val="accent1"/>
+          </a:effectRef>
+          <a:fontRef idx="minor">
+            <a:schemeClr val="lt1"/>
+          </a:fontRef>
+        </p:style>
+        <p:txBody>
+          <a:bodyPr rtlCol="0" anchor="ctr"/>
+          <a:lstStyle/>
+          <a:p>
+            <a:pPr algn="ctr"/>
+            <a:r>
+              <a:rPr lang="en-US" dirty="0"/>
+              <a:t>app-a</a:t>
+            </a:r>
+          </a:p>
+        </p:txBody>
+      </p:sp>
+      <p:sp>
+        <p:nvSpPr>
+          <p:cNvPr id="17" name="Rectangle: Rounded Corners 16">
+            <a:extLst>
+              <a:ext uri="{FF2B5EF4-FFF2-40B4-BE49-F238E27FC236}">
+                <a16:creationId xmlns:a16="http://schemas.microsoft.com/office/drawing/2014/main" id="{ED944334-B2E2-4318-B1B2-78EDACA40E70}"/>
+              </a:ext>
+            </a:extLst>
+          </p:cNvPr>
+          <p:cNvSpPr/>
+          <p:nvPr/>
+        </p:nvSpPr>
+        <p:spPr>
+          <a:xfrm>
+            <a:off x="4479137" y="4727366"/>
+            <a:ext cx="1260389" cy="774081"/>
+          </a:xfrm>
+          <a:prstGeom prst="roundRect">
+            <a:avLst/>
+          </a:prstGeom>
+          <a:solidFill>
+            <a:schemeClr val="accent6">
+              <a:lumMod val="20000"/>
+              <a:lumOff val="80000"/>
+            </a:schemeClr>
+          </a:solidFill>
+        </p:spPr>
+        <p:style>
+          <a:lnRef idx="2">
+            <a:schemeClr val="accent1">
+              <a:shade val="50000"/>
+            </a:schemeClr>
+          </a:lnRef>
+          <a:fillRef idx="1">
+            <a:schemeClr val="accent1"/>
+          </a:fillRef>
+          <a:effectRef idx="0">
+            <a:schemeClr val="accent1"/>
+          </a:effectRef>
+          <a:fontRef idx="minor">
+            <a:schemeClr val="lt1"/>
+          </a:fontRef>
+        </p:style>
+        <p:txBody>
+          <a:bodyPr rtlCol="0" anchor="t" anchorCtr="0"/>
+          <a:lstStyle/>
+          <a:p>
+            <a:pPr algn="ctr"/>
+            <a:r>
+              <a:rPr lang="en-US" dirty="0" err="1">
+                <a:solidFill>
+                  <a:schemeClr val="tx1"/>
+                </a:solidFill>
+              </a:rPr>
+              <a:t>kubelet</a:t>
+            </a:r>
+            <a:endParaRPr lang="en-US" dirty="0">
+              <a:solidFill>
+                <a:schemeClr val="tx1"/>
+              </a:solidFill>
+            </a:endParaRPr>
+          </a:p>
+        </p:txBody>
+      </p:sp>
+      <p:sp>
+        <p:nvSpPr>
+          <p:cNvPr id="12" name="Callout: Line with Border and Accent Bar 11">
+            <a:extLst>
+              <a:ext uri="{FF2B5EF4-FFF2-40B4-BE49-F238E27FC236}">
+                <a16:creationId xmlns:a16="http://schemas.microsoft.com/office/drawing/2014/main" id="{DB69CE90-7F50-4ED6-80A5-EF7430FC4C37}"/>
+              </a:ext>
+            </a:extLst>
+          </p:cNvPr>
+          <p:cNvSpPr/>
+          <p:nvPr/>
+        </p:nvSpPr>
+        <p:spPr>
+          <a:xfrm>
+            <a:off x="961900" y="3663539"/>
+            <a:ext cx="2814453" cy="612648"/>
+          </a:xfrm>
+          <a:prstGeom prst="accentBorderCallout1">
+            <a:avLst>
+              <a:gd name="adj1" fmla="val 38134"/>
+              <a:gd name="adj2" fmla="val 104654"/>
+              <a:gd name="adj3" fmla="val 174527"/>
+              <a:gd name="adj4" fmla="val 128547"/>
+            </a:avLst>
+          </a:prstGeom>
+          <a:noFill/>
+        </p:spPr>
+        <p:style>
+          <a:lnRef idx="2">
+            <a:schemeClr val="accent1">
+              <a:shade val="50000"/>
+            </a:schemeClr>
+          </a:lnRef>
+          <a:fillRef idx="1">
+            <a:schemeClr val="accent1"/>
+          </a:fillRef>
+          <a:effectRef idx="0">
+            <a:schemeClr val="accent1"/>
+          </a:effectRef>
+          <a:fontRef idx="minor">
+            <a:schemeClr val="lt1"/>
+          </a:fontRef>
+        </p:style>
+        <p:txBody>
+          <a:bodyPr rtlCol="0" anchor="ctr"/>
+          <a:lstStyle/>
+          <a:p>
+            <a:pPr algn="ctr"/>
+            <a:r>
+              <a:rPr lang="en-US" dirty="0">
+                <a:solidFill>
+                  <a:schemeClr val="tx1"/>
+                </a:solidFill>
+              </a:rPr>
+              <a:t>app-a, are you alive?</a:t>
+            </a:r>
+          </a:p>
+        </p:txBody>
+      </p:sp>
+      <p:sp>
+        <p:nvSpPr>
+          <p:cNvPr id="14" name="Callout: Line with Border and Accent Bar 13">
+            <a:extLst>
+              <a:ext uri="{FF2B5EF4-FFF2-40B4-BE49-F238E27FC236}">
+                <a16:creationId xmlns:a16="http://schemas.microsoft.com/office/drawing/2014/main" id="{4F30EE33-1155-4D17-A698-9C3B5D903BAC}"/>
+              </a:ext>
+            </a:extLst>
+          </p:cNvPr>
+          <p:cNvSpPr/>
+          <p:nvPr/>
+        </p:nvSpPr>
+        <p:spPr>
+          <a:xfrm>
+            <a:off x="8541693" y="3604442"/>
+            <a:ext cx="2814452" cy="612648"/>
+          </a:xfrm>
+          <a:prstGeom prst="accentBorderCallout1">
+            <a:avLst>
+              <a:gd name="adj1" fmla="val 63333"/>
+              <a:gd name="adj2" fmla="val -4629"/>
+              <a:gd name="adj3" fmla="val 259815"/>
+              <a:gd name="adj4" fmla="val -41917"/>
+            </a:avLst>
+          </a:prstGeom>
+          <a:noFill/>
+        </p:spPr>
+        <p:style>
+          <a:lnRef idx="2">
+            <a:schemeClr val="accent1">
+              <a:shade val="50000"/>
+            </a:schemeClr>
+          </a:lnRef>
+          <a:fillRef idx="1">
+            <a:schemeClr val="accent1"/>
+          </a:fillRef>
+          <a:effectRef idx="0">
+            <a:schemeClr val="accent1"/>
+          </a:effectRef>
+          <a:fontRef idx="minor">
+            <a:schemeClr val="lt1"/>
+          </a:fontRef>
+        </p:style>
+        <p:txBody>
+          <a:bodyPr rtlCol="0" anchor="ctr"/>
+          <a:lstStyle/>
+          <a:p>
+            <a:pPr algn="ctr"/>
+            <a:r>
+              <a:rPr lang="en-US" dirty="0">
+                <a:solidFill>
+                  <a:schemeClr val="tx1"/>
+                </a:solidFill>
+              </a:rPr>
+              <a:t>Yes!</a:t>
+            </a:r>
+          </a:p>
+        </p:txBody>
+      </p:sp>
+    </p:spTree>
+    <p:extLst>
+      <p:ext uri="{BB962C8B-B14F-4D97-AF65-F5344CB8AC3E}">
+        <p14:creationId xmlns:p14="http://schemas.microsoft.com/office/powerpoint/2010/main" val="4230925307"/>
+      </p:ext>
+    </p:extLst>
+  </p:cSld>
+  <p:clrMapOvr>
+    <a:masterClrMapping/>
+  </p:clrMapOvr>
+  <p:timing>
+    <p:tnLst>
+      <p:par>
+        <p:cTn id="1" dur="indefinite" restart="never" nodeType="tmRoot">
+          <p:childTnLst>
+            <p:seq concurrent="1" nextAc="seek">
+              <p:cTn id="2" dur="indefinite" nodeType="mainSeq">
+                <p:childTnLst>
+                  <p:par>
+                    <p:cTn id="3" fill="hold">
+                      <p:stCondLst>
+                        <p:cond delay="indefinite"/>
+                      </p:stCondLst>
+                      <p:childTnLst>
+                        <p:par>
+                          <p:cTn id="4" fill="hold">
+                            <p:stCondLst>
+                              <p:cond delay="0"/>
+                            </p:stCondLst>
+                            <p:childTnLst>
+                              <p:par>
+                                <p:cTn id="5" presetID="1" presetClass="entr" presetSubtype="0" fill="hold" grpId="0" nodeType="clickEffect">
+                                  <p:stCondLst>
+                                    <p:cond delay="0"/>
+                                  </p:stCondLst>
+                                  <p:childTnLst>
+                                    <p:set>
+                                      <p:cBhvr>
+                                        <p:cTn id="6" dur="1" fill="hold">
+                                          <p:stCondLst>
+                                            <p:cond delay="0"/>
+                                          </p:stCondLst>
+                                        </p:cTn>
+                                        <p:tgtEl>
+                                          <p:spTgt spid="16"/>
+                                        </p:tgtEl>
+                                        <p:attrNameLst>
+                                          <p:attrName>style.visibility</p:attrName>
+                                        </p:attrNameLst>
+                                      </p:cBhvr>
+                                      <p:to>
+                                        <p:strVal val="visible"/>
+                                      </p:to>
+                                    </p:set>
+                                  </p:childTnLst>
+                                </p:cTn>
+                              </p:par>
+                            </p:childTnLst>
+                          </p:cTn>
+                        </p:par>
+                      </p:childTnLst>
+                    </p:cTn>
+                  </p:par>
+                  <p:par>
+                    <p:cTn id="7" fill="hold">
+                      <p:stCondLst>
+                        <p:cond delay="indefinite"/>
+                      </p:stCondLst>
+                      <p:childTnLst>
+                        <p:par>
+                          <p:cTn id="8" fill="hold">
+                            <p:stCondLst>
+                              <p:cond delay="0"/>
+                            </p:stCondLst>
+                            <p:childTnLst>
+                              <p:par>
+                                <p:cTn id="9" presetID="1" presetClass="entr" presetSubtype="0" fill="hold" grpId="0" nodeType="clickEffect">
+                                  <p:stCondLst>
+                                    <p:cond delay="0"/>
+                                  </p:stCondLst>
+                                  <p:childTnLst>
+                                    <p:set>
+                                      <p:cBhvr>
+                                        <p:cTn id="10" dur="1" fill="hold">
+                                          <p:stCondLst>
+                                            <p:cond delay="0"/>
+                                          </p:stCondLst>
+                                        </p:cTn>
+                                        <p:tgtEl>
+                                          <p:spTgt spid="12"/>
+                                        </p:tgtEl>
+                                        <p:attrNameLst>
+                                          <p:attrName>style.visibility</p:attrName>
+                                        </p:attrNameLst>
+                                      </p:cBhvr>
+                                      <p:to>
+                                        <p:strVal val="visible"/>
+                                      </p:to>
+                                    </p:set>
+                                  </p:childTnLst>
+                                </p:cTn>
+                              </p:par>
+                            </p:childTnLst>
+                          </p:cTn>
+                        </p:par>
+                      </p:childTnLst>
+                    </p:cTn>
+                  </p:par>
+                  <p:par>
+                    <p:cTn id="11" fill="hold">
+                      <p:stCondLst>
+                        <p:cond delay="indefinite"/>
+                      </p:stCondLst>
+                      <p:childTnLst>
+                        <p:par>
+                          <p:cTn id="12" fill="hold">
+                            <p:stCondLst>
+                              <p:cond delay="0"/>
+                            </p:stCondLst>
+                            <p:childTnLst>
+                              <p:par>
+                                <p:cTn id="13" presetID="1" presetClass="entr" presetSubtype="0" fill="hold" grpId="0" nodeType="clickEffect">
+                                  <p:stCondLst>
+                                    <p:cond delay="0"/>
+                                  </p:stCondLst>
+                                  <p:childTnLst>
+                                    <p:set>
+                                      <p:cBhvr>
+                                        <p:cTn id="14" dur="1" fill="hold">
+                                          <p:stCondLst>
+                                            <p:cond delay="0"/>
+                                          </p:stCondLst>
+                                        </p:cTn>
+                                        <p:tgtEl>
+                                          <p:spTgt spid="14"/>
+                                        </p:tgtEl>
+                                        <p:attrNameLst>
+                                          <p:attrName>style.visibility</p:attrName>
+                                        </p:attrNameLst>
+                                      </p:cBhvr>
+                                      <p:to>
+                                        <p:strVal val="visible"/>
+                                      </p:to>
+                                    </p:set>
+                                  </p:childTnLst>
+                                </p:cTn>
+                              </p:par>
+                            </p:childTnLst>
+                          </p:cTn>
+                        </p:par>
+                      </p:childTnLst>
+                    </p:cTn>
+                  </p:par>
+                </p:childTnLst>
+              </p:cTn>
+              <p:prevCondLst>
+                <p:cond evt="onPrev" delay="0">
+                  <p:tgtEl>
+                    <p:sldTgt/>
+                  </p:tgtEl>
+                </p:cond>
+              </p:prevCondLst>
+              <p:nextCondLst>
+                <p:cond evt="onNext" delay="0">
+                  <p:tgtEl>
+                    <p:sldTgt/>
+                  </p:tgtEl>
+                </p:cond>
+              </p:nextCondLst>
+            </p:seq>
+          </p:childTnLst>
+        </p:cTn>
+      </p:par>
+    </p:tnLst>
+    <p:bldLst>
+      <p:bldP spid="16" grpId="0" animBg="1"/>
+      <p:bldP spid="12" grpId="0" animBg="1"/>
+      <p:bldP spid="14" grpId="0" animBg="1"/>
+    </p:bldLst>
+  </p:timing>
+</p:sld>
+</file>
+
+<file path=ppt/slides/slide28.xml><?xml version="1.0" encoding="utf-8"?>
+<p:sld xmlns:a="http://schemas.openxmlformats.org/drawingml/2006/main" xmlns:r="http://schemas.openxmlformats.org/officeDocument/2006/relationships" xmlns:p="http://schemas.openxmlformats.org/presentationml/2006/main">
+  <p:cSld>
+    <p:spTree>
+      <p:nvGrpSpPr>
+        <p:cNvPr id="1" name=""/>
+        <p:cNvGrpSpPr/>
+        <p:nvPr/>
+      </p:nvGrpSpPr>
+      <p:grpSpPr>
+        <a:xfrm>
+          <a:off x="0" y="0"/>
+          <a:ext cx="0" cy="0"/>
+          <a:chOff x="0" y="0"/>
+          <a:chExt cx="0" cy="0"/>
+        </a:xfrm>
+      </p:grpSpPr>
+      <p:sp>
+        <p:nvSpPr>
+          <p:cNvPr id="2" name="Title 1">
+            <a:extLst>
+              <a:ext uri="{FF2B5EF4-FFF2-40B4-BE49-F238E27FC236}">
+                <a16:creationId xmlns:a16="http://schemas.microsoft.com/office/drawing/2014/main" id="{AF708F16-5DBC-4B6A-8DFC-6213EECAA9C2}"/>
+              </a:ext>
+            </a:extLst>
+          </p:cNvPr>
+          <p:cNvSpPr>
+            <a:spLocks noGrp="1"/>
+          </p:cNvSpPr>
+          <p:nvPr>
+            <p:ph type="title"/>
+          </p:nvPr>
+        </p:nvSpPr>
+        <p:spPr/>
+        <p:txBody>
+          <a:bodyPr/>
+          <a:lstStyle/>
+          <a:p>
+            <a:r>
+              <a:rPr lang="en-US" dirty="0"/>
+              <a:t>Readiness probe</a:t>
+            </a:r>
+          </a:p>
+        </p:txBody>
+      </p:sp>
+      <p:sp>
+        <p:nvSpPr>
+          <p:cNvPr id="3" name="Text Placeholder 2">
+            <a:extLst>
+              <a:ext uri="{FF2B5EF4-FFF2-40B4-BE49-F238E27FC236}">
+                <a16:creationId xmlns:a16="http://schemas.microsoft.com/office/drawing/2014/main" id="{EC7572EA-1EAB-40E7-BB72-53988D9C2321}"/>
+              </a:ext>
+            </a:extLst>
+          </p:cNvPr>
+          <p:cNvSpPr>
+            <a:spLocks noGrp="1"/>
+          </p:cNvSpPr>
+          <p:nvPr>
+            <p:ph type="body" idx="1"/>
+          </p:nvPr>
+        </p:nvSpPr>
+        <p:spPr>
+          <a:xfrm>
+            <a:off x="415599" y="1536633"/>
+            <a:ext cx="11125611" cy="1657829"/>
+          </a:xfrm>
+        </p:spPr>
+        <p:txBody>
+          <a:bodyPr/>
+          <a:lstStyle/>
+          <a:p>
+            <a:r>
+              <a:rPr lang="en-US" dirty="0"/>
+              <a:t>app-a is already alive</a:t>
+            </a:r>
+          </a:p>
+          <a:p>
+            <a:r>
+              <a:rPr lang="en-US" dirty="0" err="1"/>
+              <a:t>kubelet</a:t>
+            </a:r>
+            <a:r>
+              <a:rPr lang="en-US" dirty="0"/>
+              <a:t> sends readiness probe</a:t>
+            </a:r>
+          </a:p>
+          <a:p>
+            <a:r>
+              <a:rPr lang="en-US" dirty="0"/>
+              <a:t>If app-a is not ready, wait and send new request</a:t>
+            </a:r>
+          </a:p>
+        </p:txBody>
+      </p:sp>
+      <p:pic>
+        <p:nvPicPr>
+          <p:cNvPr id="4" name="Google Shape;56;p13">
+            <a:extLst>
+              <a:ext uri="{FF2B5EF4-FFF2-40B4-BE49-F238E27FC236}">
+                <a16:creationId xmlns:a16="http://schemas.microsoft.com/office/drawing/2014/main" id="{5DC2FED0-7C5F-460C-998D-2520FD324176}"/>
+              </a:ext>
+            </a:extLst>
+          </p:cNvPr>
+          <p:cNvPicPr preferRelativeResize="0"/>
+          <p:nvPr/>
+        </p:nvPicPr>
+        <p:blipFill>
+          <a:blip r:embed="rId3">
+            <a:alphaModFix/>
+          </a:blip>
+          <a:stretch>
+            <a:fillRect/>
+          </a:stretch>
+        </p:blipFill>
+        <p:spPr>
+          <a:xfrm>
+            <a:off x="10989179" y="5736492"/>
+            <a:ext cx="1202821" cy="1121508"/>
+          </a:xfrm>
+          <a:prstGeom prst="rect">
+            <a:avLst/>
+          </a:prstGeom>
+          <a:noFill/>
+          <a:ln>
+            <a:noFill/>
+          </a:ln>
+        </p:spPr>
+      </p:pic>
+      <p:pic>
+        <p:nvPicPr>
+          <p:cNvPr id="5" name="Picture 4">
+            <a:extLst>
+              <a:ext uri="{FF2B5EF4-FFF2-40B4-BE49-F238E27FC236}">
+                <a16:creationId xmlns:a16="http://schemas.microsoft.com/office/drawing/2014/main" id="{86A17813-B73F-471E-ABB2-08A18EC70133}"/>
+              </a:ext>
+            </a:extLst>
+          </p:cNvPr>
+          <p:cNvPicPr>
+            <a:picLocks noChangeAspect="1"/>
+          </p:cNvPicPr>
+          <p:nvPr/>
+        </p:nvPicPr>
+        <p:blipFill>
+          <a:blip r:embed="rId4"/>
+          <a:stretch>
+            <a:fillRect/>
+          </a:stretch>
+        </p:blipFill>
+        <p:spPr>
+          <a:xfrm>
+            <a:off x="10935891" y="593367"/>
+            <a:ext cx="840509" cy="775369"/>
+          </a:xfrm>
+          <a:prstGeom prst="rect">
+            <a:avLst/>
+          </a:prstGeom>
+        </p:spPr>
+      </p:pic>
+      <p:sp>
+        <p:nvSpPr>
+          <p:cNvPr id="13" name="Rectangle: Rounded Corners 12">
+            <a:extLst>
+              <a:ext uri="{FF2B5EF4-FFF2-40B4-BE49-F238E27FC236}">
+                <a16:creationId xmlns:a16="http://schemas.microsoft.com/office/drawing/2014/main" id="{A9F70178-8D3E-40D7-9828-5BC509EF84B0}"/>
+              </a:ext>
+            </a:extLst>
+          </p:cNvPr>
+          <p:cNvSpPr/>
+          <p:nvPr/>
+        </p:nvSpPr>
+        <p:spPr>
+          <a:xfrm>
+            <a:off x="4183483" y="4521851"/>
+            <a:ext cx="6805696" cy="1392770"/>
+          </a:xfrm>
+          <a:prstGeom prst="roundRect">
+            <a:avLst/>
+          </a:prstGeom>
+          <a:solidFill>
+            <a:schemeClr val="accent1">
+              <a:lumMod val="20000"/>
+              <a:lumOff val="80000"/>
+            </a:schemeClr>
+          </a:solidFill>
+        </p:spPr>
+        <p:style>
+          <a:lnRef idx="2">
+            <a:schemeClr val="accent3"/>
+          </a:lnRef>
+          <a:fillRef idx="1">
+            <a:schemeClr val="lt1"/>
+          </a:fillRef>
+          <a:effectRef idx="0">
+            <a:schemeClr val="accent3"/>
+          </a:effectRef>
+          <a:fontRef idx="minor">
+            <a:schemeClr val="dk1"/>
+          </a:fontRef>
+        </p:style>
+        <p:txBody>
+          <a:bodyPr rtlCol="0" anchor="b" anchorCtr="1"/>
+          <a:lstStyle/>
+          <a:p>
+            <a:pPr algn="ctr"/>
+            <a:r>
+              <a:rPr lang="en-US" dirty="0"/>
+              <a:t>Node</a:t>
+            </a:r>
+          </a:p>
+        </p:txBody>
+      </p:sp>
+      <p:sp>
+        <p:nvSpPr>
+          <p:cNvPr id="15" name="Rectangle: Rounded Corners 14">
+            <a:extLst>
+              <a:ext uri="{FF2B5EF4-FFF2-40B4-BE49-F238E27FC236}">
+                <a16:creationId xmlns:a16="http://schemas.microsoft.com/office/drawing/2014/main" id="{32E941F0-186B-4E44-ABA2-C8931FB3E149}"/>
+              </a:ext>
+            </a:extLst>
+          </p:cNvPr>
+          <p:cNvSpPr/>
+          <p:nvPr/>
+        </p:nvSpPr>
+        <p:spPr>
+          <a:xfrm>
+            <a:off x="6277045" y="4734273"/>
+            <a:ext cx="1260389" cy="774081"/>
+          </a:xfrm>
+          <a:prstGeom prst="roundRect">
+            <a:avLst/>
+          </a:prstGeom>
+          <a:solidFill>
+            <a:schemeClr val="accent6">
+              <a:lumMod val="20000"/>
+              <a:lumOff val="80000"/>
+            </a:schemeClr>
+          </a:solidFill>
+        </p:spPr>
+        <p:style>
+          <a:lnRef idx="2">
+            <a:schemeClr val="accent1">
+              <a:shade val="50000"/>
+            </a:schemeClr>
+          </a:lnRef>
+          <a:fillRef idx="1">
+            <a:schemeClr val="accent1"/>
+          </a:fillRef>
+          <a:effectRef idx="0">
+            <a:schemeClr val="accent1"/>
+          </a:effectRef>
+          <a:fontRef idx="minor">
+            <a:schemeClr val="lt1"/>
+          </a:fontRef>
+        </p:style>
+        <p:txBody>
+          <a:bodyPr rtlCol="0" anchor="t" anchorCtr="0"/>
+          <a:lstStyle/>
+          <a:p>
+            <a:pPr algn="ctr"/>
+            <a:r>
+              <a:rPr lang="en-US" dirty="0">
+                <a:solidFill>
+                  <a:schemeClr val="tx1"/>
+                </a:solidFill>
+              </a:rPr>
+              <a:t>pod</a:t>
+            </a:r>
+          </a:p>
+        </p:txBody>
+      </p:sp>
+      <p:sp>
+        <p:nvSpPr>
+          <p:cNvPr id="16" name="Rectangle: Rounded Corners 15">
+            <a:extLst>
+              <a:ext uri="{FF2B5EF4-FFF2-40B4-BE49-F238E27FC236}">
+                <a16:creationId xmlns:a16="http://schemas.microsoft.com/office/drawing/2014/main" id="{CB335A6C-4AA9-448C-95B8-87A623E1C9E6}"/>
+              </a:ext>
+            </a:extLst>
+          </p:cNvPr>
+          <p:cNvSpPr/>
+          <p:nvPr/>
+        </p:nvSpPr>
+        <p:spPr>
+          <a:xfrm>
+            <a:off x="6462396" y="5117333"/>
+            <a:ext cx="939114" cy="247135"/>
+          </a:xfrm>
+          <a:prstGeom prst="roundRect">
+            <a:avLst/>
+          </a:prstGeom>
+          <a:solidFill>
+            <a:schemeClr val="accent5">
+              <a:lumMod val="75000"/>
+            </a:schemeClr>
+          </a:solidFill>
+        </p:spPr>
+        <p:style>
+          <a:lnRef idx="2">
+            <a:schemeClr val="accent1">
+              <a:shade val="50000"/>
+            </a:schemeClr>
+          </a:lnRef>
+          <a:fillRef idx="1">
+            <a:schemeClr val="accent1"/>
+          </a:fillRef>
+          <a:effectRef idx="0">
+            <a:schemeClr val="accent1"/>
+          </a:effectRef>
+          <a:fontRef idx="minor">
+            <a:schemeClr val="lt1"/>
+          </a:fontRef>
+        </p:style>
+        <p:txBody>
+          <a:bodyPr rtlCol="0" anchor="ctr"/>
+          <a:lstStyle/>
+          <a:p>
+            <a:pPr algn="ctr"/>
+            <a:r>
+              <a:rPr lang="en-US" dirty="0"/>
+              <a:t>app-a</a:t>
+            </a:r>
+          </a:p>
+        </p:txBody>
+      </p:sp>
+      <p:sp>
+        <p:nvSpPr>
+          <p:cNvPr id="17" name="Rectangle: Rounded Corners 16">
+            <a:extLst>
+              <a:ext uri="{FF2B5EF4-FFF2-40B4-BE49-F238E27FC236}">
+                <a16:creationId xmlns:a16="http://schemas.microsoft.com/office/drawing/2014/main" id="{ED944334-B2E2-4318-B1B2-78EDACA40E70}"/>
+              </a:ext>
+            </a:extLst>
+          </p:cNvPr>
+          <p:cNvSpPr/>
+          <p:nvPr/>
+        </p:nvSpPr>
+        <p:spPr>
+          <a:xfrm>
+            <a:off x="4479137" y="4727366"/>
+            <a:ext cx="1260389" cy="774081"/>
+          </a:xfrm>
+          <a:prstGeom prst="roundRect">
+            <a:avLst/>
+          </a:prstGeom>
+          <a:solidFill>
+            <a:schemeClr val="accent6">
+              <a:lumMod val="20000"/>
+              <a:lumOff val="80000"/>
+            </a:schemeClr>
+          </a:solidFill>
+        </p:spPr>
+        <p:style>
+          <a:lnRef idx="2">
+            <a:schemeClr val="accent1">
+              <a:shade val="50000"/>
+            </a:schemeClr>
+          </a:lnRef>
+          <a:fillRef idx="1">
+            <a:schemeClr val="accent1"/>
+          </a:fillRef>
+          <a:effectRef idx="0">
+            <a:schemeClr val="accent1"/>
+          </a:effectRef>
+          <a:fontRef idx="minor">
+            <a:schemeClr val="lt1"/>
+          </a:fontRef>
+        </p:style>
+        <p:txBody>
+          <a:bodyPr rtlCol="0" anchor="t" anchorCtr="0"/>
+          <a:lstStyle/>
+          <a:p>
+            <a:pPr algn="ctr"/>
+            <a:r>
+              <a:rPr lang="en-US" dirty="0" err="1">
+                <a:solidFill>
+                  <a:schemeClr val="tx1"/>
+                </a:solidFill>
+              </a:rPr>
+              <a:t>kubelet</a:t>
+            </a:r>
+            <a:endParaRPr lang="en-US" dirty="0">
+              <a:solidFill>
+                <a:schemeClr val="tx1"/>
+              </a:solidFill>
+            </a:endParaRPr>
+          </a:p>
+        </p:txBody>
+      </p:sp>
+      <p:sp>
+        <p:nvSpPr>
+          <p:cNvPr id="12" name="Callout: Line with Border and Accent Bar 11">
+            <a:extLst>
+              <a:ext uri="{FF2B5EF4-FFF2-40B4-BE49-F238E27FC236}">
+                <a16:creationId xmlns:a16="http://schemas.microsoft.com/office/drawing/2014/main" id="{DB69CE90-7F50-4ED6-80A5-EF7430FC4C37}"/>
+              </a:ext>
+            </a:extLst>
+          </p:cNvPr>
+          <p:cNvSpPr/>
+          <p:nvPr/>
+        </p:nvSpPr>
+        <p:spPr>
+          <a:xfrm>
+            <a:off x="961900" y="3663539"/>
+            <a:ext cx="2814453" cy="612648"/>
+          </a:xfrm>
+          <a:prstGeom prst="accentBorderCallout1">
+            <a:avLst>
+              <a:gd name="adj1" fmla="val 38134"/>
+              <a:gd name="adj2" fmla="val 104654"/>
+              <a:gd name="adj3" fmla="val 174527"/>
+              <a:gd name="adj4" fmla="val 128547"/>
+            </a:avLst>
+          </a:prstGeom>
+          <a:noFill/>
+        </p:spPr>
+        <p:style>
+          <a:lnRef idx="2">
+            <a:schemeClr val="accent1">
+              <a:shade val="50000"/>
+            </a:schemeClr>
+          </a:lnRef>
+          <a:fillRef idx="1">
+            <a:schemeClr val="accent1"/>
+          </a:fillRef>
+          <a:effectRef idx="0">
+            <a:schemeClr val="accent1"/>
+          </a:effectRef>
+          <a:fontRef idx="minor">
+            <a:schemeClr val="lt1"/>
+          </a:fontRef>
+        </p:style>
+        <p:txBody>
+          <a:bodyPr rtlCol="0" anchor="ctr"/>
+          <a:lstStyle/>
+          <a:p>
+            <a:pPr algn="ctr"/>
+            <a:r>
+              <a:rPr lang="en-US" dirty="0">
+                <a:solidFill>
+                  <a:schemeClr val="tx1"/>
+                </a:solidFill>
+              </a:rPr>
+              <a:t>app-a, are you ready?</a:t>
+            </a:r>
+          </a:p>
+        </p:txBody>
+      </p:sp>
+      <p:sp>
+        <p:nvSpPr>
+          <p:cNvPr id="18" name="Rectangle: Rounded Corners 17">
+            <a:extLst>
+              <a:ext uri="{FF2B5EF4-FFF2-40B4-BE49-F238E27FC236}">
+                <a16:creationId xmlns:a16="http://schemas.microsoft.com/office/drawing/2014/main" id="{FF1F4554-6966-4B0B-93C3-37CAE3E3B244}"/>
+              </a:ext>
+            </a:extLst>
+          </p:cNvPr>
+          <p:cNvSpPr/>
+          <p:nvPr/>
+        </p:nvSpPr>
+        <p:spPr>
+          <a:xfrm>
+            <a:off x="7722785" y="4734272"/>
+            <a:ext cx="1260389" cy="774081"/>
+          </a:xfrm>
+          <a:prstGeom prst="roundRect">
+            <a:avLst/>
+          </a:prstGeom>
+          <a:solidFill>
+            <a:schemeClr val="accent6">
+              <a:lumMod val="20000"/>
+              <a:lumOff val="80000"/>
+            </a:schemeClr>
+          </a:solidFill>
+        </p:spPr>
+        <p:style>
+          <a:lnRef idx="2">
+            <a:schemeClr val="accent1">
+              <a:shade val="50000"/>
+            </a:schemeClr>
+          </a:lnRef>
+          <a:fillRef idx="1">
+            <a:schemeClr val="accent1"/>
+          </a:fillRef>
+          <a:effectRef idx="0">
+            <a:schemeClr val="accent1"/>
+          </a:effectRef>
+          <a:fontRef idx="minor">
+            <a:schemeClr val="lt1"/>
+          </a:fontRef>
+        </p:style>
+        <p:txBody>
+          <a:bodyPr rtlCol="0" anchor="t" anchorCtr="0"/>
+          <a:lstStyle/>
+          <a:p>
+            <a:pPr algn="ctr"/>
+            <a:r>
+              <a:rPr lang="en-US" dirty="0">
+                <a:solidFill>
+                  <a:schemeClr val="tx1"/>
+                </a:solidFill>
+              </a:rPr>
+              <a:t>pod</a:t>
+            </a:r>
+          </a:p>
+        </p:txBody>
+      </p:sp>
+      <p:sp>
+        <p:nvSpPr>
+          <p:cNvPr id="19" name="Rectangle: Rounded Corners 18">
+            <a:extLst>
+              <a:ext uri="{FF2B5EF4-FFF2-40B4-BE49-F238E27FC236}">
+                <a16:creationId xmlns:a16="http://schemas.microsoft.com/office/drawing/2014/main" id="{1536A280-A8E7-439E-8C13-6D3DB608B383}"/>
+              </a:ext>
+            </a:extLst>
+          </p:cNvPr>
+          <p:cNvSpPr/>
+          <p:nvPr/>
+        </p:nvSpPr>
+        <p:spPr>
+          <a:xfrm>
+            <a:off x="7894795" y="5121312"/>
+            <a:ext cx="939114" cy="247135"/>
+          </a:xfrm>
+          <a:prstGeom prst="roundRect">
+            <a:avLst/>
+          </a:prstGeom>
+          <a:solidFill>
+            <a:srgbClr val="FFC000"/>
+          </a:solidFill>
+        </p:spPr>
+        <p:style>
+          <a:lnRef idx="2">
+            <a:schemeClr val="accent1">
+              <a:shade val="50000"/>
+            </a:schemeClr>
+          </a:lnRef>
+          <a:fillRef idx="1">
+            <a:schemeClr val="accent1"/>
+          </a:fillRef>
+          <a:effectRef idx="0">
+            <a:schemeClr val="accent1"/>
+          </a:effectRef>
+          <a:fontRef idx="minor">
+            <a:schemeClr val="lt1"/>
+          </a:fontRef>
+        </p:style>
+        <p:txBody>
+          <a:bodyPr rtlCol="0" anchor="ctr"/>
+          <a:lstStyle/>
+          <a:p>
+            <a:pPr algn="ctr"/>
+            <a:r>
+              <a:rPr lang="en-US" dirty="0"/>
+              <a:t>app-a</a:t>
+            </a:r>
+          </a:p>
+        </p:txBody>
+      </p:sp>
+      <p:grpSp>
+        <p:nvGrpSpPr>
+          <p:cNvPr id="20" name="Group 19">
+            <a:extLst>
+              <a:ext uri="{FF2B5EF4-FFF2-40B4-BE49-F238E27FC236}">
+                <a16:creationId xmlns:a16="http://schemas.microsoft.com/office/drawing/2014/main" id="{C49A44BD-28EB-45B6-8702-EA892451F5AF}"/>
+              </a:ext>
+            </a:extLst>
+          </p:cNvPr>
+          <p:cNvGrpSpPr/>
+          <p:nvPr/>
+        </p:nvGrpSpPr>
+        <p:grpSpPr>
+          <a:xfrm>
+            <a:off x="9141976" y="4734272"/>
+            <a:ext cx="1260389" cy="774081"/>
+            <a:chOff x="7722785" y="4734272"/>
+            <a:chExt cx="1260389" cy="774081"/>
+          </a:xfrm>
+        </p:grpSpPr>
+        <p:sp>
+          <p:nvSpPr>
+            <p:cNvPr id="21" name="Rectangle: Rounded Corners 20">
+              <a:extLst>
+                <a:ext uri="{FF2B5EF4-FFF2-40B4-BE49-F238E27FC236}">
+                  <a16:creationId xmlns:a16="http://schemas.microsoft.com/office/drawing/2014/main" id="{9152AF01-5601-47C2-A52D-FEF92FCB7D6E}"/>
+                </a:ext>
+              </a:extLst>
+            </p:cNvPr>
+            <p:cNvSpPr/>
+            <p:nvPr/>
+          </p:nvSpPr>
+          <p:spPr>
+            <a:xfrm>
+              <a:off x="7722785" y="4734272"/>
+              <a:ext cx="1260389" cy="774081"/>
+            </a:xfrm>
+            <a:prstGeom prst="roundRect">
+              <a:avLst/>
+            </a:prstGeom>
+            <a:solidFill>
+              <a:schemeClr val="accent6">
+                <a:lumMod val="20000"/>
+                <a:lumOff val="80000"/>
+              </a:schemeClr>
+            </a:solidFill>
+          </p:spPr>
+          <p:style>
+            <a:lnRef idx="2">
+              <a:schemeClr val="accent1">
+                <a:shade val="50000"/>
+              </a:schemeClr>
+            </a:lnRef>
+            <a:fillRef idx="1">
+              <a:schemeClr val="accent1"/>
+            </a:fillRef>
+            <a:effectRef idx="0">
+              <a:schemeClr val="accent1"/>
+            </a:effectRef>
+            <a:fontRef idx="minor">
+              <a:schemeClr val="lt1"/>
+            </a:fontRef>
+          </p:style>
+          <p:txBody>
+            <a:bodyPr rtlCol="0" anchor="t" anchorCtr="0"/>
+            <a:lstStyle/>
+            <a:p>
+              <a:pPr algn="ctr"/>
+              <a:r>
+                <a:rPr lang="en-US" dirty="0">
+                  <a:solidFill>
+                    <a:schemeClr val="tx1"/>
+                  </a:solidFill>
+                </a:rPr>
+                <a:t>pod</a:t>
+              </a:r>
+            </a:p>
+          </p:txBody>
+        </p:sp>
+        <p:sp>
+          <p:nvSpPr>
+            <p:cNvPr id="22" name="Rectangle: Rounded Corners 21">
+              <a:extLst>
+                <a:ext uri="{FF2B5EF4-FFF2-40B4-BE49-F238E27FC236}">
+                  <a16:creationId xmlns:a16="http://schemas.microsoft.com/office/drawing/2014/main" id="{82D5BDB7-DF51-4B11-B5A9-E02BE9119A96}"/>
+                </a:ext>
+              </a:extLst>
+            </p:cNvPr>
+            <p:cNvSpPr/>
+            <p:nvPr/>
+          </p:nvSpPr>
+          <p:spPr>
+            <a:xfrm>
+              <a:off x="7894795" y="5121312"/>
+              <a:ext cx="939114" cy="247135"/>
+            </a:xfrm>
+            <a:prstGeom prst="roundRect">
+              <a:avLst/>
+            </a:prstGeom>
+            <a:solidFill>
+              <a:schemeClr val="accent5">
+                <a:lumMod val="75000"/>
+              </a:schemeClr>
+            </a:solidFill>
+          </p:spPr>
+          <p:style>
+            <a:lnRef idx="2">
+              <a:schemeClr val="accent1">
+                <a:shade val="50000"/>
+              </a:schemeClr>
+            </a:lnRef>
+            <a:fillRef idx="1">
+              <a:schemeClr val="accent1"/>
+            </a:fillRef>
+            <a:effectRef idx="0">
+              <a:schemeClr val="accent1"/>
+            </a:effectRef>
+            <a:fontRef idx="minor">
+              <a:schemeClr val="lt1"/>
+            </a:fontRef>
+          </p:style>
+          <p:txBody>
+            <a:bodyPr rtlCol="0" anchor="ctr"/>
+            <a:lstStyle/>
+            <a:p>
+              <a:pPr algn="ctr"/>
+              <a:r>
+                <a:rPr lang="en-US" dirty="0"/>
+                <a:t>app-a</a:t>
+              </a:r>
+            </a:p>
+          </p:txBody>
+        </p:sp>
+      </p:grpSp>
+      <p:sp>
+        <p:nvSpPr>
+          <p:cNvPr id="14" name="Callout: Line with Border and Accent Bar 13">
+            <a:extLst>
+              <a:ext uri="{FF2B5EF4-FFF2-40B4-BE49-F238E27FC236}">
+                <a16:creationId xmlns:a16="http://schemas.microsoft.com/office/drawing/2014/main" id="{4F30EE33-1155-4D17-A698-9C3B5D903BAC}"/>
+              </a:ext>
+            </a:extLst>
+          </p:cNvPr>
+          <p:cNvSpPr/>
+          <p:nvPr/>
+        </p:nvSpPr>
+        <p:spPr>
+          <a:xfrm>
+            <a:off x="8833909" y="6079986"/>
+            <a:ext cx="1599834" cy="612648"/>
+          </a:xfrm>
+          <a:prstGeom prst="accentBorderCallout1">
+            <a:avLst>
+              <a:gd name="adj1" fmla="val 63333"/>
+              <a:gd name="adj2" fmla="val -4629"/>
+              <a:gd name="adj3" fmla="val -121719"/>
+              <a:gd name="adj4" fmla="val -46494"/>
+            </a:avLst>
+          </a:prstGeom>
+          <a:noFill/>
+        </p:spPr>
+        <p:style>
+          <a:lnRef idx="2">
+            <a:schemeClr val="accent1">
+              <a:shade val="50000"/>
+            </a:schemeClr>
+          </a:lnRef>
+          <a:fillRef idx="1">
+            <a:schemeClr val="accent1"/>
+          </a:fillRef>
+          <a:effectRef idx="0">
+            <a:schemeClr val="accent1"/>
+          </a:effectRef>
+          <a:fontRef idx="minor">
+            <a:schemeClr val="lt1"/>
+          </a:fontRef>
+        </p:style>
+        <p:txBody>
+          <a:bodyPr rtlCol="0" anchor="ctr"/>
+          <a:lstStyle/>
+          <a:p>
+            <a:pPr algn="ctr"/>
+            <a:r>
+              <a:rPr lang="en-US" dirty="0">
+                <a:solidFill>
+                  <a:schemeClr val="tx1"/>
+                </a:solidFill>
+              </a:rPr>
+              <a:t>Not yet</a:t>
+            </a:r>
+          </a:p>
+        </p:txBody>
+      </p:sp>
+      <p:sp>
+        <p:nvSpPr>
+          <p:cNvPr id="23" name="Rectangle: Rounded Corners 22">
+            <a:extLst>
+              <a:ext uri="{FF2B5EF4-FFF2-40B4-BE49-F238E27FC236}">
+                <a16:creationId xmlns:a16="http://schemas.microsoft.com/office/drawing/2014/main" id="{4EF08C78-67E9-4B93-907D-388BC1DF98F3}"/>
+              </a:ext>
+            </a:extLst>
+          </p:cNvPr>
+          <p:cNvSpPr/>
+          <p:nvPr/>
+        </p:nvSpPr>
+        <p:spPr>
+          <a:xfrm>
+            <a:off x="7393272" y="3512341"/>
+            <a:ext cx="1589902" cy="457522"/>
+          </a:xfrm>
+          <a:prstGeom prst="roundRect">
+            <a:avLst/>
+          </a:prstGeom>
+          <a:solidFill>
+            <a:schemeClr val="bg2"/>
+          </a:solidFill>
+        </p:spPr>
+        <p:style>
+          <a:lnRef idx="2">
+            <a:schemeClr val="accent1">
+              <a:shade val="50000"/>
+            </a:schemeClr>
+          </a:lnRef>
+          <a:fillRef idx="1">
+            <a:schemeClr val="accent1"/>
+          </a:fillRef>
+          <a:effectRef idx="0">
+            <a:schemeClr val="accent1"/>
+          </a:effectRef>
+          <a:fontRef idx="minor">
+            <a:schemeClr val="lt1"/>
+          </a:fontRef>
+        </p:style>
+        <p:txBody>
+          <a:bodyPr rtlCol="0" anchor="ctr"/>
+          <a:lstStyle/>
+          <a:p>
+            <a:pPr algn="ctr"/>
+            <a:r>
+              <a:rPr lang="en-US" b="1" dirty="0">
+                <a:solidFill>
+                  <a:schemeClr val="tx1"/>
+                </a:solidFill>
+              </a:rPr>
+              <a:t>service-a</a:t>
+            </a:r>
+          </a:p>
+        </p:txBody>
+      </p:sp>
+      <p:cxnSp>
+        <p:nvCxnSpPr>
+          <p:cNvPr id="8" name="Straight Arrow Connector 7">
+            <a:extLst>
+              <a:ext uri="{FF2B5EF4-FFF2-40B4-BE49-F238E27FC236}">
+                <a16:creationId xmlns:a16="http://schemas.microsoft.com/office/drawing/2014/main" id="{0C4A91BB-E944-4162-8EE0-FBEF360AE31E}"/>
+              </a:ext>
+            </a:extLst>
+          </p:cNvPr>
+          <p:cNvCxnSpPr>
+            <a:stCxn id="23" idx="2"/>
+            <a:endCxn id="22" idx="0"/>
+          </p:cNvCxnSpPr>
+          <p:nvPr/>
+        </p:nvCxnSpPr>
+        <p:spPr>
+          <a:xfrm>
+            <a:off x="8188223" y="3969863"/>
+            <a:ext cx="1595320" cy="1151449"/>
+          </a:xfrm>
+          <a:prstGeom prst="straightConnector1">
+            <a:avLst/>
+          </a:prstGeom>
+          <a:ln>
+            <a:tailEnd type="triangle"/>
+          </a:ln>
+        </p:spPr>
+        <p:style>
+          <a:lnRef idx="1">
+            <a:schemeClr val="accent1"/>
+          </a:lnRef>
+          <a:fillRef idx="0">
+            <a:schemeClr val="accent1"/>
+          </a:fillRef>
+          <a:effectRef idx="0">
+            <a:schemeClr val="accent1"/>
+          </a:effectRef>
+          <a:fontRef idx="minor">
+            <a:schemeClr val="tx1"/>
+          </a:fontRef>
+        </p:style>
+      </p:cxnSp>
+      <p:cxnSp>
+        <p:nvCxnSpPr>
+          <p:cNvPr id="10" name="Straight Arrow Connector 9">
+            <a:extLst>
+              <a:ext uri="{FF2B5EF4-FFF2-40B4-BE49-F238E27FC236}">
+                <a16:creationId xmlns:a16="http://schemas.microsoft.com/office/drawing/2014/main" id="{CEE4DCBC-583E-4DEA-B493-671CB9657214}"/>
+              </a:ext>
+            </a:extLst>
+          </p:cNvPr>
+          <p:cNvCxnSpPr>
+            <a:cxnSpLocks/>
+            <a:stCxn id="23" idx="2"/>
+          </p:cNvCxnSpPr>
+          <p:nvPr/>
+        </p:nvCxnSpPr>
+        <p:spPr>
+          <a:xfrm flipH="1">
+            <a:off x="7053943" y="3969863"/>
+            <a:ext cx="1134280" cy="1144543"/>
+          </a:xfrm>
+          <a:prstGeom prst="straightConnector1">
+            <a:avLst/>
+          </a:prstGeom>
+          <a:ln>
+            <a:tailEnd type="triangle"/>
+          </a:ln>
+        </p:spPr>
+        <p:style>
+          <a:lnRef idx="1">
+            <a:schemeClr val="accent1"/>
+          </a:lnRef>
+          <a:fillRef idx="0">
+            <a:schemeClr val="accent1"/>
+          </a:fillRef>
+          <a:effectRef idx="0">
+            <a:schemeClr val="accent1"/>
+          </a:effectRef>
+          <a:fontRef idx="minor">
+            <a:schemeClr val="tx1"/>
+          </a:fontRef>
+        </p:style>
+      </p:cxnSp>
+    </p:spTree>
+    <p:extLst>
+      <p:ext uri="{BB962C8B-B14F-4D97-AF65-F5344CB8AC3E}">
+        <p14:creationId xmlns:p14="http://schemas.microsoft.com/office/powerpoint/2010/main" val="2984412190"/>
+      </p:ext>
+    </p:extLst>
+  </p:cSld>
+  <p:clrMapOvr>
+    <a:masterClrMapping/>
+  </p:clrMapOvr>
+  <p:timing>
+    <p:tnLst>
+      <p:par>
+        <p:cTn id="1" dur="indefinite" restart="never" nodeType="tmRoot">
+          <p:childTnLst>
+            <p:seq concurrent="1" nextAc="seek">
+              <p:cTn id="2" dur="indefinite" nodeType="mainSeq">
+                <p:childTnLst>
+                  <p:par>
+                    <p:cTn id="3" fill="hold">
+                      <p:stCondLst>
+                        <p:cond delay="indefinite"/>
+                      </p:stCondLst>
+                      <p:childTnLst>
+                        <p:par>
+                          <p:cTn id="4" fill="hold">
+                            <p:stCondLst>
+                              <p:cond delay="0"/>
+                            </p:stCondLst>
+                            <p:childTnLst>
+                              <p:par>
+                                <p:cTn id="5" presetID="1" presetClass="entr" presetSubtype="0" fill="hold" grpId="0" nodeType="clickEffect">
+                                  <p:stCondLst>
+                                    <p:cond delay="0"/>
+                                  </p:stCondLst>
+                                  <p:childTnLst>
+                                    <p:set>
+                                      <p:cBhvr>
+                                        <p:cTn id="6" dur="1" fill="hold">
+                                          <p:stCondLst>
+                                            <p:cond delay="0"/>
+                                          </p:stCondLst>
+                                        </p:cTn>
+                                        <p:tgtEl>
+                                          <p:spTgt spid="12"/>
+                                        </p:tgtEl>
+                                        <p:attrNameLst>
+                                          <p:attrName>style.visibility</p:attrName>
+                                        </p:attrNameLst>
+                                      </p:cBhvr>
+                                      <p:to>
+                                        <p:strVal val="visible"/>
+                                      </p:to>
+                                    </p:set>
+                                  </p:childTnLst>
+                                </p:cTn>
+                              </p:par>
+                            </p:childTnLst>
+                          </p:cTn>
+                        </p:par>
+                      </p:childTnLst>
+                    </p:cTn>
+                  </p:par>
+                  <p:par>
+                    <p:cTn id="7" fill="hold">
+                      <p:stCondLst>
+                        <p:cond delay="indefinite"/>
+                      </p:stCondLst>
+                      <p:childTnLst>
+                        <p:par>
+                          <p:cTn id="8" fill="hold">
+                            <p:stCondLst>
+                              <p:cond delay="0"/>
+                            </p:stCondLst>
+                            <p:childTnLst>
+                              <p:par>
+                                <p:cTn id="9" presetID="1" presetClass="entr" presetSubtype="0" fill="hold" grpId="0" nodeType="clickEffect">
+                                  <p:stCondLst>
+                                    <p:cond delay="0"/>
+                                  </p:stCondLst>
+                                  <p:childTnLst>
+                                    <p:set>
+                                      <p:cBhvr>
+                                        <p:cTn id="10" dur="1" fill="hold">
+                                          <p:stCondLst>
+                                            <p:cond delay="0"/>
+                                          </p:stCondLst>
+                                        </p:cTn>
+                                        <p:tgtEl>
+                                          <p:spTgt spid="14"/>
+                                        </p:tgtEl>
+                                        <p:attrNameLst>
+                                          <p:attrName>style.visibility</p:attrName>
+                                        </p:attrNameLst>
+                                      </p:cBhvr>
+                                      <p:to>
+                                        <p:strVal val="visible"/>
+                                      </p:to>
+                                    </p:set>
+                                  </p:childTnLst>
+                                </p:cTn>
+                              </p:par>
+                            </p:childTnLst>
+                          </p:cTn>
+                        </p:par>
+                      </p:childTnLst>
+                    </p:cTn>
+                  </p:par>
+                </p:childTnLst>
+              </p:cTn>
+              <p:prevCondLst>
+                <p:cond evt="onPrev" delay="0">
+                  <p:tgtEl>
+                    <p:sldTgt/>
+                  </p:tgtEl>
+                </p:cond>
+              </p:prevCondLst>
+              <p:nextCondLst>
+                <p:cond evt="onNext" delay="0">
+                  <p:tgtEl>
+                    <p:sldTgt/>
+                  </p:tgtEl>
+                </p:cond>
+              </p:nextCondLst>
+            </p:seq>
+          </p:childTnLst>
+        </p:cTn>
+      </p:par>
+    </p:tnLst>
+    <p:bldLst>
+      <p:bldP spid="12" grpId="0" animBg="1"/>
+      <p:bldP spid="14" grpId="0" animBg="1"/>
+    </p:bldLst>
+  </p:timing>
+</p:sld>
+</file>
+
+<file path=ppt/slides/slide29.xml><?xml version="1.0" encoding="utf-8"?>
+<p:sld xmlns:a="http://schemas.openxmlformats.org/drawingml/2006/main" xmlns:r="http://schemas.openxmlformats.org/officeDocument/2006/relationships" xmlns:p="http://schemas.openxmlformats.org/presentationml/2006/main">
+  <p:cSld>
+    <p:spTree>
+      <p:nvGrpSpPr>
+        <p:cNvPr id="1" name=""/>
+        <p:cNvGrpSpPr/>
+        <p:nvPr/>
+      </p:nvGrpSpPr>
+      <p:grpSpPr>
+        <a:xfrm>
+          <a:off x="0" y="0"/>
+          <a:ext cx="0" cy="0"/>
+          <a:chOff x="0" y="0"/>
+          <a:chExt cx="0" cy="0"/>
+        </a:xfrm>
+      </p:grpSpPr>
+      <p:sp>
+        <p:nvSpPr>
+          <p:cNvPr id="2" name="Title 1">
+            <a:extLst>
+              <a:ext uri="{FF2B5EF4-FFF2-40B4-BE49-F238E27FC236}">
+                <a16:creationId xmlns:a16="http://schemas.microsoft.com/office/drawing/2014/main" id="{AF708F16-5DBC-4B6A-8DFC-6213EECAA9C2}"/>
+              </a:ext>
+            </a:extLst>
+          </p:cNvPr>
+          <p:cNvSpPr>
+            <a:spLocks noGrp="1"/>
+          </p:cNvSpPr>
+          <p:nvPr>
+            <p:ph type="title"/>
+          </p:nvPr>
+        </p:nvSpPr>
+        <p:spPr/>
+        <p:txBody>
+          <a:bodyPr/>
+          <a:lstStyle/>
+          <a:p>
+            <a:r>
+              <a:rPr lang="en-US" dirty="0"/>
+              <a:t>Readiness probe</a:t>
+            </a:r>
+          </a:p>
+        </p:txBody>
+      </p:sp>
+      <p:sp>
+        <p:nvSpPr>
+          <p:cNvPr id="3" name="Text Placeholder 2">
+            <a:extLst>
+              <a:ext uri="{FF2B5EF4-FFF2-40B4-BE49-F238E27FC236}">
+                <a16:creationId xmlns:a16="http://schemas.microsoft.com/office/drawing/2014/main" id="{EC7572EA-1EAB-40E7-BB72-53988D9C2321}"/>
+              </a:ext>
+            </a:extLst>
+          </p:cNvPr>
+          <p:cNvSpPr>
+            <a:spLocks noGrp="1"/>
+          </p:cNvSpPr>
+          <p:nvPr>
+            <p:ph type="body" idx="1"/>
+          </p:nvPr>
+        </p:nvSpPr>
+        <p:spPr>
+          <a:xfrm>
+            <a:off x="415599" y="1536633"/>
+            <a:ext cx="11125611" cy="1657829"/>
+          </a:xfrm>
+        </p:spPr>
+        <p:txBody>
+          <a:bodyPr/>
+          <a:lstStyle/>
+          <a:p>
+            <a:r>
+              <a:rPr lang="en-US" dirty="0"/>
+              <a:t>This cycle then starts all over again</a:t>
+            </a:r>
+          </a:p>
+          <a:p>
+            <a:r>
+              <a:rPr lang="en-US" dirty="0"/>
+              <a:t>Send traffic to app-a</a:t>
+            </a:r>
+          </a:p>
+          <a:p>
+            <a:pPr marL="152396" indent="0">
+              <a:buNone/>
+            </a:pPr>
+            <a:endParaRPr lang="en-US" dirty="0"/>
+          </a:p>
+        </p:txBody>
+      </p:sp>
+      <p:pic>
+        <p:nvPicPr>
+          <p:cNvPr id="4" name="Google Shape;56;p13">
+            <a:extLst>
+              <a:ext uri="{FF2B5EF4-FFF2-40B4-BE49-F238E27FC236}">
+                <a16:creationId xmlns:a16="http://schemas.microsoft.com/office/drawing/2014/main" id="{5DC2FED0-7C5F-460C-998D-2520FD324176}"/>
+              </a:ext>
+            </a:extLst>
+          </p:cNvPr>
+          <p:cNvPicPr preferRelativeResize="0"/>
+          <p:nvPr/>
+        </p:nvPicPr>
+        <p:blipFill>
+          <a:blip r:embed="rId3">
+            <a:alphaModFix/>
+          </a:blip>
+          <a:stretch>
+            <a:fillRect/>
+          </a:stretch>
+        </p:blipFill>
+        <p:spPr>
+          <a:xfrm>
+            <a:off x="10989179" y="5736492"/>
+            <a:ext cx="1202821" cy="1121508"/>
+          </a:xfrm>
+          <a:prstGeom prst="rect">
+            <a:avLst/>
+          </a:prstGeom>
+          <a:noFill/>
+          <a:ln>
+            <a:noFill/>
+          </a:ln>
+        </p:spPr>
+      </p:pic>
+      <p:pic>
+        <p:nvPicPr>
+          <p:cNvPr id="5" name="Picture 4">
+            <a:extLst>
+              <a:ext uri="{FF2B5EF4-FFF2-40B4-BE49-F238E27FC236}">
+                <a16:creationId xmlns:a16="http://schemas.microsoft.com/office/drawing/2014/main" id="{86A17813-B73F-471E-ABB2-08A18EC70133}"/>
+              </a:ext>
+            </a:extLst>
+          </p:cNvPr>
+          <p:cNvPicPr>
+            <a:picLocks noChangeAspect="1"/>
+          </p:cNvPicPr>
+          <p:nvPr/>
+        </p:nvPicPr>
+        <p:blipFill>
+          <a:blip r:embed="rId4"/>
+          <a:stretch>
+            <a:fillRect/>
+          </a:stretch>
+        </p:blipFill>
+        <p:spPr>
+          <a:xfrm>
+            <a:off x="10935891" y="593367"/>
+            <a:ext cx="840509" cy="775369"/>
+          </a:xfrm>
+          <a:prstGeom prst="rect">
+            <a:avLst/>
+          </a:prstGeom>
+        </p:spPr>
+      </p:pic>
+      <p:sp>
+        <p:nvSpPr>
+          <p:cNvPr id="13" name="Rectangle: Rounded Corners 12">
+            <a:extLst>
+              <a:ext uri="{FF2B5EF4-FFF2-40B4-BE49-F238E27FC236}">
+                <a16:creationId xmlns:a16="http://schemas.microsoft.com/office/drawing/2014/main" id="{A9F70178-8D3E-40D7-9828-5BC509EF84B0}"/>
+              </a:ext>
+            </a:extLst>
+          </p:cNvPr>
+          <p:cNvSpPr/>
+          <p:nvPr/>
+        </p:nvSpPr>
+        <p:spPr>
+          <a:xfrm>
+            <a:off x="4183483" y="4521851"/>
+            <a:ext cx="6805696" cy="1392770"/>
+          </a:xfrm>
+          <a:prstGeom prst="roundRect">
+            <a:avLst/>
+          </a:prstGeom>
+          <a:solidFill>
+            <a:schemeClr val="accent1">
+              <a:lumMod val="20000"/>
+              <a:lumOff val="80000"/>
+            </a:schemeClr>
+          </a:solidFill>
+        </p:spPr>
+        <p:style>
+          <a:lnRef idx="2">
+            <a:schemeClr val="accent3"/>
+          </a:lnRef>
+          <a:fillRef idx="1">
+            <a:schemeClr val="lt1"/>
+          </a:fillRef>
+          <a:effectRef idx="0">
+            <a:schemeClr val="accent3"/>
+          </a:effectRef>
+          <a:fontRef idx="minor">
+            <a:schemeClr val="dk1"/>
+          </a:fontRef>
+        </p:style>
+        <p:txBody>
+          <a:bodyPr rtlCol="0" anchor="b" anchorCtr="1"/>
+          <a:lstStyle/>
+          <a:p>
+            <a:pPr algn="ctr"/>
+            <a:r>
+              <a:rPr lang="en-US" dirty="0"/>
+              <a:t>Node</a:t>
+            </a:r>
+          </a:p>
+        </p:txBody>
+      </p:sp>
+      <p:sp>
+        <p:nvSpPr>
+          <p:cNvPr id="15" name="Rectangle: Rounded Corners 14">
+            <a:extLst>
+              <a:ext uri="{FF2B5EF4-FFF2-40B4-BE49-F238E27FC236}">
+                <a16:creationId xmlns:a16="http://schemas.microsoft.com/office/drawing/2014/main" id="{32E941F0-186B-4E44-ABA2-C8931FB3E149}"/>
+              </a:ext>
+            </a:extLst>
+          </p:cNvPr>
+          <p:cNvSpPr/>
+          <p:nvPr/>
+        </p:nvSpPr>
+        <p:spPr>
+          <a:xfrm>
+            <a:off x="6277045" y="4734273"/>
+            <a:ext cx="1260389" cy="774081"/>
+          </a:xfrm>
+          <a:prstGeom prst="roundRect">
+            <a:avLst/>
+          </a:prstGeom>
+          <a:solidFill>
+            <a:schemeClr val="accent6">
+              <a:lumMod val="20000"/>
+              <a:lumOff val="80000"/>
+            </a:schemeClr>
+          </a:solidFill>
+        </p:spPr>
+        <p:style>
+          <a:lnRef idx="2">
+            <a:schemeClr val="accent1">
+              <a:shade val="50000"/>
+            </a:schemeClr>
+          </a:lnRef>
+          <a:fillRef idx="1">
+            <a:schemeClr val="accent1"/>
+          </a:fillRef>
+          <a:effectRef idx="0">
+            <a:schemeClr val="accent1"/>
+          </a:effectRef>
+          <a:fontRef idx="minor">
+            <a:schemeClr val="lt1"/>
+          </a:fontRef>
+        </p:style>
+        <p:txBody>
+          <a:bodyPr rtlCol="0" anchor="t" anchorCtr="0"/>
+          <a:lstStyle/>
+          <a:p>
+            <a:pPr algn="ctr"/>
+            <a:r>
+              <a:rPr lang="en-US" dirty="0">
+                <a:solidFill>
+                  <a:schemeClr val="tx1"/>
+                </a:solidFill>
+              </a:rPr>
+              <a:t>pod</a:t>
+            </a:r>
+          </a:p>
+        </p:txBody>
+      </p:sp>
+      <p:sp>
+        <p:nvSpPr>
+          <p:cNvPr id="16" name="Rectangle: Rounded Corners 15">
+            <a:extLst>
+              <a:ext uri="{FF2B5EF4-FFF2-40B4-BE49-F238E27FC236}">
+                <a16:creationId xmlns:a16="http://schemas.microsoft.com/office/drawing/2014/main" id="{CB335A6C-4AA9-448C-95B8-87A623E1C9E6}"/>
+              </a:ext>
+            </a:extLst>
+          </p:cNvPr>
+          <p:cNvSpPr/>
+          <p:nvPr/>
+        </p:nvSpPr>
+        <p:spPr>
+          <a:xfrm>
+            <a:off x="6462396" y="5117333"/>
+            <a:ext cx="939114" cy="247135"/>
+          </a:xfrm>
+          <a:prstGeom prst="roundRect">
+            <a:avLst/>
+          </a:prstGeom>
+          <a:solidFill>
+            <a:schemeClr val="accent5">
+              <a:lumMod val="75000"/>
+            </a:schemeClr>
+          </a:solidFill>
+        </p:spPr>
+        <p:style>
+          <a:lnRef idx="2">
+            <a:schemeClr val="accent1">
+              <a:shade val="50000"/>
+            </a:schemeClr>
+          </a:lnRef>
+          <a:fillRef idx="1">
+            <a:schemeClr val="accent1"/>
+          </a:fillRef>
+          <a:effectRef idx="0">
+            <a:schemeClr val="accent1"/>
+          </a:effectRef>
+          <a:fontRef idx="minor">
+            <a:schemeClr val="lt1"/>
+          </a:fontRef>
+        </p:style>
+        <p:txBody>
+          <a:bodyPr rtlCol="0" anchor="ctr"/>
+          <a:lstStyle/>
+          <a:p>
+            <a:pPr algn="ctr"/>
+            <a:r>
+              <a:rPr lang="en-US" dirty="0"/>
+              <a:t>app-a</a:t>
+            </a:r>
+          </a:p>
+        </p:txBody>
+      </p:sp>
+      <p:sp>
+        <p:nvSpPr>
+          <p:cNvPr id="17" name="Rectangle: Rounded Corners 16">
+            <a:extLst>
+              <a:ext uri="{FF2B5EF4-FFF2-40B4-BE49-F238E27FC236}">
+                <a16:creationId xmlns:a16="http://schemas.microsoft.com/office/drawing/2014/main" id="{ED944334-B2E2-4318-B1B2-78EDACA40E70}"/>
+              </a:ext>
+            </a:extLst>
+          </p:cNvPr>
+          <p:cNvSpPr/>
+          <p:nvPr/>
+        </p:nvSpPr>
+        <p:spPr>
+          <a:xfrm>
+            <a:off x="4479137" y="4727366"/>
+            <a:ext cx="1260389" cy="774081"/>
+          </a:xfrm>
+          <a:prstGeom prst="roundRect">
+            <a:avLst/>
+          </a:prstGeom>
+          <a:solidFill>
+            <a:schemeClr val="accent6">
+              <a:lumMod val="20000"/>
+              <a:lumOff val="80000"/>
+            </a:schemeClr>
+          </a:solidFill>
+        </p:spPr>
+        <p:style>
+          <a:lnRef idx="2">
+            <a:schemeClr val="accent1">
+              <a:shade val="50000"/>
+            </a:schemeClr>
+          </a:lnRef>
+          <a:fillRef idx="1">
+            <a:schemeClr val="accent1"/>
+          </a:fillRef>
+          <a:effectRef idx="0">
+            <a:schemeClr val="accent1"/>
+          </a:effectRef>
+          <a:fontRef idx="minor">
+            <a:schemeClr val="lt1"/>
+          </a:fontRef>
+        </p:style>
+        <p:txBody>
+          <a:bodyPr rtlCol="0" anchor="t" anchorCtr="0"/>
+          <a:lstStyle/>
+          <a:p>
+            <a:pPr algn="ctr"/>
+            <a:r>
+              <a:rPr lang="en-US" dirty="0" err="1">
+                <a:solidFill>
+                  <a:schemeClr val="tx1"/>
+                </a:solidFill>
+              </a:rPr>
+              <a:t>kubelet</a:t>
+            </a:r>
+            <a:endParaRPr lang="en-US" dirty="0">
+              <a:solidFill>
+                <a:schemeClr val="tx1"/>
+              </a:solidFill>
+            </a:endParaRPr>
+          </a:p>
+        </p:txBody>
+      </p:sp>
+      <p:sp>
+        <p:nvSpPr>
+          <p:cNvPr id="12" name="Callout: Line with Border and Accent Bar 11">
+            <a:extLst>
+              <a:ext uri="{FF2B5EF4-FFF2-40B4-BE49-F238E27FC236}">
+                <a16:creationId xmlns:a16="http://schemas.microsoft.com/office/drawing/2014/main" id="{DB69CE90-7F50-4ED6-80A5-EF7430FC4C37}"/>
+              </a:ext>
+            </a:extLst>
+          </p:cNvPr>
+          <p:cNvSpPr/>
+          <p:nvPr/>
+        </p:nvSpPr>
+        <p:spPr>
+          <a:xfrm>
+            <a:off x="961900" y="3663539"/>
+            <a:ext cx="2814453" cy="612648"/>
+          </a:xfrm>
+          <a:prstGeom prst="accentBorderCallout1">
+            <a:avLst>
+              <a:gd name="adj1" fmla="val 38134"/>
+              <a:gd name="adj2" fmla="val 104654"/>
+              <a:gd name="adj3" fmla="val 174527"/>
+              <a:gd name="adj4" fmla="val 128547"/>
+            </a:avLst>
+          </a:prstGeom>
+          <a:noFill/>
+        </p:spPr>
+        <p:style>
+          <a:lnRef idx="2">
+            <a:schemeClr val="accent1">
+              <a:shade val="50000"/>
+            </a:schemeClr>
+          </a:lnRef>
+          <a:fillRef idx="1">
+            <a:schemeClr val="accent1"/>
+          </a:fillRef>
+          <a:effectRef idx="0">
+            <a:schemeClr val="accent1"/>
+          </a:effectRef>
+          <a:fontRef idx="minor">
+            <a:schemeClr val="lt1"/>
+          </a:fontRef>
+        </p:style>
+        <p:txBody>
+          <a:bodyPr rtlCol="0" anchor="ctr"/>
+          <a:lstStyle/>
+          <a:p>
+            <a:pPr algn="ctr"/>
+            <a:r>
+              <a:rPr lang="en-US" dirty="0">
+                <a:solidFill>
+                  <a:schemeClr val="tx1"/>
+                </a:solidFill>
+              </a:rPr>
+              <a:t>app-a, are you ready?</a:t>
+            </a:r>
+          </a:p>
+        </p:txBody>
+      </p:sp>
+      <p:sp>
+        <p:nvSpPr>
+          <p:cNvPr id="18" name="Rectangle: Rounded Corners 17">
+            <a:extLst>
+              <a:ext uri="{FF2B5EF4-FFF2-40B4-BE49-F238E27FC236}">
+                <a16:creationId xmlns:a16="http://schemas.microsoft.com/office/drawing/2014/main" id="{FF1F4554-6966-4B0B-93C3-37CAE3E3B244}"/>
+              </a:ext>
+            </a:extLst>
+          </p:cNvPr>
+          <p:cNvSpPr/>
+          <p:nvPr/>
+        </p:nvSpPr>
+        <p:spPr>
+          <a:xfrm>
+            <a:off x="7722785" y="4734272"/>
+            <a:ext cx="1260389" cy="774081"/>
+          </a:xfrm>
+          <a:prstGeom prst="roundRect">
+            <a:avLst/>
+          </a:prstGeom>
+          <a:solidFill>
+            <a:schemeClr val="accent6">
+              <a:lumMod val="20000"/>
+              <a:lumOff val="80000"/>
+            </a:schemeClr>
+          </a:solidFill>
+        </p:spPr>
+        <p:style>
+          <a:lnRef idx="2">
+            <a:schemeClr val="accent1">
+              <a:shade val="50000"/>
+            </a:schemeClr>
+          </a:lnRef>
+          <a:fillRef idx="1">
+            <a:schemeClr val="accent1"/>
+          </a:fillRef>
+          <a:effectRef idx="0">
+            <a:schemeClr val="accent1"/>
+          </a:effectRef>
+          <a:fontRef idx="minor">
+            <a:schemeClr val="lt1"/>
+          </a:fontRef>
+        </p:style>
+        <p:txBody>
+          <a:bodyPr rtlCol="0" anchor="t" anchorCtr="0"/>
+          <a:lstStyle/>
+          <a:p>
+            <a:pPr algn="ctr"/>
+            <a:r>
+              <a:rPr lang="en-US" dirty="0">
+                <a:solidFill>
+                  <a:schemeClr val="tx1"/>
+                </a:solidFill>
+              </a:rPr>
+              <a:t>pod</a:t>
+            </a:r>
+          </a:p>
+        </p:txBody>
+      </p:sp>
+      <p:sp>
+        <p:nvSpPr>
+          <p:cNvPr id="19" name="Rectangle: Rounded Corners 18">
+            <a:extLst>
+              <a:ext uri="{FF2B5EF4-FFF2-40B4-BE49-F238E27FC236}">
+                <a16:creationId xmlns:a16="http://schemas.microsoft.com/office/drawing/2014/main" id="{1536A280-A8E7-439E-8C13-6D3DB608B383}"/>
+              </a:ext>
+            </a:extLst>
+          </p:cNvPr>
+          <p:cNvSpPr/>
+          <p:nvPr/>
+        </p:nvSpPr>
+        <p:spPr>
+          <a:xfrm>
+            <a:off x="7894795" y="5121312"/>
+            <a:ext cx="939114" cy="247135"/>
+          </a:xfrm>
+          <a:prstGeom prst="roundRect">
+            <a:avLst/>
+          </a:prstGeom>
+          <a:solidFill>
+            <a:schemeClr val="accent5">
+              <a:lumMod val="75000"/>
+            </a:schemeClr>
+          </a:solidFill>
+        </p:spPr>
+        <p:style>
+          <a:lnRef idx="2">
+            <a:schemeClr val="accent1">
+              <a:shade val="50000"/>
+            </a:schemeClr>
+          </a:lnRef>
+          <a:fillRef idx="1">
+            <a:schemeClr val="accent1"/>
+          </a:fillRef>
+          <a:effectRef idx="0">
+            <a:schemeClr val="accent1"/>
+          </a:effectRef>
+          <a:fontRef idx="minor">
+            <a:schemeClr val="lt1"/>
+          </a:fontRef>
+        </p:style>
+        <p:txBody>
+          <a:bodyPr rtlCol="0" anchor="ctr"/>
+          <a:lstStyle/>
+          <a:p>
+            <a:pPr algn="ctr"/>
+            <a:r>
+              <a:rPr lang="en-US" dirty="0"/>
+              <a:t>app-a</a:t>
+            </a:r>
+          </a:p>
+        </p:txBody>
+      </p:sp>
+      <p:grpSp>
+        <p:nvGrpSpPr>
+          <p:cNvPr id="20" name="Group 19">
+            <a:extLst>
+              <a:ext uri="{FF2B5EF4-FFF2-40B4-BE49-F238E27FC236}">
+                <a16:creationId xmlns:a16="http://schemas.microsoft.com/office/drawing/2014/main" id="{C49A44BD-28EB-45B6-8702-EA892451F5AF}"/>
+              </a:ext>
+            </a:extLst>
+          </p:cNvPr>
+          <p:cNvGrpSpPr/>
+          <p:nvPr/>
+        </p:nvGrpSpPr>
+        <p:grpSpPr>
+          <a:xfrm>
+            <a:off x="9141976" y="4734272"/>
+            <a:ext cx="1260389" cy="774081"/>
+            <a:chOff x="7722785" y="4734272"/>
+            <a:chExt cx="1260389" cy="774081"/>
+          </a:xfrm>
+        </p:grpSpPr>
+        <p:sp>
+          <p:nvSpPr>
+            <p:cNvPr id="21" name="Rectangle: Rounded Corners 20">
+              <a:extLst>
+                <a:ext uri="{FF2B5EF4-FFF2-40B4-BE49-F238E27FC236}">
+                  <a16:creationId xmlns:a16="http://schemas.microsoft.com/office/drawing/2014/main" id="{9152AF01-5601-47C2-A52D-FEF92FCB7D6E}"/>
+                </a:ext>
+              </a:extLst>
+            </p:cNvPr>
+            <p:cNvSpPr/>
+            <p:nvPr/>
+          </p:nvSpPr>
+          <p:spPr>
+            <a:xfrm>
+              <a:off x="7722785" y="4734272"/>
+              <a:ext cx="1260389" cy="774081"/>
+            </a:xfrm>
+            <a:prstGeom prst="roundRect">
+              <a:avLst/>
+            </a:prstGeom>
+            <a:solidFill>
+              <a:schemeClr val="accent6">
+                <a:lumMod val="20000"/>
+                <a:lumOff val="80000"/>
+              </a:schemeClr>
+            </a:solidFill>
+          </p:spPr>
+          <p:style>
+            <a:lnRef idx="2">
+              <a:schemeClr val="accent1">
+                <a:shade val="50000"/>
+              </a:schemeClr>
+            </a:lnRef>
+            <a:fillRef idx="1">
+              <a:schemeClr val="accent1"/>
+            </a:fillRef>
+            <a:effectRef idx="0">
+              <a:schemeClr val="accent1"/>
+            </a:effectRef>
+            <a:fontRef idx="minor">
+              <a:schemeClr val="lt1"/>
+            </a:fontRef>
+          </p:style>
+          <p:txBody>
+            <a:bodyPr rtlCol="0" anchor="t" anchorCtr="0"/>
+            <a:lstStyle/>
+            <a:p>
+              <a:pPr algn="ctr"/>
+              <a:r>
+                <a:rPr lang="en-US" dirty="0">
+                  <a:solidFill>
+                    <a:schemeClr val="tx1"/>
+                  </a:solidFill>
+                </a:rPr>
+                <a:t>pod</a:t>
+              </a:r>
+            </a:p>
+          </p:txBody>
+        </p:sp>
+        <p:sp>
+          <p:nvSpPr>
+            <p:cNvPr id="22" name="Rectangle: Rounded Corners 21">
+              <a:extLst>
+                <a:ext uri="{FF2B5EF4-FFF2-40B4-BE49-F238E27FC236}">
+                  <a16:creationId xmlns:a16="http://schemas.microsoft.com/office/drawing/2014/main" id="{82D5BDB7-DF51-4B11-B5A9-E02BE9119A96}"/>
+                </a:ext>
+              </a:extLst>
+            </p:cNvPr>
+            <p:cNvSpPr/>
+            <p:nvPr/>
+          </p:nvSpPr>
+          <p:spPr>
+            <a:xfrm>
+              <a:off x="7894795" y="5121312"/>
+              <a:ext cx="939114" cy="247135"/>
+            </a:xfrm>
+            <a:prstGeom prst="roundRect">
+              <a:avLst/>
+            </a:prstGeom>
+            <a:solidFill>
+              <a:schemeClr val="accent5">
+                <a:lumMod val="75000"/>
+              </a:schemeClr>
+            </a:solidFill>
+          </p:spPr>
+          <p:style>
+            <a:lnRef idx="2">
+              <a:schemeClr val="accent1">
+                <a:shade val="50000"/>
+              </a:schemeClr>
+            </a:lnRef>
+            <a:fillRef idx="1">
+              <a:schemeClr val="accent1"/>
+            </a:fillRef>
+            <a:effectRef idx="0">
+              <a:schemeClr val="accent1"/>
+            </a:effectRef>
+            <a:fontRef idx="minor">
+              <a:schemeClr val="lt1"/>
+            </a:fontRef>
+          </p:style>
+          <p:txBody>
+            <a:bodyPr rtlCol="0" anchor="ctr"/>
+            <a:lstStyle/>
+            <a:p>
+              <a:pPr algn="ctr"/>
+              <a:r>
+                <a:rPr lang="en-US" dirty="0"/>
+                <a:t>app-a</a:t>
+              </a:r>
+            </a:p>
+          </p:txBody>
+        </p:sp>
+      </p:grpSp>
+      <p:sp>
+        <p:nvSpPr>
+          <p:cNvPr id="14" name="Callout: Line with Border and Accent Bar 13">
+            <a:extLst>
+              <a:ext uri="{FF2B5EF4-FFF2-40B4-BE49-F238E27FC236}">
+                <a16:creationId xmlns:a16="http://schemas.microsoft.com/office/drawing/2014/main" id="{4F30EE33-1155-4D17-A698-9C3B5D903BAC}"/>
+              </a:ext>
+            </a:extLst>
+          </p:cNvPr>
+          <p:cNvSpPr/>
+          <p:nvPr/>
+        </p:nvSpPr>
+        <p:spPr>
+          <a:xfrm>
+            <a:off x="8833909" y="6079986"/>
+            <a:ext cx="1599834" cy="612648"/>
+          </a:xfrm>
+          <a:prstGeom prst="accentBorderCallout1">
+            <a:avLst>
+              <a:gd name="adj1" fmla="val 63333"/>
+              <a:gd name="adj2" fmla="val -4629"/>
+              <a:gd name="adj3" fmla="val -121719"/>
+              <a:gd name="adj4" fmla="val -46494"/>
+            </a:avLst>
+          </a:prstGeom>
+          <a:noFill/>
+        </p:spPr>
+        <p:style>
+          <a:lnRef idx="2">
+            <a:schemeClr val="accent1">
+              <a:shade val="50000"/>
+            </a:schemeClr>
+          </a:lnRef>
+          <a:fillRef idx="1">
+            <a:schemeClr val="accent1"/>
+          </a:fillRef>
+          <a:effectRef idx="0">
+            <a:schemeClr val="accent1"/>
+          </a:effectRef>
+          <a:fontRef idx="minor">
+            <a:schemeClr val="lt1"/>
+          </a:fontRef>
+        </p:style>
+        <p:txBody>
+          <a:bodyPr rtlCol="0" anchor="ctr"/>
+          <a:lstStyle/>
+          <a:p>
+            <a:pPr algn="ctr"/>
+            <a:r>
+              <a:rPr lang="en-US" dirty="0">
+                <a:solidFill>
+                  <a:schemeClr val="tx1"/>
+                </a:solidFill>
+              </a:rPr>
+              <a:t>Yes!</a:t>
+            </a:r>
+          </a:p>
+        </p:txBody>
+      </p:sp>
+      <p:sp>
+        <p:nvSpPr>
+          <p:cNvPr id="23" name="Rectangle: Rounded Corners 22">
+            <a:extLst>
+              <a:ext uri="{FF2B5EF4-FFF2-40B4-BE49-F238E27FC236}">
+                <a16:creationId xmlns:a16="http://schemas.microsoft.com/office/drawing/2014/main" id="{4EF08C78-67E9-4B93-907D-388BC1DF98F3}"/>
+              </a:ext>
+            </a:extLst>
+          </p:cNvPr>
+          <p:cNvSpPr/>
+          <p:nvPr/>
+        </p:nvSpPr>
+        <p:spPr>
+          <a:xfrm>
+            <a:off x="7393272" y="3512341"/>
+            <a:ext cx="1589902" cy="457522"/>
+          </a:xfrm>
+          <a:prstGeom prst="roundRect">
+            <a:avLst/>
+          </a:prstGeom>
+          <a:solidFill>
+            <a:schemeClr val="bg2"/>
+          </a:solidFill>
+        </p:spPr>
+        <p:style>
+          <a:lnRef idx="2">
+            <a:schemeClr val="accent1">
+              <a:shade val="50000"/>
+            </a:schemeClr>
+          </a:lnRef>
+          <a:fillRef idx="1">
+            <a:schemeClr val="accent1"/>
+          </a:fillRef>
+          <a:effectRef idx="0">
+            <a:schemeClr val="accent1"/>
+          </a:effectRef>
+          <a:fontRef idx="minor">
+            <a:schemeClr val="lt1"/>
+          </a:fontRef>
+        </p:style>
+        <p:txBody>
+          <a:bodyPr rtlCol="0" anchor="ctr"/>
+          <a:lstStyle/>
+          <a:p>
+            <a:pPr algn="ctr"/>
+            <a:r>
+              <a:rPr lang="en-US" b="1" dirty="0">
+                <a:solidFill>
+                  <a:schemeClr val="tx1"/>
+                </a:solidFill>
+              </a:rPr>
+              <a:t>service-a</a:t>
+            </a:r>
+          </a:p>
+        </p:txBody>
+      </p:sp>
+      <p:cxnSp>
+        <p:nvCxnSpPr>
+          <p:cNvPr id="8" name="Straight Arrow Connector 7">
+            <a:extLst>
+              <a:ext uri="{FF2B5EF4-FFF2-40B4-BE49-F238E27FC236}">
+                <a16:creationId xmlns:a16="http://schemas.microsoft.com/office/drawing/2014/main" id="{0C4A91BB-E944-4162-8EE0-FBEF360AE31E}"/>
+              </a:ext>
+            </a:extLst>
+          </p:cNvPr>
+          <p:cNvCxnSpPr>
+            <a:stCxn id="23" idx="2"/>
+            <a:endCxn id="22" idx="0"/>
+          </p:cNvCxnSpPr>
+          <p:nvPr/>
+        </p:nvCxnSpPr>
+        <p:spPr>
+          <a:xfrm>
+            <a:off x="8188223" y="3969863"/>
+            <a:ext cx="1595320" cy="1151449"/>
+          </a:xfrm>
+          <a:prstGeom prst="straightConnector1">
+            <a:avLst/>
+          </a:prstGeom>
+          <a:ln>
+            <a:tailEnd type="triangle"/>
+          </a:ln>
+        </p:spPr>
+        <p:style>
+          <a:lnRef idx="1">
+            <a:schemeClr val="accent1"/>
+          </a:lnRef>
+          <a:fillRef idx="0">
+            <a:schemeClr val="accent1"/>
+          </a:fillRef>
+          <a:effectRef idx="0">
+            <a:schemeClr val="accent1"/>
+          </a:effectRef>
+          <a:fontRef idx="minor">
+            <a:schemeClr val="tx1"/>
+          </a:fontRef>
+        </p:style>
+      </p:cxnSp>
+      <p:cxnSp>
+        <p:nvCxnSpPr>
+          <p:cNvPr id="10" name="Straight Arrow Connector 9">
+            <a:extLst>
+              <a:ext uri="{FF2B5EF4-FFF2-40B4-BE49-F238E27FC236}">
+                <a16:creationId xmlns:a16="http://schemas.microsoft.com/office/drawing/2014/main" id="{CEE4DCBC-583E-4DEA-B493-671CB9657214}"/>
+              </a:ext>
+            </a:extLst>
+          </p:cNvPr>
+          <p:cNvCxnSpPr>
+            <a:cxnSpLocks/>
+            <a:stCxn id="23" idx="2"/>
+          </p:cNvCxnSpPr>
+          <p:nvPr/>
+        </p:nvCxnSpPr>
+        <p:spPr>
+          <a:xfrm flipH="1">
+            <a:off x="7053943" y="3969863"/>
+            <a:ext cx="1134280" cy="1144543"/>
+          </a:xfrm>
+          <a:prstGeom prst="straightConnector1">
+            <a:avLst/>
+          </a:prstGeom>
+          <a:ln>
+            <a:tailEnd type="triangle"/>
+          </a:ln>
+        </p:spPr>
+        <p:style>
+          <a:lnRef idx="1">
+            <a:schemeClr val="accent1"/>
+          </a:lnRef>
+          <a:fillRef idx="0">
+            <a:schemeClr val="accent1"/>
+          </a:fillRef>
+          <a:effectRef idx="0">
+            <a:schemeClr val="accent1"/>
+          </a:effectRef>
+          <a:fontRef idx="minor">
+            <a:schemeClr val="tx1"/>
+          </a:fontRef>
+        </p:style>
+      </p:cxnSp>
+      <p:cxnSp>
+        <p:nvCxnSpPr>
+          <p:cNvPr id="24" name="Straight Arrow Connector 23">
+            <a:extLst>
+              <a:ext uri="{FF2B5EF4-FFF2-40B4-BE49-F238E27FC236}">
+                <a16:creationId xmlns:a16="http://schemas.microsoft.com/office/drawing/2014/main" id="{B750B6D7-E537-420B-9C4E-DA7FBB380493}"/>
+              </a:ext>
+            </a:extLst>
+          </p:cNvPr>
+          <p:cNvCxnSpPr>
+            <a:cxnSpLocks/>
+            <a:stCxn id="23" idx="2"/>
+            <a:endCxn id="19" idx="0"/>
+          </p:cNvCxnSpPr>
+          <p:nvPr/>
+        </p:nvCxnSpPr>
+        <p:spPr>
+          <a:xfrm>
+            <a:off x="8188223" y="3969863"/>
+            <a:ext cx="176129" cy="1151449"/>
+          </a:xfrm>
+          <a:prstGeom prst="straightConnector1">
+            <a:avLst/>
+          </a:prstGeom>
+          <a:ln w="6350">
+            <a:tailEnd type="triangle"/>
+          </a:ln>
+        </p:spPr>
+        <p:style>
+          <a:lnRef idx="1">
+            <a:schemeClr val="accent1"/>
+          </a:lnRef>
+          <a:fillRef idx="0">
+            <a:schemeClr val="accent1"/>
+          </a:fillRef>
+          <a:effectRef idx="0">
+            <a:schemeClr val="accent1"/>
+          </a:effectRef>
+          <a:fontRef idx="minor">
+            <a:schemeClr val="tx1"/>
+          </a:fontRef>
+        </p:style>
+      </p:cxnSp>
+    </p:spTree>
+    <p:extLst>
+      <p:ext uri="{BB962C8B-B14F-4D97-AF65-F5344CB8AC3E}">
+        <p14:creationId xmlns:p14="http://schemas.microsoft.com/office/powerpoint/2010/main" val="2944236279"/>
+      </p:ext>
+    </p:extLst>
+  </p:cSld>
+  <p:clrMapOvr>
+    <a:masterClrMapping/>
+  </p:clrMapOvr>
+  <p:timing>
+    <p:tnLst>
+      <p:par>
+        <p:cTn id="1" dur="indefinite" restart="never" nodeType="tmRoot">
+          <p:childTnLst>
+            <p:seq concurrent="1" nextAc="seek">
+              <p:cTn id="2" dur="indefinite" nodeType="mainSeq">
+                <p:childTnLst>
+                  <p:par>
+                    <p:cTn id="3" fill="hold">
+                      <p:stCondLst>
+                        <p:cond delay="indefinite"/>
+                      </p:stCondLst>
+                      <p:childTnLst>
+                        <p:par>
+                          <p:cTn id="4" fill="hold">
+                            <p:stCondLst>
+                              <p:cond delay="0"/>
+                            </p:stCondLst>
+                            <p:childTnLst>
+                              <p:par>
+                                <p:cTn id="5" presetID="1" presetClass="entr" presetSubtype="0" fill="hold" grpId="0" nodeType="clickEffect">
+                                  <p:stCondLst>
+                                    <p:cond delay="0"/>
+                                  </p:stCondLst>
+                                  <p:childTnLst>
+                                    <p:set>
+                                      <p:cBhvr>
+                                        <p:cTn id="6" dur="1" fill="hold">
+                                          <p:stCondLst>
+                                            <p:cond delay="0"/>
+                                          </p:stCondLst>
+                                        </p:cTn>
+                                        <p:tgtEl>
+                                          <p:spTgt spid="12"/>
+                                        </p:tgtEl>
+                                        <p:attrNameLst>
+                                          <p:attrName>style.visibility</p:attrName>
+                                        </p:attrNameLst>
+                                      </p:cBhvr>
+                                      <p:to>
+                                        <p:strVal val="visible"/>
+                                      </p:to>
+                                    </p:set>
+                                  </p:childTnLst>
+                                </p:cTn>
+                              </p:par>
+                            </p:childTnLst>
+                          </p:cTn>
+                        </p:par>
+                      </p:childTnLst>
+                    </p:cTn>
+                  </p:par>
+                  <p:par>
+                    <p:cTn id="7" fill="hold">
+                      <p:stCondLst>
+                        <p:cond delay="indefinite"/>
+                      </p:stCondLst>
+                      <p:childTnLst>
+                        <p:par>
+                          <p:cTn id="8" fill="hold">
+                            <p:stCondLst>
+                              <p:cond delay="0"/>
+                            </p:stCondLst>
+                            <p:childTnLst>
+                              <p:par>
+                                <p:cTn id="9" presetID="1" presetClass="entr" presetSubtype="0" fill="hold" grpId="0" nodeType="clickEffect">
+                                  <p:stCondLst>
+                                    <p:cond delay="0"/>
+                                  </p:stCondLst>
+                                  <p:childTnLst>
+                                    <p:set>
+                                      <p:cBhvr>
+                                        <p:cTn id="10" dur="1" fill="hold">
+                                          <p:stCondLst>
+                                            <p:cond delay="0"/>
+                                          </p:stCondLst>
+                                        </p:cTn>
+                                        <p:tgtEl>
+                                          <p:spTgt spid="14"/>
+                                        </p:tgtEl>
+                                        <p:attrNameLst>
+                                          <p:attrName>style.visibility</p:attrName>
+                                        </p:attrNameLst>
+                                      </p:cBhvr>
+                                      <p:to>
+                                        <p:strVal val="visible"/>
+                                      </p:to>
+                                    </p:set>
+                                  </p:childTnLst>
+                                </p:cTn>
+                              </p:par>
+                            </p:childTnLst>
+                          </p:cTn>
+                        </p:par>
+                      </p:childTnLst>
+                    </p:cTn>
+                  </p:par>
+                  <p:par>
+                    <p:cTn id="11" fill="hold">
+                      <p:stCondLst>
+                        <p:cond delay="indefinite"/>
+                      </p:stCondLst>
+                      <p:childTnLst>
+                        <p:par>
+                          <p:cTn id="12" fill="hold">
+                            <p:stCondLst>
+                              <p:cond delay="0"/>
+                            </p:stCondLst>
+                            <p:childTnLst>
+                              <p:par>
+                                <p:cTn id="13" presetID="1" presetClass="entr" presetSubtype="0" fill="hold" nodeType="clickEffect">
+                                  <p:stCondLst>
+                                    <p:cond delay="0"/>
+                                  </p:stCondLst>
+                                  <p:childTnLst>
+                                    <p:set>
+                                      <p:cBhvr>
+                                        <p:cTn id="14" dur="1" fill="hold">
+                                          <p:stCondLst>
+                                            <p:cond delay="0"/>
+                                          </p:stCondLst>
+                                        </p:cTn>
+                                        <p:tgtEl>
+                                          <p:spTgt spid="24"/>
+                                        </p:tgtEl>
+                                        <p:attrNameLst>
+                                          <p:attrName>style.visibility</p:attrName>
+                                        </p:attrNameLst>
+                                      </p:cBhvr>
+                                      <p:to>
+                                        <p:strVal val="visible"/>
+                                      </p:to>
+                                    </p:set>
+                                  </p:childTnLst>
+                                </p:cTn>
+                              </p:par>
+                            </p:childTnLst>
+                          </p:cTn>
+                        </p:par>
+                      </p:childTnLst>
+                    </p:cTn>
+                  </p:par>
+                </p:childTnLst>
+              </p:cTn>
+              <p:prevCondLst>
+                <p:cond evt="onPrev" delay="0">
+                  <p:tgtEl>
+                    <p:sldTgt/>
+                  </p:tgtEl>
+                </p:cond>
+              </p:prevCondLst>
+              <p:nextCondLst>
+                <p:cond evt="onNext" delay="0">
+                  <p:tgtEl>
+                    <p:sldTgt/>
+                  </p:tgtEl>
+                </p:cond>
+              </p:nextCondLst>
+            </p:seq>
+          </p:childTnLst>
+        </p:cTn>
+      </p:par>
+    </p:tnLst>
+    <p:bldLst>
+      <p:bldP spid="12" grpId="0" animBg="1"/>
+      <p:bldP spid="14" grpId="0" animBg="1"/>
+    </p:bldLst>
+  </p:timing>
+</p:sld>
+</file>
+
+<file path=ppt/slides/slide3.xml><?xml version="1.0" encoding="utf-8"?>
+<p:sld xmlns:a="http://schemas.openxmlformats.org/drawingml/2006/main" xmlns:r="http://schemas.openxmlformats.org/officeDocument/2006/relationships" xmlns:p="http://schemas.openxmlformats.org/presentationml/2006/main">
+  <p:cSld>
+    <p:spTree>
+      <p:nvGrpSpPr>
+        <p:cNvPr id="1" name="Shape 67"/>
+        <p:cNvGrpSpPr/>
+        <p:nvPr/>
+      </p:nvGrpSpPr>
+      <p:grpSpPr>
+        <a:xfrm>
+          <a:off x="0" y="0"/>
+          <a:ext cx="0" cy="0"/>
+          <a:chOff x="0" y="0"/>
+          <a:chExt cx="0" cy="0"/>
+        </a:xfrm>
+      </p:grpSpPr>
+      <p:sp>
+        <p:nvSpPr>
+          <p:cNvPr id="68" name="Google Shape;68;p15"/>
+          <p:cNvSpPr txBox="1">
+            <a:spLocks noGrp="1"/>
+          </p:cNvSpPr>
+          <p:nvPr>
+            <p:ph type="title"/>
+          </p:nvPr>
+        </p:nvSpPr>
+        <p:spPr>
+          <a:xfrm>
+            <a:off x="415600" y="593367"/>
+            <a:ext cx="11360800" cy="763600"/>
+          </a:xfrm>
+          <a:prstGeom prst="rect">
+            <a:avLst/>
+          </a:prstGeom>
+        </p:spPr>
+        <p:txBody>
+          <a:bodyPr spcFirstLastPara="1" vert="horz" wrap="square" lIns="121900" tIns="121900" rIns="121900" bIns="121900" rtlCol="0" anchor="t" anchorCtr="0">
+            <a:noAutofit/>
+          </a:bodyPr>
+          <a:lstStyle/>
+          <a:p>
+            <a:r>
+              <a:rPr lang="nb-NO" dirty="0"/>
+              <a:t>Practical information</a:t>
+            </a:r>
+            <a:endParaRPr dirty="0"/>
+          </a:p>
+        </p:txBody>
+      </p:sp>
+      <p:sp>
+        <p:nvSpPr>
+          <p:cNvPr id="69" name="Google Shape;69;p15"/>
+          <p:cNvSpPr txBox="1">
+            <a:spLocks noGrp="1"/>
+          </p:cNvSpPr>
+          <p:nvPr>
+            <p:ph type="body" idx="1"/>
+          </p:nvPr>
+        </p:nvSpPr>
+        <p:spPr>
+          <a:xfrm>
+            <a:off x="415600" y="1536633"/>
+            <a:ext cx="11360800" cy="4555200"/>
+          </a:xfrm>
+          <a:prstGeom prst="rect">
+            <a:avLst/>
+          </a:prstGeom>
+        </p:spPr>
+        <p:txBody>
+          <a:bodyPr spcFirstLastPara="1" vert="horz" wrap="square" lIns="121900" tIns="121900" rIns="121900" bIns="121900" rtlCol="0" anchor="t" anchorCtr="0">
+            <a:noAutofit/>
+          </a:bodyPr>
+          <a:lstStyle/>
+          <a:p>
+            <a:pPr marL="380990" indent="-380990">
+              <a:spcAft>
+                <a:spcPts val="2133"/>
+              </a:spcAft>
+            </a:pPr>
+            <a:r>
+              <a:rPr lang="en-US" dirty="0"/>
+              <a:t>Mix of slides and labs with focus on labs</a:t>
+            </a:r>
+          </a:p>
+          <a:p>
+            <a:pPr marL="380990" indent="-380990">
+              <a:spcAft>
+                <a:spcPts val="2133"/>
+              </a:spcAft>
+            </a:pPr>
+            <a:r>
+              <a:rPr lang="en-US" dirty="0"/>
+              <a:t>I don’t have moderator</a:t>
+            </a:r>
+            <a:endParaRPr lang="en-US" dirty="0">
+              <a:sym typeface="Wingdings" panose="05000000000000000000" pitchFamily="2" charset="2"/>
+            </a:endParaRPr>
+          </a:p>
+          <a:p>
+            <a:pPr marL="380990" indent="-380990">
+              <a:spcAft>
+                <a:spcPts val="2133"/>
+              </a:spcAft>
+            </a:pPr>
+            <a:r>
+              <a:rPr lang="en-US" dirty="0">
+                <a:sym typeface="Wingdings" panose="05000000000000000000" pitchFamily="2" charset="2"/>
+              </a:rPr>
+              <a:t>Let’s help each other, the one who finished earlier can help others</a:t>
+            </a:r>
+          </a:p>
+          <a:p>
+            <a:pPr marL="380990" indent="-380990">
+              <a:spcAft>
+                <a:spcPts val="2133"/>
+              </a:spcAft>
+            </a:pPr>
+            <a:r>
+              <a:rPr lang="en-US" dirty="0">
+                <a:sym typeface="Wingdings" panose="05000000000000000000" pitchFamily="2" charset="2"/>
+              </a:rPr>
+              <a:t>Keep the same names as in labs -&gt; easier to troubleshot </a:t>
+            </a:r>
+            <a:endParaRPr lang="en-US" dirty="0"/>
+          </a:p>
+          <a:p>
+            <a:pPr marL="380990" indent="-380990">
+              <a:spcAft>
+                <a:spcPts val="2133"/>
+              </a:spcAft>
+            </a:pPr>
+            <a:r>
+              <a:rPr lang="en-US" dirty="0">
+                <a:sym typeface="Wingdings" panose="05000000000000000000" pitchFamily="2" charset="2"/>
+              </a:rPr>
+              <a:t>Share your screen if you stack with something</a:t>
+            </a:r>
+          </a:p>
+          <a:p>
+            <a:pPr marL="380990" indent="-380990">
+              <a:spcAft>
+                <a:spcPts val="2133"/>
+              </a:spcAft>
+            </a:pPr>
+            <a:r>
+              <a:rPr lang="en-US" dirty="0"/>
+              <a:t>Labs are available after the event</a:t>
+            </a:r>
+          </a:p>
+          <a:p>
+            <a:pPr marL="380990" indent="-380990">
+              <a:spcAft>
+                <a:spcPts val="2133"/>
+              </a:spcAft>
+            </a:pPr>
+            <a:endParaRPr lang="en-US" dirty="0"/>
+          </a:p>
+          <a:p>
+            <a:pPr marL="380990" indent="-380990">
+              <a:spcAft>
+                <a:spcPts val="2133"/>
+              </a:spcAft>
+            </a:pPr>
+            <a:endParaRPr lang="en-US" dirty="0"/>
+          </a:p>
+        </p:txBody>
+      </p:sp>
+      <p:pic>
+        <p:nvPicPr>
+          <p:cNvPr id="5" name="Google Shape;56;p13">
+            <a:extLst>
+              <a:ext uri="{FF2B5EF4-FFF2-40B4-BE49-F238E27FC236}">
+                <a16:creationId xmlns:a16="http://schemas.microsoft.com/office/drawing/2014/main" id="{EF827ABA-BEE0-4CCD-A3C3-21D4EF756FDB}"/>
+              </a:ext>
+            </a:extLst>
+          </p:cNvPr>
+          <p:cNvPicPr preferRelativeResize="0"/>
+          <p:nvPr/>
+        </p:nvPicPr>
+        <p:blipFill>
+          <a:blip r:embed="rId3">
+            <a:alphaModFix/>
+          </a:blip>
+          <a:stretch>
+            <a:fillRect/>
+          </a:stretch>
+        </p:blipFill>
+        <p:spPr>
+          <a:xfrm>
+            <a:off x="10989179" y="5736492"/>
+            <a:ext cx="1202821" cy="1121508"/>
+          </a:xfrm>
+          <a:prstGeom prst="rect">
+            <a:avLst/>
+          </a:prstGeom>
+          <a:noFill/>
+          <a:ln>
+            <a:noFill/>
+          </a:ln>
+        </p:spPr>
+      </p:pic>
+    </p:spTree>
+  </p:cSld>
+  <p:clrMapOvr>
+    <a:masterClrMapping/>
+  </p:clrMapOvr>
+</p:sld>
+</file>
+
+<file path=ppt/slides/slide30.xml><?xml version="1.0" encoding="utf-8"?>
+<p:sld xmlns:a="http://schemas.openxmlformats.org/drawingml/2006/main" xmlns:r="http://schemas.openxmlformats.org/officeDocument/2006/relationships" xmlns:p="http://schemas.openxmlformats.org/presentationml/2006/main">
+  <p:cSld>
     <p:bg>
       <p:bgPr>
         <a:solidFill>
@@ -23757,7 +29163,7 @@
 </p:sld>
 </file>
 
-<file path=ppt/slides/slide26.xml><?xml version="1.0" encoding="utf-8"?>
+<file path=ppt/slides/slide31.xml><?xml version="1.0" encoding="utf-8"?>
 <p:sld xmlns:a="http://schemas.openxmlformats.org/drawingml/2006/main" xmlns:r="http://schemas.openxmlformats.org/officeDocument/2006/relationships" xmlns:p="http://schemas.openxmlformats.org/presentationml/2006/main">
   <p:cSld>
     <p:bg>
@@ -24936,7 +30342,7 @@
 </p:sld>
 </file>
 
-<file path=ppt/slides/slide27.xml><?xml version="1.0" encoding="utf-8"?>
+<file path=ppt/slides/slide32.xml><?xml version="1.0" encoding="utf-8"?>
 <p:sld xmlns:a="http://schemas.openxmlformats.org/drawingml/2006/main" xmlns:r="http://schemas.openxmlformats.org/officeDocument/2006/relationships" xmlns:p="http://schemas.openxmlformats.org/presentationml/2006/main">
   <p:cSld>
     <p:bg>
@@ -26115,7 +31521,7 @@
 </p:sld>
 </file>
 
-<file path=ppt/slides/slide28.xml><?xml version="1.0" encoding="utf-8"?>
+<file path=ppt/slides/slide33.xml><?xml version="1.0" encoding="utf-8"?>
 <p:sld xmlns:a="http://schemas.openxmlformats.org/drawingml/2006/main" xmlns:r="http://schemas.openxmlformats.org/officeDocument/2006/relationships" xmlns:p="http://schemas.openxmlformats.org/presentationml/2006/main">
   <p:cSld>
     <p:bg>
@@ -27294,7 +32700,7 @@
 </p:sld>
 </file>
 
-<file path=ppt/slides/slide29.xml><?xml version="1.0" encoding="utf-8"?>
+<file path=ppt/slides/slide34.xml><?xml version="1.0" encoding="utf-8"?>
 <p:sld xmlns:a="http://schemas.openxmlformats.org/drawingml/2006/main" xmlns:r="http://schemas.openxmlformats.org/officeDocument/2006/relationships" xmlns:p="http://schemas.openxmlformats.org/presentationml/2006/main">
   <p:cSld>
     <p:bg>
@@ -28473,256 +33879,7 @@
 </p:sld>
 </file>
 
-<file path=ppt/slides/slide3.xml><?xml version="1.0" encoding="utf-8"?>
-<p:sld xmlns:a="http://schemas.openxmlformats.org/drawingml/2006/main" xmlns:r="http://schemas.openxmlformats.org/officeDocument/2006/relationships" xmlns:p="http://schemas.openxmlformats.org/presentationml/2006/main">
-  <p:cSld>
-    <p:spTree>
-      <p:nvGrpSpPr>
-        <p:cNvPr id="1" name=""/>
-        <p:cNvGrpSpPr/>
-        <p:nvPr/>
-      </p:nvGrpSpPr>
-      <p:grpSpPr>
-        <a:xfrm>
-          <a:off x="0" y="0"/>
-          <a:ext cx="0" cy="0"/>
-          <a:chOff x="0" y="0"/>
-          <a:chExt cx="0" cy="0"/>
-        </a:xfrm>
-      </p:grpSpPr>
-      <p:sp>
-        <p:nvSpPr>
-          <p:cNvPr id="2" name="Title 1">
-            <a:extLst>
-              <a:ext uri="{FF2B5EF4-FFF2-40B4-BE49-F238E27FC236}">
-                <a16:creationId xmlns:a16="http://schemas.microsoft.com/office/drawing/2014/main" id="{FE945236-91F1-45E7-A9D1-02CAD7660C81}"/>
-              </a:ext>
-            </a:extLst>
-          </p:cNvPr>
-          <p:cNvSpPr>
-            <a:spLocks noGrp="1"/>
-          </p:cNvSpPr>
-          <p:nvPr>
-            <p:ph type="title"/>
-          </p:nvPr>
-        </p:nvSpPr>
-        <p:spPr/>
-        <p:txBody>
-          <a:bodyPr/>
-          <a:lstStyle/>
-          <a:p>
-            <a:r>
-              <a:rPr lang="en-US" dirty="0"/>
-              <a:t>Infrastructure as Code User Group 2021 roadmap</a:t>
-            </a:r>
-          </a:p>
-        </p:txBody>
-      </p:sp>
-      <p:sp>
-        <p:nvSpPr>
-          <p:cNvPr id="3" name="Text Placeholder 2">
-            <a:extLst>
-              <a:ext uri="{FF2B5EF4-FFF2-40B4-BE49-F238E27FC236}">
-                <a16:creationId xmlns:a16="http://schemas.microsoft.com/office/drawing/2014/main" id="{4B6017F3-C631-4BCA-8424-F9041D0AF229}"/>
-              </a:ext>
-            </a:extLst>
-          </p:cNvPr>
-          <p:cNvSpPr>
-            <a:spLocks noGrp="1"/>
-          </p:cNvSpPr>
-          <p:nvPr>
-            <p:ph type="body" idx="1"/>
-          </p:nvPr>
-        </p:nvSpPr>
-        <p:spPr/>
-        <p:txBody>
-          <a:bodyPr/>
-          <a:lstStyle/>
-          <a:p>
-            <a:pPr marL="152396" indent="0">
-              <a:buNone/>
-            </a:pPr>
-            <a:r>
-              <a:rPr lang="en-US" dirty="0"/>
-              <a:t>AKS workshops:</a:t>
-            </a:r>
-          </a:p>
-          <a:p>
-            <a:r>
-              <a:rPr lang="en-US" dirty="0"/>
-              <a:t>AKS and Kubernetes 101</a:t>
-            </a:r>
-          </a:p>
-          <a:p>
-            <a:r>
-              <a:rPr lang="en-US" dirty="0"/>
-              <a:t>Advanced AKS con</a:t>
-            </a:r>
-          </a:p>
-          <a:p>
-            <a:r>
-              <a:rPr lang="en-US" dirty="0"/>
-              <a:t>Use </a:t>
-            </a:r>
-            <a:r>
-              <a:rPr lang="en-US" dirty="0" err="1"/>
-              <a:t>Pulumi</a:t>
-            </a:r>
-            <a:r>
-              <a:rPr lang="en-US" dirty="0"/>
-              <a:t> to provision and configuring AKS </a:t>
-            </a:r>
-            <a:r>
-              <a:rPr lang="en-US" dirty="0" err="1"/>
-              <a:t>clusterfiguration</a:t>
-            </a:r>
-            <a:endParaRPr lang="en-US" dirty="0"/>
-          </a:p>
-          <a:p>
-            <a:r>
-              <a:rPr lang="en-US" dirty="0"/>
-              <a:t>Service mesh with </a:t>
-            </a:r>
-            <a:r>
-              <a:rPr lang="en-US" dirty="0" err="1"/>
-              <a:t>linkerd</a:t>
-            </a:r>
-            <a:endParaRPr lang="en-US" dirty="0"/>
-          </a:p>
-          <a:p>
-            <a:r>
-              <a:rPr lang="en-US" dirty="0"/>
-              <a:t>AKS application deployment strategy</a:t>
-            </a:r>
-          </a:p>
-          <a:p>
-            <a:r>
-              <a:rPr lang="en-US" dirty="0"/>
-              <a:t>AKS security</a:t>
-            </a:r>
-          </a:p>
-          <a:p>
-            <a:pPr marL="152396" indent="0">
-              <a:buNone/>
-            </a:pPr>
-            <a:endParaRPr lang="en-US" dirty="0"/>
-          </a:p>
-          <a:p>
-            <a:pPr marL="152396" indent="0">
-              <a:buNone/>
-            </a:pPr>
-            <a:r>
-              <a:rPr lang="en-US" dirty="0"/>
-              <a:t>+ “regular” events (work in progress)</a:t>
-            </a:r>
-          </a:p>
-          <a:p>
-            <a:pPr marL="152396" indent="0">
-              <a:buNone/>
-            </a:pPr>
-            <a:endParaRPr lang="en-US" dirty="0"/>
-          </a:p>
-          <a:p>
-            <a:r>
-              <a:rPr lang="en-US" dirty="0"/>
-              <a:t>If you have good AKS / Kubernetes story – welcome to share! </a:t>
-            </a:r>
-          </a:p>
-          <a:p>
-            <a:endParaRPr lang="en-US" dirty="0"/>
-          </a:p>
-          <a:p>
-            <a:endParaRPr lang="en-US" dirty="0"/>
-          </a:p>
-        </p:txBody>
-      </p:sp>
-      <p:pic>
-        <p:nvPicPr>
-          <p:cNvPr id="4" name="Google Shape;56;p13">
-            <a:extLst>
-              <a:ext uri="{FF2B5EF4-FFF2-40B4-BE49-F238E27FC236}">
-                <a16:creationId xmlns:a16="http://schemas.microsoft.com/office/drawing/2014/main" id="{DC728A7C-EC78-437E-8CC7-5217F4BA2FAA}"/>
-              </a:ext>
-            </a:extLst>
-          </p:cNvPr>
-          <p:cNvPicPr preferRelativeResize="0"/>
-          <p:nvPr/>
-        </p:nvPicPr>
-        <p:blipFill>
-          <a:blip r:embed="rId2">
-            <a:alphaModFix/>
-          </a:blip>
-          <a:stretch>
-            <a:fillRect/>
-          </a:stretch>
-        </p:blipFill>
-        <p:spPr>
-          <a:xfrm>
-            <a:off x="10989179" y="5736492"/>
-            <a:ext cx="1202821" cy="1121508"/>
-          </a:xfrm>
-          <a:prstGeom prst="rect">
-            <a:avLst/>
-          </a:prstGeom>
-          <a:noFill/>
-          <a:ln>
-            <a:noFill/>
-          </a:ln>
-        </p:spPr>
-      </p:pic>
-      <p:pic>
-        <p:nvPicPr>
-          <p:cNvPr id="5" name="Graphic 4">
-            <a:extLst>
-              <a:ext uri="{FF2B5EF4-FFF2-40B4-BE49-F238E27FC236}">
-                <a16:creationId xmlns:a16="http://schemas.microsoft.com/office/drawing/2014/main" id="{0BECB7BE-A1DA-4603-B4F5-F0023373D912}"/>
-              </a:ext>
-            </a:extLst>
-          </p:cNvPr>
-          <p:cNvPicPr>
-            <a:picLocks noChangeAspect="1"/>
-          </p:cNvPicPr>
-          <p:nvPr/>
-        </p:nvPicPr>
-        <p:blipFill>
-          <a:blip r:embed="rId3">
-            <a:extLst>
-              <a:ext uri="{28A0092B-C50C-407E-A947-70E740481C1C}">
-                <a14:useLocalDpi xmlns:a14="http://schemas.microsoft.com/office/drawing/2010/main" val="0"/>
-              </a:ext>
-              <a:ext uri="{96DAC541-7B7A-43D3-8B79-37D633B846F1}">
-                <asvg:svgBlip xmlns:asvg="http://schemas.microsoft.com/office/drawing/2016/SVG/main" r:embed="rId4"/>
-              </a:ext>
-            </a:extLst>
-          </a:blip>
-          <a:stretch>
-            <a:fillRect/>
-          </a:stretch>
-        </p:blipFill>
-        <p:spPr>
-          <a:xfrm>
-            <a:off x="343599" y="6114702"/>
-            <a:ext cx="1718444" cy="574556"/>
-          </a:xfrm>
-          <a:prstGeom prst="rect">
-            <a:avLst/>
-          </a:prstGeom>
-        </p:spPr>
-      </p:pic>
-    </p:spTree>
-    <p:extLst>
-      <p:ext uri="{BB962C8B-B14F-4D97-AF65-F5344CB8AC3E}">
-        <p14:creationId xmlns:p14="http://schemas.microsoft.com/office/powerpoint/2010/main" val="3028258063"/>
-      </p:ext>
-    </p:extLst>
-  </p:cSld>
-  <p:clrMapOvr>
-    <a:masterClrMapping/>
-  </p:clrMapOvr>
-</p:sld>
-</file>
-
-<file path=ppt/slides/slide30.xml><?xml version="1.0" encoding="utf-8"?>
+<file path=ppt/slides/slide35.xml><?xml version="1.0" encoding="utf-8"?>
 <p:sld xmlns:a="http://schemas.openxmlformats.org/drawingml/2006/main" xmlns:r="http://schemas.openxmlformats.org/officeDocument/2006/relationships" xmlns:p="http://schemas.openxmlformats.org/presentationml/2006/main">
   <p:cSld>
     <p:bg>
@@ -29901,7 +35058,2712 @@
 </p:sld>
 </file>
 
-<file path=ppt/slides/slide31.xml><?xml version="1.0" encoding="utf-8"?>
+<file path=ppt/slides/slide36.xml><?xml version="1.0" encoding="utf-8"?>
+<p:sld xmlns:a="http://schemas.openxmlformats.org/drawingml/2006/main" xmlns:r="http://schemas.openxmlformats.org/officeDocument/2006/relationships" xmlns:p="http://schemas.openxmlformats.org/presentationml/2006/main">
+  <p:cSld>
+    <p:spTree>
+      <p:nvGrpSpPr>
+        <p:cNvPr id="1" name=""/>
+        <p:cNvGrpSpPr/>
+        <p:nvPr/>
+      </p:nvGrpSpPr>
+      <p:grpSpPr>
+        <a:xfrm>
+          <a:off x="0" y="0"/>
+          <a:ext cx="0" cy="0"/>
+          <a:chOff x="0" y="0"/>
+          <a:chExt cx="0" cy="0"/>
+        </a:xfrm>
+      </p:grpSpPr>
+      <p:sp>
+        <p:nvSpPr>
+          <p:cNvPr id="2" name="Title 1">
+            <a:extLst>
+              <a:ext uri="{FF2B5EF4-FFF2-40B4-BE49-F238E27FC236}">
+                <a16:creationId xmlns:a16="http://schemas.microsoft.com/office/drawing/2014/main" id="{AF708F16-5DBC-4B6A-8DFC-6213EECAA9C2}"/>
+              </a:ext>
+            </a:extLst>
+          </p:cNvPr>
+          <p:cNvSpPr>
+            <a:spLocks noGrp="1"/>
+          </p:cNvSpPr>
+          <p:nvPr>
+            <p:ph type="title"/>
+          </p:nvPr>
+        </p:nvSpPr>
+        <p:spPr/>
+        <p:txBody>
+          <a:bodyPr/>
+          <a:lstStyle/>
+          <a:p>
+            <a:r>
+              <a:rPr lang="en-US" dirty="0"/>
+              <a:t>Services</a:t>
+            </a:r>
+          </a:p>
+        </p:txBody>
+      </p:sp>
+      <p:sp>
+        <p:nvSpPr>
+          <p:cNvPr id="3" name="Text Placeholder 2">
+            <a:extLst>
+              <a:ext uri="{FF2B5EF4-FFF2-40B4-BE49-F238E27FC236}">
+                <a16:creationId xmlns:a16="http://schemas.microsoft.com/office/drawing/2014/main" id="{EC7572EA-1EAB-40E7-BB72-53988D9C2321}"/>
+              </a:ext>
+            </a:extLst>
+          </p:cNvPr>
+          <p:cNvSpPr>
+            <a:spLocks noGrp="1"/>
+          </p:cNvSpPr>
+          <p:nvPr>
+            <p:ph type="body" idx="1"/>
+          </p:nvPr>
+        </p:nvSpPr>
+        <p:spPr>
+          <a:xfrm>
+            <a:off x="415599" y="1536633"/>
+            <a:ext cx="11125611" cy="1657829"/>
+          </a:xfrm>
+        </p:spPr>
+        <p:txBody>
+          <a:bodyPr/>
+          <a:lstStyle/>
+          <a:p>
+            <a:r>
+              <a:rPr lang="en-US" dirty="0"/>
+              <a:t>Persistent Endpoint for Pods</a:t>
+            </a:r>
+          </a:p>
+          <a:p>
+            <a:endParaRPr lang="en-US" dirty="0"/>
+          </a:p>
+          <a:p>
+            <a:r>
+              <a:rPr lang="en-US" dirty="0"/>
+              <a:t>Use Labels </a:t>
+            </a:r>
+            <a:r>
+              <a:rPr lang="en-US"/>
+              <a:t>and Selectors to </a:t>
+            </a:r>
+            <a:r>
+              <a:rPr lang="en-US" dirty="0"/>
+              <a:t>select Pods</a:t>
+            </a:r>
+          </a:p>
+          <a:p>
+            <a:endParaRPr lang="en-US" dirty="0"/>
+          </a:p>
+        </p:txBody>
+      </p:sp>
+      <p:pic>
+        <p:nvPicPr>
+          <p:cNvPr id="4" name="Google Shape;56;p13">
+            <a:extLst>
+              <a:ext uri="{FF2B5EF4-FFF2-40B4-BE49-F238E27FC236}">
+                <a16:creationId xmlns:a16="http://schemas.microsoft.com/office/drawing/2014/main" id="{5DC2FED0-7C5F-460C-998D-2520FD324176}"/>
+              </a:ext>
+            </a:extLst>
+          </p:cNvPr>
+          <p:cNvPicPr preferRelativeResize="0"/>
+          <p:nvPr/>
+        </p:nvPicPr>
+        <p:blipFill>
+          <a:blip r:embed="rId3">
+            <a:alphaModFix/>
+          </a:blip>
+          <a:stretch>
+            <a:fillRect/>
+          </a:stretch>
+        </p:blipFill>
+        <p:spPr>
+          <a:xfrm>
+            <a:off x="10989179" y="5736492"/>
+            <a:ext cx="1202821" cy="1121508"/>
+          </a:xfrm>
+          <a:prstGeom prst="rect">
+            <a:avLst/>
+          </a:prstGeom>
+          <a:noFill/>
+          <a:ln>
+            <a:noFill/>
+          </a:ln>
+        </p:spPr>
+      </p:pic>
+      <p:pic>
+        <p:nvPicPr>
+          <p:cNvPr id="5" name="Picture 4">
+            <a:extLst>
+              <a:ext uri="{FF2B5EF4-FFF2-40B4-BE49-F238E27FC236}">
+                <a16:creationId xmlns:a16="http://schemas.microsoft.com/office/drawing/2014/main" id="{86A17813-B73F-471E-ABB2-08A18EC70133}"/>
+              </a:ext>
+            </a:extLst>
+          </p:cNvPr>
+          <p:cNvPicPr>
+            <a:picLocks noChangeAspect="1"/>
+          </p:cNvPicPr>
+          <p:nvPr/>
+        </p:nvPicPr>
+        <p:blipFill>
+          <a:blip r:embed="rId4"/>
+          <a:stretch>
+            <a:fillRect/>
+          </a:stretch>
+        </p:blipFill>
+        <p:spPr>
+          <a:xfrm>
+            <a:off x="10935891" y="593367"/>
+            <a:ext cx="840509" cy="775369"/>
+          </a:xfrm>
+          <a:prstGeom prst="rect">
+            <a:avLst/>
+          </a:prstGeom>
+        </p:spPr>
+      </p:pic>
+      <p:grpSp>
+        <p:nvGrpSpPr>
+          <p:cNvPr id="7" name="Group 6">
+            <a:extLst>
+              <a:ext uri="{FF2B5EF4-FFF2-40B4-BE49-F238E27FC236}">
+                <a16:creationId xmlns:a16="http://schemas.microsoft.com/office/drawing/2014/main" id="{1164EF3A-ED60-47A5-B430-569313137FD3}"/>
+              </a:ext>
+            </a:extLst>
+          </p:cNvPr>
+          <p:cNvGrpSpPr/>
+          <p:nvPr/>
+        </p:nvGrpSpPr>
+        <p:grpSpPr>
+          <a:xfrm>
+            <a:off x="2423086" y="4659963"/>
+            <a:ext cx="1260389" cy="774081"/>
+            <a:chOff x="3392331" y="4547286"/>
+            <a:chExt cx="1260389" cy="774081"/>
+          </a:xfrm>
+        </p:grpSpPr>
+        <p:sp>
+          <p:nvSpPr>
+            <p:cNvPr id="15" name="Rectangle: Rounded Corners 14">
+              <a:extLst>
+                <a:ext uri="{FF2B5EF4-FFF2-40B4-BE49-F238E27FC236}">
+                  <a16:creationId xmlns:a16="http://schemas.microsoft.com/office/drawing/2014/main" id="{32E941F0-186B-4E44-ABA2-C8931FB3E149}"/>
+                </a:ext>
+              </a:extLst>
+            </p:cNvPr>
+            <p:cNvSpPr/>
+            <p:nvPr/>
+          </p:nvSpPr>
+          <p:spPr>
+            <a:xfrm>
+              <a:off x="3392331" y="4547286"/>
+              <a:ext cx="1260389" cy="774081"/>
+            </a:xfrm>
+            <a:prstGeom prst="roundRect">
+              <a:avLst/>
+            </a:prstGeom>
+            <a:solidFill>
+              <a:schemeClr val="accent6">
+                <a:lumMod val="20000"/>
+                <a:lumOff val="80000"/>
+              </a:schemeClr>
+            </a:solidFill>
+          </p:spPr>
+          <p:style>
+            <a:lnRef idx="2">
+              <a:schemeClr val="accent1">
+                <a:shade val="50000"/>
+              </a:schemeClr>
+            </a:lnRef>
+            <a:fillRef idx="1">
+              <a:schemeClr val="accent1"/>
+            </a:fillRef>
+            <a:effectRef idx="0">
+              <a:schemeClr val="accent1"/>
+            </a:effectRef>
+            <a:fontRef idx="minor">
+              <a:schemeClr val="lt1"/>
+            </a:fontRef>
+          </p:style>
+          <p:txBody>
+            <a:bodyPr rtlCol="0" anchor="t" anchorCtr="0"/>
+            <a:lstStyle/>
+            <a:p>
+              <a:pPr algn="ctr"/>
+              <a:r>
+                <a:rPr lang="en-US" dirty="0">
+                  <a:solidFill>
+                    <a:schemeClr val="tx1"/>
+                  </a:solidFill>
+                </a:rPr>
+                <a:t>pod</a:t>
+              </a:r>
+            </a:p>
+          </p:txBody>
+        </p:sp>
+        <p:sp>
+          <p:nvSpPr>
+            <p:cNvPr id="16" name="Rectangle: Rounded Corners 15">
+              <a:extLst>
+                <a:ext uri="{FF2B5EF4-FFF2-40B4-BE49-F238E27FC236}">
+                  <a16:creationId xmlns:a16="http://schemas.microsoft.com/office/drawing/2014/main" id="{CB335A6C-4AA9-448C-95B8-87A623E1C9E6}"/>
+                </a:ext>
+              </a:extLst>
+            </p:cNvPr>
+            <p:cNvSpPr/>
+            <p:nvPr/>
+          </p:nvSpPr>
+          <p:spPr>
+            <a:xfrm>
+              <a:off x="3577682" y="4930346"/>
+              <a:ext cx="939114" cy="247135"/>
+            </a:xfrm>
+            <a:prstGeom prst="roundRect">
+              <a:avLst/>
+            </a:prstGeom>
+            <a:solidFill>
+              <a:schemeClr val="accent5">
+                <a:lumMod val="75000"/>
+              </a:schemeClr>
+            </a:solidFill>
+          </p:spPr>
+          <p:style>
+            <a:lnRef idx="2">
+              <a:schemeClr val="accent1">
+                <a:shade val="50000"/>
+              </a:schemeClr>
+            </a:lnRef>
+            <a:fillRef idx="1">
+              <a:schemeClr val="accent1"/>
+            </a:fillRef>
+            <a:effectRef idx="0">
+              <a:schemeClr val="accent1"/>
+            </a:effectRef>
+            <a:fontRef idx="minor">
+              <a:schemeClr val="lt1"/>
+            </a:fontRef>
+          </p:style>
+          <p:txBody>
+            <a:bodyPr rtlCol="0" anchor="ctr"/>
+            <a:lstStyle/>
+            <a:p>
+              <a:pPr algn="ctr"/>
+              <a:r>
+                <a:rPr lang="en-US" dirty="0"/>
+                <a:t>app-a</a:t>
+              </a:r>
+            </a:p>
+          </p:txBody>
+        </p:sp>
+      </p:grpSp>
+      <p:grpSp>
+        <p:nvGrpSpPr>
+          <p:cNvPr id="6" name="Group 5">
+            <a:extLst>
+              <a:ext uri="{FF2B5EF4-FFF2-40B4-BE49-F238E27FC236}">
+                <a16:creationId xmlns:a16="http://schemas.microsoft.com/office/drawing/2014/main" id="{5F5894B7-F650-4EF4-A53B-B41F937D1DB2}"/>
+              </a:ext>
+            </a:extLst>
+          </p:cNvPr>
+          <p:cNvGrpSpPr/>
+          <p:nvPr/>
+        </p:nvGrpSpPr>
+        <p:grpSpPr>
+          <a:xfrm>
+            <a:off x="5118746" y="4659964"/>
+            <a:ext cx="1260389" cy="774081"/>
+            <a:chOff x="4838071" y="4547285"/>
+            <a:chExt cx="1260389" cy="774081"/>
+          </a:xfrm>
+        </p:grpSpPr>
+        <p:sp>
+          <p:nvSpPr>
+            <p:cNvPr id="18" name="Rectangle: Rounded Corners 17">
+              <a:extLst>
+                <a:ext uri="{FF2B5EF4-FFF2-40B4-BE49-F238E27FC236}">
+                  <a16:creationId xmlns:a16="http://schemas.microsoft.com/office/drawing/2014/main" id="{FF1F4554-6966-4B0B-93C3-37CAE3E3B244}"/>
+                </a:ext>
+              </a:extLst>
+            </p:cNvPr>
+            <p:cNvSpPr/>
+            <p:nvPr/>
+          </p:nvSpPr>
+          <p:spPr>
+            <a:xfrm>
+              <a:off x="4838071" y="4547285"/>
+              <a:ext cx="1260389" cy="774081"/>
+            </a:xfrm>
+            <a:prstGeom prst="roundRect">
+              <a:avLst/>
+            </a:prstGeom>
+            <a:solidFill>
+              <a:schemeClr val="accent6">
+                <a:lumMod val="20000"/>
+                <a:lumOff val="80000"/>
+              </a:schemeClr>
+            </a:solidFill>
+          </p:spPr>
+          <p:style>
+            <a:lnRef idx="2">
+              <a:schemeClr val="accent1">
+                <a:shade val="50000"/>
+              </a:schemeClr>
+            </a:lnRef>
+            <a:fillRef idx="1">
+              <a:schemeClr val="accent1"/>
+            </a:fillRef>
+            <a:effectRef idx="0">
+              <a:schemeClr val="accent1"/>
+            </a:effectRef>
+            <a:fontRef idx="minor">
+              <a:schemeClr val="lt1"/>
+            </a:fontRef>
+          </p:style>
+          <p:txBody>
+            <a:bodyPr rtlCol="0" anchor="t" anchorCtr="0"/>
+            <a:lstStyle/>
+            <a:p>
+              <a:pPr algn="ctr"/>
+              <a:r>
+                <a:rPr lang="en-US" dirty="0">
+                  <a:solidFill>
+                    <a:schemeClr val="tx1"/>
+                  </a:solidFill>
+                </a:rPr>
+                <a:t>pod</a:t>
+              </a:r>
+            </a:p>
+          </p:txBody>
+        </p:sp>
+        <p:sp>
+          <p:nvSpPr>
+            <p:cNvPr id="19" name="Rectangle: Rounded Corners 18">
+              <a:extLst>
+                <a:ext uri="{FF2B5EF4-FFF2-40B4-BE49-F238E27FC236}">
+                  <a16:creationId xmlns:a16="http://schemas.microsoft.com/office/drawing/2014/main" id="{1536A280-A8E7-439E-8C13-6D3DB608B383}"/>
+                </a:ext>
+              </a:extLst>
+            </p:cNvPr>
+            <p:cNvSpPr/>
+            <p:nvPr/>
+          </p:nvSpPr>
+          <p:spPr>
+            <a:xfrm>
+              <a:off x="5010081" y="4934325"/>
+              <a:ext cx="939114" cy="247135"/>
+            </a:xfrm>
+            <a:prstGeom prst="roundRect">
+              <a:avLst/>
+            </a:prstGeom>
+            <a:solidFill>
+              <a:schemeClr val="accent5">
+                <a:lumMod val="75000"/>
+              </a:schemeClr>
+            </a:solidFill>
+          </p:spPr>
+          <p:style>
+            <a:lnRef idx="2">
+              <a:schemeClr val="accent1">
+                <a:shade val="50000"/>
+              </a:schemeClr>
+            </a:lnRef>
+            <a:fillRef idx="1">
+              <a:schemeClr val="accent1"/>
+            </a:fillRef>
+            <a:effectRef idx="0">
+              <a:schemeClr val="accent1"/>
+            </a:effectRef>
+            <a:fontRef idx="minor">
+              <a:schemeClr val="lt1"/>
+            </a:fontRef>
+          </p:style>
+          <p:txBody>
+            <a:bodyPr rtlCol="0" anchor="ctr"/>
+            <a:lstStyle/>
+            <a:p>
+              <a:pPr algn="ctr"/>
+              <a:r>
+                <a:rPr lang="en-US" dirty="0"/>
+                <a:t>app-a</a:t>
+              </a:r>
+            </a:p>
+          </p:txBody>
+        </p:sp>
+      </p:grpSp>
+      <p:grpSp>
+        <p:nvGrpSpPr>
+          <p:cNvPr id="20" name="Group 19">
+            <a:extLst>
+              <a:ext uri="{FF2B5EF4-FFF2-40B4-BE49-F238E27FC236}">
+                <a16:creationId xmlns:a16="http://schemas.microsoft.com/office/drawing/2014/main" id="{C49A44BD-28EB-45B6-8702-EA892451F5AF}"/>
+              </a:ext>
+            </a:extLst>
+          </p:cNvPr>
+          <p:cNvGrpSpPr/>
+          <p:nvPr/>
+        </p:nvGrpSpPr>
+        <p:grpSpPr>
+          <a:xfrm>
+            <a:off x="7814406" y="4659964"/>
+            <a:ext cx="1260389" cy="774081"/>
+            <a:chOff x="7722785" y="4734272"/>
+            <a:chExt cx="1260389" cy="774081"/>
+          </a:xfrm>
+        </p:grpSpPr>
+        <p:sp>
+          <p:nvSpPr>
+            <p:cNvPr id="21" name="Rectangle: Rounded Corners 20">
+              <a:extLst>
+                <a:ext uri="{FF2B5EF4-FFF2-40B4-BE49-F238E27FC236}">
+                  <a16:creationId xmlns:a16="http://schemas.microsoft.com/office/drawing/2014/main" id="{9152AF01-5601-47C2-A52D-FEF92FCB7D6E}"/>
+                </a:ext>
+              </a:extLst>
+            </p:cNvPr>
+            <p:cNvSpPr/>
+            <p:nvPr/>
+          </p:nvSpPr>
+          <p:spPr>
+            <a:xfrm>
+              <a:off x="7722785" y="4734272"/>
+              <a:ext cx="1260389" cy="774081"/>
+            </a:xfrm>
+            <a:prstGeom prst="roundRect">
+              <a:avLst/>
+            </a:prstGeom>
+            <a:solidFill>
+              <a:schemeClr val="accent6">
+                <a:lumMod val="20000"/>
+                <a:lumOff val="80000"/>
+              </a:schemeClr>
+            </a:solidFill>
+          </p:spPr>
+          <p:style>
+            <a:lnRef idx="2">
+              <a:schemeClr val="accent1">
+                <a:shade val="50000"/>
+              </a:schemeClr>
+            </a:lnRef>
+            <a:fillRef idx="1">
+              <a:schemeClr val="accent1"/>
+            </a:fillRef>
+            <a:effectRef idx="0">
+              <a:schemeClr val="accent1"/>
+            </a:effectRef>
+            <a:fontRef idx="minor">
+              <a:schemeClr val="lt1"/>
+            </a:fontRef>
+          </p:style>
+          <p:txBody>
+            <a:bodyPr rtlCol="0" anchor="t" anchorCtr="0"/>
+            <a:lstStyle/>
+            <a:p>
+              <a:pPr algn="ctr"/>
+              <a:r>
+                <a:rPr lang="en-US" dirty="0">
+                  <a:solidFill>
+                    <a:schemeClr val="tx1"/>
+                  </a:solidFill>
+                </a:rPr>
+                <a:t>pod</a:t>
+              </a:r>
+            </a:p>
+          </p:txBody>
+        </p:sp>
+        <p:sp>
+          <p:nvSpPr>
+            <p:cNvPr id="22" name="Rectangle: Rounded Corners 21">
+              <a:extLst>
+                <a:ext uri="{FF2B5EF4-FFF2-40B4-BE49-F238E27FC236}">
+                  <a16:creationId xmlns:a16="http://schemas.microsoft.com/office/drawing/2014/main" id="{82D5BDB7-DF51-4B11-B5A9-E02BE9119A96}"/>
+                </a:ext>
+              </a:extLst>
+            </p:cNvPr>
+            <p:cNvSpPr/>
+            <p:nvPr/>
+          </p:nvSpPr>
+          <p:spPr>
+            <a:xfrm>
+              <a:off x="7894795" y="5121312"/>
+              <a:ext cx="939114" cy="247135"/>
+            </a:xfrm>
+            <a:prstGeom prst="roundRect">
+              <a:avLst/>
+            </a:prstGeom>
+            <a:solidFill>
+              <a:schemeClr val="accent5">
+                <a:lumMod val="75000"/>
+              </a:schemeClr>
+            </a:solidFill>
+          </p:spPr>
+          <p:style>
+            <a:lnRef idx="2">
+              <a:schemeClr val="accent1">
+                <a:shade val="50000"/>
+              </a:schemeClr>
+            </a:lnRef>
+            <a:fillRef idx="1">
+              <a:schemeClr val="accent1"/>
+            </a:fillRef>
+            <a:effectRef idx="0">
+              <a:schemeClr val="accent1"/>
+            </a:effectRef>
+            <a:fontRef idx="minor">
+              <a:schemeClr val="lt1"/>
+            </a:fontRef>
+          </p:style>
+          <p:txBody>
+            <a:bodyPr rtlCol="0" anchor="ctr"/>
+            <a:lstStyle/>
+            <a:p>
+              <a:pPr algn="ctr"/>
+              <a:r>
+                <a:rPr lang="en-US" dirty="0"/>
+                <a:t>app-a</a:t>
+              </a:r>
+            </a:p>
+          </p:txBody>
+        </p:sp>
+      </p:grpSp>
+      <p:sp>
+        <p:nvSpPr>
+          <p:cNvPr id="23" name="Rectangle: Rounded Corners 22">
+            <a:extLst>
+              <a:ext uri="{FF2B5EF4-FFF2-40B4-BE49-F238E27FC236}">
+                <a16:creationId xmlns:a16="http://schemas.microsoft.com/office/drawing/2014/main" id="{4EF08C78-67E9-4B93-907D-388BC1DF98F3}"/>
+              </a:ext>
+            </a:extLst>
+          </p:cNvPr>
+          <p:cNvSpPr/>
+          <p:nvPr/>
+        </p:nvSpPr>
+        <p:spPr>
+          <a:xfrm>
+            <a:off x="4929276" y="3374128"/>
+            <a:ext cx="1589902" cy="457522"/>
+          </a:xfrm>
+          <a:prstGeom prst="roundRect">
+            <a:avLst/>
+          </a:prstGeom>
+          <a:solidFill>
+            <a:schemeClr val="bg2"/>
+          </a:solidFill>
+        </p:spPr>
+        <p:style>
+          <a:lnRef idx="2">
+            <a:schemeClr val="accent1">
+              <a:shade val="50000"/>
+            </a:schemeClr>
+          </a:lnRef>
+          <a:fillRef idx="1">
+            <a:schemeClr val="accent1"/>
+          </a:fillRef>
+          <a:effectRef idx="0">
+            <a:schemeClr val="accent1"/>
+          </a:effectRef>
+          <a:fontRef idx="minor">
+            <a:schemeClr val="lt1"/>
+          </a:fontRef>
+        </p:style>
+        <p:txBody>
+          <a:bodyPr rtlCol="0" anchor="ctr"/>
+          <a:lstStyle/>
+          <a:p>
+            <a:pPr algn="ctr"/>
+            <a:r>
+              <a:rPr lang="en-US" b="1" dirty="0">
+                <a:solidFill>
+                  <a:schemeClr val="tx1"/>
+                </a:solidFill>
+              </a:rPr>
+              <a:t>service-a</a:t>
+            </a:r>
+          </a:p>
+        </p:txBody>
+      </p:sp>
+      <p:cxnSp>
+        <p:nvCxnSpPr>
+          <p:cNvPr id="8" name="Straight Arrow Connector 7">
+            <a:extLst>
+              <a:ext uri="{FF2B5EF4-FFF2-40B4-BE49-F238E27FC236}">
+                <a16:creationId xmlns:a16="http://schemas.microsoft.com/office/drawing/2014/main" id="{0C4A91BB-E944-4162-8EE0-FBEF360AE31E}"/>
+              </a:ext>
+            </a:extLst>
+          </p:cNvPr>
+          <p:cNvCxnSpPr>
+            <a:stCxn id="23" idx="2"/>
+            <a:endCxn id="22" idx="0"/>
+          </p:cNvCxnSpPr>
+          <p:nvPr/>
+        </p:nvCxnSpPr>
+        <p:spPr>
+          <a:xfrm>
+            <a:off x="5724227" y="3831650"/>
+            <a:ext cx="2731746" cy="1215354"/>
+          </a:xfrm>
+          <a:prstGeom prst="straightConnector1">
+            <a:avLst/>
+          </a:prstGeom>
+          <a:ln>
+            <a:tailEnd type="triangle"/>
+          </a:ln>
+        </p:spPr>
+        <p:style>
+          <a:lnRef idx="1">
+            <a:schemeClr val="accent1"/>
+          </a:lnRef>
+          <a:fillRef idx="0">
+            <a:schemeClr val="accent1"/>
+          </a:fillRef>
+          <a:effectRef idx="0">
+            <a:schemeClr val="accent1"/>
+          </a:effectRef>
+          <a:fontRef idx="minor">
+            <a:schemeClr val="tx1"/>
+          </a:fontRef>
+        </p:style>
+      </p:cxnSp>
+      <p:cxnSp>
+        <p:nvCxnSpPr>
+          <p:cNvPr id="10" name="Straight Arrow Connector 9">
+            <a:extLst>
+              <a:ext uri="{FF2B5EF4-FFF2-40B4-BE49-F238E27FC236}">
+                <a16:creationId xmlns:a16="http://schemas.microsoft.com/office/drawing/2014/main" id="{CEE4DCBC-583E-4DEA-B493-671CB9657214}"/>
+              </a:ext>
+            </a:extLst>
+          </p:cNvPr>
+          <p:cNvCxnSpPr>
+            <a:cxnSpLocks/>
+            <a:stCxn id="23" idx="2"/>
+            <a:endCxn id="16" idx="0"/>
+          </p:cNvCxnSpPr>
+          <p:nvPr/>
+        </p:nvCxnSpPr>
+        <p:spPr>
+          <a:xfrm flipH="1">
+            <a:off x="3077994" y="3831650"/>
+            <a:ext cx="2646233" cy="1211373"/>
+          </a:xfrm>
+          <a:prstGeom prst="straightConnector1">
+            <a:avLst/>
+          </a:prstGeom>
+          <a:ln>
+            <a:tailEnd type="triangle"/>
+          </a:ln>
+        </p:spPr>
+        <p:style>
+          <a:lnRef idx="1">
+            <a:schemeClr val="accent1"/>
+          </a:lnRef>
+          <a:fillRef idx="0">
+            <a:schemeClr val="accent1"/>
+          </a:fillRef>
+          <a:effectRef idx="0">
+            <a:schemeClr val="accent1"/>
+          </a:effectRef>
+          <a:fontRef idx="minor">
+            <a:schemeClr val="tx1"/>
+          </a:fontRef>
+        </p:style>
+      </p:cxnSp>
+      <p:cxnSp>
+        <p:nvCxnSpPr>
+          <p:cNvPr id="24" name="Straight Arrow Connector 23">
+            <a:extLst>
+              <a:ext uri="{FF2B5EF4-FFF2-40B4-BE49-F238E27FC236}">
+                <a16:creationId xmlns:a16="http://schemas.microsoft.com/office/drawing/2014/main" id="{B750B6D7-E537-420B-9C4E-DA7FBB380493}"/>
+              </a:ext>
+            </a:extLst>
+          </p:cNvPr>
+          <p:cNvCxnSpPr>
+            <a:cxnSpLocks/>
+            <a:stCxn id="23" idx="2"/>
+            <a:endCxn id="19" idx="0"/>
+          </p:cNvCxnSpPr>
+          <p:nvPr/>
+        </p:nvCxnSpPr>
+        <p:spPr>
+          <a:xfrm>
+            <a:off x="5724227" y="3831650"/>
+            <a:ext cx="36086" cy="1215354"/>
+          </a:xfrm>
+          <a:prstGeom prst="straightConnector1">
+            <a:avLst/>
+          </a:prstGeom>
+          <a:ln w="6350">
+            <a:tailEnd type="triangle"/>
+          </a:ln>
+        </p:spPr>
+        <p:style>
+          <a:lnRef idx="1">
+            <a:schemeClr val="accent1"/>
+          </a:lnRef>
+          <a:fillRef idx="0">
+            <a:schemeClr val="accent1"/>
+          </a:fillRef>
+          <a:effectRef idx="0">
+            <a:schemeClr val="accent1"/>
+          </a:effectRef>
+          <a:fontRef idx="minor">
+            <a:schemeClr val="tx1"/>
+          </a:fontRef>
+        </p:style>
+      </p:cxnSp>
+      <p:sp>
+        <p:nvSpPr>
+          <p:cNvPr id="33" name="Rectangle: Rounded Corners 32">
+            <a:extLst>
+              <a:ext uri="{FF2B5EF4-FFF2-40B4-BE49-F238E27FC236}">
+                <a16:creationId xmlns:a16="http://schemas.microsoft.com/office/drawing/2014/main" id="{AC367372-C5F5-42A3-A0A7-7DB9554FCF02}"/>
+              </a:ext>
+            </a:extLst>
+          </p:cNvPr>
+          <p:cNvSpPr/>
+          <p:nvPr/>
+        </p:nvSpPr>
+        <p:spPr>
+          <a:xfrm>
+            <a:off x="2423086" y="5673218"/>
+            <a:ext cx="1260389" cy="774081"/>
+          </a:xfrm>
+          <a:prstGeom prst="roundRect">
+            <a:avLst/>
+          </a:prstGeom>
+          <a:noFill/>
+          <a:ln>
+            <a:prstDash val="lgDash"/>
+          </a:ln>
+        </p:spPr>
+        <p:style>
+          <a:lnRef idx="2">
+            <a:schemeClr val="accent1">
+              <a:shade val="50000"/>
+            </a:schemeClr>
+          </a:lnRef>
+          <a:fillRef idx="1">
+            <a:schemeClr val="accent1"/>
+          </a:fillRef>
+          <a:effectRef idx="0">
+            <a:schemeClr val="accent1"/>
+          </a:effectRef>
+          <a:fontRef idx="minor">
+            <a:schemeClr val="lt1"/>
+          </a:fontRef>
+        </p:style>
+        <p:txBody>
+          <a:bodyPr rtlCol="0" anchor="t" anchorCtr="0"/>
+          <a:lstStyle/>
+          <a:p>
+            <a:r>
+              <a:rPr lang="en-US" sz="1600" dirty="0">
+                <a:solidFill>
+                  <a:schemeClr val="tx1"/>
+                </a:solidFill>
+              </a:rPr>
+              <a:t>labels:</a:t>
+            </a:r>
+          </a:p>
+          <a:p>
+            <a:r>
+              <a:rPr lang="en-US" sz="1600" dirty="0">
+                <a:solidFill>
+                  <a:schemeClr val="tx1"/>
+                </a:solidFill>
+              </a:rPr>
+              <a:t> app: app-a</a:t>
+            </a:r>
+          </a:p>
+        </p:txBody>
+      </p:sp>
+      <p:sp>
+        <p:nvSpPr>
+          <p:cNvPr id="35" name="Rectangle: Rounded Corners 34">
+            <a:extLst>
+              <a:ext uri="{FF2B5EF4-FFF2-40B4-BE49-F238E27FC236}">
+                <a16:creationId xmlns:a16="http://schemas.microsoft.com/office/drawing/2014/main" id="{F74F1E26-6F2E-40AE-AA8D-A08C347E2CEC}"/>
+              </a:ext>
+            </a:extLst>
+          </p:cNvPr>
+          <p:cNvSpPr/>
+          <p:nvPr/>
+        </p:nvSpPr>
+        <p:spPr>
+          <a:xfrm>
+            <a:off x="5130118" y="5673218"/>
+            <a:ext cx="1260389" cy="774081"/>
+          </a:xfrm>
+          <a:prstGeom prst="roundRect">
+            <a:avLst/>
+          </a:prstGeom>
+          <a:noFill/>
+          <a:ln>
+            <a:prstDash val="lgDash"/>
+          </a:ln>
+        </p:spPr>
+        <p:style>
+          <a:lnRef idx="2">
+            <a:schemeClr val="accent1">
+              <a:shade val="50000"/>
+            </a:schemeClr>
+          </a:lnRef>
+          <a:fillRef idx="1">
+            <a:schemeClr val="accent1"/>
+          </a:fillRef>
+          <a:effectRef idx="0">
+            <a:schemeClr val="accent1"/>
+          </a:effectRef>
+          <a:fontRef idx="minor">
+            <a:schemeClr val="lt1"/>
+          </a:fontRef>
+        </p:style>
+        <p:txBody>
+          <a:bodyPr rtlCol="0" anchor="t" anchorCtr="0"/>
+          <a:lstStyle/>
+          <a:p>
+            <a:r>
+              <a:rPr lang="en-US" sz="1600" dirty="0">
+                <a:solidFill>
+                  <a:schemeClr val="tx1"/>
+                </a:solidFill>
+              </a:rPr>
+              <a:t>labels:</a:t>
+            </a:r>
+          </a:p>
+          <a:p>
+            <a:r>
+              <a:rPr lang="en-US" sz="1600" dirty="0">
+                <a:solidFill>
+                  <a:schemeClr val="tx1"/>
+                </a:solidFill>
+              </a:rPr>
+              <a:t> app: app-a</a:t>
+            </a:r>
+          </a:p>
+        </p:txBody>
+      </p:sp>
+      <p:sp>
+        <p:nvSpPr>
+          <p:cNvPr id="36" name="Rectangle: Rounded Corners 35">
+            <a:extLst>
+              <a:ext uri="{FF2B5EF4-FFF2-40B4-BE49-F238E27FC236}">
+                <a16:creationId xmlns:a16="http://schemas.microsoft.com/office/drawing/2014/main" id="{051515AA-0B17-452E-A916-E2DA3FCEFFA7}"/>
+              </a:ext>
+            </a:extLst>
+          </p:cNvPr>
+          <p:cNvSpPr/>
+          <p:nvPr/>
+        </p:nvSpPr>
+        <p:spPr>
+          <a:xfrm>
+            <a:off x="7837150" y="5673217"/>
+            <a:ext cx="1260389" cy="774081"/>
+          </a:xfrm>
+          <a:prstGeom prst="roundRect">
+            <a:avLst/>
+          </a:prstGeom>
+          <a:noFill/>
+          <a:ln>
+            <a:prstDash val="lgDash"/>
+          </a:ln>
+        </p:spPr>
+        <p:style>
+          <a:lnRef idx="2">
+            <a:schemeClr val="accent1">
+              <a:shade val="50000"/>
+            </a:schemeClr>
+          </a:lnRef>
+          <a:fillRef idx="1">
+            <a:schemeClr val="accent1"/>
+          </a:fillRef>
+          <a:effectRef idx="0">
+            <a:schemeClr val="accent1"/>
+          </a:effectRef>
+          <a:fontRef idx="minor">
+            <a:schemeClr val="lt1"/>
+          </a:fontRef>
+        </p:style>
+        <p:txBody>
+          <a:bodyPr rtlCol="0" anchor="t" anchorCtr="0"/>
+          <a:lstStyle/>
+          <a:p>
+            <a:r>
+              <a:rPr lang="en-US" sz="1600" dirty="0">
+                <a:solidFill>
+                  <a:schemeClr val="tx1"/>
+                </a:solidFill>
+              </a:rPr>
+              <a:t>labels:</a:t>
+            </a:r>
+          </a:p>
+          <a:p>
+            <a:r>
+              <a:rPr lang="en-US" sz="1600" dirty="0">
+                <a:solidFill>
+                  <a:schemeClr val="tx1"/>
+                </a:solidFill>
+              </a:rPr>
+              <a:t> app: app-a</a:t>
+            </a:r>
+          </a:p>
+        </p:txBody>
+      </p:sp>
+    </p:spTree>
+    <p:extLst>
+      <p:ext uri="{BB962C8B-B14F-4D97-AF65-F5344CB8AC3E}">
+        <p14:creationId xmlns:p14="http://schemas.microsoft.com/office/powerpoint/2010/main" val="3033119982"/>
+      </p:ext>
+    </p:extLst>
+  </p:cSld>
+  <p:clrMapOvr>
+    <a:masterClrMapping/>
+  </p:clrMapOvr>
+</p:sld>
+</file>
+
+<file path=ppt/slides/slide37.xml><?xml version="1.0" encoding="utf-8"?>
+<p:sld xmlns:a="http://schemas.openxmlformats.org/drawingml/2006/main" xmlns:r="http://schemas.openxmlformats.org/officeDocument/2006/relationships" xmlns:p="http://schemas.openxmlformats.org/presentationml/2006/main">
+  <p:cSld>
+    <p:spTree>
+      <p:nvGrpSpPr>
+        <p:cNvPr id="1" name=""/>
+        <p:cNvGrpSpPr/>
+        <p:nvPr/>
+      </p:nvGrpSpPr>
+      <p:grpSpPr>
+        <a:xfrm>
+          <a:off x="0" y="0"/>
+          <a:ext cx="0" cy="0"/>
+          <a:chOff x="0" y="0"/>
+          <a:chExt cx="0" cy="0"/>
+        </a:xfrm>
+      </p:grpSpPr>
+      <p:sp>
+        <p:nvSpPr>
+          <p:cNvPr id="2" name="Title 1">
+            <a:extLst>
+              <a:ext uri="{FF2B5EF4-FFF2-40B4-BE49-F238E27FC236}">
+                <a16:creationId xmlns:a16="http://schemas.microsoft.com/office/drawing/2014/main" id="{AF708F16-5DBC-4B6A-8DFC-6213EECAA9C2}"/>
+              </a:ext>
+            </a:extLst>
+          </p:cNvPr>
+          <p:cNvSpPr>
+            <a:spLocks noGrp="1"/>
+          </p:cNvSpPr>
+          <p:nvPr>
+            <p:ph type="title"/>
+          </p:nvPr>
+        </p:nvSpPr>
+        <p:spPr/>
+        <p:txBody>
+          <a:bodyPr/>
+          <a:lstStyle/>
+          <a:p>
+            <a:r>
+              <a:rPr lang="en-US" dirty="0"/>
+              <a:t>Labels and selector</a:t>
+            </a:r>
+          </a:p>
+        </p:txBody>
+      </p:sp>
+      <p:pic>
+        <p:nvPicPr>
+          <p:cNvPr id="4" name="Google Shape;56;p13">
+            <a:extLst>
+              <a:ext uri="{FF2B5EF4-FFF2-40B4-BE49-F238E27FC236}">
+                <a16:creationId xmlns:a16="http://schemas.microsoft.com/office/drawing/2014/main" id="{5DC2FED0-7C5F-460C-998D-2520FD324176}"/>
+              </a:ext>
+            </a:extLst>
+          </p:cNvPr>
+          <p:cNvPicPr preferRelativeResize="0"/>
+          <p:nvPr/>
+        </p:nvPicPr>
+        <p:blipFill>
+          <a:blip r:embed="rId3">
+            <a:alphaModFix/>
+          </a:blip>
+          <a:stretch>
+            <a:fillRect/>
+          </a:stretch>
+        </p:blipFill>
+        <p:spPr>
+          <a:xfrm>
+            <a:off x="10989179" y="5736492"/>
+            <a:ext cx="1202821" cy="1121508"/>
+          </a:xfrm>
+          <a:prstGeom prst="rect">
+            <a:avLst/>
+          </a:prstGeom>
+          <a:noFill/>
+          <a:ln>
+            <a:noFill/>
+          </a:ln>
+        </p:spPr>
+      </p:pic>
+      <p:pic>
+        <p:nvPicPr>
+          <p:cNvPr id="5" name="Picture 4">
+            <a:extLst>
+              <a:ext uri="{FF2B5EF4-FFF2-40B4-BE49-F238E27FC236}">
+                <a16:creationId xmlns:a16="http://schemas.microsoft.com/office/drawing/2014/main" id="{86A17813-B73F-471E-ABB2-08A18EC70133}"/>
+              </a:ext>
+            </a:extLst>
+          </p:cNvPr>
+          <p:cNvPicPr>
+            <a:picLocks noChangeAspect="1"/>
+          </p:cNvPicPr>
+          <p:nvPr/>
+        </p:nvPicPr>
+        <p:blipFill>
+          <a:blip r:embed="rId4"/>
+          <a:stretch>
+            <a:fillRect/>
+          </a:stretch>
+        </p:blipFill>
+        <p:spPr>
+          <a:xfrm>
+            <a:off x="10935891" y="593367"/>
+            <a:ext cx="840509" cy="775369"/>
+          </a:xfrm>
+          <a:prstGeom prst="rect">
+            <a:avLst/>
+          </a:prstGeom>
+        </p:spPr>
+      </p:pic>
+      <p:grpSp>
+        <p:nvGrpSpPr>
+          <p:cNvPr id="7" name="Group 6">
+            <a:extLst>
+              <a:ext uri="{FF2B5EF4-FFF2-40B4-BE49-F238E27FC236}">
+                <a16:creationId xmlns:a16="http://schemas.microsoft.com/office/drawing/2014/main" id="{1164EF3A-ED60-47A5-B430-569313137FD3}"/>
+              </a:ext>
+            </a:extLst>
+          </p:cNvPr>
+          <p:cNvGrpSpPr/>
+          <p:nvPr/>
+        </p:nvGrpSpPr>
+        <p:grpSpPr>
+          <a:xfrm>
+            <a:off x="2412201" y="3429000"/>
+            <a:ext cx="1260389" cy="774081"/>
+            <a:chOff x="3392331" y="4547286"/>
+            <a:chExt cx="1260389" cy="774081"/>
+          </a:xfrm>
+        </p:grpSpPr>
+        <p:sp>
+          <p:nvSpPr>
+            <p:cNvPr id="15" name="Rectangle: Rounded Corners 14">
+              <a:extLst>
+                <a:ext uri="{FF2B5EF4-FFF2-40B4-BE49-F238E27FC236}">
+                  <a16:creationId xmlns:a16="http://schemas.microsoft.com/office/drawing/2014/main" id="{32E941F0-186B-4E44-ABA2-C8931FB3E149}"/>
+                </a:ext>
+              </a:extLst>
+            </p:cNvPr>
+            <p:cNvSpPr/>
+            <p:nvPr/>
+          </p:nvSpPr>
+          <p:spPr>
+            <a:xfrm>
+              <a:off x="3392331" y="4547286"/>
+              <a:ext cx="1260389" cy="774081"/>
+            </a:xfrm>
+            <a:prstGeom prst="roundRect">
+              <a:avLst/>
+            </a:prstGeom>
+            <a:solidFill>
+              <a:schemeClr val="accent6">
+                <a:lumMod val="20000"/>
+                <a:lumOff val="80000"/>
+              </a:schemeClr>
+            </a:solidFill>
+          </p:spPr>
+          <p:style>
+            <a:lnRef idx="2">
+              <a:schemeClr val="accent1">
+                <a:shade val="50000"/>
+              </a:schemeClr>
+            </a:lnRef>
+            <a:fillRef idx="1">
+              <a:schemeClr val="accent1"/>
+            </a:fillRef>
+            <a:effectRef idx="0">
+              <a:schemeClr val="accent1"/>
+            </a:effectRef>
+            <a:fontRef idx="minor">
+              <a:schemeClr val="lt1"/>
+            </a:fontRef>
+          </p:style>
+          <p:txBody>
+            <a:bodyPr rtlCol="0" anchor="t" anchorCtr="0"/>
+            <a:lstStyle/>
+            <a:p>
+              <a:pPr algn="ctr"/>
+              <a:r>
+                <a:rPr lang="en-US" dirty="0">
+                  <a:solidFill>
+                    <a:schemeClr val="tx1"/>
+                  </a:solidFill>
+                </a:rPr>
+                <a:t>pod</a:t>
+              </a:r>
+            </a:p>
+          </p:txBody>
+        </p:sp>
+        <p:sp>
+          <p:nvSpPr>
+            <p:cNvPr id="16" name="Rectangle: Rounded Corners 15">
+              <a:extLst>
+                <a:ext uri="{FF2B5EF4-FFF2-40B4-BE49-F238E27FC236}">
+                  <a16:creationId xmlns:a16="http://schemas.microsoft.com/office/drawing/2014/main" id="{CB335A6C-4AA9-448C-95B8-87A623E1C9E6}"/>
+                </a:ext>
+              </a:extLst>
+            </p:cNvPr>
+            <p:cNvSpPr/>
+            <p:nvPr/>
+          </p:nvSpPr>
+          <p:spPr>
+            <a:xfrm>
+              <a:off x="3577682" y="4930346"/>
+              <a:ext cx="939114" cy="247135"/>
+            </a:xfrm>
+            <a:prstGeom prst="roundRect">
+              <a:avLst/>
+            </a:prstGeom>
+            <a:solidFill>
+              <a:schemeClr val="accent5">
+                <a:lumMod val="75000"/>
+              </a:schemeClr>
+            </a:solidFill>
+          </p:spPr>
+          <p:style>
+            <a:lnRef idx="2">
+              <a:schemeClr val="accent1">
+                <a:shade val="50000"/>
+              </a:schemeClr>
+            </a:lnRef>
+            <a:fillRef idx="1">
+              <a:schemeClr val="accent1"/>
+            </a:fillRef>
+            <a:effectRef idx="0">
+              <a:schemeClr val="accent1"/>
+            </a:effectRef>
+            <a:fontRef idx="minor">
+              <a:schemeClr val="lt1"/>
+            </a:fontRef>
+          </p:style>
+          <p:txBody>
+            <a:bodyPr rtlCol="0" anchor="ctr"/>
+            <a:lstStyle/>
+            <a:p>
+              <a:pPr algn="ctr"/>
+              <a:r>
+                <a:rPr lang="en-US" dirty="0"/>
+                <a:t>app-a</a:t>
+              </a:r>
+            </a:p>
+          </p:txBody>
+        </p:sp>
+      </p:grpSp>
+      <p:grpSp>
+        <p:nvGrpSpPr>
+          <p:cNvPr id="6" name="Group 5">
+            <a:extLst>
+              <a:ext uri="{FF2B5EF4-FFF2-40B4-BE49-F238E27FC236}">
+                <a16:creationId xmlns:a16="http://schemas.microsoft.com/office/drawing/2014/main" id="{5F5894B7-F650-4EF4-A53B-B41F937D1DB2}"/>
+              </a:ext>
+            </a:extLst>
+          </p:cNvPr>
+          <p:cNvGrpSpPr/>
+          <p:nvPr/>
+        </p:nvGrpSpPr>
+        <p:grpSpPr>
+          <a:xfrm>
+            <a:off x="5107861" y="3429001"/>
+            <a:ext cx="1260389" cy="774081"/>
+            <a:chOff x="4838071" y="4547285"/>
+            <a:chExt cx="1260389" cy="774081"/>
+          </a:xfrm>
+        </p:grpSpPr>
+        <p:sp>
+          <p:nvSpPr>
+            <p:cNvPr id="18" name="Rectangle: Rounded Corners 17">
+              <a:extLst>
+                <a:ext uri="{FF2B5EF4-FFF2-40B4-BE49-F238E27FC236}">
+                  <a16:creationId xmlns:a16="http://schemas.microsoft.com/office/drawing/2014/main" id="{FF1F4554-6966-4B0B-93C3-37CAE3E3B244}"/>
+                </a:ext>
+              </a:extLst>
+            </p:cNvPr>
+            <p:cNvSpPr/>
+            <p:nvPr/>
+          </p:nvSpPr>
+          <p:spPr>
+            <a:xfrm>
+              <a:off x="4838071" y="4547285"/>
+              <a:ext cx="1260389" cy="774081"/>
+            </a:xfrm>
+            <a:prstGeom prst="roundRect">
+              <a:avLst/>
+            </a:prstGeom>
+            <a:solidFill>
+              <a:schemeClr val="accent6">
+                <a:lumMod val="20000"/>
+                <a:lumOff val="80000"/>
+              </a:schemeClr>
+            </a:solidFill>
+          </p:spPr>
+          <p:style>
+            <a:lnRef idx="2">
+              <a:schemeClr val="accent1">
+                <a:shade val="50000"/>
+              </a:schemeClr>
+            </a:lnRef>
+            <a:fillRef idx="1">
+              <a:schemeClr val="accent1"/>
+            </a:fillRef>
+            <a:effectRef idx="0">
+              <a:schemeClr val="accent1"/>
+            </a:effectRef>
+            <a:fontRef idx="minor">
+              <a:schemeClr val="lt1"/>
+            </a:fontRef>
+          </p:style>
+          <p:txBody>
+            <a:bodyPr rtlCol="0" anchor="t" anchorCtr="0"/>
+            <a:lstStyle/>
+            <a:p>
+              <a:pPr algn="ctr"/>
+              <a:r>
+                <a:rPr lang="en-US" dirty="0">
+                  <a:solidFill>
+                    <a:schemeClr val="tx1"/>
+                  </a:solidFill>
+                </a:rPr>
+                <a:t>pod</a:t>
+              </a:r>
+            </a:p>
+          </p:txBody>
+        </p:sp>
+        <p:sp>
+          <p:nvSpPr>
+            <p:cNvPr id="19" name="Rectangle: Rounded Corners 18">
+              <a:extLst>
+                <a:ext uri="{FF2B5EF4-FFF2-40B4-BE49-F238E27FC236}">
+                  <a16:creationId xmlns:a16="http://schemas.microsoft.com/office/drawing/2014/main" id="{1536A280-A8E7-439E-8C13-6D3DB608B383}"/>
+                </a:ext>
+              </a:extLst>
+            </p:cNvPr>
+            <p:cNvSpPr/>
+            <p:nvPr/>
+          </p:nvSpPr>
+          <p:spPr>
+            <a:xfrm>
+              <a:off x="5010081" y="4934325"/>
+              <a:ext cx="939114" cy="247135"/>
+            </a:xfrm>
+            <a:prstGeom prst="roundRect">
+              <a:avLst/>
+            </a:prstGeom>
+            <a:solidFill>
+              <a:schemeClr val="accent5">
+                <a:lumMod val="75000"/>
+              </a:schemeClr>
+            </a:solidFill>
+          </p:spPr>
+          <p:style>
+            <a:lnRef idx="2">
+              <a:schemeClr val="accent1">
+                <a:shade val="50000"/>
+              </a:schemeClr>
+            </a:lnRef>
+            <a:fillRef idx="1">
+              <a:schemeClr val="accent1"/>
+            </a:fillRef>
+            <a:effectRef idx="0">
+              <a:schemeClr val="accent1"/>
+            </a:effectRef>
+            <a:fontRef idx="minor">
+              <a:schemeClr val="lt1"/>
+            </a:fontRef>
+          </p:style>
+          <p:txBody>
+            <a:bodyPr rtlCol="0" anchor="ctr"/>
+            <a:lstStyle/>
+            <a:p>
+              <a:pPr algn="ctr"/>
+              <a:r>
+                <a:rPr lang="en-US" dirty="0"/>
+                <a:t>app-a</a:t>
+              </a:r>
+            </a:p>
+          </p:txBody>
+        </p:sp>
+      </p:grpSp>
+      <p:grpSp>
+        <p:nvGrpSpPr>
+          <p:cNvPr id="20" name="Group 19">
+            <a:extLst>
+              <a:ext uri="{FF2B5EF4-FFF2-40B4-BE49-F238E27FC236}">
+                <a16:creationId xmlns:a16="http://schemas.microsoft.com/office/drawing/2014/main" id="{C49A44BD-28EB-45B6-8702-EA892451F5AF}"/>
+              </a:ext>
+            </a:extLst>
+          </p:cNvPr>
+          <p:cNvGrpSpPr/>
+          <p:nvPr/>
+        </p:nvGrpSpPr>
+        <p:grpSpPr>
+          <a:xfrm>
+            <a:off x="7803521" y="3429001"/>
+            <a:ext cx="1260389" cy="774081"/>
+            <a:chOff x="7722785" y="4734272"/>
+            <a:chExt cx="1260389" cy="774081"/>
+          </a:xfrm>
+        </p:grpSpPr>
+        <p:sp>
+          <p:nvSpPr>
+            <p:cNvPr id="21" name="Rectangle: Rounded Corners 20">
+              <a:extLst>
+                <a:ext uri="{FF2B5EF4-FFF2-40B4-BE49-F238E27FC236}">
+                  <a16:creationId xmlns:a16="http://schemas.microsoft.com/office/drawing/2014/main" id="{9152AF01-5601-47C2-A52D-FEF92FCB7D6E}"/>
+                </a:ext>
+              </a:extLst>
+            </p:cNvPr>
+            <p:cNvSpPr/>
+            <p:nvPr/>
+          </p:nvSpPr>
+          <p:spPr>
+            <a:xfrm>
+              <a:off x="7722785" y="4734272"/>
+              <a:ext cx="1260389" cy="774081"/>
+            </a:xfrm>
+            <a:prstGeom prst="roundRect">
+              <a:avLst/>
+            </a:prstGeom>
+            <a:solidFill>
+              <a:schemeClr val="accent6">
+                <a:lumMod val="20000"/>
+                <a:lumOff val="80000"/>
+              </a:schemeClr>
+            </a:solidFill>
+          </p:spPr>
+          <p:style>
+            <a:lnRef idx="2">
+              <a:schemeClr val="accent1">
+                <a:shade val="50000"/>
+              </a:schemeClr>
+            </a:lnRef>
+            <a:fillRef idx="1">
+              <a:schemeClr val="accent1"/>
+            </a:fillRef>
+            <a:effectRef idx="0">
+              <a:schemeClr val="accent1"/>
+            </a:effectRef>
+            <a:fontRef idx="minor">
+              <a:schemeClr val="lt1"/>
+            </a:fontRef>
+          </p:style>
+          <p:txBody>
+            <a:bodyPr rtlCol="0" anchor="t" anchorCtr="0"/>
+            <a:lstStyle/>
+            <a:p>
+              <a:pPr algn="ctr"/>
+              <a:r>
+                <a:rPr lang="en-US" dirty="0">
+                  <a:solidFill>
+                    <a:schemeClr val="tx1"/>
+                  </a:solidFill>
+                </a:rPr>
+                <a:t>pod</a:t>
+              </a:r>
+            </a:p>
+          </p:txBody>
+        </p:sp>
+        <p:sp>
+          <p:nvSpPr>
+            <p:cNvPr id="22" name="Rectangle: Rounded Corners 21">
+              <a:extLst>
+                <a:ext uri="{FF2B5EF4-FFF2-40B4-BE49-F238E27FC236}">
+                  <a16:creationId xmlns:a16="http://schemas.microsoft.com/office/drawing/2014/main" id="{82D5BDB7-DF51-4B11-B5A9-E02BE9119A96}"/>
+                </a:ext>
+              </a:extLst>
+            </p:cNvPr>
+            <p:cNvSpPr/>
+            <p:nvPr/>
+          </p:nvSpPr>
+          <p:spPr>
+            <a:xfrm>
+              <a:off x="7894795" y="5121312"/>
+              <a:ext cx="939114" cy="247135"/>
+            </a:xfrm>
+            <a:prstGeom prst="roundRect">
+              <a:avLst/>
+            </a:prstGeom>
+            <a:solidFill>
+              <a:schemeClr val="accent5">
+                <a:lumMod val="75000"/>
+              </a:schemeClr>
+            </a:solidFill>
+          </p:spPr>
+          <p:style>
+            <a:lnRef idx="2">
+              <a:schemeClr val="accent1">
+                <a:shade val="50000"/>
+              </a:schemeClr>
+            </a:lnRef>
+            <a:fillRef idx="1">
+              <a:schemeClr val="accent1"/>
+            </a:fillRef>
+            <a:effectRef idx="0">
+              <a:schemeClr val="accent1"/>
+            </a:effectRef>
+            <a:fontRef idx="minor">
+              <a:schemeClr val="lt1"/>
+            </a:fontRef>
+          </p:style>
+          <p:txBody>
+            <a:bodyPr rtlCol="0" anchor="ctr"/>
+            <a:lstStyle/>
+            <a:p>
+              <a:pPr algn="ctr"/>
+              <a:r>
+                <a:rPr lang="en-US" dirty="0"/>
+                <a:t>app-a</a:t>
+              </a:r>
+            </a:p>
+          </p:txBody>
+        </p:sp>
+      </p:grpSp>
+      <p:sp>
+        <p:nvSpPr>
+          <p:cNvPr id="33" name="Rectangle: Rounded Corners 32">
+            <a:extLst>
+              <a:ext uri="{FF2B5EF4-FFF2-40B4-BE49-F238E27FC236}">
+                <a16:creationId xmlns:a16="http://schemas.microsoft.com/office/drawing/2014/main" id="{AC367372-C5F5-42A3-A0A7-7DB9554FCF02}"/>
+              </a:ext>
+            </a:extLst>
+          </p:cNvPr>
+          <p:cNvSpPr/>
+          <p:nvPr/>
+        </p:nvSpPr>
+        <p:spPr>
+          <a:xfrm>
+            <a:off x="2412201" y="4442255"/>
+            <a:ext cx="1260389" cy="890868"/>
+          </a:xfrm>
+          <a:prstGeom prst="roundRect">
+            <a:avLst/>
+          </a:prstGeom>
+          <a:noFill/>
+          <a:ln>
+            <a:prstDash val="lgDash"/>
+          </a:ln>
+        </p:spPr>
+        <p:style>
+          <a:lnRef idx="2">
+            <a:schemeClr val="accent1">
+              <a:shade val="50000"/>
+            </a:schemeClr>
+          </a:lnRef>
+          <a:fillRef idx="1">
+            <a:schemeClr val="accent1"/>
+          </a:fillRef>
+          <a:effectRef idx="0">
+            <a:schemeClr val="accent1"/>
+          </a:effectRef>
+          <a:fontRef idx="minor">
+            <a:schemeClr val="lt1"/>
+          </a:fontRef>
+        </p:style>
+        <p:txBody>
+          <a:bodyPr rtlCol="0" anchor="t" anchorCtr="0"/>
+          <a:lstStyle/>
+          <a:p>
+            <a:r>
+              <a:rPr lang="en-US" sz="1600" dirty="0">
+                <a:solidFill>
+                  <a:schemeClr val="tx1"/>
+                </a:solidFill>
+              </a:rPr>
+              <a:t>labels:</a:t>
+            </a:r>
+          </a:p>
+          <a:p>
+            <a:r>
+              <a:rPr lang="en-US" sz="1600" dirty="0">
+                <a:solidFill>
+                  <a:srgbClr val="FF0000"/>
+                </a:solidFill>
+              </a:rPr>
+              <a:t> app: app-a</a:t>
+            </a:r>
+          </a:p>
+          <a:p>
+            <a:r>
+              <a:rPr lang="en-US" sz="1600" dirty="0">
+                <a:solidFill>
+                  <a:schemeClr val="tx1"/>
+                </a:solidFill>
+              </a:rPr>
+              <a:t> version: v1</a:t>
+            </a:r>
+          </a:p>
+        </p:txBody>
+      </p:sp>
+      <p:sp>
+        <p:nvSpPr>
+          <p:cNvPr id="27" name="Rectangle: Rounded Corners 26">
+            <a:extLst>
+              <a:ext uri="{FF2B5EF4-FFF2-40B4-BE49-F238E27FC236}">
+                <a16:creationId xmlns:a16="http://schemas.microsoft.com/office/drawing/2014/main" id="{2B3E011A-F420-4C89-8F85-086A8AD1EB1F}"/>
+              </a:ext>
+            </a:extLst>
+          </p:cNvPr>
+          <p:cNvSpPr/>
+          <p:nvPr/>
+        </p:nvSpPr>
+        <p:spPr>
+          <a:xfrm>
+            <a:off x="5107860" y="4442255"/>
+            <a:ext cx="1260389" cy="890868"/>
+          </a:xfrm>
+          <a:prstGeom prst="roundRect">
+            <a:avLst/>
+          </a:prstGeom>
+          <a:noFill/>
+          <a:ln>
+            <a:prstDash val="lgDash"/>
+          </a:ln>
+        </p:spPr>
+        <p:style>
+          <a:lnRef idx="2">
+            <a:schemeClr val="accent1">
+              <a:shade val="50000"/>
+            </a:schemeClr>
+          </a:lnRef>
+          <a:fillRef idx="1">
+            <a:schemeClr val="accent1"/>
+          </a:fillRef>
+          <a:effectRef idx="0">
+            <a:schemeClr val="accent1"/>
+          </a:effectRef>
+          <a:fontRef idx="minor">
+            <a:schemeClr val="lt1"/>
+          </a:fontRef>
+        </p:style>
+        <p:txBody>
+          <a:bodyPr rtlCol="0" anchor="t" anchorCtr="0"/>
+          <a:lstStyle/>
+          <a:p>
+            <a:r>
+              <a:rPr lang="en-US" sz="1600" dirty="0">
+                <a:solidFill>
+                  <a:schemeClr val="tx1"/>
+                </a:solidFill>
+              </a:rPr>
+              <a:t>labels:</a:t>
+            </a:r>
+          </a:p>
+          <a:p>
+            <a:r>
+              <a:rPr lang="en-US" sz="1600" dirty="0">
+                <a:solidFill>
+                  <a:schemeClr val="tx1"/>
+                </a:solidFill>
+              </a:rPr>
+              <a:t> </a:t>
+            </a:r>
+            <a:r>
+              <a:rPr lang="en-US" sz="1600" dirty="0">
+                <a:solidFill>
+                  <a:srgbClr val="FF0000"/>
+                </a:solidFill>
+              </a:rPr>
+              <a:t>app: app-a</a:t>
+            </a:r>
+          </a:p>
+          <a:p>
+            <a:r>
+              <a:rPr lang="en-US" sz="1600" dirty="0">
+                <a:solidFill>
+                  <a:schemeClr val="tx1"/>
+                </a:solidFill>
+              </a:rPr>
+              <a:t> version: v1</a:t>
+            </a:r>
+          </a:p>
+        </p:txBody>
+      </p:sp>
+      <p:sp>
+        <p:nvSpPr>
+          <p:cNvPr id="28" name="Rectangle: Rounded Corners 27">
+            <a:extLst>
+              <a:ext uri="{FF2B5EF4-FFF2-40B4-BE49-F238E27FC236}">
+                <a16:creationId xmlns:a16="http://schemas.microsoft.com/office/drawing/2014/main" id="{BDAA3DD3-B10C-414E-9668-23035D51D15C}"/>
+              </a:ext>
+            </a:extLst>
+          </p:cNvPr>
+          <p:cNvSpPr/>
+          <p:nvPr/>
+        </p:nvSpPr>
+        <p:spPr>
+          <a:xfrm>
+            <a:off x="7803519" y="4442255"/>
+            <a:ext cx="1260389" cy="890868"/>
+          </a:xfrm>
+          <a:prstGeom prst="roundRect">
+            <a:avLst/>
+          </a:prstGeom>
+          <a:noFill/>
+          <a:ln>
+            <a:prstDash val="lgDash"/>
+          </a:ln>
+        </p:spPr>
+        <p:style>
+          <a:lnRef idx="2">
+            <a:schemeClr val="accent1">
+              <a:shade val="50000"/>
+            </a:schemeClr>
+          </a:lnRef>
+          <a:fillRef idx="1">
+            <a:schemeClr val="accent1"/>
+          </a:fillRef>
+          <a:effectRef idx="0">
+            <a:schemeClr val="accent1"/>
+          </a:effectRef>
+          <a:fontRef idx="minor">
+            <a:schemeClr val="lt1"/>
+          </a:fontRef>
+        </p:style>
+        <p:txBody>
+          <a:bodyPr rtlCol="0" anchor="t" anchorCtr="0"/>
+          <a:lstStyle/>
+          <a:p>
+            <a:r>
+              <a:rPr lang="en-US" sz="1600" dirty="0">
+                <a:solidFill>
+                  <a:schemeClr val="tx1"/>
+                </a:solidFill>
+              </a:rPr>
+              <a:t>labels:</a:t>
+            </a:r>
+          </a:p>
+          <a:p>
+            <a:r>
+              <a:rPr lang="en-US" sz="1600" dirty="0">
+                <a:solidFill>
+                  <a:schemeClr val="tx1"/>
+                </a:solidFill>
+              </a:rPr>
+              <a:t> </a:t>
+            </a:r>
+            <a:r>
+              <a:rPr lang="en-US" sz="1600" dirty="0">
+                <a:solidFill>
+                  <a:srgbClr val="FF0000"/>
+                </a:solidFill>
+              </a:rPr>
+              <a:t>app: app-a</a:t>
+            </a:r>
+          </a:p>
+          <a:p>
+            <a:r>
+              <a:rPr lang="en-US" sz="1600" dirty="0">
+                <a:solidFill>
+                  <a:schemeClr val="tx1"/>
+                </a:solidFill>
+              </a:rPr>
+              <a:t> version: v2</a:t>
+            </a:r>
+          </a:p>
+        </p:txBody>
+      </p:sp>
+      <p:sp>
+        <p:nvSpPr>
+          <p:cNvPr id="13" name="Rectangle 12">
+            <a:extLst>
+              <a:ext uri="{FF2B5EF4-FFF2-40B4-BE49-F238E27FC236}">
+                <a16:creationId xmlns:a16="http://schemas.microsoft.com/office/drawing/2014/main" id="{CBDE74C0-49DE-4EC6-AF32-FBCCE8A3C879}"/>
+              </a:ext>
+            </a:extLst>
+          </p:cNvPr>
+          <p:cNvSpPr/>
+          <p:nvPr/>
+        </p:nvSpPr>
+        <p:spPr>
+          <a:xfrm>
+            <a:off x="2220686" y="3320143"/>
+            <a:ext cx="7141028" cy="2231571"/>
+          </a:xfrm>
+          <a:prstGeom prst="rect">
+            <a:avLst/>
+          </a:prstGeom>
+          <a:noFill/>
+          <a:ln>
+            <a:solidFill>
+              <a:srgbClr val="FF0000"/>
+            </a:solidFill>
+            <a:prstDash val="lgDash"/>
+          </a:ln>
+        </p:spPr>
+        <p:style>
+          <a:lnRef idx="2">
+            <a:schemeClr val="accent1">
+              <a:shade val="50000"/>
+            </a:schemeClr>
+          </a:lnRef>
+          <a:fillRef idx="1">
+            <a:schemeClr val="accent1"/>
+          </a:fillRef>
+          <a:effectRef idx="0">
+            <a:schemeClr val="accent1"/>
+          </a:effectRef>
+          <a:fontRef idx="minor">
+            <a:schemeClr val="lt1"/>
+          </a:fontRef>
+        </p:style>
+        <p:txBody>
+          <a:bodyPr rtlCol="0" anchor="ctr"/>
+          <a:lstStyle/>
+          <a:p>
+            <a:pPr algn="ctr"/>
+            <a:endParaRPr lang="en-US"/>
+          </a:p>
+        </p:txBody>
+      </p:sp>
+      <p:sp>
+        <p:nvSpPr>
+          <p:cNvPr id="30" name="TextBox 29">
+            <a:extLst>
+              <a:ext uri="{FF2B5EF4-FFF2-40B4-BE49-F238E27FC236}">
+                <a16:creationId xmlns:a16="http://schemas.microsoft.com/office/drawing/2014/main" id="{D016589C-6BD9-4F55-A7E4-454C97328AB5}"/>
+              </a:ext>
+            </a:extLst>
+          </p:cNvPr>
+          <p:cNvSpPr txBox="1"/>
+          <p:nvPr/>
+        </p:nvSpPr>
+        <p:spPr>
+          <a:xfrm>
+            <a:off x="870858" y="1785652"/>
+            <a:ext cx="2198914" cy="830997"/>
+          </a:xfrm>
+          <a:prstGeom prst="rect">
+            <a:avLst/>
+          </a:prstGeom>
+          <a:noFill/>
+        </p:spPr>
+        <p:txBody>
+          <a:bodyPr wrap="square" rtlCol="0">
+            <a:spAutoFit/>
+          </a:bodyPr>
+          <a:lstStyle/>
+          <a:p>
+            <a:r>
+              <a:rPr lang="en-US" sz="2400" dirty="0"/>
+              <a:t>selector: </a:t>
+            </a:r>
+          </a:p>
+          <a:p>
+            <a:r>
+              <a:rPr lang="en-US" sz="2400" dirty="0"/>
+              <a:t>  app: app-a</a:t>
+            </a:r>
+          </a:p>
+        </p:txBody>
+      </p:sp>
+    </p:spTree>
+    <p:extLst>
+      <p:ext uri="{BB962C8B-B14F-4D97-AF65-F5344CB8AC3E}">
+        <p14:creationId xmlns:p14="http://schemas.microsoft.com/office/powerpoint/2010/main" val="517086552"/>
+      </p:ext>
+    </p:extLst>
+  </p:cSld>
+  <p:clrMapOvr>
+    <a:masterClrMapping/>
+  </p:clrMapOvr>
+</p:sld>
+</file>
+
+<file path=ppt/slides/slide38.xml><?xml version="1.0" encoding="utf-8"?>
+<p:sld xmlns:a="http://schemas.openxmlformats.org/drawingml/2006/main" xmlns:r="http://schemas.openxmlformats.org/officeDocument/2006/relationships" xmlns:p="http://schemas.openxmlformats.org/presentationml/2006/main">
+  <p:cSld>
+    <p:spTree>
+      <p:nvGrpSpPr>
+        <p:cNvPr id="1" name=""/>
+        <p:cNvGrpSpPr/>
+        <p:nvPr/>
+      </p:nvGrpSpPr>
+      <p:grpSpPr>
+        <a:xfrm>
+          <a:off x="0" y="0"/>
+          <a:ext cx="0" cy="0"/>
+          <a:chOff x="0" y="0"/>
+          <a:chExt cx="0" cy="0"/>
+        </a:xfrm>
+      </p:grpSpPr>
+      <p:sp>
+        <p:nvSpPr>
+          <p:cNvPr id="2" name="Title 1">
+            <a:extLst>
+              <a:ext uri="{FF2B5EF4-FFF2-40B4-BE49-F238E27FC236}">
+                <a16:creationId xmlns:a16="http://schemas.microsoft.com/office/drawing/2014/main" id="{AF708F16-5DBC-4B6A-8DFC-6213EECAA9C2}"/>
+              </a:ext>
+            </a:extLst>
+          </p:cNvPr>
+          <p:cNvSpPr>
+            <a:spLocks noGrp="1"/>
+          </p:cNvSpPr>
+          <p:nvPr>
+            <p:ph type="title"/>
+          </p:nvPr>
+        </p:nvSpPr>
+        <p:spPr/>
+        <p:txBody>
+          <a:bodyPr/>
+          <a:lstStyle/>
+          <a:p>
+            <a:r>
+              <a:rPr lang="en-US" dirty="0"/>
+              <a:t>Labels and selector</a:t>
+            </a:r>
+          </a:p>
+        </p:txBody>
+      </p:sp>
+      <p:pic>
+        <p:nvPicPr>
+          <p:cNvPr id="4" name="Google Shape;56;p13">
+            <a:extLst>
+              <a:ext uri="{FF2B5EF4-FFF2-40B4-BE49-F238E27FC236}">
+                <a16:creationId xmlns:a16="http://schemas.microsoft.com/office/drawing/2014/main" id="{5DC2FED0-7C5F-460C-998D-2520FD324176}"/>
+              </a:ext>
+            </a:extLst>
+          </p:cNvPr>
+          <p:cNvPicPr preferRelativeResize="0"/>
+          <p:nvPr/>
+        </p:nvPicPr>
+        <p:blipFill>
+          <a:blip r:embed="rId3">
+            <a:alphaModFix/>
+          </a:blip>
+          <a:stretch>
+            <a:fillRect/>
+          </a:stretch>
+        </p:blipFill>
+        <p:spPr>
+          <a:xfrm>
+            <a:off x="10989179" y="5736492"/>
+            <a:ext cx="1202821" cy="1121508"/>
+          </a:xfrm>
+          <a:prstGeom prst="rect">
+            <a:avLst/>
+          </a:prstGeom>
+          <a:noFill/>
+          <a:ln>
+            <a:noFill/>
+          </a:ln>
+        </p:spPr>
+      </p:pic>
+      <p:pic>
+        <p:nvPicPr>
+          <p:cNvPr id="5" name="Picture 4">
+            <a:extLst>
+              <a:ext uri="{FF2B5EF4-FFF2-40B4-BE49-F238E27FC236}">
+                <a16:creationId xmlns:a16="http://schemas.microsoft.com/office/drawing/2014/main" id="{86A17813-B73F-471E-ABB2-08A18EC70133}"/>
+              </a:ext>
+            </a:extLst>
+          </p:cNvPr>
+          <p:cNvPicPr>
+            <a:picLocks noChangeAspect="1"/>
+          </p:cNvPicPr>
+          <p:nvPr/>
+        </p:nvPicPr>
+        <p:blipFill>
+          <a:blip r:embed="rId4"/>
+          <a:stretch>
+            <a:fillRect/>
+          </a:stretch>
+        </p:blipFill>
+        <p:spPr>
+          <a:xfrm>
+            <a:off x="10935891" y="593367"/>
+            <a:ext cx="840509" cy="775369"/>
+          </a:xfrm>
+          <a:prstGeom prst="rect">
+            <a:avLst/>
+          </a:prstGeom>
+        </p:spPr>
+      </p:pic>
+      <p:grpSp>
+        <p:nvGrpSpPr>
+          <p:cNvPr id="7" name="Group 6">
+            <a:extLst>
+              <a:ext uri="{FF2B5EF4-FFF2-40B4-BE49-F238E27FC236}">
+                <a16:creationId xmlns:a16="http://schemas.microsoft.com/office/drawing/2014/main" id="{1164EF3A-ED60-47A5-B430-569313137FD3}"/>
+              </a:ext>
+            </a:extLst>
+          </p:cNvPr>
+          <p:cNvGrpSpPr/>
+          <p:nvPr/>
+        </p:nvGrpSpPr>
+        <p:grpSpPr>
+          <a:xfrm>
+            <a:off x="2412201" y="3429000"/>
+            <a:ext cx="1260389" cy="774081"/>
+            <a:chOff x="3392331" y="4547286"/>
+            <a:chExt cx="1260389" cy="774081"/>
+          </a:xfrm>
+        </p:grpSpPr>
+        <p:sp>
+          <p:nvSpPr>
+            <p:cNvPr id="15" name="Rectangle: Rounded Corners 14">
+              <a:extLst>
+                <a:ext uri="{FF2B5EF4-FFF2-40B4-BE49-F238E27FC236}">
+                  <a16:creationId xmlns:a16="http://schemas.microsoft.com/office/drawing/2014/main" id="{32E941F0-186B-4E44-ABA2-C8931FB3E149}"/>
+                </a:ext>
+              </a:extLst>
+            </p:cNvPr>
+            <p:cNvSpPr/>
+            <p:nvPr/>
+          </p:nvSpPr>
+          <p:spPr>
+            <a:xfrm>
+              <a:off x="3392331" y="4547286"/>
+              <a:ext cx="1260389" cy="774081"/>
+            </a:xfrm>
+            <a:prstGeom prst="roundRect">
+              <a:avLst/>
+            </a:prstGeom>
+            <a:solidFill>
+              <a:schemeClr val="accent6">
+                <a:lumMod val="20000"/>
+                <a:lumOff val="80000"/>
+              </a:schemeClr>
+            </a:solidFill>
+          </p:spPr>
+          <p:style>
+            <a:lnRef idx="2">
+              <a:schemeClr val="accent1">
+                <a:shade val="50000"/>
+              </a:schemeClr>
+            </a:lnRef>
+            <a:fillRef idx="1">
+              <a:schemeClr val="accent1"/>
+            </a:fillRef>
+            <a:effectRef idx="0">
+              <a:schemeClr val="accent1"/>
+            </a:effectRef>
+            <a:fontRef idx="minor">
+              <a:schemeClr val="lt1"/>
+            </a:fontRef>
+          </p:style>
+          <p:txBody>
+            <a:bodyPr rtlCol="0" anchor="t" anchorCtr="0"/>
+            <a:lstStyle/>
+            <a:p>
+              <a:pPr algn="ctr"/>
+              <a:r>
+                <a:rPr lang="en-US" dirty="0">
+                  <a:solidFill>
+                    <a:schemeClr val="tx1"/>
+                  </a:solidFill>
+                </a:rPr>
+                <a:t>pod</a:t>
+              </a:r>
+            </a:p>
+          </p:txBody>
+        </p:sp>
+        <p:sp>
+          <p:nvSpPr>
+            <p:cNvPr id="16" name="Rectangle: Rounded Corners 15">
+              <a:extLst>
+                <a:ext uri="{FF2B5EF4-FFF2-40B4-BE49-F238E27FC236}">
+                  <a16:creationId xmlns:a16="http://schemas.microsoft.com/office/drawing/2014/main" id="{CB335A6C-4AA9-448C-95B8-87A623E1C9E6}"/>
+                </a:ext>
+              </a:extLst>
+            </p:cNvPr>
+            <p:cNvSpPr/>
+            <p:nvPr/>
+          </p:nvSpPr>
+          <p:spPr>
+            <a:xfrm>
+              <a:off x="3577682" y="4930346"/>
+              <a:ext cx="939114" cy="247135"/>
+            </a:xfrm>
+            <a:prstGeom prst="roundRect">
+              <a:avLst/>
+            </a:prstGeom>
+            <a:solidFill>
+              <a:schemeClr val="accent5">
+                <a:lumMod val="75000"/>
+              </a:schemeClr>
+            </a:solidFill>
+          </p:spPr>
+          <p:style>
+            <a:lnRef idx="2">
+              <a:schemeClr val="accent1">
+                <a:shade val="50000"/>
+              </a:schemeClr>
+            </a:lnRef>
+            <a:fillRef idx="1">
+              <a:schemeClr val="accent1"/>
+            </a:fillRef>
+            <a:effectRef idx="0">
+              <a:schemeClr val="accent1"/>
+            </a:effectRef>
+            <a:fontRef idx="minor">
+              <a:schemeClr val="lt1"/>
+            </a:fontRef>
+          </p:style>
+          <p:txBody>
+            <a:bodyPr rtlCol="0" anchor="ctr"/>
+            <a:lstStyle/>
+            <a:p>
+              <a:pPr algn="ctr"/>
+              <a:r>
+                <a:rPr lang="en-US" dirty="0"/>
+                <a:t>app-a</a:t>
+              </a:r>
+            </a:p>
+          </p:txBody>
+        </p:sp>
+      </p:grpSp>
+      <p:grpSp>
+        <p:nvGrpSpPr>
+          <p:cNvPr id="6" name="Group 5">
+            <a:extLst>
+              <a:ext uri="{FF2B5EF4-FFF2-40B4-BE49-F238E27FC236}">
+                <a16:creationId xmlns:a16="http://schemas.microsoft.com/office/drawing/2014/main" id="{5F5894B7-F650-4EF4-A53B-B41F937D1DB2}"/>
+              </a:ext>
+            </a:extLst>
+          </p:cNvPr>
+          <p:cNvGrpSpPr/>
+          <p:nvPr/>
+        </p:nvGrpSpPr>
+        <p:grpSpPr>
+          <a:xfrm>
+            <a:off x="5107861" y="3429001"/>
+            <a:ext cx="1260389" cy="774081"/>
+            <a:chOff x="4838071" y="4547285"/>
+            <a:chExt cx="1260389" cy="774081"/>
+          </a:xfrm>
+        </p:grpSpPr>
+        <p:sp>
+          <p:nvSpPr>
+            <p:cNvPr id="18" name="Rectangle: Rounded Corners 17">
+              <a:extLst>
+                <a:ext uri="{FF2B5EF4-FFF2-40B4-BE49-F238E27FC236}">
+                  <a16:creationId xmlns:a16="http://schemas.microsoft.com/office/drawing/2014/main" id="{FF1F4554-6966-4B0B-93C3-37CAE3E3B244}"/>
+                </a:ext>
+              </a:extLst>
+            </p:cNvPr>
+            <p:cNvSpPr/>
+            <p:nvPr/>
+          </p:nvSpPr>
+          <p:spPr>
+            <a:xfrm>
+              <a:off x="4838071" y="4547285"/>
+              <a:ext cx="1260389" cy="774081"/>
+            </a:xfrm>
+            <a:prstGeom prst="roundRect">
+              <a:avLst/>
+            </a:prstGeom>
+            <a:solidFill>
+              <a:schemeClr val="accent6">
+                <a:lumMod val="20000"/>
+                <a:lumOff val="80000"/>
+              </a:schemeClr>
+            </a:solidFill>
+          </p:spPr>
+          <p:style>
+            <a:lnRef idx="2">
+              <a:schemeClr val="accent1">
+                <a:shade val="50000"/>
+              </a:schemeClr>
+            </a:lnRef>
+            <a:fillRef idx="1">
+              <a:schemeClr val="accent1"/>
+            </a:fillRef>
+            <a:effectRef idx="0">
+              <a:schemeClr val="accent1"/>
+            </a:effectRef>
+            <a:fontRef idx="minor">
+              <a:schemeClr val="lt1"/>
+            </a:fontRef>
+          </p:style>
+          <p:txBody>
+            <a:bodyPr rtlCol="0" anchor="t" anchorCtr="0"/>
+            <a:lstStyle/>
+            <a:p>
+              <a:pPr algn="ctr"/>
+              <a:r>
+                <a:rPr lang="en-US" dirty="0">
+                  <a:solidFill>
+                    <a:schemeClr val="tx1"/>
+                  </a:solidFill>
+                </a:rPr>
+                <a:t>pod</a:t>
+              </a:r>
+            </a:p>
+          </p:txBody>
+        </p:sp>
+        <p:sp>
+          <p:nvSpPr>
+            <p:cNvPr id="19" name="Rectangle: Rounded Corners 18">
+              <a:extLst>
+                <a:ext uri="{FF2B5EF4-FFF2-40B4-BE49-F238E27FC236}">
+                  <a16:creationId xmlns:a16="http://schemas.microsoft.com/office/drawing/2014/main" id="{1536A280-A8E7-439E-8C13-6D3DB608B383}"/>
+                </a:ext>
+              </a:extLst>
+            </p:cNvPr>
+            <p:cNvSpPr/>
+            <p:nvPr/>
+          </p:nvSpPr>
+          <p:spPr>
+            <a:xfrm>
+              <a:off x="5010081" y="4934325"/>
+              <a:ext cx="939114" cy="247135"/>
+            </a:xfrm>
+            <a:prstGeom prst="roundRect">
+              <a:avLst/>
+            </a:prstGeom>
+            <a:solidFill>
+              <a:schemeClr val="accent5">
+                <a:lumMod val="75000"/>
+              </a:schemeClr>
+            </a:solidFill>
+          </p:spPr>
+          <p:style>
+            <a:lnRef idx="2">
+              <a:schemeClr val="accent1">
+                <a:shade val="50000"/>
+              </a:schemeClr>
+            </a:lnRef>
+            <a:fillRef idx="1">
+              <a:schemeClr val="accent1"/>
+            </a:fillRef>
+            <a:effectRef idx="0">
+              <a:schemeClr val="accent1"/>
+            </a:effectRef>
+            <a:fontRef idx="minor">
+              <a:schemeClr val="lt1"/>
+            </a:fontRef>
+          </p:style>
+          <p:txBody>
+            <a:bodyPr rtlCol="0" anchor="ctr"/>
+            <a:lstStyle/>
+            <a:p>
+              <a:pPr algn="ctr"/>
+              <a:r>
+                <a:rPr lang="en-US" dirty="0"/>
+                <a:t>app-a</a:t>
+              </a:r>
+            </a:p>
+          </p:txBody>
+        </p:sp>
+      </p:grpSp>
+      <p:grpSp>
+        <p:nvGrpSpPr>
+          <p:cNvPr id="20" name="Group 19">
+            <a:extLst>
+              <a:ext uri="{FF2B5EF4-FFF2-40B4-BE49-F238E27FC236}">
+                <a16:creationId xmlns:a16="http://schemas.microsoft.com/office/drawing/2014/main" id="{C49A44BD-28EB-45B6-8702-EA892451F5AF}"/>
+              </a:ext>
+            </a:extLst>
+          </p:cNvPr>
+          <p:cNvGrpSpPr/>
+          <p:nvPr/>
+        </p:nvGrpSpPr>
+        <p:grpSpPr>
+          <a:xfrm>
+            <a:off x="7803521" y="3429001"/>
+            <a:ext cx="1260389" cy="774081"/>
+            <a:chOff x="7722785" y="4734272"/>
+            <a:chExt cx="1260389" cy="774081"/>
+          </a:xfrm>
+        </p:grpSpPr>
+        <p:sp>
+          <p:nvSpPr>
+            <p:cNvPr id="21" name="Rectangle: Rounded Corners 20">
+              <a:extLst>
+                <a:ext uri="{FF2B5EF4-FFF2-40B4-BE49-F238E27FC236}">
+                  <a16:creationId xmlns:a16="http://schemas.microsoft.com/office/drawing/2014/main" id="{9152AF01-5601-47C2-A52D-FEF92FCB7D6E}"/>
+                </a:ext>
+              </a:extLst>
+            </p:cNvPr>
+            <p:cNvSpPr/>
+            <p:nvPr/>
+          </p:nvSpPr>
+          <p:spPr>
+            <a:xfrm>
+              <a:off x="7722785" y="4734272"/>
+              <a:ext cx="1260389" cy="774081"/>
+            </a:xfrm>
+            <a:prstGeom prst="roundRect">
+              <a:avLst/>
+            </a:prstGeom>
+            <a:solidFill>
+              <a:schemeClr val="accent6">
+                <a:lumMod val="20000"/>
+                <a:lumOff val="80000"/>
+              </a:schemeClr>
+            </a:solidFill>
+          </p:spPr>
+          <p:style>
+            <a:lnRef idx="2">
+              <a:schemeClr val="accent1">
+                <a:shade val="50000"/>
+              </a:schemeClr>
+            </a:lnRef>
+            <a:fillRef idx="1">
+              <a:schemeClr val="accent1"/>
+            </a:fillRef>
+            <a:effectRef idx="0">
+              <a:schemeClr val="accent1"/>
+            </a:effectRef>
+            <a:fontRef idx="minor">
+              <a:schemeClr val="lt1"/>
+            </a:fontRef>
+          </p:style>
+          <p:txBody>
+            <a:bodyPr rtlCol="0" anchor="t" anchorCtr="0"/>
+            <a:lstStyle/>
+            <a:p>
+              <a:pPr algn="ctr"/>
+              <a:r>
+                <a:rPr lang="en-US" dirty="0">
+                  <a:solidFill>
+                    <a:schemeClr val="tx1"/>
+                  </a:solidFill>
+                </a:rPr>
+                <a:t>pod</a:t>
+              </a:r>
+            </a:p>
+          </p:txBody>
+        </p:sp>
+        <p:sp>
+          <p:nvSpPr>
+            <p:cNvPr id="22" name="Rectangle: Rounded Corners 21">
+              <a:extLst>
+                <a:ext uri="{FF2B5EF4-FFF2-40B4-BE49-F238E27FC236}">
+                  <a16:creationId xmlns:a16="http://schemas.microsoft.com/office/drawing/2014/main" id="{82D5BDB7-DF51-4B11-B5A9-E02BE9119A96}"/>
+                </a:ext>
+              </a:extLst>
+            </p:cNvPr>
+            <p:cNvSpPr/>
+            <p:nvPr/>
+          </p:nvSpPr>
+          <p:spPr>
+            <a:xfrm>
+              <a:off x="7894795" y="5121312"/>
+              <a:ext cx="939114" cy="247135"/>
+            </a:xfrm>
+            <a:prstGeom prst="roundRect">
+              <a:avLst/>
+            </a:prstGeom>
+            <a:solidFill>
+              <a:schemeClr val="accent5">
+                <a:lumMod val="75000"/>
+              </a:schemeClr>
+            </a:solidFill>
+          </p:spPr>
+          <p:style>
+            <a:lnRef idx="2">
+              <a:schemeClr val="accent1">
+                <a:shade val="50000"/>
+              </a:schemeClr>
+            </a:lnRef>
+            <a:fillRef idx="1">
+              <a:schemeClr val="accent1"/>
+            </a:fillRef>
+            <a:effectRef idx="0">
+              <a:schemeClr val="accent1"/>
+            </a:effectRef>
+            <a:fontRef idx="minor">
+              <a:schemeClr val="lt1"/>
+            </a:fontRef>
+          </p:style>
+          <p:txBody>
+            <a:bodyPr rtlCol="0" anchor="ctr"/>
+            <a:lstStyle/>
+            <a:p>
+              <a:pPr algn="ctr"/>
+              <a:r>
+                <a:rPr lang="en-US" dirty="0"/>
+                <a:t>app-a</a:t>
+              </a:r>
+            </a:p>
+          </p:txBody>
+        </p:sp>
+      </p:grpSp>
+      <p:sp>
+        <p:nvSpPr>
+          <p:cNvPr id="33" name="Rectangle: Rounded Corners 32">
+            <a:extLst>
+              <a:ext uri="{FF2B5EF4-FFF2-40B4-BE49-F238E27FC236}">
+                <a16:creationId xmlns:a16="http://schemas.microsoft.com/office/drawing/2014/main" id="{AC367372-C5F5-42A3-A0A7-7DB9554FCF02}"/>
+              </a:ext>
+            </a:extLst>
+          </p:cNvPr>
+          <p:cNvSpPr/>
+          <p:nvPr/>
+        </p:nvSpPr>
+        <p:spPr>
+          <a:xfrm>
+            <a:off x="2412201" y="4442255"/>
+            <a:ext cx="1260389" cy="890868"/>
+          </a:xfrm>
+          <a:prstGeom prst="roundRect">
+            <a:avLst/>
+          </a:prstGeom>
+          <a:noFill/>
+          <a:ln>
+            <a:prstDash val="lgDash"/>
+          </a:ln>
+        </p:spPr>
+        <p:style>
+          <a:lnRef idx="2">
+            <a:schemeClr val="accent1">
+              <a:shade val="50000"/>
+            </a:schemeClr>
+          </a:lnRef>
+          <a:fillRef idx="1">
+            <a:schemeClr val="accent1"/>
+          </a:fillRef>
+          <a:effectRef idx="0">
+            <a:schemeClr val="accent1"/>
+          </a:effectRef>
+          <a:fontRef idx="minor">
+            <a:schemeClr val="lt1"/>
+          </a:fontRef>
+        </p:style>
+        <p:txBody>
+          <a:bodyPr rtlCol="0" anchor="t" anchorCtr="0"/>
+          <a:lstStyle/>
+          <a:p>
+            <a:r>
+              <a:rPr lang="en-US" sz="1600" dirty="0">
+                <a:solidFill>
+                  <a:schemeClr val="tx1"/>
+                </a:solidFill>
+              </a:rPr>
+              <a:t>labels:</a:t>
+            </a:r>
+          </a:p>
+          <a:p>
+            <a:r>
+              <a:rPr lang="en-US" sz="1600" dirty="0">
+                <a:solidFill>
+                  <a:srgbClr val="FF0000"/>
+                </a:solidFill>
+              </a:rPr>
+              <a:t> app: app-a</a:t>
+            </a:r>
+          </a:p>
+          <a:p>
+            <a:r>
+              <a:rPr lang="en-US" sz="1600" dirty="0">
+                <a:solidFill>
+                  <a:schemeClr val="tx1"/>
+                </a:solidFill>
+              </a:rPr>
+              <a:t> </a:t>
+            </a:r>
+            <a:r>
+              <a:rPr lang="en-US" sz="1600" dirty="0">
+                <a:solidFill>
+                  <a:srgbClr val="FF0000"/>
+                </a:solidFill>
+              </a:rPr>
+              <a:t>version: v1</a:t>
+            </a:r>
+          </a:p>
+        </p:txBody>
+      </p:sp>
+      <p:sp>
+        <p:nvSpPr>
+          <p:cNvPr id="27" name="Rectangle: Rounded Corners 26">
+            <a:extLst>
+              <a:ext uri="{FF2B5EF4-FFF2-40B4-BE49-F238E27FC236}">
+                <a16:creationId xmlns:a16="http://schemas.microsoft.com/office/drawing/2014/main" id="{2B3E011A-F420-4C89-8F85-086A8AD1EB1F}"/>
+              </a:ext>
+            </a:extLst>
+          </p:cNvPr>
+          <p:cNvSpPr/>
+          <p:nvPr/>
+        </p:nvSpPr>
+        <p:spPr>
+          <a:xfrm>
+            <a:off x="5107860" y="4442255"/>
+            <a:ext cx="1260389" cy="890868"/>
+          </a:xfrm>
+          <a:prstGeom prst="roundRect">
+            <a:avLst/>
+          </a:prstGeom>
+          <a:noFill/>
+          <a:ln>
+            <a:prstDash val="lgDash"/>
+          </a:ln>
+        </p:spPr>
+        <p:style>
+          <a:lnRef idx="2">
+            <a:schemeClr val="accent1">
+              <a:shade val="50000"/>
+            </a:schemeClr>
+          </a:lnRef>
+          <a:fillRef idx="1">
+            <a:schemeClr val="accent1"/>
+          </a:fillRef>
+          <a:effectRef idx="0">
+            <a:schemeClr val="accent1"/>
+          </a:effectRef>
+          <a:fontRef idx="minor">
+            <a:schemeClr val="lt1"/>
+          </a:fontRef>
+        </p:style>
+        <p:txBody>
+          <a:bodyPr rtlCol="0" anchor="t" anchorCtr="0"/>
+          <a:lstStyle/>
+          <a:p>
+            <a:r>
+              <a:rPr lang="en-US" sz="1600" dirty="0">
+                <a:solidFill>
+                  <a:schemeClr val="tx1"/>
+                </a:solidFill>
+              </a:rPr>
+              <a:t>labels:</a:t>
+            </a:r>
+          </a:p>
+          <a:p>
+            <a:r>
+              <a:rPr lang="en-US" sz="1600" dirty="0">
+                <a:solidFill>
+                  <a:schemeClr val="tx1"/>
+                </a:solidFill>
+              </a:rPr>
+              <a:t> </a:t>
+            </a:r>
+            <a:r>
+              <a:rPr lang="en-US" sz="1600" dirty="0">
+                <a:solidFill>
+                  <a:srgbClr val="FF0000"/>
+                </a:solidFill>
+              </a:rPr>
+              <a:t>app: app-a</a:t>
+            </a:r>
+          </a:p>
+          <a:p>
+            <a:r>
+              <a:rPr lang="en-US" sz="1600" dirty="0">
+                <a:solidFill>
+                  <a:schemeClr val="tx1"/>
+                </a:solidFill>
+              </a:rPr>
+              <a:t> </a:t>
+            </a:r>
+            <a:r>
+              <a:rPr lang="en-US" sz="1600" dirty="0">
+                <a:solidFill>
+                  <a:srgbClr val="FF0000"/>
+                </a:solidFill>
+              </a:rPr>
+              <a:t>version: v1</a:t>
+            </a:r>
+          </a:p>
+        </p:txBody>
+      </p:sp>
+      <p:sp>
+        <p:nvSpPr>
+          <p:cNvPr id="28" name="Rectangle: Rounded Corners 27">
+            <a:extLst>
+              <a:ext uri="{FF2B5EF4-FFF2-40B4-BE49-F238E27FC236}">
+                <a16:creationId xmlns:a16="http://schemas.microsoft.com/office/drawing/2014/main" id="{BDAA3DD3-B10C-414E-9668-23035D51D15C}"/>
+              </a:ext>
+            </a:extLst>
+          </p:cNvPr>
+          <p:cNvSpPr/>
+          <p:nvPr/>
+        </p:nvSpPr>
+        <p:spPr>
+          <a:xfrm>
+            <a:off x="7803519" y="4442255"/>
+            <a:ext cx="1260389" cy="890868"/>
+          </a:xfrm>
+          <a:prstGeom prst="roundRect">
+            <a:avLst/>
+          </a:prstGeom>
+          <a:noFill/>
+          <a:ln>
+            <a:prstDash val="lgDash"/>
+          </a:ln>
+        </p:spPr>
+        <p:style>
+          <a:lnRef idx="2">
+            <a:schemeClr val="accent1">
+              <a:shade val="50000"/>
+            </a:schemeClr>
+          </a:lnRef>
+          <a:fillRef idx="1">
+            <a:schemeClr val="accent1"/>
+          </a:fillRef>
+          <a:effectRef idx="0">
+            <a:schemeClr val="accent1"/>
+          </a:effectRef>
+          <a:fontRef idx="minor">
+            <a:schemeClr val="lt1"/>
+          </a:fontRef>
+        </p:style>
+        <p:txBody>
+          <a:bodyPr rtlCol="0" anchor="t" anchorCtr="0"/>
+          <a:lstStyle/>
+          <a:p>
+            <a:r>
+              <a:rPr lang="en-US" sz="1600" dirty="0">
+                <a:solidFill>
+                  <a:schemeClr val="tx1"/>
+                </a:solidFill>
+              </a:rPr>
+              <a:t>labels:</a:t>
+            </a:r>
+          </a:p>
+          <a:p>
+            <a:r>
+              <a:rPr lang="en-US" sz="1600" dirty="0">
+                <a:solidFill>
+                  <a:schemeClr val="tx1"/>
+                </a:solidFill>
+              </a:rPr>
+              <a:t> </a:t>
+            </a:r>
+            <a:r>
+              <a:rPr lang="en-US" sz="1600" dirty="0">
+                <a:solidFill>
+                  <a:srgbClr val="FF0000"/>
+                </a:solidFill>
+              </a:rPr>
+              <a:t>app: app-a</a:t>
+            </a:r>
+          </a:p>
+          <a:p>
+            <a:r>
+              <a:rPr lang="en-US" sz="1600" dirty="0">
+                <a:solidFill>
+                  <a:schemeClr val="tx1"/>
+                </a:solidFill>
+              </a:rPr>
+              <a:t> version: v2</a:t>
+            </a:r>
+          </a:p>
+        </p:txBody>
+      </p:sp>
+      <p:sp>
+        <p:nvSpPr>
+          <p:cNvPr id="12" name="TextBox 11">
+            <a:extLst>
+              <a:ext uri="{FF2B5EF4-FFF2-40B4-BE49-F238E27FC236}">
+                <a16:creationId xmlns:a16="http://schemas.microsoft.com/office/drawing/2014/main" id="{138ECD5E-FCEB-4DC7-B444-448EB01F0BA9}"/>
+              </a:ext>
+            </a:extLst>
+          </p:cNvPr>
+          <p:cNvSpPr txBox="1"/>
+          <p:nvPr/>
+        </p:nvSpPr>
+        <p:spPr>
+          <a:xfrm>
+            <a:off x="870858" y="1785652"/>
+            <a:ext cx="2198914" cy="1200329"/>
+          </a:xfrm>
+          <a:prstGeom prst="rect">
+            <a:avLst/>
+          </a:prstGeom>
+          <a:noFill/>
+        </p:spPr>
+        <p:txBody>
+          <a:bodyPr wrap="square" rtlCol="0">
+            <a:spAutoFit/>
+          </a:bodyPr>
+          <a:lstStyle/>
+          <a:p>
+            <a:r>
+              <a:rPr lang="en-US" sz="2400" dirty="0"/>
+              <a:t>selector: </a:t>
+            </a:r>
+          </a:p>
+          <a:p>
+            <a:r>
+              <a:rPr lang="en-US" sz="2400" dirty="0"/>
+              <a:t>  app: app-a</a:t>
+            </a:r>
+          </a:p>
+          <a:p>
+            <a:r>
+              <a:rPr lang="en-US" sz="2400" dirty="0"/>
+              <a:t>  version: v1</a:t>
+            </a:r>
+          </a:p>
+        </p:txBody>
+      </p:sp>
+      <p:sp>
+        <p:nvSpPr>
+          <p:cNvPr id="13" name="Rectangle 12">
+            <a:extLst>
+              <a:ext uri="{FF2B5EF4-FFF2-40B4-BE49-F238E27FC236}">
+                <a16:creationId xmlns:a16="http://schemas.microsoft.com/office/drawing/2014/main" id="{CBDE74C0-49DE-4EC6-AF32-FBCCE8A3C879}"/>
+              </a:ext>
+            </a:extLst>
+          </p:cNvPr>
+          <p:cNvSpPr/>
+          <p:nvPr/>
+        </p:nvSpPr>
+        <p:spPr>
+          <a:xfrm>
+            <a:off x="2220686" y="3320143"/>
+            <a:ext cx="4506685" cy="2231571"/>
+          </a:xfrm>
+          <a:prstGeom prst="rect">
+            <a:avLst/>
+          </a:prstGeom>
+          <a:noFill/>
+          <a:ln>
+            <a:solidFill>
+              <a:srgbClr val="FF0000"/>
+            </a:solidFill>
+            <a:prstDash val="lgDash"/>
+          </a:ln>
+        </p:spPr>
+        <p:style>
+          <a:lnRef idx="2">
+            <a:schemeClr val="accent1">
+              <a:shade val="50000"/>
+            </a:schemeClr>
+          </a:lnRef>
+          <a:fillRef idx="1">
+            <a:schemeClr val="accent1"/>
+          </a:fillRef>
+          <a:effectRef idx="0">
+            <a:schemeClr val="accent1"/>
+          </a:effectRef>
+          <a:fontRef idx="minor">
+            <a:schemeClr val="lt1"/>
+          </a:fontRef>
+        </p:style>
+        <p:txBody>
+          <a:bodyPr rtlCol="0" anchor="ctr"/>
+          <a:lstStyle/>
+          <a:p>
+            <a:pPr algn="ctr"/>
+            <a:endParaRPr lang="en-US"/>
+          </a:p>
+        </p:txBody>
+      </p:sp>
+    </p:spTree>
+    <p:extLst>
+      <p:ext uri="{BB962C8B-B14F-4D97-AF65-F5344CB8AC3E}">
+        <p14:creationId xmlns:p14="http://schemas.microsoft.com/office/powerpoint/2010/main" val="4266133739"/>
+      </p:ext>
+    </p:extLst>
+  </p:cSld>
+  <p:clrMapOvr>
+    <a:masterClrMapping/>
+  </p:clrMapOvr>
+</p:sld>
+</file>
+
+<file path=ppt/slides/slide39.xml><?xml version="1.0" encoding="utf-8"?>
 <p:sld xmlns:a="http://schemas.openxmlformats.org/drawingml/2006/main" xmlns:r="http://schemas.openxmlformats.org/officeDocument/2006/relationships" xmlns:p="http://schemas.openxmlformats.org/presentationml/2006/main">
   <p:cSld>
     <p:bg>
@@ -31080,7 +38942,296 @@
 </p:sld>
 </file>
 
-<file path=ppt/slides/slide32.xml><?xml version="1.0" encoding="utf-8"?>
+<file path=ppt/slides/slide4.xml><?xml version="1.0" encoding="utf-8"?>
+<p:sld xmlns:a="http://schemas.openxmlformats.org/drawingml/2006/main" xmlns:r="http://schemas.openxmlformats.org/officeDocument/2006/relationships" xmlns:p="http://schemas.openxmlformats.org/presentationml/2006/main">
+  <p:cSld>
+    <p:spTree>
+      <p:nvGrpSpPr>
+        <p:cNvPr id="1" name="Shape 67"/>
+        <p:cNvGrpSpPr/>
+        <p:nvPr/>
+      </p:nvGrpSpPr>
+      <p:grpSpPr>
+        <a:xfrm>
+          <a:off x="0" y="0"/>
+          <a:ext cx="0" cy="0"/>
+          <a:chOff x="0" y="0"/>
+          <a:chExt cx="0" cy="0"/>
+        </a:xfrm>
+      </p:grpSpPr>
+      <p:sp>
+        <p:nvSpPr>
+          <p:cNvPr id="68" name="Google Shape;68;p15"/>
+          <p:cNvSpPr txBox="1">
+            <a:spLocks noGrp="1"/>
+          </p:cNvSpPr>
+          <p:nvPr>
+            <p:ph type="title"/>
+          </p:nvPr>
+        </p:nvSpPr>
+        <p:spPr>
+          <a:xfrm>
+            <a:off x="415600" y="593367"/>
+            <a:ext cx="11360800" cy="763600"/>
+          </a:xfrm>
+          <a:prstGeom prst="rect">
+            <a:avLst/>
+          </a:prstGeom>
+        </p:spPr>
+        <p:txBody>
+          <a:bodyPr spcFirstLastPara="1" vert="horz" wrap="square" lIns="121900" tIns="121900" rIns="121900" bIns="121900" rtlCol="0" anchor="t" anchorCtr="0">
+            <a:noAutofit/>
+          </a:bodyPr>
+          <a:lstStyle/>
+          <a:p>
+            <a:r>
+              <a:rPr lang="nb-NO" dirty="0"/>
+              <a:t>Microsoft Teams 101</a:t>
+            </a:r>
+            <a:endParaRPr dirty="0"/>
+          </a:p>
+        </p:txBody>
+      </p:sp>
+      <p:sp>
+        <p:nvSpPr>
+          <p:cNvPr id="69" name="Google Shape;69;p15"/>
+          <p:cNvSpPr txBox="1">
+            <a:spLocks noGrp="1"/>
+          </p:cNvSpPr>
+          <p:nvPr>
+            <p:ph type="body" idx="1"/>
+          </p:nvPr>
+        </p:nvSpPr>
+        <p:spPr>
+          <a:xfrm>
+            <a:off x="415600" y="1536633"/>
+            <a:ext cx="11360800" cy="4555200"/>
+          </a:xfrm>
+          <a:prstGeom prst="rect">
+            <a:avLst/>
+          </a:prstGeom>
+        </p:spPr>
+        <p:txBody>
+          <a:bodyPr spcFirstLastPara="1" vert="horz" wrap="square" lIns="121900" tIns="121900" rIns="121900" bIns="121900" rtlCol="0" anchor="t" anchorCtr="0">
+            <a:noAutofit/>
+          </a:bodyPr>
+          <a:lstStyle/>
+          <a:p>
+            <a:pPr marL="380990" indent="-380990">
+              <a:spcAft>
+                <a:spcPts val="2133"/>
+              </a:spcAft>
+            </a:pPr>
+            <a:r>
+              <a:rPr lang="en-US" dirty="0"/>
+              <a:t>Mute your mic (but don’t forget to unmute when you speak)</a:t>
+            </a:r>
+          </a:p>
+          <a:p>
+            <a:pPr marL="380990" indent="-380990">
+              <a:spcAft>
+                <a:spcPts val="2133"/>
+              </a:spcAft>
+            </a:pPr>
+            <a:r>
+              <a:rPr lang="en-US" dirty="0"/>
+              <a:t>Feel free to use video</a:t>
+            </a:r>
+          </a:p>
+          <a:p>
+            <a:pPr marL="380990" indent="-380990">
+              <a:spcAft>
+                <a:spcPts val="2133"/>
+              </a:spcAft>
+            </a:pPr>
+            <a:r>
+              <a:rPr lang="en-US" dirty="0"/>
+              <a:t>«Rise your hand» if you need some attention</a:t>
+            </a:r>
+          </a:p>
+          <a:p>
+            <a:pPr marL="380990" indent="-380990">
+              <a:spcAft>
+                <a:spcPts val="2133"/>
+              </a:spcAft>
+            </a:pPr>
+            <a:r>
+              <a:rPr lang="en-US" dirty="0"/>
+              <a:t>Conversation/chat</a:t>
+            </a:r>
+          </a:p>
+          <a:p>
+            <a:pPr marL="380990" indent="-380990">
+              <a:spcAft>
+                <a:spcPts val="2133"/>
+              </a:spcAft>
+            </a:pPr>
+            <a:r>
+              <a:rPr lang="en-US" dirty="0"/>
+              <a:t>If you want to have private discussion, find </a:t>
+            </a:r>
+            <a:r>
+              <a:rPr lang="en-US" dirty="0">
+                <a:hlinkClick r:id="rId3"/>
+              </a:rPr>
+              <a:t>evgeny@enso.no</a:t>
+            </a:r>
+            <a:r>
+              <a:rPr lang="en-US" dirty="0"/>
+              <a:t> and start chat with me </a:t>
+            </a:r>
+          </a:p>
+          <a:p>
+            <a:pPr marL="380990" indent="-380990">
+              <a:spcAft>
+                <a:spcPts val="2133"/>
+              </a:spcAft>
+            </a:pPr>
+            <a:r>
+              <a:rPr lang="en-US" dirty="0"/>
+              <a:t>Share screen </a:t>
+            </a:r>
+          </a:p>
+        </p:txBody>
+      </p:sp>
+      <p:pic>
+        <p:nvPicPr>
+          <p:cNvPr id="2" name="Picture 1">
+            <a:extLst>
+              <a:ext uri="{FF2B5EF4-FFF2-40B4-BE49-F238E27FC236}">
+                <a16:creationId xmlns:a16="http://schemas.microsoft.com/office/drawing/2014/main" id="{93FDAD15-0133-42CB-B22E-5EA0CBAB687B}"/>
+              </a:ext>
+            </a:extLst>
+          </p:cNvPr>
+          <p:cNvPicPr>
+            <a:picLocks noChangeAspect="1"/>
+          </p:cNvPicPr>
+          <p:nvPr/>
+        </p:nvPicPr>
+        <p:blipFill>
+          <a:blip r:embed="rId4"/>
+          <a:stretch>
+            <a:fillRect/>
+          </a:stretch>
+        </p:blipFill>
+        <p:spPr>
+          <a:xfrm>
+            <a:off x="3696563" y="3428999"/>
+            <a:ext cx="3637396" cy="819045"/>
+          </a:xfrm>
+          <a:prstGeom prst="rect">
+            <a:avLst/>
+          </a:prstGeom>
+        </p:spPr>
+      </p:pic>
+      <p:pic>
+        <p:nvPicPr>
+          <p:cNvPr id="3" name="Picture 2">
+            <a:extLst>
+              <a:ext uri="{FF2B5EF4-FFF2-40B4-BE49-F238E27FC236}">
+                <a16:creationId xmlns:a16="http://schemas.microsoft.com/office/drawing/2014/main" id="{8C84819E-A625-40F0-BCDC-E2DFEF111510}"/>
+              </a:ext>
+            </a:extLst>
+          </p:cNvPr>
+          <p:cNvPicPr>
+            <a:picLocks noChangeAspect="1"/>
+          </p:cNvPicPr>
+          <p:nvPr/>
+        </p:nvPicPr>
+        <p:blipFill>
+          <a:blip r:embed="rId5"/>
+          <a:stretch>
+            <a:fillRect/>
+          </a:stretch>
+        </p:blipFill>
+        <p:spPr>
+          <a:xfrm>
+            <a:off x="3028127" y="5321367"/>
+            <a:ext cx="3447472" cy="702531"/>
+          </a:xfrm>
+          <a:prstGeom prst="rect">
+            <a:avLst/>
+          </a:prstGeom>
+        </p:spPr>
+      </p:pic>
+      <p:pic>
+        <p:nvPicPr>
+          <p:cNvPr id="7" name="Google Shape;56;p13">
+            <a:extLst>
+              <a:ext uri="{FF2B5EF4-FFF2-40B4-BE49-F238E27FC236}">
+                <a16:creationId xmlns:a16="http://schemas.microsoft.com/office/drawing/2014/main" id="{C7C3329F-2340-4248-9990-99A2AC41C156}"/>
+              </a:ext>
+            </a:extLst>
+          </p:cNvPr>
+          <p:cNvPicPr preferRelativeResize="0"/>
+          <p:nvPr/>
+        </p:nvPicPr>
+        <p:blipFill>
+          <a:blip r:embed="rId6">
+            <a:alphaModFix/>
+          </a:blip>
+          <a:stretch>
+            <a:fillRect/>
+          </a:stretch>
+        </p:blipFill>
+        <p:spPr>
+          <a:xfrm>
+            <a:off x="10989179" y="5736492"/>
+            <a:ext cx="1202821" cy="1121508"/>
+          </a:xfrm>
+          <a:prstGeom prst="rect">
+            <a:avLst/>
+          </a:prstGeom>
+          <a:noFill/>
+          <a:ln>
+            <a:noFill/>
+          </a:ln>
+        </p:spPr>
+      </p:pic>
+      <p:pic>
+        <p:nvPicPr>
+          <p:cNvPr id="5" name="Picture 4">
+            <a:extLst>
+              <a:ext uri="{FF2B5EF4-FFF2-40B4-BE49-F238E27FC236}">
+                <a16:creationId xmlns:a16="http://schemas.microsoft.com/office/drawing/2014/main" id="{0811F3FE-AAEC-40BB-BF0A-BE959E311625}"/>
+              </a:ext>
+            </a:extLst>
+          </p:cNvPr>
+          <p:cNvPicPr>
+            <a:picLocks noChangeAspect="1"/>
+          </p:cNvPicPr>
+          <p:nvPr/>
+        </p:nvPicPr>
+        <p:blipFill>
+          <a:blip r:embed="rId7"/>
+          <a:stretch>
+            <a:fillRect/>
+          </a:stretch>
+        </p:blipFill>
+        <p:spPr>
+          <a:xfrm>
+            <a:off x="7521682" y="2482032"/>
+            <a:ext cx="4320914" cy="769687"/>
+          </a:xfrm>
+          <a:prstGeom prst="rect">
+            <a:avLst/>
+          </a:prstGeom>
+        </p:spPr>
+      </p:pic>
+    </p:spTree>
+    <p:extLst>
+      <p:ext uri="{BB962C8B-B14F-4D97-AF65-F5344CB8AC3E}">
+        <p14:creationId xmlns:p14="http://schemas.microsoft.com/office/powerpoint/2010/main" val="3861844443"/>
+      </p:ext>
+    </p:extLst>
+  </p:cSld>
+  <p:clrMapOvr>
+    <a:masterClrMapping/>
+  </p:clrMapOvr>
+</p:sld>
+</file>
+
+<file path=ppt/slides/slide40.xml><?xml version="1.0" encoding="utf-8"?>
 <p:sld xmlns:a="http://schemas.openxmlformats.org/drawingml/2006/main" xmlns:r="http://schemas.openxmlformats.org/officeDocument/2006/relationships" xmlns:p="http://schemas.openxmlformats.org/presentationml/2006/main">
   <p:cSld>
     <p:bg>
@@ -32275,7 +40426,7 @@
 </p:sld>
 </file>
 
-<file path=ppt/slides/slide33.xml><?xml version="1.0" encoding="utf-8"?>
+<file path=ppt/slides/slide41.xml><?xml version="1.0" encoding="utf-8"?>
 <p:sld xmlns:a="http://schemas.openxmlformats.org/drawingml/2006/main" xmlns:r="http://schemas.openxmlformats.org/officeDocument/2006/relationships" xmlns:p="http://schemas.openxmlformats.org/presentationml/2006/main">
   <p:cSld>
     <p:bg>
@@ -33445,295 +41596,6 @@
     <p:extLst>
       <p:ext uri="{BB962C8B-B14F-4D97-AF65-F5344CB8AC3E}">
         <p14:creationId xmlns:p14="http://schemas.microsoft.com/office/powerpoint/2010/main" val="2938372262"/>
-      </p:ext>
-    </p:extLst>
-  </p:cSld>
-  <p:clrMapOvr>
-    <a:masterClrMapping/>
-  </p:clrMapOvr>
-</p:sld>
-</file>
-
-<file path=ppt/slides/slide4.xml><?xml version="1.0" encoding="utf-8"?>
-<p:sld xmlns:a="http://schemas.openxmlformats.org/drawingml/2006/main" xmlns:r="http://schemas.openxmlformats.org/officeDocument/2006/relationships" xmlns:p="http://schemas.openxmlformats.org/presentationml/2006/main">
-  <p:cSld>
-    <p:spTree>
-      <p:nvGrpSpPr>
-        <p:cNvPr id="1" name="Shape 67"/>
-        <p:cNvGrpSpPr/>
-        <p:nvPr/>
-      </p:nvGrpSpPr>
-      <p:grpSpPr>
-        <a:xfrm>
-          <a:off x="0" y="0"/>
-          <a:ext cx="0" cy="0"/>
-          <a:chOff x="0" y="0"/>
-          <a:chExt cx="0" cy="0"/>
-        </a:xfrm>
-      </p:grpSpPr>
-      <p:sp>
-        <p:nvSpPr>
-          <p:cNvPr id="68" name="Google Shape;68;p15"/>
-          <p:cNvSpPr txBox="1">
-            <a:spLocks noGrp="1"/>
-          </p:cNvSpPr>
-          <p:nvPr>
-            <p:ph type="title"/>
-          </p:nvPr>
-        </p:nvSpPr>
-        <p:spPr>
-          <a:xfrm>
-            <a:off x="415600" y="593367"/>
-            <a:ext cx="11360800" cy="763600"/>
-          </a:xfrm>
-          <a:prstGeom prst="rect">
-            <a:avLst/>
-          </a:prstGeom>
-        </p:spPr>
-        <p:txBody>
-          <a:bodyPr spcFirstLastPara="1" vert="horz" wrap="square" lIns="121900" tIns="121900" rIns="121900" bIns="121900" rtlCol="0" anchor="t" anchorCtr="0">
-            <a:noAutofit/>
-          </a:bodyPr>
-          <a:lstStyle/>
-          <a:p>
-            <a:r>
-              <a:rPr lang="nb-NO" dirty="0"/>
-              <a:t>Microsoft Teams 101</a:t>
-            </a:r>
-            <a:endParaRPr dirty="0"/>
-          </a:p>
-        </p:txBody>
-      </p:sp>
-      <p:sp>
-        <p:nvSpPr>
-          <p:cNvPr id="69" name="Google Shape;69;p15"/>
-          <p:cNvSpPr txBox="1">
-            <a:spLocks noGrp="1"/>
-          </p:cNvSpPr>
-          <p:nvPr>
-            <p:ph type="body" idx="1"/>
-          </p:nvPr>
-        </p:nvSpPr>
-        <p:spPr>
-          <a:xfrm>
-            <a:off x="415600" y="1536633"/>
-            <a:ext cx="11360800" cy="4555200"/>
-          </a:xfrm>
-          <a:prstGeom prst="rect">
-            <a:avLst/>
-          </a:prstGeom>
-        </p:spPr>
-        <p:txBody>
-          <a:bodyPr spcFirstLastPara="1" vert="horz" wrap="square" lIns="121900" tIns="121900" rIns="121900" bIns="121900" rtlCol="0" anchor="t" anchorCtr="0">
-            <a:noAutofit/>
-          </a:bodyPr>
-          <a:lstStyle/>
-          <a:p>
-            <a:pPr marL="380990" indent="-380990">
-              <a:spcAft>
-                <a:spcPts val="2133"/>
-              </a:spcAft>
-            </a:pPr>
-            <a:r>
-              <a:rPr lang="en-US" dirty="0"/>
-              <a:t>Mute your mic (but don’t forget to unmute when you speak)</a:t>
-            </a:r>
-          </a:p>
-          <a:p>
-            <a:pPr marL="380990" indent="-380990">
-              <a:spcAft>
-                <a:spcPts val="2133"/>
-              </a:spcAft>
-            </a:pPr>
-            <a:r>
-              <a:rPr lang="en-US" dirty="0"/>
-              <a:t>Feel free to use video</a:t>
-            </a:r>
-          </a:p>
-          <a:p>
-            <a:pPr marL="380990" indent="-380990">
-              <a:spcAft>
-                <a:spcPts val="2133"/>
-              </a:spcAft>
-            </a:pPr>
-            <a:r>
-              <a:rPr lang="en-US" dirty="0"/>
-              <a:t>«Rise your hand» if you need some attention</a:t>
-            </a:r>
-          </a:p>
-          <a:p>
-            <a:pPr marL="380990" indent="-380990">
-              <a:spcAft>
-                <a:spcPts val="2133"/>
-              </a:spcAft>
-            </a:pPr>
-            <a:r>
-              <a:rPr lang="en-US" dirty="0"/>
-              <a:t>Conversation/chat</a:t>
-            </a:r>
-          </a:p>
-          <a:p>
-            <a:pPr marL="380990" indent="-380990">
-              <a:spcAft>
-                <a:spcPts val="2133"/>
-              </a:spcAft>
-            </a:pPr>
-            <a:r>
-              <a:rPr lang="en-US" dirty="0"/>
-              <a:t>If you want to have private discussion, find </a:t>
-            </a:r>
-            <a:r>
-              <a:rPr lang="en-US" dirty="0">
-                <a:hlinkClick r:id="rId3"/>
-              </a:rPr>
-              <a:t>evgeny@enso.no</a:t>
-            </a:r>
-            <a:r>
-              <a:rPr lang="en-US" dirty="0"/>
-              <a:t> and start chat with me </a:t>
-            </a:r>
-          </a:p>
-          <a:p>
-            <a:pPr marL="380990" indent="-380990">
-              <a:spcAft>
-                <a:spcPts val="2133"/>
-              </a:spcAft>
-            </a:pPr>
-            <a:r>
-              <a:rPr lang="en-US" dirty="0"/>
-              <a:t>Share screen </a:t>
-            </a:r>
-          </a:p>
-        </p:txBody>
-      </p:sp>
-      <p:pic>
-        <p:nvPicPr>
-          <p:cNvPr id="2" name="Picture 1">
-            <a:extLst>
-              <a:ext uri="{FF2B5EF4-FFF2-40B4-BE49-F238E27FC236}">
-                <a16:creationId xmlns:a16="http://schemas.microsoft.com/office/drawing/2014/main" id="{93FDAD15-0133-42CB-B22E-5EA0CBAB687B}"/>
-              </a:ext>
-            </a:extLst>
-          </p:cNvPr>
-          <p:cNvPicPr>
-            <a:picLocks noChangeAspect="1"/>
-          </p:cNvPicPr>
-          <p:nvPr/>
-        </p:nvPicPr>
-        <p:blipFill>
-          <a:blip r:embed="rId4"/>
-          <a:stretch>
-            <a:fillRect/>
-          </a:stretch>
-        </p:blipFill>
-        <p:spPr>
-          <a:xfrm>
-            <a:off x="3696563" y="3428999"/>
-            <a:ext cx="3637396" cy="819045"/>
-          </a:xfrm>
-          <a:prstGeom prst="rect">
-            <a:avLst/>
-          </a:prstGeom>
-        </p:spPr>
-      </p:pic>
-      <p:pic>
-        <p:nvPicPr>
-          <p:cNvPr id="3" name="Picture 2">
-            <a:extLst>
-              <a:ext uri="{FF2B5EF4-FFF2-40B4-BE49-F238E27FC236}">
-                <a16:creationId xmlns:a16="http://schemas.microsoft.com/office/drawing/2014/main" id="{8C84819E-A625-40F0-BCDC-E2DFEF111510}"/>
-              </a:ext>
-            </a:extLst>
-          </p:cNvPr>
-          <p:cNvPicPr>
-            <a:picLocks noChangeAspect="1"/>
-          </p:cNvPicPr>
-          <p:nvPr/>
-        </p:nvPicPr>
-        <p:blipFill>
-          <a:blip r:embed="rId5"/>
-          <a:stretch>
-            <a:fillRect/>
-          </a:stretch>
-        </p:blipFill>
-        <p:spPr>
-          <a:xfrm>
-            <a:off x="3028127" y="5321367"/>
-            <a:ext cx="3447472" cy="702531"/>
-          </a:xfrm>
-          <a:prstGeom prst="rect">
-            <a:avLst/>
-          </a:prstGeom>
-        </p:spPr>
-      </p:pic>
-      <p:pic>
-        <p:nvPicPr>
-          <p:cNvPr id="7" name="Google Shape;56;p13">
-            <a:extLst>
-              <a:ext uri="{FF2B5EF4-FFF2-40B4-BE49-F238E27FC236}">
-                <a16:creationId xmlns:a16="http://schemas.microsoft.com/office/drawing/2014/main" id="{C7C3329F-2340-4248-9990-99A2AC41C156}"/>
-              </a:ext>
-            </a:extLst>
-          </p:cNvPr>
-          <p:cNvPicPr preferRelativeResize="0"/>
-          <p:nvPr/>
-        </p:nvPicPr>
-        <p:blipFill>
-          <a:blip r:embed="rId6">
-            <a:alphaModFix/>
-          </a:blip>
-          <a:stretch>
-            <a:fillRect/>
-          </a:stretch>
-        </p:blipFill>
-        <p:spPr>
-          <a:xfrm>
-            <a:off x="10989179" y="5736492"/>
-            <a:ext cx="1202821" cy="1121508"/>
-          </a:xfrm>
-          <a:prstGeom prst="rect">
-            <a:avLst/>
-          </a:prstGeom>
-          <a:noFill/>
-          <a:ln>
-            <a:noFill/>
-          </a:ln>
-        </p:spPr>
-      </p:pic>
-      <p:pic>
-        <p:nvPicPr>
-          <p:cNvPr id="5" name="Picture 4">
-            <a:extLst>
-              <a:ext uri="{FF2B5EF4-FFF2-40B4-BE49-F238E27FC236}">
-                <a16:creationId xmlns:a16="http://schemas.microsoft.com/office/drawing/2014/main" id="{0811F3FE-AAEC-40BB-BF0A-BE959E311625}"/>
-              </a:ext>
-            </a:extLst>
-          </p:cNvPr>
-          <p:cNvPicPr>
-            <a:picLocks noChangeAspect="1"/>
-          </p:cNvPicPr>
-          <p:nvPr/>
-        </p:nvPicPr>
-        <p:blipFill>
-          <a:blip r:embed="rId7"/>
-          <a:stretch>
-            <a:fillRect/>
-          </a:stretch>
-        </p:blipFill>
-        <p:spPr>
-          <a:xfrm>
-            <a:off x="7521682" y="2482032"/>
-            <a:ext cx="4320914" cy="769687"/>
-          </a:xfrm>
-          <a:prstGeom prst="rect">
-            <a:avLst/>
-          </a:prstGeom>
-        </p:spPr>
-      </p:pic>
-    </p:spTree>
-    <p:extLst>
-      <p:ext uri="{BB962C8B-B14F-4D97-AF65-F5344CB8AC3E}">
-        <p14:creationId xmlns:p14="http://schemas.microsoft.com/office/powerpoint/2010/main" val="3861844443"/>
       </p:ext>
     </p:extLst>
   </p:cSld>

--- a/01-aks-and-k8s-101/slides/Introduction to AKS.pptx
+++ b/01-aks-and-k8s-101/slides/Introduction to AKS.pptx
@@ -28347,8 +28347,13 @@
           <a:p>
             <a:r>
               <a:rPr lang="en-US" dirty="0"/>
-              <a:t>Advanced AKS con</a:t>
+              <a:t>Advanced </a:t>
             </a:r>
+            <a:r>
+              <a:rPr lang="en-US"/>
+              <a:t>AKS configuration</a:t>
+            </a:r>
+            <a:endParaRPr lang="en-US" dirty="0"/>
           </a:p>
           <a:p>
             <a:r>
